--- a/absorption/enhancement.pptx
+++ b/absorption/enhancement.pptx
@@ -7,8 +7,8 @@
   <p:sldIdLst>
     <p:sldId id="256" r:id="rId2"/>
     <p:sldId id="257" r:id="rId3"/>
-    <p:sldId id="258" r:id="rId4"/>
-    <p:sldId id="260" r:id="rId5"/>
+    <p:sldId id="260" r:id="rId4"/>
+    <p:sldId id="258" r:id="rId5"/>
   </p:sldIdLst>
   <p:sldSz cx="12192000" cy="6858000"/>
   <p:notesSz cx="6858000" cy="9144000"/>
@@ -107,6 +107,11 @@
       </a:defRPr>
     </a:lvl9pPr>
   </p:defaultTextStyle>
+  <p:extLst>
+    <p:ext uri="{EFAFB233-063F-42B5-8137-9DF3F51BA10A}">
+      <p15:sldGuideLst xmlns:p15="http://schemas.microsoft.com/office/powerpoint/2012/main"/>
+    </p:ext>
+  </p:extLst>
 </p:presentation>
 </file>
 
@@ -3549,8 +3554,8 @@
           </a:fontRef>
         </p:style>
       </p:cxnSp>
-      <mc:AlternateContent xmlns:mc="http://schemas.openxmlformats.org/markup-compatibility/2006">
-        <mc:Choice xmlns:a14="http://schemas.microsoft.com/office/drawing/2010/main" Requires="a14">
+      <mc:AlternateContent xmlns:mc="http://schemas.openxmlformats.org/markup-compatibility/2006" xmlns:a14="http://schemas.microsoft.com/office/drawing/2010/main">
+        <mc:Choice Requires="a14">
           <p:sp>
             <p:nvSpPr>
               <p:cNvPr id="12" name="TextBox 11">
@@ -3579,6 +3584,7 @@
               </a:bodyPr>
               <a:lstStyle/>
               <a:p>
+                <a:pPr/>
                 <a14:m>
                   <m:oMathPara xmlns:m="http://schemas.openxmlformats.org/officeDocument/2006/math">
                     <m:oMathParaPr>
@@ -3618,7 +3624,7 @@
             </p:txBody>
           </p:sp>
         </mc:Choice>
-        <mc:Fallback>
+        <mc:Fallback xmlns="">
           <p:sp>
             <p:nvSpPr>
               <p:cNvPr id="12" name="TextBox 11">
@@ -3663,8 +3669,8 @@
           </p:sp>
         </mc:Fallback>
       </mc:AlternateContent>
-      <mc:AlternateContent xmlns:mc="http://schemas.openxmlformats.org/markup-compatibility/2006">
-        <mc:Choice xmlns:a14="http://schemas.microsoft.com/office/drawing/2010/main" Requires="a14">
+      <mc:AlternateContent xmlns:mc="http://schemas.openxmlformats.org/markup-compatibility/2006" xmlns:a14="http://schemas.microsoft.com/office/drawing/2010/main">
+        <mc:Choice Requires="a14">
           <p:sp>
             <p:nvSpPr>
               <p:cNvPr id="13" name="TextBox 12">
@@ -3693,6 +3699,7 @@
               </a:bodyPr>
               <a:lstStyle/>
               <a:p>
+                <a:pPr/>
                 <a14:m>
                   <m:oMathPara xmlns:m="http://schemas.openxmlformats.org/officeDocument/2006/math">
                     <m:oMathParaPr>
@@ -3732,7 +3739,7 @@
             </p:txBody>
           </p:sp>
         </mc:Choice>
-        <mc:Fallback>
+        <mc:Fallback xmlns="">
           <p:sp>
             <p:nvSpPr>
               <p:cNvPr id="13" name="TextBox 12">
@@ -3907,8 +3914,8 @@
           </a:fontRef>
         </p:style>
       </p:cxnSp>
-      <mc:AlternateContent xmlns:mc="http://schemas.openxmlformats.org/markup-compatibility/2006">
-        <mc:Choice xmlns:a14="http://schemas.microsoft.com/office/drawing/2010/main" Requires="a14">
+      <mc:AlternateContent xmlns:mc="http://schemas.openxmlformats.org/markup-compatibility/2006" xmlns:a14="http://schemas.microsoft.com/office/drawing/2010/main">
+        <mc:Choice Requires="a14">
           <p:sp>
             <p:nvSpPr>
               <p:cNvPr id="21" name="TextBox 20">
@@ -4049,7 +4056,7 @@
             </p:txBody>
           </p:sp>
         </mc:Choice>
-        <mc:Fallback>
+        <mc:Fallback xmlns="">
           <p:sp>
             <p:nvSpPr>
               <p:cNvPr id="21" name="TextBox 20">
@@ -4076,6 +4083,327 @@
                 <a:blip r:embed="rId4"/>
                 <a:stretch>
                   <a:fillRect t="-10465" r="-940" b="-32558"/>
+                </a:stretch>
+              </a:blipFill>
+            </p:spPr>
+            <p:txBody>
+              <a:bodyPr/>
+              <a:lstStyle/>
+              <a:p>
+                <a:r>
+                  <a:rPr lang="en-US">
+                    <a:noFill/>
+                  </a:rPr>
+                  <a:t> </a:t>
+                </a:r>
+              </a:p>
+            </p:txBody>
+          </p:sp>
+        </mc:Fallback>
+      </mc:AlternateContent>
+      <mc:AlternateContent xmlns:mc="http://schemas.openxmlformats.org/markup-compatibility/2006">
+        <mc:Choice xmlns:a14="http://schemas.microsoft.com/office/drawing/2010/main" Requires="a14">
+          <p:sp>
+            <p:nvSpPr>
+              <p:cNvPr id="2" name="TextBox 1">
+                <a:extLst>
+                  <a:ext uri="{FF2B5EF4-FFF2-40B4-BE49-F238E27FC236}">
+                    <a16:creationId xmlns:a16="http://schemas.microsoft.com/office/drawing/2014/main" id="{41FCDD6B-63AF-4348-BDE2-3B61D0CB3745}"/>
+                  </a:ext>
+                </a:extLst>
+              </p:cNvPr>
+              <p:cNvSpPr txBox="1"/>
+              <p:nvPr/>
+            </p:nvSpPr>
+            <p:spPr>
+              <a:xfrm>
+                <a:off x="4844394" y="738369"/>
+                <a:ext cx="513538" cy="369332"/>
+              </a:xfrm>
+              <a:prstGeom prst="rect">
+                <a:avLst/>
+              </a:prstGeom>
+              <a:noFill/>
+            </p:spPr>
+            <p:txBody>
+              <a:bodyPr wrap="none" rtlCol="0">
+                <a:spAutoFit/>
+              </a:bodyPr>
+              <a:lstStyle/>
+              <a:p>
+                <a14:m>
+                  <m:oMathPara xmlns:m="http://schemas.openxmlformats.org/officeDocument/2006/math">
+                    <m:oMathParaPr>
+                      <m:jc m:val="centerGroup"/>
+                    </m:oMathParaPr>
+                    <m:oMath xmlns:m="http://schemas.openxmlformats.org/officeDocument/2006/math">
+                      <m:r>
+                        <a:rPr lang="en-US" b="0" i="1" smtClean="0">
+                          <a:latin typeface="Cambria Math" panose="02040503050406030204" pitchFamily="18" charset="0"/>
+                        </a:rPr>
+                        <m:t>|</m:t>
+                      </m:r>
+                      <m:r>
+                        <a:rPr lang="en-US" b="0" i="1" smtClean="0">
+                          <a:latin typeface="Cambria Math" panose="02040503050406030204" pitchFamily="18" charset="0"/>
+                        </a:rPr>
+                        <m:t>𝑒</m:t>
+                      </m:r>
+                      <m:r>
+                        <a:rPr lang="en-US" b="0" i="1" smtClean="0">
+                          <a:latin typeface="Cambria Math" panose="02040503050406030204" pitchFamily="18" charset="0"/>
+                        </a:rPr>
+                        <m:t>⟩</m:t>
+                      </m:r>
+                    </m:oMath>
+                  </m:oMathPara>
+                </a14:m>
+                <a:endParaRPr lang="en-US" dirty="0"/>
+              </a:p>
+            </p:txBody>
+          </p:sp>
+        </mc:Choice>
+        <mc:Fallback>
+          <p:sp>
+            <p:nvSpPr>
+              <p:cNvPr id="2" name="TextBox 1">
+                <a:extLst>
+                  <a:ext uri="{FF2B5EF4-FFF2-40B4-BE49-F238E27FC236}">
+                    <a16:creationId xmlns:a16="http://schemas.microsoft.com/office/drawing/2014/main" id="{41FCDD6B-63AF-4348-BDE2-3B61D0CB3745}"/>
+                  </a:ext>
+                </a:extLst>
+              </p:cNvPr>
+              <p:cNvSpPr txBox="1">
+                <a:spLocks noRot="1" noChangeAspect="1" noMove="1" noResize="1" noEditPoints="1" noAdjustHandles="1" noChangeArrowheads="1" noChangeShapeType="1" noTextEdit="1"/>
+              </p:cNvSpPr>
+              <p:nvPr/>
+            </p:nvSpPr>
+            <p:spPr>
+              <a:xfrm>
+                <a:off x="4844394" y="738369"/>
+                <a:ext cx="513538" cy="369332"/>
+              </a:xfrm>
+              <a:prstGeom prst="rect">
+                <a:avLst/>
+              </a:prstGeom>
+              <a:blipFill>
+                <a:blip r:embed="rId5"/>
+                <a:stretch>
+                  <a:fillRect b="-13115"/>
+                </a:stretch>
+              </a:blipFill>
+            </p:spPr>
+            <p:txBody>
+              <a:bodyPr/>
+              <a:lstStyle/>
+              <a:p>
+                <a:r>
+                  <a:rPr lang="en-US">
+                    <a:noFill/>
+                  </a:rPr>
+                  <a:t> </a:t>
+                </a:r>
+              </a:p>
+            </p:txBody>
+          </p:sp>
+        </mc:Fallback>
+      </mc:AlternateContent>
+      <mc:AlternateContent xmlns:mc="http://schemas.openxmlformats.org/markup-compatibility/2006">
+        <mc:Choice xmlns:a14="http://schemas.microsoft.com/office/drawing/2010/main" Requires="a14">
+          <p:sp>
+            <p:nvSpPr>
+              <p:cNvPr id="14" name="TextBox 13">
+                <a:extLst>
+                  <a:ext uri="{FF2B5EF4-FFF2-40B4-BE49-F238E27FC236}">
+                    <a16:creationId xmlns:a16="http://schemas.microsoft.com/office/drawing/2014/main" id="{B6892FC9-778A-4F50-A587-1E445B3E127F}"/>
+                  </a:ext>
+                </a:extLst>
+              </p:cNvPr>
+              <p:cNvSpPr txBox="1"/>
+              <p:nvPr/>
+            </p:nvSpPr>
+            <p:spPr>
+              <a:xfrm>
+                <a:off x="4785149" y="2381109"/>
+                <a:ext cx="592598" cy="369332"/>
+              </a:xfrm>
+              <a:prstGeom prst="rect">
+                <a:avLst/>
+              </a:prstGeom>
+              <a:noFill/>
+            </p:spPr>
+            <p:txBody>
+              <a:bodyPr wrap="none" rtlCol="0">
+                <a:spAutoFit/>
+              </a:bodyPr>
+              <a:lstStyle/>
+              <a:p>
+                <a14:m>
+                  <m:oMathPara xmlns:m="http://schemas.openxmlformats.org/officeDocument/2006/math">
+                    <m:oMathParaPr>
+                      <m:jc m:val="centerGroup"/>
+                    </m:oMathParaPr>
+                    <m:oMath xmlns:m="http://schemas.openxmlformats.org/officeDocument/2006/math">
+                      <m:r>
+                        <a:rPr lang="en-US" b="0" i="1" smtClean="0">
+                          <a:latin typeface="Cambria Math" panose="02040503050406030204" pitchFamily="18" charset="0"/>
+                        </a:rPr>
+                        <m:t>|</m:t>
+                      </m:r>
+                      <m:r>
+                        <a:rPr lang="en-US" b="0" i="1" smtClean="0">
+                          <a:latin typeface="Cambria Math" panose="02040503050406030204" pitchFamily="18" charset="0"/>
+                        </a:rPr>
+                        <m:t>𝑚</m:t>
+                      </m:r>
+                      <m:r>
+                        <a:rPr lang="en-US" b="0" i="1" smtClean="0">
+                          <a:latin typeface="Cambria Math" panose="02040503050406030204" pitchFamily="18" charset="0"/>
+                        </a:rPr>
+                        <m:t>⟩</m:t>
+                      </m:r>
+                    </m:oMath>
+                  </m:oMathPara>
+                </a14:m>
+                <a:endParaRPr lang="en-US" dirty="0"/>
+              </a:p>
+            </p:txBody>
+          </p:sp>
+        </mc:Choice>
+        <mc:Fallback>
+          <p:sp>
+            <p:nvSpPr>
+              <p:cNvPr id="14" name="TextBox 13">
+                <a:extLst>
+                  <a:ext uri="{FF2B5EF4-FFF2-40B4-BE49-F238E27FC236}">
+                    <a16:creationId xmlns:a16="http://schemas.microsoft.com/office/drawing/2014/main" id="{B6892FC9-778A-4F50-A587-1E445B3E127F}"/>
+                  </a:ext>
+                </a:extLst>
+              </p:cNvPr>
+              <p:cNvSpPr txBox="1">
+                <a:spLocks noRot="1" noChangeAspect="1" noMove="1" noResize="1" noEditPoints="1" noAdjustHandles="1" noChangeArrowheads="1" noChangeShapeType="1" noTextEdit="1"/>
+              </p:cNvSpPr>
+              <p:nvPr/>
+            </p:nvSpPr>
+            <p:spPr>
+              <a:xfrm>
+                <a:off x="4785149" y="2381109"/>
+                <a:ext cx="592598" cy="369332"/>
+              </a:xfrm>
+              <a:prstGeom prst="rect">
+                <a:avLst/>
+              </a:prstGeom>
+              <a:blipFill>
+                <a:blip r:embed="rId6"/>
+                <a:stretch>
+                  <a:fillRect b="-13333"/>
+                </a:stretch>
+              </a:blipFill>
+            </p:spPr>
+            <p:txBody>
+              <a:bodyPr/>
+              <a:lstStyle/>
+              <a:p>
+                <a:r>
+                  <a:rPr lang="en-US">
+                    <a:noFill/>
+                  </a:rPr>
+                  <a:t> </a:t>
+                </a:r>
+              </a:p>
+            </p:txBody>
+          </p:sp>
+        </mc:Fallback>
+      </mc:AlternateContent>
+      <mc:AlternateContent xmlns:mc="http://schemas.openxmlformats.org/markup-compatibility/2006">
+        <mc:Choice xmlns:a14="http://schemas.microsoft.com/office/drawing/2010/main" Requires="a14">
+          <p:sp>
+            <p:nvSpPr>
+              <p:cNvPr id="16" name="TextBox 15">
+                <a:extLst>
+                  <a:ext uri="{FF2B5EF4-FFF2-40B4-BE49-F238E27FC236}">
+                    <a16:creationId xmlns:a16="http://schemas.microsoft.com/office/drawing/2014/main" id="{952EDB38-578A-40F9-BC2C-09EDA168A006}"/>
+                  </a:ext>
+                </a:extLst>
+              </p:cNvPr>
+              <p:cNvSpPr txBox="1"/>
+              <p:nvPr/>
+            </p:nvSpPr>
+            <p:spPr>
+              <a:xfrm>
+                <a:off x="4864209" y="4199336"/>
+                <a:ext cx="539700" cy="369332"/>
+              </a:xfrm>
+              <a:prstGeom prst="rect">
+                <a:avLst/>
+              </a:prstGeom>
+              <a:noFill/>
+            </p:spPr>
+            <p:txBody>
+              <a:bodyPr wrap="none" rtlCol="0">
+                <a:spAutoFit/>
+              </a:bodyPr>
+              <a:lstStyle/>
+              <a:p>
+                <a14:m>
+                  <m:oMathPara xmlns:m="http://schemas.openxmlformats.org/officeDocument/2006/math">
+                    <m:oMathParaPr>
+                      <m:jc m:val="centerGroup"/>
+                    </m:oMathParaPr>
+                    <m:oMath xmlns:m="http://schemas.openxmlformats.org/officeDocument/2006/math">
+                      <m:r>
+                        <a:rPr lang="en-US" b="0" i="1" smtClean="0">
+                          <a:latin typeface="Cambria Math" panose="02040503050406030204" pitchFamily="18" charset="0"/>
+                        </a:rPr>
+                        <m:t>|</m:t>
+                      </m:r>
+                      <m:r>
+                        <a:rPr lang="en-US" b="0" i="1" smtClean="0">
+                          <a:latin typeface="Cambria Math" panose="02040503050406030204" pitchFamily="18" charset="0"/>
+                        </a:rPr>
+                        <m:t>𝑔</m:t>
+                      </m:r>
+                      <m:r>
+                        <a:rPr lang="en-US" b="0" i="1" smtClean="0">
+                          <a:latin typeface="Cambria Math" panose="02040503050406030204" pitchFamily="18" charset="0"/>
+                        </a:rPr>
+                        <m:t>⟩</m:t>
+                      </m:r>
+                    </m:oMath>
+                  </m:oMathPara>
+                </a14:m>
+                <a:endParaRPr lang="en-US" dirty="0"/>
+              </a:p>
+            </p:txBody>
+          </p:sp>
+        </mc:Choice>
+        <mc:Fallback>
+          <p:sp>
+            <p:nvSpPr>
+              <p:cNvPr id="16" name="TextBox 15">
+                <a:extLst>
+                  <a:ext uri="{FF2B5EF4-FFF2-40B4-BE49-F238E27FC236}">
+                    <a16:creationId xmlns:a16="http://schemas.microsoft.com/office/drawing/2014/main" id="{952EDB38-578A-40F9-BC2C-09EDA168A006}"/>
+                  </a:ext>
+                </a:extLst>
+              </p:cNvPr>
+              <p:cNvSpPr txBox="1">
+                <a:spLocks noRot="1" noChangeAspect="1" noMove="1" noResize="1" noEditPoints="1" noAdjustHandles="1" noChangeArrowheads="1" noChangeShapeType="1" noTextEdit="1"/>
+              </p:cNvSpPr>
+              <p:nvPr/>
+            </p:nvSpPr>
+            <p:spPr>
+              <a:xfrm>
+                <a:off x="4864209" y="4199336"/>
+                <a:ext cx="539700" cy="369332"/>
+              </a:xfrm>
+              <a:prstGeom prst="rect">
+                <a:avLst/>
+              </a:prstGeom>
+              <a:blipFill>
+                <a:blip r:embed="rId7"/>
+                <a:stretch>
+                  <a:fillRect b="-13333"/>
                 </a:stretch>
               </a:blipFill>
             </p:spPr>
@@ -4354,7 +4682,7 @@
             <p:spPr>
               <a:xfrm>
                 <a:off x="4589549" y="1703379"/>
-                <a:ext cx="511614" cy="369332"/>
+                <a:ext cx="506292" cy="369332"/>
               </a:xfrm>
               <a:prstGeom prst="rect">
                 <a:avLst/>
@@ -4367,6 +4695,7 @@
               </a:bodyPr>
               <a:lstStyle/>
               <a:p>
+                <a:pPr/>
                 <a14:m>
                   <m:oMathPara xmlns:m="http://schemas.openxmlformats.org/officeDocument/2006/math">
                     <m:oMathParaPr>
@@ -4394,7 +4723,7 @@
                             <a:rPr lang="en-US" b="0" i="1" smtClean="0">
                               <a:latin typeface="Cambria Math" panose="02040503050406030204" pitchFamily="18" charset="0"/>
                             </a:rPr>
-                            <m:t>0</m:t>
+                            <m:t>1</m:t>
                           </m:r>
                         </m:sub>
                       </m:sSub>
@@ -4424,7 +4753,7 @@
             <p:spPr>
               <a:xfrm>
                 <a:off x="4589549" y="1703379"/>
-                <a:ext cx="511614" cy="369332"/>
+                <a:ext cx="506292" cy="369332"/>
               </a:xfrm>
               <a:prstGeom prst="rect">
                 <a:avLst/>
@@ -4468,7 +4797,7 @@
             <p:spPr>
               <a:xfrm>
                 <a:off x="4460855" y="3341669"/>
-                <a:ext cx="511614" cy="369332"/>
+                <a:ext cx="511615" cy="369332"/>
               </a:xfrm>
               <a:prstGeom prst="rect">
                 <a:avLst/>
@@ -4481,6 +4810,7 @@
               </a:bodyPr>
               <a:lstStyle/>
               <a:p>
+                <a:pPr/>
                 <a14:m>
                   <m:oMathPara xmlns:m="http://schemas.openxmlformats.org/officeDocument/2006/math">
                     <m:oMathParaPr>
@@ -4508,7 +4838,7 @@
                             <a:rPr lang="en-US" b="0" i="1" smtClean="0">
                               <a:latin typeface="Cambria Math" panose="02040503050406030204" pitchFamily="18" charset="0"/>
                             </a:rPr>
-                            <m:t>0</m:t>
+                            <m:t>2</m:t>
                           </m:r>
                         </m:sub>
                       </m:sSub>
@@ -4538,7 +4868,7 @@
             <p:spPr>
               <a:xfrm>
                 <a:off x="4460855" y="3341669"/>
-                <a:ext cx="511614" cy="369332"/>
+                <a:ext cx="511615" cy="369332"/>
               </a:xfrm>
               <a:prstGeom prst="rect">
                 <a:avLst/>
@@ -4670,7 +5000,7 @@
             <p:spPr>
               <a:xfrm>
                 <a:off x="5633238" y="1301774"/>
-                <a:ext cx="6641869" cy="5306068"/>
+                <a:ext cx="6641869" cy="5977919"/>
               </a:xfrm>
               <a:prstGeom prst="rect">
                 <a:avLst/>
@@ -4741,7 +5071,6 @@
                 </a:r>
               </a:p>
               <a:p>
-                <a:pPr/>
                 <a:r>
                   <a:rPr lang="en-US" sz="2800" b="0" dirty="0">
                     <a:cs typeface="Arial" panose="020B0604020202020204" pitchFamily="34" charset="0"/>
@@ -5054,7 +5383,6 @@
                 </a:endParaRPr>
               </a:p>
               <a:p>
-                <a:pPr/>
                 <a:r>
                   <a:rPr lang="en-US" sz="2800" dirty="0">
                     <a:latin typeface="Arial" panose="020B0604020202020204" pitchFamily="34" charset="0"/>
@@ -5295,7 +5623,7 @@
                             <a:latin typeface="Cambria Math" panose="02040503050406030204" pitchFamily="18" charset="0"/>
                             <a:cs typeface="Arial" panose="020B0604020202020204" pitchFamily="34" charset="0"/>
                           </a:rPr>
-                          <m:t>2</m:t>
+                          <m:t>4</m:t>
                         </m:r>
                       </m:sup>
                     </m:sSup>
@@ -5307,7 +5635,6 @@
                 </a:endParaRPr>
               </a:p>
               <a:p>
-                <a:pPr/>
                 <a:r>
                   <a:rPr lang="en-US" sz="2800" dirty="0">
                     <a:latin typeface="Arial" panose="020B0604020202020204" pitchFamily="34" charset="0"/>
@@ -5317,83 +5644,132 @@
                 </a:r>
                 <a14:m>
                   <m:oMath xmlns:m="http://schemas.openxmlformats.org/officeDocument/2006/math">
-                    <m:r>
-                      <a:rPr lang="en-US" sz="2800" b="0" i="1" smtClean="0">
-                        <a:latin typeface="Cambria Math" panose="02040503050406030204" pitchFamily="18" charset="0"/>
-                        <a:cs typeface="Arial" panose="020B0604020202020204" pitchFamily="34" charset="0"/>
-                      </a:rPr>
-                      <m:t>𝑠</m:t>
-                    </m:r>
-                    <m:sSup>
-                      <m:sSupPr>
+                    <m:f>
+                      <m:fPr>
                         <m:ctrlPr>
                           <a:rPr lang="en-US" sz="2800" b="0" i="1" smtClean="0">
                             <a:latin typeface="Cambria Math" panose="02040503050406030204" pitchFamily="18" charset="0"/>
                             <a:cs typeface="Arial" panose="020B0604020202020204" pitchFamily="34" charset="0"/>
                           </a:rPr>
                         </m:ctrlPr>
-                      </m:sSupPr>
-                      <m:e>
+                      </m:fPr>
+                      <m:num>
                         <m:r>
                           <a:rPr lang="en-US" sz="2800" b="0" i="1" smtClean="0">
                             <a:latin typeface="Cambria Math" panose="02040503050406030204" pitchFamily="18" charset="0"/>
                             <a:cs typeface="Arial" panose="020B0604020202020204" pitchFamily="34" charset="0"/>
                           </a:rPr>
-                          <m:t>h</m:t>
+                          <m:t>𝑠</m:t>
                         </m:r>
-                      </m:e>
-                      <m:sup>
+                        <m:sSup>
+                          <m:sSupPr>
+                            <m:ctrlPr>
+                              <a:rPr lang="en-US" sz="2800" b="0" i="1" smtClean="0">
+                                <a:latin typeface="Cambria Math" panose="02040503050406030204" pitchFamily="18" charset="0"/>
+                                <a:cs typeface="Arial" panose="020B0604020202020204" pitchFamily="34" charset="0"/>
+                              </a:rPr>
+                            </m:ctrlPr>
+                          </m:sSupPr>
+                          <m:e>
+                            <m:r>
+                              <a:rPr lang="en-US" sz="2800" b="0" i="1" smtClean="0">
+                                <a:latin typeface="Cambria Math" panose="02040503050406030204" pitchFamily="18" charset="0"/>
+                                <a:cs typeface="Arial" panose="020B0604020202020204" pitchFamily="34" charset="0"/>
+                              </a:rPr>
+                              <m:t>h</m:t>
+                            </m:r>
+                          </m:e>
+                          <m:sup>
+                            <m:r>
+                              <a:rPr lang="en-US" sz="2800" b="0" i="1" smtClean="0">
+                                <a:latin typeface="Cambria Math" panose="02040503050406030204" pitchFamily="18" charset="0"/>
+                                <a:cs typeface="Arial" panose="020B0604020202020204" pitchFamily="34" charset="0"/>
+                              </a:rPr>
+                              <m:t>2</m:t>
+                            </m:r>
+                          </m:sup>
+                        </m:sSup>
                         <m:r>
                           <a:rPr lang="en-US" sz="2800" b="0" i="1" smtClean="0">
                             <a:latin typeface="Cambria Math" panose="02040503050406030204" pitchFamily="18" charset="0"/>
                             <a:cs typeface="Arial" panose="020B0604020202020204" pitchFamily="34" charset="0"/>
                           </a:rPr>
-                          <m:t>2</m:t>
+                          <m:t>+</m:t>
                         </m:r>
-                      </m:sup>
-                    </m:sSup>
-                    <m:r>
-                      <a:rPr lang="en-US" sz="2800" b="0" i="1" smtClean="0">
-                        <a:latin typeface="Cambria Math" panose="02040503050406030204" pitchFamily="18" charset="0"/>
-                        <a:cs typeface="Arial" panose="020B0604020202020204" pitchFamily="34" charset="0"/>
-                      </a:rPr>
-                      <m:t>+</m:t>
-                    </m:r>
-                    <m:r>
-                      <a:rPr lang="en-US" sz="2800" b="0" i="1" smtClean="0">
-                        <a:latin typeface="Cambria Math" panose="02040503050406030204" pitchFamily="18" charset="0"/>
-                        <a:cs typeface="Arial" panose="020B0604020202020204" pitchFamily="34" charset="0"/>
-                      </a:rPr>
-                      <m:t>𝑐</m:t>
-                    </m:r>
-                    <m:sSup>
-                      <m:sSupPr>
-                        <m:ctrlPr>
-                          <a:rPr lang="en-US" sz="2800" b="0" i="1" smtClean="0">
-                            <a:latin typeface="Cambria Math" panose="02040503050406030204" pitchFamily="18" charset="0"/>
-                            <a:cs typeface="Arial" panose="020B0604020202020204" pitchFamily="34" charset="0"/>
-                          </a:rPr>
-                        </m:ctrlPr>
-                      </m:sSupPr>
-                      <m:e>
                         <m:r>
                           <a:rPr lang="en-US" sz="2800" b="0" i="1" smtClean="0">
                             <a:latin typeface="Cambria Math" panose="02040503050406030204" pitchFamily="18" charset="0"/>
                             <a:cs typeface="Arial" panose="020B0604020202020204" pitchFamily="34" charset="0"/>
                           </a:rPr>
-                          <m:t>h</m:t>
+                          <m:t>𝑐</m:t>
                         </m:r>
-                      </m:e>
-                      <m:sup>
+                        <m:sSup>
+                          <m:sSupPr>
+                            <m:ctrlPr>
+                              <a:rPr lang="en-US" sz="2800" b="0" i="1" smtClean="0">
+                                <a:latin typeface="Cambria Math" panose="02040503050406030204" pitchFamily="18" charset="0"/>
+                                <a:cs typeface="Arial" panose="020B0604020202020204" pitchFamily="34" charset="0"/>
+                              </a:rPr>
+                            </m:ctrlPr>
+                          </m:sSupPr>
+                          <m:e>
+                            <m:r>
+                              <a:rPr lang="en-US" sz="2800" b="0" i="1" smtClean="0">
+                                <a:latin typeface="Cambria Math" panose="02040503050406030204" pitchFamily="18" charset="0"/>
+                                <a:cs typeface="Arial" panose="020B0604020202020204" pitchFamily="34" charset="0"/>
+                              </a:rPr>
+                              <m:t>h</m:t>
+                            </m:r>
+                          </m:e>
+                          <m:sup>
+                            <m:r>
+                              <a:rPr lang="en-US" sz="2800" b="0" i="1" smtClean="0">
+                                <a:latin typeface="Cambria Math" panose="02040503050406030204" pitchFamily="18" charset="0"/>
+                                <a:cs typeface="Arial" panose="020B0604020202020204" pitchFamily="34" charset="0"/>
+                              </a:rPr>
+                              <m:t>2</m:t>
+                            </m:r>
+                          </m:sup>
+                        </m:sSup>
+                      </m:num>
+                      <m:den>
                         <m:r>
                           <a:rPr lang="en-US" sz="2800" b="0" i="1" smtClean="0">
                             <a:latin typeface="Cambria Math" panose="02040503050406030204" pitchFamily="18" charset="0"/>
                             <a:cs typeface="Arial" panose="020B0604020202020204" pitchFamily="34" charset="0"/>
                           </a:rPr>
-                          <m:t>2</m:t>
+                          <m:t>𝑠</m:t>
                         </m:r>
-                      </m:sup>
-                    </m:sSup>
+                        <m:sSup>
+                          <m:sSupPr>
+                            <m:ctrlPr>
+                              <a:rPr lang="en-US" sz="2800" b="0" i="1" smtClean="0">
+                                <a:latin typeface="Cambria Math" panose="02040503050406030204" pitchFamily="18" charset="0"/>
+                                <a:cs typeface="Arial" panose="020B0604020202020204" pitchFamily="34" charset="0"/>
+                              </a:rPr>
+                            </m:ctrlPr>
+                          </m:sSupPr>
+                          <m:e>
+                            <m:r>
+                              <a:rPr lang="en-US" sz="2800" b="0" i="1" smtClean="0">
+                                <a:latin typeface="Cambria Math" panose="02040503050406030204" pitchFamily="18" charset="0"/>
+                                <a:cs typeface="Arial" panose="020B0604020202020204" pitchFamily="34" charset="0"/>
+                              </a:rPr>
+                              <m:t>h</m:t>
+                            </m:r>
+                          </m:e>
+                          <m:sup>
+                            <m:r>
+                              <a:rPr lang="en-US" sz="2800" b="0" i="1" smtClean="0">
+                                <a:latin typeface="Cambria Math" panose="02040503050406030204" pitchFamily="18" charset="0"/>
+                                <a:cs typeface="Arial" panose="020B0604020202020204" pitchFamily="34" charset="0"/>
+                              </a:rPr>
+                              <m:t>2</m:t>
+                            </m:r>
+                          </m:sup>
+                        </m:sSup>
+                      </m:den>
+                    </m:f>
                   </m:oMath>
                 </a14:m>
                 <a:r>
@@ -5401,7 +5777,41 @@
                     <a:latin typeface="Arial" panose="020B0604020202020204" pitchFamily="34" charset="0"/>
                     <a:cs typeface="Arial" panose="020B0604020202020204" pitchFamily="34" charset="0"/>
                   </a:rPr>
-                  <a:t>, infinity if </a:t>
+                  <a:t>, </a:t>
+                </a:r>
+              </a:p>
+              <a:p>
+                <a:r>
+                  <a:rPr lang="en-US" sz="2800" dirty="0">
+                    <a:latin typeface="Arial" panose="020B0604020202020204" pitchFamily="34" charset="0"/>
+                    <a:cs typeface="Arial" panose="020B0604020202020204" pitchFamily="34" charset="0"/>
+                  </a:rPr>
+                  <a:t>infinity if </a:t>
+                </a:r>
+                <a14:m>
+                  <m:oMath xmlns:m="http://schemas.openxmlformats.org/officeDocument/2006/math">
+                    <m:r>
+                      <a:rPr lang="en-US" sz="2800" b="0" i="1" smtClean="0">
+                        <a:latin typeface="Cambria Math" panose="02040503050406030204" pitchFamily="18" charset="0"/>
+                        <a:cs typeface="Arial" panose="020B0604020202020204" pitchFamily="34" charset="0"/>
+                      </a:rPr>
+                      <m:t>𝑟</m:t>
+                    </m:r>
+                    <m:r>
+                      <a:rPr lang="en-US" sz="2800" b="0" i="1" smtClean="0">
+                        <a:latin typeface="Cambria Math" panose="02040503050406030204" pitchFamily="18" charset="0"/>
+                        <a:cs typeface="Arial" panose="020B0604020202020204" pitchFamily="34" charset="0"/>
+                      </a:rPr>
+                      <m:t>→0</m:t>
+                    </m:r>
+                  </m:oMath>
+                </a14:m>
+                <a:r>
+                  <a:rPr lang="en-US" sz="2800" dirty="0">
+                    <a:latin typeface="Arial" panose="020B0604020202020204" pitchFamily="34" charset="0"/>
+                    <a:cs typeface="Arial" panose="020B0604020202020204" pitchFamily="34" charset="0"/>
+                  </a:rPr>
+                  <a:t>, 2 if </a:t>
                 </a:r>
                 <a14:m>
                   <m:oMath xmlns:m="http://schemas.openxmlformats.org/officeDocument/2006/math">
@@ -5427,21 +5837,12 @@
                 </a:endParaRPr>
               </a:p>
               <a:p>
-                <a:pPr/>
                 <a:endParaRPr lang="en-US" sz="2800" dirty="0">
                   <a:latin typeface="Arial" panose="020B0604020202020204" pitchFamily="34" charset="0"/>
                   <a:cs typeface="Arial" panose="020B0604020202020204" pitchFamily="34" charset="0"/>
                 </a:endParaRPr>
               </a:p>
               <a:p>
-                <a:pPr/>
-                <a:endParaRPr lang="en-US" sz="2800" dirty="0">
-                  <a:latin typeface="Arial" panose="020B0604020202020204" pitchFamily="34" charset="0"/>
-                  <a:cs typeface="Arial" panose="020B0604020202020204" pitchFamily="34" charset="0"/>
-                </a:endParaRPr>
-              </a:p>
-              <a:p>
-                <a:pPr/>
                 <a:r>
                   <a:rPr lang="en-US" sz="2800" dirty="0">
                     <a:latin typeface="Arial" panose="020B0604020202020204" pitchFamily="34" charset="0"/>
@@ -5452,14 +5853,14 @@
                 <a14:m>
                   <m:oMath xmlns:m="http://schemas.openxmlformats.org/officeDocument/2006/math">
                     <m:r>
-                      <a:rPr lang="en-US" sz="2800" b="0" i="1" smtClean="0">
+                      <a:rPr lang="en-US" sz="2800" i="1">
                         <a:latin typeface="Cambria Math" panose="02040503050406030204" pitchFamily="18" charset="0"/>
                         <a:cs typeface="Arial" panose="020B0604020202020204" pitchFamily="34" charset="0"/>
                       </a:rPr>
                       <m:t>𝑐h</m:t>
                     </m:r>
                     <m:r>
-                      <a:rPr lang="en-US" sz="2800" b="0" i="1" smtClean="0">
+                      <a:rPr lang="en-US" sz="2800" i="1">
                         <a:latin typeface="Cambria Math" panose="02040503050406030204" pitchFamily="18" charset="0"/>
                         <a:cs typeface="Arial" panose="020B0604020202020204" pitchFamily="34" charset="0"/>
                       </a:rPr>
@@ -5468,7 +5869,7 @@
                     <m:func>
                       <m:funcPr>
                         <m:ctrlPr>
-                          <a:rPr lang="en-US" sz="2800" b="0" i="1" smtClean="0">
+                          <a:rPr lang="en-US" sz="2800" i="1">
                             <a:latin typeface="Cambria Math" panose="02040503050406030204" pitchFamily="18" charset="0"/>
                             <a:cs typeface="Arial" panose="020B0604020202020204" pitchFamily="34" charset="0"/>
                           </a:rPr>
@@ -5479,7 +5880,7 @@
                           <m:rPr>
                             <m:sty m:val="p"/>
                           </m:rPr>
-                          <a:rPr lang="en-US" sz="2800" b="0" i="0" smtClean="0">
+                          <a:rPr lang="en-US" sz="2800">
                             <a:latin typeface="Cambria Math" panose="02040503050406030204" pitchFamily="18" charset="0"/>
                             <a:cs typeface="Arial" panose="020B0604020202020204" pitchFamily="34" charset="0"/>
                           </a:rPr>
@@ -5488,7 +5889,7 @@
                       </m:fName>
                       <m:e>
                         <m:r>
-                          <a:rPr lang="en-US" sz="2800" b="0" i="1" smtClean="0">
+                          <a:rPr lang="en-US" sz="2800" i="1">
                             <a:latin typeface="Cambria Math" panose="02040503050406030204" pitchFamily="18" charset="0"/>
                             <a:cs typeface="Arial" panose="020B0604020202020204" pitchFamily="34" charset="0"/>
                           </a:rPr>
@@ -5497,21 +5898,21 @@
                       </m:e>
                     </m:func>
                     <m:r>
-                      <a:rPr lang="en-US" sz="2800" b="0" i="1" smtClean="0">
+                      <a:rPr lang="en-US" sz="2800" i="1">
                         <a:latin typeface="Cambria Math" panose="02040503050406030204" pitchFamily="18" charset="0"/>
                         <a:cs typeface="Arial" panose="020B0604020202020204" pitchFamily="34" charset="0"/>
                       </a:rPr>
                       <m:t>, </m:t>
                     </m:r>
                     <m:r>
-                      <a:rPr lang="en-US" sz="2800" b="0" i="1" smtClean="0">
+                      <a:rPr lang="en-US" sz="2800" i="1">
                         <a:latin typeface="Cambria Math" panose="02040503050406030204" pitchFamily="18" charset="0"/>
                         <a:cs typeface="Arial" panose="020B0604020202020204" pitchFamily="34" charset="0"/>
                       </a:rPr>
                       <m:t>𝑠h</m:t>
                     </m:r>
                     <m:r>
-                      <a:rPr lang="en-US" sz="2800" b="0" i="1" smtClean="0">
+                      <a:rPr lang="en-US" sz="2800" i="1">
                         <a:latin typeface="Cambria Math" panose="02040503050406030204" pitchFamily="18" charset="0"/>
                         <a:cs typeface="Arial" panose="020B0604020202020204" pitchFamily="34" charset="0"/>
                       </a:rPr>
@@ -5520,7 +5921,7 @@
                     <m:func>
                       <m:funcPr>
                         <m:ctrlPr>
-                          <a:rPr lang="en-US" sz="2800" b="0" i="1" smtClean="0">
+                          <a:rPr lang="en-US" sz="2800" i="1">
                             <a:latin typeface="Cambria Math" panose="02040503050406030204" pitchFamily="18" charset="0"/>
                             <a:cs typeface="Arial" panose="020B0604020202020204" pitchFamily="34" charset="0"/>
                           </a:rPr>
@@ -5531,7 +5932,7 @@
                           <m:rPr>
                             <m:sty m:val="p"/>
                           </m:rPr>
-                          <a:rPr lang="en-US" sz="2800" b="0" i="0" smtClean="0">
+                          <a:rPr lang="en-US" sz="2800">
                             <a:latin typeface="Cambria Math" panose="02040503050406030204" pitchFamily="18" charset="0"/>
                             <a:cs typeface="Arial" panose="020B0604020202020204" pitchFamily="34" charset="0"/>
                           </a:rPr>
@@ -5540,7 +5941,7 @@
                       </m:fName>
                       <m:e>
                         <m:r>
-                          <a:rPr lang="en-US" sz="2800" b="0" i="1" smtClean="0">
+                          <a:rPr lang="en-US" sz="2800" i="1">
                             <a:latin typeface="Cambria Math" panose="02040503050406030204" pitchFamily="18" charset="0"/>
                             <a:cs typeface="Arial" panose="020B0604020202020204" pitchFamily="34" charset="0"/>
                           </a:rPr>
@@ -5555,7 +5956,67 @@
                     <a:latin typeface="Arial" panose="020B0604020202020204" pitchFamily="34" charset="0"/>
                     <a:cs typeface="Arial" panose="020B0604020202020204" pitchFamily="34" charset="0"/>
                   </a:rPr>
-                  <a:t>)</a:t>
+                  <a:t>, </a:t>
+                </a:r>
+                <a14:m>
+                  <m:oMath xmlns:m="http://schemas.openxmlformats.org/officeDocument/2006/math">
+                    <m:r>
+                      <a:rPr lang="en-US" sz="2800" i="1">
+                        <a:latin typeface="Cambria Math" panose="02040503050406030204" pitchFamily="18" charset="0"/>
+                        <a:cs typeface="Arial" panose="020B0604020202020204" pitchFamily="34" charset="0"/>
+                      </a:rPr>
+                      <m:t>𝑠</m:t>
+                    </m:r>
+                    <m:sSup>
+                      <m:sSupPr>
+                        <m:ctrlPr>
+                          <a:rPr lang="en-US" sz="2800" i="1">
+                            <a:latin typeface="Cambria Math" panose="02040503050406030204" pitchFamily="18" charset="0"/>
+                            <a:cs typeface="Arial" panose="020B0604020202020204" pitchFamily="34" charset="0"/>
+                          </a:rPr>
+                        </m:ctrlPr>
+                      </m:sSupPr>
+                      <m:e>
+                        <m:r>
+                          <a:rPr lang="en-US" sz="2800" i="1">
+                            <a:latin typeface="Cambria Math" panose="02040503050406030204" pitchFamily="18" charset="0"/>
+                            <a:cs typeface="Arial" panose="020B0604020202020204" pitchFamily="34" charset="0"/>
+                          </a:rPr>
+                          <m:t>h</m:t>
+                        </m:r>
+                      </m:e>
+                      <m:sup>
+                        <m:r>
+                          <a:rPr lang="en-US" sz="2800" i="1">
+                            <a:latin typeface="Cambria Math" panose="02040503050406030204" pitchFamily="18" charset="0"/>
+                            <a:cs typeface="Arial" panose="020B0604020202020204" pitchFamily="34" charset="0"/>
+                          </a:rPr>
+                          <m:t>2</m:t>
+                        </m:r>
+                      </m:sup>
+                    </m:sSup>
+                    <m:r>
+                      <a:rPr lang="en-US" sz="2800" i="1">
+                        <a:latin typeface="Cambria Math" panose="02040503050406030204" pitchFamily="18" charset="0"/>
+                        <a:cs typeface="Arial" panose="020B0604020202020204" pitchFamily="34" charset="0"/>
+                      </a:rPr>
+                      <m:t>=</m:t>
+                    </m:r>
+                    <m:r>
+                      <a:rPr lang="en-US" sz="2800" i="1">
+                        <a:latin typeface="Cambria Math" panose="02040503050406030204" pitchFamily="18" charset="0"/>
+                        <a:cs typeface="Arial" panose="020B0604020202020204" pitchFamily="34" charset="0"/>
+                      </a:rPr>
+                      <m:t>𝑁</m:t>
+                    </m:r>
+                  </m:oMath>
+                </a14:m>
+                <a:r>
+                  <a:rPr lang="en-US" sz="2800" dirty="0">
+                    <a:latin typeface="Arial" panose="020B0604020202020204" pitchFamily="34" charset="0"/>
+                    <a:cs typeface="Arial" panose="020B0604020202020204" pitchFamily="34" charset="0"/>
+                  </a:rPr>
+                  <a:t>(average photon number))</a:t>
                 </a:r>
               </a:p>
             </p:txBody>
@@ -5579,7 +6040,7 @@
             <p:spPr>
               <a:xfrm>
                 <a:off x="5633238" y="1301774"/>
-                <a:ext cx="6641869" cy="5306068"/>
+                <a:ext cx="6641869" cy="5977919"/>
               </a:xfrm>
               <a:prstGeom prst="rect">
                 <a:avLst/>
@@ -5587,7 +6048,328 @@
               <a:blipFill>
                 <a:blip r:embed="rId4"/>
                 <a:stretch>
-                  <a:fillRect l="-1835" t="-1264" b="-2299"/>
+                  <a:fillRect l="-1835" t="-1122" b="-1939"/>
+                </a:stretch>
+              </a:blipFill>
+            </p:spPr>
+            <p:txBody>
+              <a:bodyPr/>
+              <a:lstStyle/>
+              <a:p>
+                <a:r>
+                  <a:rPr lang="en-US">
+                    <a:noFill/>
+                  </a:rPr>
+                  <a:t> </a:t>
+                </a:r>
+              </a:p>
+            </p:txBody>
+          </p:sp>
+        </mc:Fallback>
+      </mc:AlternateContent>
+      <mc:AlternateContent xmlns:mc="http://schemas.openxmlformats.org/markup-compatibility/2006">
+        <mc:Choice xmlns:a14="http://schemas.microsoft.com/office/drawing/2010/main" Requires="a14">
+          <p:sp>
+            <p:nvSpPr>
+              <p:cNvPr id="14" name="TextBox 13">
+                <a:extLst>
+                  <a:ext uri="{FF2B5EF4-FFF2-40B4-BE49-F238E27FC236}">
+                    <a16:creationId xmlns:a16="http://schemas.microsoft.com/office/drawing/2014/main" id="{276E8E00-B21D-402C-868D-52401A1833B8}"/>
+                  </a:ext>
+                </a:extLst>
+              </p:cNvPr>
+              <p:cNvSpPr txBox="1"/>
+              <p:nvPr/>
+            </p:nvSpPr>
+            <p:spPr>
+              <a:xfrm>
+                <a:off x="4844394" y="738369"/>
+                <a:ext cx="513538" cy="369332"/>
+              </a:xfrm>
+              <a:prstGeom prst="rect">
+                <a:avLst/>
+              </a:prstGeom>
+              <a:noFill/>
+            </p:spPr>
+            <p:txBody>
+              <a:bodyPr wrap="none" rtlCol="0">
+                <a:spAutoFit/>
+              </a:bodyPr>
+              <a:lstStyle/>
+              <a:p>
+                <a14:m>
+                  <m:oMathPara xmlns:m="http://schemas.openxmlformats.org/officeDocument/2006/math">
+                    <m:oMathParaPr>
+                      <m:jc m:val="centerGroup"/>
+                    </m:oMathParaPr>
+                    <m:oMath xmlns:m="http://schemas.openxmlformats.org/officeDocument/2006/math">
+                      <m:r>
+                        <a:rPr lang="en-US" b="0" i="1" smtClean="0">
+                          <a:latin typeface="Cambria Math" panose="02040503050406030204" pitchFamily="18" charset="0"/>
+                        </a:rPr>
+                        <m:t>|</m:t>
+                      </m:r>
+                      <m:r>
+                        <a:rPr lang="en-US" b="0" i="1" smtClean="0">
+                          <a:latin typeface="Cambria Math" panose="02040503050406030204" pitchFamily="18" charset="0"/>
+                        </a:rPr>
+                        <m:t>𝑒</m:t>
+                      </m:r>
+                      <m:r>
+                        <a:rPr lang="en-US" b="0" i="1" smtClean="0">
+                          <a:latin typeface="Cambria Math" panose="02040503050406030204" pitchFamily="18" charset="0"/>
+                        </a:rPr>
+                        <m:t>⟩</m:t>
+                      </m:r>
+                    </m:oMath>
+                  </m:oMathPara>
+                </a14:m>
+                <a:endParaRPr lang="en-US" dirty="0"/>
+              </a:p>
+            </p:txBody>
+          </p:sp>
+        </mc:Choice>
+        <mc:Fallback>
+          <p:sp>
+            <p:nvSpPr>
+              <p:cNvPr id="14" name="TextBox 13">
+                <a:extLst>
+                  <a:ext uri="{FF2B5EF4-FFF2-40B4-BE49-F238E27FC236}">
+                    <a16:creationId xmlns:a16="http://schemas.microsoft.com/office/drawing/2014/main" id="{276E8E00-B21D-402C-868D-52401A1833B8}"/>
+                  </a:ext>
+                </a:extLst>
+              </p:cNvPr>
+              <p:cNvSpPr txBox="1">
+                <a:spLocks noRot="1" noChangeAspect="1" noMove="1" noResize="1" noEditPoints="1" noAdjustHandles="1" noChangeArrowheads="1" noChangeShapeType="1" noTextEdit="1"/>
+              </p:cNvSpPr>
+              <p:nvPr/>
+            </p:nvSpPr>
+            <p:spPr>
+              <a:xfrm>
+                <a:off x="4844394" y="738369"/>
+                <a:ext cx="513538" cy="369332"/>
+              </a:xfrm>
+              <a:prstGeom prst="rect">
+                <a:avLst/>
+              </a:prstGeom>
+              <a:blipFill>
+                <a:blip r:embed="rId5"/>
+                <a:stretch>
+                  <a:fillRect b="-13115"/>
+                </a:stretch>
+              </a:blipFill>
+            </p:spPr>
+            <p:txBody>
+              <a:bodyPr/>
+              <a:lstStyle/>
+              <a:p>
+                <a:r>
+                  <a:rPr lang="en-US">
+                    <a:noFill/>
+                  </a:rPr>
+                  <a:t> </a:t>
+                </a:r>
+              </a:p>
+            </p:txBody>
+          </p:sp>
+        </mc:Fallback>
+      </mc:AlternateContent>
+      <mc:AlternateContent xmlns:mc="http://schemas.openxmlformats.org/markup-compatibility/2006">
+        <mc:Choice xmlns:a14="http://schemas.microsoft.com/office/drawing/2010/main" Requires="a14">
+          <p:sp>
+            <p:nvSpPr>
+              <p:cNvPr id="16" name="TextBox 15">
+                <a:extLst>
+                  <a:ext uri="{FF2B5EF4-FFF2-40B4-BE49-F238E27FC236}">
+                    <a16:creationId xmlns:a16="http://schemas.microsoft.com/office/drawing/2014/main" id="{9016181D-2DF0-45C7-B0DE-FE2A45AE42CD}"/>
+                  </a:ext>
+                </a:extLst>
+              </p:cNvPr>
+              <p:cNvSpPr txBox="1"/>
+              <p:nvPr/>
+            </p:nvSpPr>
+            <p:spPr>
+              <a:xfrm>
+                <a:off x="4765334" y="2951357"/>
+                <a:ext cx="592598" cy="369332"/>
+              </a:xfrm>
+              <a:prstGeom prst="rect">
+                <a:avLst/>
+              </a:prstGeom>
+              <a:noFill/>
+            </p:spPr>
+            <p:txBody>
+              <a:bodyPr wrap="none" rtlCol="0">
+                <a:spAutoFit/>
+              </a:bodyPr>
+              <a:lstStyle/>
+              <a:p>
+                <a14:m>
+                  <m:oMathPara xmlns:m="http://schemas.openxmlformats.org/officeDocument/2006/math">
+                    <m:oMathParaPr>
+                      <m:jc m:val="centerGroup"/>
+                    </m:oMathParaPr>
+                    <m:oMath xmlns:m="http://schemas.openxmlformats.org/officeDocument/2006/math">
+                      <m:r>
+                        <a:rPr lang="en-US" b="0" i="1" smtClean="0">
+                          <a:latin typeface="Cambria Math" panose="02040503050406030204" pitchFamily="18" charset="0"/>
+                        </a:rPr>
+                        <m:t>|</m:t>
+                      </m:r>
+                      <m:r>
+                        <a:rPr lang="en-US" b="0" i="1" smtClean="0">
+                          <a:latin typeface="Cambria Math" panose="02040503050406030204" pitchFamily="18" charset="0"/>
+                        </a:rPr>
+                        <m:t>𝑚</m:t>
+                      </m:r>
+                      <m:r>
+                        <a:rPr lang="en-US" b="0" i="1" smtClean="0">
+                          <a:latin typeface="Cambria Math" panose="02040503050406030204" pitchFamily="18" charset="0"/>
+                        </a:rPr>
+                        <m:t>⟩</m:t>
+                      </m:r>
+                    </m:oMath>
+                  </m:oMathPara>
+                </a14:m>
+                <a:endParaRPr lang="en-US" dirty="0"/>
+              </a:p>
+            </p:txBody>
+          </p:sp>
+        </mc:Choice>
+        <mc:Fallback>
+          <p:sp>
+            <p:nvSpPr>
+              <p:cNvPr id="16" name="TextBox 15">
+                <a:extLst>
+                  <a:ext uri="{FF2B5EF4-FFF2-40B4-BE49-F238E27FC236}">
+                    <a16:creationId xmlns:a16="http://schemas.microsoft.com/office/drawing/2014/main" id="{9016181D-2DF0-45C7-B0DE-FE2A45AE42CD}"/>
+                  </a:ext>
+                </a:extLst>
+              </p:cNvPr>
+              <p:cNvSpPr txBox="1">
+                <a:spLocks noRot="1" noChangeAspect="1" noMove="1" noResize="1" noEditPoints="1" noAdjustHandles="1" noChangeArrowheads="1" noChangeShapeType="1" noTextEdit="1"/>
+              </p:cNvSpPr>
+              <p:nvPr/>
+            </p:nvSpPr>
+            <p:spPr>
+              <a:xfrm>
+                <a:off x="4765334" y="2951357"/>
+                <a:ext cx="592598" cy="369332"/>
+              </a:xfrm>
+              <a:prstGeom prst="rect">
+                <a:avLst/>
+              </a:prstGeom>
+              <a:blipFill>
+                <a:blip r:embed="rId6"/>
+                <a:stretch>
+                  <a:fillRect b="-13115"/>
+                </a:stretch>
+              </a:blipFill>
+            </p:spPr>
+            <p:txBody>
+              <a:bodyPr/>
+              <a:lstStyle/>
+              <a:p>
+                <a:r>
+                  <a:rPr lang="en-US">
+                    <a:noFill/>
+                  </a:rPr>
+                  <a:t> </a:t>
+                </a:r>
+              </a:p>
+            </p:txBody>
+          </p:sp>
+        </mc:Fallback>
+      </mc:AlternateContent>
+      <mc:AlternateContent xmlns:mc="http://schemas.openxmlformats.org/markup-compatibility/2006">
+        <mc:Choice xmlns:a14="http://schemas.microsoft.com/office/drawing/2010/main" Requires="a14">
+          <p:sp>
+            <p:nvSpPr>
+              <p:cNvPr id="18" name="TextBox 17">
+                <a:extLst>
+                  <a:ext uri="{FF2B5EF4-FFF2-40B4-BE49-F238E27FC236}">
+                    <a16:creationId xmlns:a16="http://schemas.microsoft.com/office/drawing/2014/main" id="{C0CF7FED-473B-4B0B-9475-36184238AF60}"/>
+                  </a:ext>
+                </a:extLst>
+              </p:cNvPr>
+              <p:cNvSpPr txBox="1"/>
+              <p:nvPr/>
+            </p:nvSpPr>
+            <p:spPr>
+              <a:xfrm>
+                <a:off x="4864209" y="4199336"/>
+                <a:ext cx="539700" cy="369332"/>
+              </a:xfrm>
+              <a:prstGeom prst="rect">
+                <a:avLst/>
+              </a:prstGeom>
+              <a:noFill/>
+            </p:spPr>
+            <p:txBody>
+              <a:bodyPr wrap="none" rtlCol="0">
+                <a:spAutoFit/>
+              </a:bodyPr>
+              <a:lstStyle/>
+              <a:p>
+                <a14:m>
+                  <m:oMathPara xmlns:m="http://schemas.openxmlformats.org/officeDocument/2006/math">
+                    <m:oMathParaPr>
+                      <m:jc m:val="centerGroup"/>
+                    </m:oMathParaPr>
+                    <m:oMath xmlns:m="http://schemas.openxmlformats.org/officeDocument/2006/math">
+                      <m:r>
+                        <a:rPr lang="en-US" b="0" i="1" smtClean="0">
+                          <a:latin typeface="Cambria Math" panose="02040503050406030204" pitchFamily="18" charset="0"/>
+                        </a:rPr>
+                        <m:t>|</m:t>
+                      </m:r>
+                      <m:r>
+                        <a:rPr lang="en-US" b="0" i="1" smtClean="0">
+                          <a:latin typeface="Cambria Math" panose="02040503050406030204" pitchFamily="18" charset="0"/>
+                        </a:rPr>
+                        <m:t>𝑔</m:t>
+                      </m:r>
+                      <m:r>
+                        <a:rPr lang="en-US" b="0" i="1" smtClean="0">
+                          <a:latin typeface="Cambria Math" panose="02040503050406030204" pitchFamily="18" charset="0"/>
+                        </a:rPr>
+                        <m:t>⟩</m:t>
+                      </m:r>
+                    </m:oMath>
+                  </m:oMathPara>
+                </a14:m>
+                <a:endParaRPr lang="en-US" dirty="0"/>
+              </a:p>
+            </p:txBody>
+          </p:sp>
+        </mc:Choice>
+        <mc:Fallback>
+          <p:sp>
+            <p:nvSpPr>
+              <p:cNvPr id="18" name="TextBox 17">
+                <a:extLst>
+                  <a:ext uri="{FF2B5EF4-FFF2-40B4-BE49-F238E27FC236}">
+                    <a16:creationId xmlns:a16="http://schemas.microsoft.com/office/drawing/2014/main" id="{C0CF7FED-473B-4B0B-9475-36184238AF60}"/>
+                  </a:ext>
+                </a:extLst>
+              </p:cNvPr>
+              <p:cNvSpPr txBox="1">
+                <a:spLocks noRot="1" noChangeAspect="1" noMove="1" noResize="1" noEditPoints="1" noAdjustHandles="1" noChangeArrowheads="1" noChangeShapeType="1" noTextEdit="1"/>
+              </p:cNvSpPr>
+              <p:nvPr/>
+            </p:nvSpPr>
+            <p:spPr>
+              <a:xfrm>
+                <a:off x="4864209" y="4199336"/>
+                <a:ext cx="539700" cy="369332"/>
+              </a:xfrm>
+              <a:prstGeom prst="rect">
+                <a:avLst/>
+              </a:prstGeom>
+              <a:blipFill>
+                <a:blip r:embed="rId7"/>
+                <a:stretch>
+                  <a:fillRect b="-13333"/>
                 </a:stretch>
               </a:blipFill>
             </p:spPr>
@@ -5691,7 +6473,7 @@
         </p:nvCxnSpPr>
         <p:spPr>
           <a:xfrm>
-            <a:off x="2921530" y="3043550"/>
+            <a:off x="2863340" y="2668668"/>
             <a:ext cx="1715334" cy="0"/>
           </a:xfrm>
           <a:prstGeom prst="line">
@@ -5776,7 +6558,7 @@
         <p:spPr>
           <a:xfrm>
             <a:off x="3917904" y="953334"/>
-            <a:ext cx="0" cy="1989371"/>
+            <a:ext cx="0" cy="1715334"/>
           </a:xfrm>
           <a:prstGeom prst="straightConnector1">
             <a:avLst/>
@@ -5820,8 +6602,8 @@
         </p:nvCxnSpPr>
         <p:spPr>
           <a:xfrm>
-            <a:off x="3917904" y="3043550"/>
-            <a:ext cx="0" cy="1340452"/>
+            <a:off x="3917904" y="2668668"/>
+            <a:ext cx="0" cy="1715334"/>
           </a:xfrm>
           <a:prstGeom prst="straightConnector1">
             <a:avLst/>
@@ -5865,8 +6647,8 @@
             </p:nvSpPr>
             <p:spPr>
               <a:xfrm>
-                <a:off x="4518604" y="1763354"/>
-                <a:ext cx="511614" cy="369332"/>
+                <a:off x="4460855" y="1526218"/>
+                <a:ext cx="506292" cy="369332"/>
               </a:xfrm>
               <a:prstGeom prst="rect">
                 <a:avLst/>
@@ -5879,6 +6661,7 @@
               </a:bodyPr>
               <a:lstStyle/>
               <a:p>
+                <a:pPr/>
                 <a14:m>
                   <m:oMathPara xmlns:m="http://schemas.openxmlformats.org/officeDocument/2006/math">
                     <m:oMathParaPr>
@@ -5906,7 +6689,7 @@
                             <a:rPr lang="en-US" b="0" i="1" smtClean="0">
                               <a:latin typeface="Cambria Math" panose="02040503050406030204" pitchFamily="18" charset="0"/>
                             </a:rPr>
-                            <m:t>0</m:t>
+                            <m:t>1</m:t>
                           </m:r>
                         </m:sub>
                       </m:sSub>
@@ -5935,8 +6718,8 @@
             </p:nvSpPr>
             <p:spPr>
               <a:xfrm>
-                <a:off x="4518604" y="1763354"/>
-                <a:ext cx="511614" cy="369332"/>
+                <a:off x="4460855" y="1526218"/>
+                <a:ext cx="506292" cy="369332"/>
               </a:xfrm>
               <a:prstGeom prst="rect">
                 <a:avLst/>
@@ -5980,7 +6763,7 @@
             <p:spPr>
               <a:xfrm>
                 <a:off x="4460855" y="3341669"/>
-                <a:ext cx="511614" cy="369332"/>
+                <a:ext cx="511615" cy="369332"/>
               </a:xfrm>
               <a:prstGeom prst="rect">
                 <a:avLst/>
@@ -5993,6 +6776,7 @@
               </a:bodyPr>
               <a:lstStyle/>
               <a:p>
+                <a:pPr/>
                 <a14:m>
                   <m:oMathPara xmlns:m="http://schemas.openxmlformats.org/officeDocument/2006/math">
                     <m:oMathParaPr>
@@ -6020,7 +6804,7 @@
                             <a:rPr lang="en-US" b="0" i="1" smtClean="0">
                               <a:latin typeface="Cambria Math" panose="02040503050406030204" pitchFamily="18" charset="0"/>
                             </a:rPr>
-                            <m:t>0</m:t>
+                            <m:t>2</m:t>
                           </m:r>
                         </m:sub>
                       </m:sSub>
@@ -6050,7 +6834,7 @@
             <p:spPr>
               <a:xfrm>
                 <a:off x="4460855" y="3341669"/>
-                <a:ext cx="511614" cy="369332"/>
+                <a:ext cx="511615" cy="369332"/>
               </a:xfrm>
               <a:prstGeom prst="rect">
                 <a:avLst/>
@@ -6211,6 +6995,2360 @@
         <mc:Choice xmlns:a14="http://schemas.microsoft.com/office/drawing/2010/main" Requires="a14">
           <p:sp>
             <p:nvSpPr>
+              <p:cNvPr id="14" name="TextBox 13">
+                <a:extLst>
+                  <a:ext uri="{FF2B5EF4-FFF2-40B4-BE49-F238E27FC236}">
+                    <a16:creationId xmlns:a16="http://schemas.microsoft.com/office/drawing/2014/main" id="{E36EB3CE-68F6-4F87-9224-0EFABDDECE8F}"/>
+                  </a:ext>
+                </a:extLst>
+              </p:cNvPr>
+              <p:cNvSpPr txBox="1"/>
+              <p:nvPr/>
+            </p:nvSpPr>
+            <p:spPr>
+              <a:xfrm>
+                <a:off x="5693308" y="775966"/>
+                <a:ext cx="6641869" cy="6412140"/>
+              </a:xfrm>
+              <a:prstGeom prst="rect">
+                <a:avLst/>
+              </a:prstGeom>
+              <a:noFill/>
+            </p:spPr>
+            <p:txBody>
+              <a:bodyPr wrap="square" rtlCol="0">
+                <a:spAutoFit/>
+              </a:bodyPr>
+              <a:lstStyle/>
+              <a:p>
+                <a:pPr marL="457200" indent="-457200">
+                  <a:buFont typeface="Arial" panose="020B0604020202020204" pitchFamily="34" charset="0"/>
+                  <a:buChar char="•"/>
+                </a:pPr>
+                <a:r>
+                  <a:rPr lang="en-US" sz="2800" dirty="0">
+                    <a:latin typeface="Arial" panose="020B0604020202020204" pitchFamily="34" charset="0"/>
+                    <a:cs typeface="Arial" panose="020B0604020202020204" pitchFamily="34" charset="0"/>
+                  </a:rPr>
+                  <a:t>non-resonant</a:t>
+                </a:r>
+              </a:p>
+              <a:p>
+                <a:pPr marL="457200" indent="-457200">
+                  <a:buFont typeface="Arial" panose="020B0604020202020204" pitchFamily="34" charset="0"/>
+                  <a:buChar char="•"/>
+                </a:pPr>
+                <a:r>
+                  <a:rPr lang="en-US" sz="2800" dirty="0" err="1">
+                    <a:latin typeface="Arial" panose="020B0604020202020204" pitchFamily="34" charset="0"/>
+                    <a:cs typeface="Arial" panose="020B0604020202020204" pitchFamily="34" charset="0"/>
+                  </a:rPr>
+                  <a:t>TMSV</a:t>
+                </a:r>
+                <a:endParaRPr lang="en-US" sz="2800" dirty="0">
+                  <a:latin typeface="Arial" panose="020B0604020202020204" pitchFamily="34" charset="0"/>
+                  <a:cs typeface="Arial" panose="020B0604020202020204" pitchFamily="34" charset="0"/>
+                </a:endParaRPr>
+              </a:p>
+              <a:p>
+                <a:pPr marL="457200" indent="-457200">
+                  <a:buFont typeface="Arial" panose="020B0604020202020204" pitchFamily="34" charset="0"/>
+                  <a:buChar char="•"/>
+                </a:pPr>
+                <a:r>
+                  <a:rPr lang="en-US" sz="2800" dirty="0">
+                    <a:latin typeface="Arial" panose="020B0604020202020204" pitchFamily="34" charset="0"/>
+                    <a:cs typeface="Arial" panose="020B0604020202020204" pitchFamily="34" charset="0"/>
+                  </a:rPr>
+                  <a:t>decay is neglected</a:t>
+                </a:r>
+              </a:p>
+              <a:p>
+                <a:pPr marL="457200" indent="-457200">
+                  <a:buFont typeface="Arial" panose="020B0604020202020204" pitchFamily="34" charset="0"/>
+                  <a:buChar char="•"/>
+                </a:pPr>
+                <a14:m>
+                  <m:oMath xmlns:m="http://schemas.openxmlformats.org/officeDocument/2006/math">
+                    <m:r>
+                      <m:rPr>
+                        <m:sty m:val="p"/>
+                      </m:rPr>
+                      <a:rPr lang="en-US" sz="2800" b="0" i="0" smtClean="0">
+                        <a:latin typeface="Cambria Math" panose="02040503050406030204" pitchFamily="18" charset="0"/>
+                        <a:cs typeface="Arial" panose="020B0604020202020204" pitchFamily="34" charset="0"/>
+                      </a:rPr>
+                      <m:t>Δ</m:t>
+                    </m:r>
+                    <m:r>
+                      <a:rPr lang="en-US" sz="2800" b="0" i="1" smtClean="0">
+                        <a:latin typeface="Cambria Math" panose="02040503050406030204" pitchFamily="18" charset="0"/>
+                        <a:cs typeface="Arial" panose="020B0604020202020204" pitchFamily="34" charset="0"/>
+                      </a:rPr>
+                      <m:t>𝑡</m:t>
+                    </m:r>
+                    <m:r>
+                      <a:rPr lang="en-US" sz="2800" b="0" i="1" smtClean="0">
+                        <a:latin typeface="Cambria Math" panose="02040503050406030204" pitchFamily="18" charset="0"/>
+                        <a:cs typeface="Arial" panose="020B0604020202020204" pitchFamily="34" charset="0"/>
+                      </a:rPr>
+                      <m:t>≫1</m:t>
+                    </m:r>
+                  </m:oMath>
+                </a14:m>
+                <a:endParaRPr lang="en-US" sz="2800" dirty="0">
+                  <a:latin typeface="Arial" panose="020B0604020202020204" pitchFamily="34" charset="0"/>
+                  <a:cs typeface="Arial" panose="020B0604020202020204" pitchFamily="34" charset="0"/>
+                </a:endParaRPr>
+              </a:p>
+              <a:p>
+                <a:endParaRPr lang="en-US" sz="2800" dirty="0">
+                  <a:latin typeface="Arial" panose="020B0604020202020204" pitchFamily="34" charset="0"/>
+                  <a:cs typeface="Arial" panose="020B0604020202020204" pitchFamily="34" charset="0"/>
+                </a:endParaRPr>
+              </a:p>
+              <a:p>
+                <a:r>
+                  <a:rPr lang="en-US" sz="2800" dirty="0">
+                    <a:latin typeface="Arial" panose="020B0604020202020204" pitchFamily="34" charset="0"/>
+                    <a:cs typeface="Arial" panose="020B0604020202020204" pitchFamily="34" charset="0"/>
+                  </a:rPr>
+                  <a:t>enhancement factor: </a:t>
+                </a:r>
+              </a:p>
+              <a:p>
+                <a:r>
+                  <a:rPr lang="en-US" sz="2800" b="0" dirty="0">
+                    <a:cs typeface="Arial" panose="020B0604020202020204" pitchFamily="34" charset="0"/>
+                  </a:rPr>
+                  <a:t>for </a:t>
+                </a:r>
+                <a:r>
+                  <a:rPr lang="en-US" sz="2800" b="0" dirty="0" err="1">
+                    <a:cs typeface="Arial" panose="020B0604020202020204" pitchFamily="34" charset="0"/>
+                  </a:rPr>
+                  <a:t>TMSV</a:t>
+                </a:r>
+                <a:r>
+                  <a:rPr lang="en-US" sz="2800" b="0" dirty="0">
+                    <a:cs typeface="Arial" panose="020B0604020202020204" pitchFamily="34" charset="0"/>
+                  </a:rPr>
+                  <a:t>, </a:t>
+                </a:r>
+                <a14:m>
+                  <m:oMath xmlns:m="http://schemas.openxmlformats.org/officeDocument/2006/math">
+                    <m:sSub>
+                      <m:sSubPr>
+                        <m:ctrlPr>
+                          <a:rPr lang="en-US" sz="2800" b="0" i="1" smtClean="0">
+                            <a:latin typeface="Cambria Math" panose="02040503050406030204" pitchFamily="18" charset="0"/>
+                            <a:cs typeface="Arial" panose="020B0604020202020204" pitchFamily="34" charset="0"/>
+                          </a:rPr>
+                        </m:ctrlPr>
+                      </m:sSubPr>
+                      <m:e>
+                        <m:r>
+                          <a:rPr lang="en-US" sz="2800" b="0" i="1" smtClean="0">
+                            <a:latin typeface="Cambria Math" panose="02040503050406030204" pitchFamily="18" charset="0"/>
+                            <a:cs typeface="Arial" panose="020B0604020202020204" pitchFamily="34" charset="0"/>
+                          </a:rPr>
+                          <m:t>𝑃</m:t>
+                        </m:r>
+                      </m:e>
+                      <m:sub>
+                        <m:r>
+                          <a:rPr lang="en-US" sz="2800" b="0" i="1" smtClean="0">
+                            <a:latin typeface="Cambria Math" panose="02040503050406030204" pitchFamily="18" charset="0"/>
+                            <a:cs typeface="Arial" panose="020B0604020202020204" pitchFamily="34" charset="0"/>
+                          </a:rPr>
+                          <m:t>𝑒</m:t>
+                        </m:r>
+                      </m:sub>
+                    </m:sSub>
+                    <m:r>
+                      <a:rPr lang="en-US" sz="2800" b="0" i="1" smtClean="0">
+                        <a:latin typeface="Cambria Math" panose="02040503050406030204" pitchFamily="18" charset="0"/>
+                        <a:cs typeface="Arial" panose="020B0604020202020204" pitchFamily="34" charset="0"/>
+                      </a:rPr>
+                      <m:t>=</m:t>
+                    </m:r>
+                    <m:f>
+                      <m:fPr>
+                        <m:ctrlPr>
+                          <a:rPr lang="en-US" sz="2800" b="0" i="1" smtClean="0">
+                            <a:latin typeface="Cambria Math" panose="02040503050406030204" pitchFamily="18" charset="0"/>
+                            <a:cs typeface="Arial" panose="020B0604020202020204" pitchFamily="34" charset="0"/>
+                          </a:rPr>
+                        </m:ctrlPr>
+                      </m:fPr>
+                      <m:num>
+                        <m:sSup>
+                          <m:sSupPr>
+                            <m:ctrlPr>
+                              <a:rPr lang="en-US" sz="2800" b="0" i="1" smtClean="0">
+                                <a:latin typeface="Cambria Math" panose="02040503050406030204" pitchFamily="18" charset="0"/>
+                                <a:cs typeface="Arial" panose="020B0604020202020204" pitchFamily="34" charset="0"/>
+                              </a:rPr>
+                            </m:ctrlPr>
+                          </m:sSupPr>
+                          <m:e>
+                            <m:r>
+                              <a:rPr lang="en-US" sz="2800" b="0" i="1" smtClean="0">
+                                <a:latin typeface="Cambria Math" panose="02040503050406030204" pitchFamily="18" charset="0"/>
+                                <a:cs typeface="Arial" panose="020B0604020202020204" pitchFamily="34" charset="0"/>
+                              </a:rPr>
+                              <m:t>𝑡</m:t>
+                            </m:r>
+                          </m:e>
+                          <m:sup>
+                            <m:r>
+                              <a:rPr lang="en-US" sz="2800" b="0" i="1" smtClean="0">
+                                <a:latin typeface="Cambria Math" panose="02040503050406030204" pitchFamily="18" charset="0"/>
+                                <a:cs typeface="Arial" panose="020B0604020202020204" pitchFamily="34" charset="0"/>
+                              </a:rPr>
+                              <m:t>2</m:t>
+                            </m:r>
+                          </m:sup>
+                        </m:sSup>
+                      </m:num>
+                      <m:den>
+                        <m:sSup>
+                          <m:sSupPr>
+                            <m:ctrlPr>
+                              <a:rPr lang="en-US" sz="2800" b="0" i="1" smtClean="0">
+                                <a:latin typeface="Cambria Math" panose="02040503050406030204" pitchFamily="18" charset="0"/>
+                                <a:cs typeface="Arial" panose="020B0604020202020204" pitchFamily="34" charset="0"/>
+                              </a:rPr>
+                            </m:ctrlPr>
+                          </m:sSupPr>
+                          <m:e>
+                            <m:r>
+                              <m:rPr>
+                                <m:sty m:val="p"/>
+                              </m:rPr>
+                              <a:rPr lang="en-US" sz="2800" b="0" i="0" smtClean="0">
+                                <a:latin typeface="Cambria Math" panose="02040503050406030204" pitchFamily="18" charset="0"/>
+                                <a:cs typeface="Arial" panose="020B0604020202020204" pitchFamily="34" charset="0"/>
+                              </a:rPr>
+                              <m:t>Δ</m:t>
+                            </m:r>
+                          </m:e>
+                          <m:sup>
+                            <m:r>
+                              <a:rPr lang="en-US" sz="2800" b="0" i="1" smtClean="0">
+                                <a:latin typeface="Cambria Math" panose="02040503050406030204" pitchFamily="18" charset="0"/>
+                                <a:cs typeface="Arial" panose="020B0604020202020204" pitchFamily="34" charset="0"/>
+                              </a:rPr>
+                              <m:t>2</m:t>
+                            </m:r>
+                          </m:sup>
+                        </m:sSup>
+                      </m:den>
+                    </m:f>
+                    <m:sSubSup>
+                      <m:sSubSupPr>
+                        <m:ctrlPr>
+                          <a:rPr lang="en-US" sz="2800" b="0" i="1" smtClean="0">
+                            <a:latin typeface="Cambria Math" panose="02040503050406030204" pitchFamily="18" charset="0"/>
+                            <a:cs typeface="Arial" panose="020B0604020202020204" pitchFamily="34" charset="0"/>
+                          </a:rPr>
+                        </m:ctrlPr>
+                      </m:sSubSupPr>
+                      <m:e>
+                        <m:r>
+                          <a:rPr lang="en-US" sz="2800" b="0" i="1" smtClean="0">
+                            <a:latin typeface="Cambria Math" panose="02040503050406030204" pitchFamily="18" charset="0"/>
+                            <a:cs typeface="Arial" panose="020B0604020202020204" pitchFamily="34" charset="0"/>
+                          </a:rPr>
+                          <m:t>𝑔</m:t>
+                        </m:r>
+                      </m:e>
+                      <m:sub>
+                        <m:r>
+                          <a:rPr lang="en-US" sz="2800" b="0" i="1" smtClean="0">
+                            <a:latin typeface="Cambria Math" panose="02040503050406030204" pitchFamily="18" charset="0"/>
+                            <a:cs typeface="Arial" panose="020B0604020202020204" pitchFamily="34" charset="0"/>
+                          </a:rPr>
+                          <m:t>𝑒𝑚</m:t>
+                        </m:r>
+                      </m:sub>
+                      <m:sup>
+                        <m:r>
+                          <a:rPr lang="en-US" sz="2800" b="0" i="1" smtClean="0">
+                            <a:latin typeface="Cambria Math" panose="02040503050406030204" pitchFamily="18" charset="0"/>
+                            <a:cs typeface="Arial" panose="020B0604020202020204" pitchFamily="34" charset="0"/>
+                          </a:rPr>
+                          <m:t>2</m:t>
+                        </m:r>
+                      </m:sup>
+                    </m:sSubSup>
+                    <m:sSubSup>
+                      <m:sSubSupPr>
+                        <m:ctrlPr>
+                          <a:rPr lang="en-US" sz="2800" b="0" i="1" smtClean="0">
+                            <a:latin typeface="Cambria Math" panose="02040503050406030204" pitchFamily="18" charset="0"/>
+                            <a:cs typeface="Arial" panose="020B0604020202020204" pitchFamily="34" charset="0"/>
+                          </a:rPr>
+                        </m:ctrlPr>
+                      </m:sSubSupPr>
+                      <m:e>
+                        <m:r>
+                          <a:rPr lang="en-US" sz="2800" b="0" i="1" smtClean="0">
+                            <a:latin typeface="Cambria Math" panose="02040503050406030204" pitchFamily="18" charset="0"/>
+                            <a:cs typeface="Arial" panose="020B0604020202020204" pitchFamily="34" charset="0"/>
+                          </a:rPr>
+                          <m:t>𝑔</m:t>
+                        </m:r>
+                      </m:e>
+                      <m:sub>
+                        <m:r>
+                          <a:rPr lang="en-US" sz="2800" b="0" i="1" smtClean="0">
+                            <a:latin typeface="Cambria Math" panose="02040503050406030204" pitchFamily="18" charset="0"/>
+                            <a:cs typeface="Arial" panose="020B0604020202020204" pitchFamily="34" charset="0"/>
+                          </a:rPr>
+                          <m:t>𝑚𝑔</m:t>
+                        </m:r>
+                      </m:sub>
+                      <m:sup>
+                        <m:r>
+                          <a:rPr lang="en-US" sz="2800" b="0" i="1" smtClean="0">
+                            <a:latin typeface="Cambria Math" panose="02040503050406030204" pitchFamily="18" charset="0"/>
+                            <a:cs typeface="Arial" panose="020B0604020202020204" pitchFamily="34" charset="0"/>
+                          </a:rPr>
+                          <m:t>2</m:t>
+                        </m:r>
+                      </m:sup>
+                    </m:sSubSup>
+                    <m:r>
+                      <a:rPr lang="en-US" sz="2800" b="0" i="1" smtClean="0">
+                        <a:latin typeface="Cambria Math" panose="02040503050406030204" pitchFamily="18" charset="0"/>
+                        <a:cs typeface="Arial" panose="020B0604020202020204" pitchFamily="34" charset="0"/>
+                      </a:rPr>
+                      <m:t>𝑠</m:t>
+                    </m:r>
+                    <m:sSup>
+                      <m:sSupPr>
+                        <m:ctrlPr>
+                          <a:rPr lang="en-US" sz="2800" b="0" i="1" smtClean="0">
+                            <a:latin typeface="Cambria Math" panose="02040503050406030204" pitchFamily="18" charset="0"/>
+                            <a:cs typeface="Arial" panose="020B0604020202020204" pitchFamily="34" charset="0"/>
+                          </a:rPr>
+                        </m:ctrlPr>
+                      </m:sSupPr>
+                      <m:e>
+                        <m:r>
+                          <a:rPr lang="en-US" sz="2800" b="0" i="1" smtClean="0">
+                            <a:latin typeface="Cambria Math" panose="02040503050406030204" pitchFamily="18" charset="0"/>
+                            <a:cs typeface="Arial" panose="020B0604020202020204" pitchFamily="34" charset="0"/>
+                          </a:rPr>
+                          <m:t>h</m:t>
+                        </m:r>
+                      </m:e>
+                      <m:sup>
+                        <m:r>
+                          <a:rPr lang="en-US" sz="2800" b="0" i="1" smtClean="0">
+                            <a:latin typeface="Cambria Math" panose="02040503050406030204" pitchFamily="18" charset="0"/>
+                            <a:cs typeface="Arial" panose="020B0604020202020204" pitchFamily="34" charset="0"/>
+                          </a:rPr>
+                          <m:t>2</m:t>
+                        </m:r>
+                      </m:sup>
+                    </m:sSup>
+                    <m:r>
+                      <a:rPr lang="en-US" sz="2800" b="0" i="1" smtClean="0">
+                        <a:latin typeface="Cambria Math" panose="02040503050406030204" pitchFamily="18" charset="0"/>
+                        <a:cs typeface="Arial" panose="020B0604020202020204" pitchFamily="34" charset="0"/>
+                      </a:rPr>
+                      <m:t>(</m:t>
+                    </m:r>
+                    <m:r>
+                      <a:rPr lang="en-US" sz="2800" b="0" i="1" smtClean="0">
+                        <a:latin typeface="Cambria Math" panose="02040503050406030204" pitchFamily="18" charset="0"/>
+                        <a:cs typeface="Arial" panose="020B0604020202020204" pitchFamily="34" charset="0"/>
+                      </a:rPr>
+                      <m:t>𝑠</m:t>
+                    </m:r>
+                    <m:sSup>
+                      <m:sSupPr>
+                        <m:ctrlPr>
+                          <a:rPr lang="en-US" sz="2800" b="0" i="1" smtClean="0">
+                            <a:latin typeface="Cambria Math" panose="02040503050406030204" pitchFamily="18" charset="0"/>
+                            <a:cs typeface="Arial" panose="020B0604020202020204" pitchFamily="34" charset="0"/>
+                          </a:rPr>
+                        </m:ctrlPr>
+                      </m:sSupPr>
+                      <m:e>
+                        <m:r>
+                          <a:rPr lang="en-US" sz="2800" b="0" i="1" smtClean="0">
+                            <a:latin typeface="Cambria Math" panose="02040503050406030204" pitchFamily="18" charset="0"/>
+                            <a:cs typeface="Arial" panose="020B0604020202020204" pitchFamily="34" charset="0"/>
+                          </a:rPr>
+                          <m:t>h</m:t>
+                        </m:r>
+                      </m:e>
+                      <m:sup>
+                        <m:r>
+                          <a:rPr lang="en-US" sz="2800" b="0" i="1" smtClean="0">
+                            <a:latin typeface="Cambria Math" panose="02040503050406030204" pitchFamily="18" charset="0"/>
+                            <a:cs typeface="Arial" panose="020B0604020202020204" pitchFamily="34" charset="0"/>
+                          </a:rPr>
+                          <m:t>2</m:t>
+                        </m:r>
+                      </m:sup>
+                    </m:sSup>
+                    <m:r>
+                      <a:rPr lang="en-US" sz="2800" b="0" i="1" smtClean="0">
+                        <a:latin typeface="Cambria Math" panose="02040503050406030204" pitchFamily="18" charset="0"/>
+                        <a:cs typeface="Arial" panose="020B0604020202020204" pitchFamily="34" charset="0"/>
+                      </a:rPr>
+                      <m:t>+</m:t>
+                    </m:r>
+                    <m:r>
+                      <a:rPr lang="en-US" sz="2800" b="0" i="1" smtClean="0">
+                        <a:latin typeface="Cambria Math" panose="02040503050406030204" pitchFamily="18" charset="0"/>
+                        <a:cs typeface="Arial" panose="020B0604020202020204" pitchFamily="34" charset="0"/>
+                      </a:rPr>
+                      <m:t>𝑐</m:t>
+                    </m:r>
+                    <m:sSup>
+                      <m:sSupPr>
+                        <m:ctrlPr>
+                          <a:rPr lang="en-US" sz="2800" b="0" i="1" smtClean="0">
+                            <a:latin typeface="Cambria Math" panose="02040503050406030204" pitchFamily="18" charset="0"/>
+                            <a:cs typeface="Arial" panose="020B0604020202020204" pitchFamily="34" charset="0"/>
+                          </a:rPr>
+                        </m:ctrlPr>
+                      </m:sSupPr>
+                      <m:e>
+                        <m:r>
+                          <a:rPr lang="en-US" sz="2800" b="0" i="1" smtClean="0">
+                            <a:latin typeface="Cambria Math" panose="02040503050406030204" pitchFamily="18" charset="0"/>
+                            <a:cs typeface="Arial" panose="020B0604020202020204" pitchFamily="34" charset="0"/>
+                          </a:rPr>
+                          <m:t>h</m:t>
+                        </m:r>
+                      </m:e>
+                      <m:sup>
+                        <m:r>
+                          <a:rPr lang="en-US" sz="2800" b="0" i="1" smtClean="0">
+                            <a:latin typeface="Cambria Math" panose="02040503050406030204" pitchFamily="18" charset="0"/>
+                            <a:cs typeface="Arial" panose="020B0604020202020204" pitchFamily="34" charset="0"/>
+                          </a:rPr>
+                          <m:t>2</m:t>
+                        </m:r>
+                      </m:sup>
+                    </m:sSup>
+                    <m:r>
+                      <a:rPr lang="en-US" sz="2800" b="0" i="1" smtClean="0">
+                        <a:latin typeface="Cambria Math" panose="02040503050406030204" pitchFamily="18" charset="0"/>
+                        <a:cs typeface="Arial" panose="020B0604020202020204" pitchFamily="34" charset="0"/>
+                      </a:rPr>
+                      <m:t>)</m:t>
+                    </m:r>
+                  </m:oMath>
+                </a14:m>
+                <a:endParaRPr lang="en-US" sz="2800" dirty="0">
+                  <a:latin typeface="Arial" panose="020B0604020202020204" pitchFamily="34" charset="0"/>
+                  <a:cs typeface="Arial" panose="020B0604020202020204" pitchFamily="34" charset="0"/>
+                </a:endParaRPr>
+              </a:p>
+              <a:p>
+                <a:r>
+                  <a:rPr lang="en-US" sz="2800" dirty="0">
+                    <a:latin typeface="Arial" panose="020B0604020202020204" pitchFamily="34" charset="0"/>
+                    <a:cs typeface="Arial" panose="020B0604020202020204" pitchFamily="34" charset="0"/>
+                  </a:rPr>
+                  <a:t>for </a:t>
+                </a:r>
+                <a14:m>
+                  <m:oMath xmlns:m="http://schemas.openxmlformats.org/officeDocument/2006/math">
+                    <m:d>
+                      <m:dPr>
+                        <m:begChr m:val="|"/>
+                        <m:endChr m:val="⟩"/>
+                        <m:ctrlPr>
+                          <a:rPr lang="en-US" sz="2800" b="0" i="1" smtClean="0">
+                            <a:latin typeface="Cambria Math" panose="02040503050406030204" pitchFamily="18" charset="0"/>
+                            <a:cs typeface="Arial" panose="020B0604020202020204" pitchFamily="34" charset="0"/>
+                          </a:rPr>
+                        </m:ctrlPr>
+                      </m:dPr>
+                      <m:e>
+                        <m:r>
+                          <a:rPr lang="en-US" sz="2800" b="0" i="1" smtClean="0">
+                            <a:latin typeface="Cambria Math" panose="02040503050406030204" pitchFamily="18" charset="0"/>
+                            <a:cs typeface="Arial" panose="020B0604020202020204" pitchFamily="34" charset="0"/>
+                          </a:rPr>
+                          <m:t>𝑠h</m:t>
+                        </m:r>
+                        <m:r>
+                          <a:rPr lang="en-US" sz="2800" b="0" i="1" smtClean="0">
+                            <a:latin typeface="Cambria Math" panose="02040503050406030204" pitchFamily="18" charset="0"/>
+                            <a:cs typeface="Arial" panose="020B0604020202020204" pitchFamily="34" charset="0"/>
+                          </a:rPr>
+                          <m:t>,</m:t>
+                        </m:r>
+                        <m:r>
+                          <a:rPr lang="en-US" sz="2800" b="0" i="1" smtClean="0">
+                            <a:latin typeface="Cambria Math" panose="02040503050406030204" pitchFamily="18" charset="0"/>
+                            <a:cs typeface="Arial" panose="020B0604020202020204" pitchFamily="34" charset="0"/>
+                          </a:rPr>
+                          <m:t>𝑠h</m:t>
+                        </m:r>
+                      </m:e>
+                    </m:d>
+                    <m:r>
+                      <a:rPr lang="en-US" sz="2800" b="0" i="1" smtClean="0">
+                        <a:latin typeface="Cambria Math" panose="02040503050406030204" pitchFamily="18" charset="0"/>
+                        <a:cs typeface="Arial" panose="020B0604020202020204" pitchFamily="34" charset="0"/>
+                      </a:rPr>
+                      <m:t>, </m:t>
+                    </m:r>
+                    <m:sSub>
+                      <m:sSubPr>
+                        <m:ctrlPr>
+                          <a:rPr lang="en-US" sz="2800" b="0" i="1" smtClean="0">
+                            <a:latin typeface="Cambria Math" panose="02040503050406030204" pitchFamily="18" charset="0"/>
+                            <a:cs typeface="Arial" panose="020B0604020202020204" pitchFamily="34" charset="0"/>
+                          </a:rPr>
+                        </m:ctrlPr>
+                      </m:sSubPr>
+                      <m:e>
+                        <m:r>
+                          <a:rPr lang="en-US" sz="2800" b="0" i="1" smtClean="0">
+                            <a:latin typeface="Cambria Math" panose="02040503050406030204" pitchFamily="18" charset="0"/>
+                            <a:cs typeface="Arial" panose="020B0604020202020204" pitchFamily="34" charset="0"/>
+                          </a:rPr>
+                          <m:t>𝑃</m:t>
+                        </m:r>
+                      </m:e>
+                      <m:sub>
+                        <m:r>
+                          <a:rPr lang="en-US" sz="2800" b="0" i="1" smtClean="0">
+                            <a:latin typeface="Cambria Math" panose="02040503050406030204" pitchFamily="18" charset="0"/>
+                            <a:cs typeface="Arial" panose="020B0604020202020204" pitchFamily="34" charset="0"/>
+                          </a:rPr>
+                          <m:t>𝑒</m:t>
+                        </m:r>
+                      </m:sub>
+                    </m:sSub>
+                    <m:r>
+                      <a:rPr lang="en-US" sz="2800" b="0" i="1" smtClean="0">
+                        <a:latin typeface="Cambria Math" panose="02040503050406030204" pitchFamily="18" charset="0"/>
+                        <a:cs typeface="Arial" panose="020B0604020202020204" pitchFamily="34" charset="0"/>
+                      </a:rPr>
+                      <m:t>=</m:t>
+                    </m:r>
+                    <m:f>
+                      <m:fPr>
+                        <m:ctrlPr>
+                          <a:rPr lang="en-US" sz="2800" i="1">
+                            <a:latin typeface="Cambria Math" panose="02040503050406030204" pitchFamily="18" charset="0"/>
+                            <a:cs typeface="Arial" panose="020B0604020202020204" pitchFamily="34" charset="0"/>
+                          </a:rPr>
+                        </m:ctrlPr>
+                      </m:fPr>
+                      <m:num>
+                        <m:sSup>
+                          <m:sSupPr>
+                            <m:ctrlPr>
+                              <a:rPr lang="en-US" sz="2800" i="1">
+                                <a:latin typeface="Cambria Math" panose="02040503050406030204" pitchFamily="18" charset="0"/>
+                                <a:cs typeface="Arial" panose="020B0604020202020204" pitchFamily="34" charset="0"/>
+                              </a:rPr>
+                            </m:ctrlPr>
+                          </m:sSupPr>
+                          <m:e>
+                            <m:r>
+                              <a:rPr lang="en-US" sz="2800" i="1">
+                                <a:latin typeface="Cambria Math" panose="02040503050406030204" pitchFamily="18" charset="0"/>
+                                <a:cs typeface="Arial" panose="020B0604020202020204" pitchFamily="34" charset="0"/>
+                              </a:rPr>
+                              <m:t>𝑡</m:t>
+                            </m:r>
+                          </m:e>
+                          <m:sup>
+                            <m:r>
+                              <a:rPr lang="en-US" sz="2800" i="1">
+                                <a:latin typeface="Cambria Math" panose="02040503050406030204" pitchFamily="18" charset="0"/>
+                                <a:cs typeface="Arial" panose="020B0604020202020204" pitchFamily="34" charset="0"/>
+                              </a:rPr>
+                              <m:t>2</m:t>
+                            </m:r>
+                          </m:sup>
+                        </m:sSup>
+                      </m:num>
+                      <m:den>
+                        <m:sSup>
+                          <m:sSupPr>
+                            <m:ctrlPr>
+                              <a:rPr lang="en-US" sz="2800" i="1">
+                                <a:latin typeface="Cambria Math" panose="02040503050406030204" pitchFamily="18" charset="0"/>
+                                <a:cs typeface="Arial" panose="020B0604020202020204" pitchFamily="34" charset="0"/>
+                              </a:rPr>
+                            </m:ctrlPr>
+                          </m:sSupPr>
+                          <m:e>
+                            <m:r>
+                              <m:rPr>
+                                <m:sty m:val="p"/>
+                              </m:rPr>
+                              <a:rPr lang="en-US" sz="2800">
+                                <a:latin typeface="Cambria Math" panose="02040503050406030204" pitchFamily="18" charset="0"/>
+                                <a:cs typeface="Arial" panose="020B0604020202020204" pitchFamily="34" charset="0"/>
+                              </a:rPr>
+                              <m:t>Δ</m:t>
+                            </m:r>
+                          </m:e>
+                          <m:sup>
+                            <m:r>
+                              <a:rPr lang="en-US" sz="2800" i="1">
+                                <a:latin typeface="Cambria Math" panose="02040503050406030204" pitchFamily="18" charset="0"/>
+                                <a:cs typeface="Arial" panose="020B0604020202020204" pitchFamily="34" charset="0"/>
+                              </a:rPr>
+                              <m:t>2</m:t>
+                            </m:r>
+                          </m:sup>
+                        </m:sSup>
+                      </m:den>
+                    </m:f>
+                    <m:sSubSup>
+                      <m:sSubSupPr>
+                        <m:ctrlPr>
+                          <a:rPr lang="en-US" sz="2800" b="0" i="1" smtClean="0">
+                            <a:latin typeface="Cambria Math" panose="02040503050406030204" pitchFamily="18" charset="0"/>
+                            <a:cs typeface="Arial" panose="020B0604020202020204" pitchFamily="34" charset="0"/>
+                          </a:rPr>
+                        </m:ctrlPr>
+                      </m:sSubSupPr>
+                      <m:e>
+                        <m:r>
+                          <a:rPr lang="en-US" sz="2800" b="0" i="1" smtClean="0">
+                            <a:latin typeface="Cambria Math" panose="02040503050406030204" pitchFamily="18" charset="0"/>
+                            <a:cs typeface="Arial" panose="020B0604020202020204" pitchFamily="34" charset="0"/>
+                          </a:rPr>
+                          <m:t>𝑔</m:t>
+                        </m:r>
+                      </m:e>
+                      <m:sub>
+                        <m:r>
+                          <a:rPr lang="en-US" sz="2800" b="0" i="1" smtClean="0">
+                            <a:latin typeface="Cambria Math" panose="02040503050406030204" pitchFamily="18" charset="0"/>
+                            <a:cs typeface="Arial" panose="020B0604020202020204" pitchFamily="34" charset="0"/>
+                          </a:rPr>
+                          <m:t>𝑒𝑚</m:t>
+                        </m:r>
+                      </m:sub>
+                      <m:sup>
+                        <m:r>
+                          <a:rPr lang="en-US" sz="2800" b="0" i="1" smtClean="0">
+                            <a:latin typeface="Cambria Math" panose="02040503050406030204" pitchFamily="18" charset="0"/>
+                            <a:cs typeface="Arial" panose="020B0604020202020204" pitchFamily="34" charset="0"/>
+                          </a:rPr>
+                          <m:t>2</m:t>
+                        </m:r>
+                      </m:sup>
+                    </m:sSubSup>
+                    <m:sSubSup>
+                      <m:sSubSupPr>
+                        <m:ctrlPr>
+                          <a:rPr lang="en-US" sz="2800" b="0" i="1" smtClean="0">
+                            <a:latin typeface="Cambria Math" panose="02040503050406030204" pitchFamily="18" charset="0"/>
+                            <a:cs typeface="Arial" panose="020B0604020202020204" pitchFamily="34" charset="0"/>
+                          </a:rPr>
+                        </m:ctrlPr>
+                      </m:sSubSupPr>
+                      <m:e>
+                        <m:r>
+                          <a:rPr lang="en-US" sz="2800" b="0" i="1" smtClean="0">
+                            <a:latin typeface="Cambria Math" panose="02040503050406030204" pitchFamily="18" charset="0"/>
+                            <a:cs typeface="Arial" panose="020B0604020202020204" pitchFamily="34" charset="0"/>
+                          </a:rPr>
+                          <m:t>𝑔</m:t>
+                        </m:r>
+                      </m:e>
+                      <m:sub>
+                        <m:r>
+                          <a:rPr lang="en-US" sz="2800" b="0" i="1" smtClean="0">
+                            <a:latin typeface="Cambria Math" panose="02040503050406030204" pitchFamily="18" charset="0"/>
+                            <a:cs typeface="Arial" panose="020B0604020202020204" pitchFamily="34" charset="0"/>
+                          </a:rPr>
+                          <m:t>𝑚𝑔</m:t>
+                        </m:r>
+                      </m:sub>
+                      <m:sup>
+                        <m:r>
+                          <a:rPr lang="en-US" sz="2800" b="0" i="1" smtClean="0">
+                            <a:latin typeface="Cambria Math" panose="02040503050406030204" pitchFamily="18" charset="0"/>
+                            <a:cs typeface="Arial" panose="020B0604020202020204" pitchFamily="34" charset="0"/>
+                          </a:rPr>
+                          <m:t>2</m:t>
+                        </m:r>
+                      </m:sup>
+                    </m:sSubSup>
+                    <m:r>
+                      <a:rPr lang="en-US" sz="2800" b="0" i="1" smtClean="0">
+                        <a:latin typeface="Cambria Math" panose="02040503050406030204" pitchFamily="18" charset="0"/>
+                        <a:cs typeface="Arial" panose="020B0604020202020204" pitchFamily="34" charset="0"/>
+                      </a:rPr>
+                      <m:t>𝑠</m:t>
+                    </m:r>
+                    <m:sSup>
+                      <m:sSupPr>
+                        <m:ctrlPr>
+                          <a:rPr lang="en-US" sz="2800" b="0" i="1" smtClean="0">
+                            <a:latin typeface="Cambria Math" panose="02040503050406030204" pitchFamily="18" charset="0"/>
+                            <a:cs typeface="Arial" panose="020B0604020202020204" pitchFamily="34" charset="0"/>
+                          </a:rPr>
+                        </m:ctrlPr>
+                      </m:sSupPr>
+                      <m:e>
+                        <m:r>
+                          <a:rPr lang="en-US" sz="2800" b="0" i="1" smtClean="0">
+                            <a:latin typeface="Cambria Math" panose="02040503050406030204" pitchFamily="18" charset="0"/>
+                            <a:cs typeface="Arial" panose="020B0604020202020204" pitchFamily="34" charset="0"/>
+                          </a:rPr>
+                          <m:t>h</m:t>
+                        </m:r>
+                      </m:e>
+                      <m:sup>
+                        <m:r>
+                          <a:rPr lang="en-US" sz="2800" b="0" i="1" smtClean="0">
+                            <a:latin typeface="Cambria Math" panose="02040503050406030204" pitchFamily="18" charset="0"/>
+                            <a:cs typeface="Arial" panose="020B0604020202020204" pitchFamily="34" charset="0"/>
+                          </a:rPr>
+                          <m:t>4</m:t>
+                        </m:r>
+                      </m:sup>
+                    </m:sSup>
+                  </m:oMath>
+                </a14:m>
+                <a:endParaRPr lang="en-US" sz="2800" dirty="0">
+                  <a:latin typeface="Arial" panose="020B0604020202020204" pitchFamily="34" charset="0"/>
+                  <a:cs typeface="Arial" panose="020B0604020202020204" pitchFamily="34" charset="0"/>
+                </a:endParaRPr>
+              </a:p>
+              <a:p>
+                <a:r>
+                  <a:rPr lang="en-US" sz="2800" dirty="0">
+                    <a:latin typeface="Arial" panose="020B0604020202020204" pitchFamily="34" charset="0"/>
+                    <a:cs typeface="Arial" panose="020B0604020202020204" pitchFamily="34" charset="0"/>
+                  </a:rPr>
+                  <a:t>enhancement: </a:t>
+                </a:r>
+                <a14:m>
+                  <m:oMath xmlns:m="http://schemas.openxmlformats.org/officeDocument/2006/math">
+                    <m:f>
+                      <m:fPr>
+                        <m:ctrlPr>
+                          <a:rPr lang="en-US" sz="2800" b="0" i="1" smtClean="0">
+                            <a:latin typeface="Cambria Math" panose="02040503050406030204" pitchFamily="18" charset="0"/>
+                            <a:cs typeface="Arial" panose="020B0604020202020204" pitchFamily="34" charset="0"/>
+                          </a:rPr>
+                        </m:ctrlPr>
+                      </m:fPr>
+                      <m:num>
+                        <m:r>
+                          <a:rPr lang="en-US" sz="2800" b="0" i="1" smtClean="0">
+                            <a:latin typeface="Cambria Math" panose="02040503050406030204" pitchFamily="18" charset="0"/>
+                            <a:cs typeface="Arial" panose="020B0604020202020204" pitchFamily="34" charset="0"/>
+                          </a:rPr>
+                          <m:t>𝑠</m:t>
+                        </m:r>
+                        <m:sSup>
+                          <m:sSupPr>
+                            <m:ctrlPr>
+                              <a:rPr lang="en-US" sz="2800" b="0" i="1" smtClean="0">
+                                <a:latin typeface="Cambria Math" panose="02040503050406030204" pitchFamily="18" charset="0"/>
+                                <a:cs typeface="Arial" panose="020B0604020202020204" pitchFamily="34" charset="0"/>
+                              </a:rPr>
+                            </m:ctrlPr>
+                          </m:sSupPr>
+                          <m:e>
+                            <m:r>
+                              <a:rPr lang="en-US" sz="2800" b="0" i="1" smtClean="0">
+                                <a:latin typeface="Cambria Math" panose="02040503050406030204" pitchFamily="18" charset="0"/>
+                                <a:cs typeface="Arial" panose="020B0604020202020204" pitchFamily="34" charset="0"/>
+                              </a:rPr>
+                              <m:t>h</m:t>
+                            </m:r>
+                          </m:e>
+                          <m:sup>
+                            <m:r>
+                              <a:rPr lang="en-US" sz="2800" b="0" i="1" smtClean="0">
+                                <a:latin typeface="Cambria Math" panose="02040503050406030204" pitchFamily="18" charset="0"/>
+                                <a:cs typeface="Arial" panose="020B0604020202020204" pitchFamily="34" charset="0"/>
+                              </a:rPr>
+                              <m:t>2</m:t>
+                            </m:r>
+                          </m:sup>
+                        </m:sSup>
+                        <m:r>
+                          <a:rPr lang="en-US" sz="2800" b="0" i="1" smtClean="0">
+                            <a:latin typeface="Cambria Math" panose="02040503050406030204" pitchFamily="18" charset="0"/>
+                            <a:cs typeface="Arial" panose="020B0604020202020204" pitchFamily="34" charset="0"/>
+                          </a:rPr>
+                          <m:t>+</m:t>
+                        </m:r>
+                        <m:r>
+                          <a:rPr lang="en-US" sz="2800" b="0" i="1" smtClean="0">
+                            <a:latin typeface="Cambria Math" panose="02040503050406030204" pitchFamily="18" charset="0"/>
+                            <a:cs typeface="Arial" panose="020B0604020202020204" pitchFamily="34" charset="0"/>
+                          </a:rPr>
+                          <m:t>𝑐</m:t>
+                        </m:r>
+                        <m:sSup>
+                          <m:sSupPr>
+                            <m:ctrlPr>
+                              <a:rPr lang="en-US" sz="2800" b="0" i="1" smtClean="0">
+                                <a:latin typeface="Cambria Math" panose="02040503050406030204" pitchFamily="18" charset="0"/>
+                                <a:cs typeface="Arial" panose="020B0604020202020204" pitchFamily="34" charset="0"/>
+                              </a:rPr>
+                            </m:ctrlPr>
+                          </m:sSupPr>
+                          <m:e>
+                            <m:r>
+                              <a:rPr lang="en-US" sz="2800" b="0" i="1" smtClean="0">
+                                <a:latin typeface="Cambria Math" panose="02040503050406030204" pitchFamily="18" charset="0"/>
+                                <a:cs typeface="Arial" panose="020B0604020202020204" pitchFamily="34" charset="0"/>
+                              </a:rPr>
+                              <m:t>h</m:t>
+                            </m:r>
+                          </m:e>
+                          <m:sup>
+                            <m:r>
+                              <a:rPr lang="en-US" sz="2800" b="0" i="1" smtClean="0">
+                                <a:latin typeface="Cambria Math" panose="02040503050406030204" pitchFamily="18" charset="0"/>
+                                <a:cs typeface="Arial" panose="020B0604020202020204" pitchFamily="34" charset="0"/>
+                              </a:rPr>
+                              <m:t>2</m:t>
+                            </m:r>
+                          </m:sup>
+                        </m:sSup>
+                      </m:num>
+                      <m:den>
+                        <m:r>
+                          <a:rPr lang="en-US" sz="2800" b="0" i="1" smtClean="0">
+                            <a:latin typeface="Cambria Math" panose="02040503050406030204" pitchFamily="18" charset="0"/>
+                            <a:cs typeface="Arial" panose="020B0604020202020204" pitchFamily="34" charset="0"/>
+                          </a:rPr>
+                          <m:t>𝑠</m:t>
+                        </m:r>
+                        <m:sSup>
+                          <m:sSupPr>
+                            <m:ctrlPr>
+                              <a:rPr lang="en-US" sz="2800" b="0" i="1" smtClean="0">
+                                <a:latin typeface="Cambria Math" panose="02040503050406030204" pitchFamily="18" charset="0"/>
+                                <a:cs typeface="Arial" panose="020B0604020202020204" pitchFamily="34" charset="0"/>
+                              </a:rPr>
+                            </m:ctrlPr>
+                          </m:sSupPr>
+                          <m:e>
+                            <m:r>
+                              <a:rPr lang="en-US" sz="2800" b="0" i="1" smtClean="0">
+                                <a:latin typeface="Cambria Math" panose="02040503050406030204" pitchFamily="18" charset="0"/>
+                                <a:cs typeface="Arial" panose="020B0604020202020204" pitchFamily="34" charset="0"/>
+                              </a:rPr>
+                              <m:t>h</m:t>
+                            </m:r>
+                          </m:e>
+                          <m:sup>
+                            <m:r>
+                              <a:rPr lang="en-US" sz="2800" b="0" i="1" smtClean="0">
+                                <a:latin typeface="Cambria Math" panose="02040503050406030204" pitchFamily="18" charset="0"/>
+                                <a:cs typeface="Arial" panose="020B0604020202020204" pitchFamily="34" charset="0"/>
+                              </a:rPr>
+                              <m:t>2</m:t>
+                            </m:r>
+                          </m:sup>
+                        </m:sSup>
+                      </m:den>
+                    </m:f>
+                  </m:oMath>
+                </a14:m>
+                <a:r>
+                  <a:rPr lang="en-US" sz="2800" dirty="0">
+                    <a:latin typeface="Arial" panose="020B0604020202020204" pitchFamily="34" charset="0"/>
+                    <a:cs typeface="Arial" panose="020B0604020202020204" pitchFamily="34" charset="0"/>
+                  </a:rPr>
+                  <a:t>, </a:t>
+                </a:r>
+              </a:p>
+              <a:p>
+                <a:r>
+                  <a:rPr lang="en-US" sz="2800" dirty="0">
+                    <a:latin typeface="Arial" panose="020B0604020202020204" pitchFamily="34" charset="0"/>
+                    <a:cs typeface="Arial" panose="020B0604020202020204" pitchFamily="34" charset="0"/>
+                  </a:rPr>
+                  <a:t>infinity if </a:t>
+                </a:r>
+                <a14:m>
+                  <m:oMath xmlns:m="http://schemas.openxmlformats.org/officeDocument/2006/math">
+                    <m:r>
+                      <a:rPr lang="en-US" sz="2800" b="0" i="1" smtClean="0">
+                        <a:latin typeface="Cambria Math" panose="02040503050406030204" pitchFamily="18" charset="0"/>
+                        <a:cs typeface="Arial" panose="020B0604020202020204" pitchFamily="34" charset="0"/>
+                      </a:rPr>
+                      <m:t>𝑟</m:t>
+                    </m:r>
+                    <m:r>
+                      <a:rPr lang="en-US" sz="2800" b="0" i="1" smtClean="0">
+                        <a:latin typeface="Cambria Math" panose="02040503050406030204" pitchFamily="18" charset="0"/>
+                        <a:cs typeface="Arial" panose="020B0604020202020204" pitchFamily="34" charset="0"/>
+                      </a:rPr>
+                      <m:t>→</m:t>
+                    </m:r>
+                  </m:oMath>
+                </a14:m>
+                <a:r>
+                  <a:rPr lang="en-US" sz="2800" dirty="0">
+                    <a:latin typeface="Arial" panose="020B0604020202020204" pitchFamily="34" charset="0"/>
+                    <a:cs typeface="Arial" panose="020B0604020202020204" pitchFamily="34" charset="0"/>
+                  </a:rPr>
+                  <a:t>0, 2 if </a:t>
+                </a:r>
+                <a14:m>
+                  <m:oMath xmlns:m="http://schemas.openxmlformats.org/officeDocument/2006/math">
+                    <m:r>
+                      <a:rPr lang="en-US" sz="2800" b="0" i="1" smtClean="0">
+                        <a:latin typeface="Cambria Math" panose="02040503050406030204" pitchFamily="18" charset="0"/>
+                        <a:cs typeface="Arial" panose="020B0604020202020204" pitchFamily="34" charset="0"/>
+                      </a:rPr>
+                      <m:t>𝑟</m:t>
+                    </m:r>
+                    <m:r>
+                      <a:rPr lang="en-US" sz="2800" b="0" i="1" smtClean="0">
+                        <a:latin typeface="Cambria Math" panose="02040503050406030204" pitchFamily="18" charset="0"/>
+                        <a:cs typeface="Arial" panose="020B0604020202020204" pitchFamily="34" charset="0"/>
+                      </a:rPr>
+                      <m:t>→∞</m:t>
+                    </m:r>
+                  </m:oMath>
+                </a14:m>
+                <a:endParaRPr lang="en-US" sz="2800" dirty="0">
+                  <a:latin typeface="Arial" panose="020B0604020202020204" pitchFamily="34" charset="0"/>
+                  <a:cs typeface="Arial" panose="020B0604020202020204" pitchFamily="34" charset="0"/>
+                </a:endParaRPr>
+              </a:p>
+              <a:p>
+                <a:endParaRPr lang="en-US" sz="2800" dirty="0">
+                  <a:latin typeface="Arial" panose="020B0604020202020204" pitchFamily="34" charset="0"/>
+                  <a:cs typeface="Arial" panose="020B0604020202020204" pitchFamily="34" charset="0"/>
+                </a:endParaRPr>
+              </a:p>
+              <a:p>
+                <a:r>
+                  <a:rPr lang="en-US" sz="2800" dirty="0">
+                    <a:latin typeface="Arial" panose="020B0604020202020204" pitchFamily="34" charset="0"/>
+                    <a:cs typeface="Arial" panose="020B0604020202020204" pitchFamily="34" charset="0"/>
+                  </a:rPr>
+                  <a:t>(</a:t>
+                </a:r>
+                <a14:m>
+                  <m:oMath xmlns:m="http://schemas.openxmlformats.org/officeDocument/2006/math">
+                    <m:r>
+                      <a:rPr lang="en-US" sz="2800" b="0" i="1" smtClean="0">
+                        <a:latin typeface="Cambria Math" panose="02040503050406030204" pitchFamily="18" charset="0"/>
+                        <a:cs typeface="Arial" panose="020B0604020202020204" pitchFamily="34" charset="0"/>
+                      </a:rPr>
+                      <m:t>𝑐h</m:t>
+                    </m:r>
+                    <m:r>
+                      <a:rPr lang="en-US" sz="2800" b="0" i="1" smtClean="0">
+                        <a:latin typeface="Cambria Math" panose="02040503050406030204" pitchFamily="18" charset="0"/>
+                        <a:cs typeface="Arial" panose="020B0604020202020204" pitchFamily="34" charset="0"/>
+                      </a:rPr>
+                      <m:t>=</m:t>
+                    </m:r>
+                    <m:func>
+                      <m:funcPr>
+                        <m:ctrlPr>
+                          <a:rPr lang="en-US" sz="2800" b="0" i="1" smtClean="0">
+                            <a:latin typeface="Cambria Math" panose="02040503050406030204" pitchFamily="18" charset="0"/>
+                            <a:cs typeface="Arial" panose="020B0604020202020204" pitchFamily="34" charset="0"/>
+                          </a:rPr>
+                        </m:ctrlPr>
+                      </m:funcPr>
+                      <m:fName>
+                        <m:r>
+                          <m:rPr>
+                            <m:sty m:val="p"/>
+                          </m:rPr>
+                          <a:rPr lang="en-US" sz="2800" b="0" i="0" smtClean="0">
+                            <a:latin typeface="Cambria Math" panose="02040503050406030204" pitchFamily="18" charset="0"/>
+                            <a:cs typeface="Arial" panose="020B0604020202020204" pitchFamily="34" charset="0"/>
+                          </a:rPr>
+                          <m:t>cosh</m:t>
+                        </m:r>
+                      </m:fName>
+                      <m:e>
+                        <m:r>
+                          <a:rPr lang="en-US" sz="2800" b="0" i="1" smtClean="0">
+                            <a:latin typeface="Cambria Math" panose="02040503050406030204" pitchFamily="18" charset="0"/>
+                            <a:cs typeface="Arial" panose="020B0604020202020204" pitchFamily="34" charset="0"/>
+                          </a:rPr>
+                          <m:t>𝑟</m:t>
+                        </m:r>
+                      </m:e>
+                    </m:func>
+                    <m:r>
+                      <a:rPr lang="en-US" sz="2800" b="0" i="1" smtClean="0">
+                        <a:latin typeface="Cambria Math" panose="02040503050406030204" pitchFamily="18" charset="0"/>
+                        <a:cs typeface="Arial" panose="020B0604020202020204" pitchFamily="34" charset="0"/>
+                      </a:rPr>
+                      <m:t>, </m:t>
+                    </m:r>
+                    <m:r>
+                      <a:rPr lang="en-US" sz="2800" b="0" i="1" smtClean="0">
+                        <a:latin typeface="Cambria Math" panose="02040503050406030204" pitchFamily="18" charset="0"/>
+                        <a:cs typeface="Arial" panose="020B0604020202020204" pitchFamily="34" charset="0"/>
+                      </a:rPr>
+                      <m:t>𝑠h</m:t>
+                    </m:r>
+                    <m:r>
+                      <a:rPr lang="en-US" sz="2800" b="0" i="1" smtClean="0">
+                        <a:latin typeface="Cambria Math" panose="02040503050406030204" pitchFamily="18" charset="0"/>
+                        <a:cs typeface="Arial" panose="020B0604020202020204" pitchFamily="34" charset="0"/>
+                      </a:rPr>
+                      <m:t>=</m:t>
+                    </m:r>
+                    <m:func>
+                      <m:funcPr>
+                        <m:ctrlPr>
+                          <a:rPr lang="en-US" sz="2800" b="0" i="1" smtClean="0">
+                            <a:latin typeface="Cambria Math" panose="02040503050406030204" pitchFamily="18" charset="0"/>
+                            <a:cs typeface="Arial" panose="020B0604020202020204" pitchFamily="34" charset="0"/>
+                          </a:rPr>
+                        </m:ctrlPr>
+                      </m:funcPr>
+                      <m:fName>
+                        <m:r>
+                          <m:rPr>
+                            <m:sty m:val="p"/>
+                          </m:rPr>
+                          <a:rPr lang="en-US" sz="2800" b="0" i="0" smtClean="0">
+                            <a:latin typeface="Cambria Math" panose="02040503050406030204" pitchFamily="18" charset="0"/>
+                            <a:cs typeface="Arial" panose="020B0604020202020204" pitchFamily="34" charset="0"/>
+                          </a:rPr>
+                          <m:t>sinh</m:t>
+                        </m:r>
+                      </m:fName>
+                      <m:e>
+                        <m:r>
+                          <a:rPr lang="en-US" sz="2800" b="0" i="1" smtClean="0">
+                            <a:latin typeface="Cambria Math" panose="02040503050406030204" pitchFamily="18" charset="0"/>
+                            <a:cs typeface="Arial" panose="020B0604020202020204" pitchFamily="34" charset="0"/>
+                          </a:rPr>
+                          <m:t>𝑟</m:t>
+                        </m:r>
+                      </m:e>
+                    </m:func>
+                  </m:oMath>
+                </a14:m>
+                <a:r>
+                  <a:rPr lang="en-US" sz="2800" dirty="0">
+                    <a:latin typeface="Arial" panose="020B0604020202020204" pitchFamily="34" charset="0"/>
+                    <a:cs typeface="Arial" panose="020B0604020202020204" pitchFamily="34" charset="0"/>
+                  </a:rPr>
+                  <a:t>, </a:t>
+                </a:r>
+                <a14:m>
+                  <m:oMath xmlns:m="http://schemas.openxmlformats.org/officeDocument/2006/math">
+                    <m:r>
+                      <a:rPr lang="en-US" sz="2800" b="0" i="1" smtClean="0">
+                        <a:latin typeface="Cambria Math" panose="02040503050406030204" pitchFamily="18" charset="0"/>
+                        <a:cs typeface="Arial" panose="020B0604020202020204" pitchFamily="34" charset="0"/>
+                      </a:rPr>
+                      <m:t>𝑠</m:t>
+                    </m:r>
+                    <m:sSup>
+                      <m:sSupPr>
+                        <m:ctrlPr>
+                          <a:rPr lang="en-US" sz="2800" b="0" i="1" smtClean="0">
+                            <a:latin typeface="Cambria Math" panose="02040503050406030204" pitchFamily="18" charset="0"/>
+                            <a:cs typeface="Arial" panose="020B0604020202020204" pitchFamily="34" charset="0"/>
+                          </a:rPr>
+                        </m:ctrlPr>
+                      </m:sSupPr>
+                      <m:e>
+                        <m:r>
+                          <a:rPr lang="en-US" sz="2800" b="0" i="1" smtClean="0">
+                            <a:latin typeface="Cambria Math" panose="02040503050406030204" pitchFamily="18" charset="0"/>
+                            <a:cs typeface="Arial" panose="020B0604020202020204" pitchFamily="34" charset="0"/>
+                          </a:rPr>
+                          <m:t>h</m:t>
+                        </m:r>
+                      </m:e>
+                      <m:sup>
+                        <m:r>
+                          <a:rPr lang="en-US" sz="2800" b="0" i="1" smtClean="0">
+                            <a:latin typeface="Cambria Math" panose="02040503050406030204" pitchFamily="18" charset="0"/>
+                            <a:cs typeface="Arial" panose="020B0604020202020204" pitchFamily="34" charset="0"/>
+                          </a:rPr>
+                          <m:t>2</m:t>
+                        </m:r>
+                      </m:sup>
+                    </m:sSup>
+                    <m:r>
+                      <a:rPr lang="en-US" sz="2800" b="0" i="1" smtClean="0">
+                        <a:latin typeface="Cambria Math" panose="02040503050406030204" pitchFamily="18" charset="0"/>
+                        <a:cs typeface="Arial" panose="020B0604020202020204" pitchFamily="34" charset="0"/>
+                      </a:rPr>
+                      <m:t>=</m:t>
+                    </m:r>
+                    <m:r>
+                      <a:rPr lang="en-US" sz="2800" b="0" i="1" smtClean="0">
+                        <a:latin typeface="Cambria Math" panose="02040503050406030204" pitchFamily="18" charset="0"/>
+                        <a:cs typeface="Arial" panose="020B0604020202020204" pitchFamily="34" charset="0"/>
+                      </a:rPr>
+                      <m:t>𝑁</m:t>
+                    </m:r>
+                  </m:oMath>
+                </a14:m>
+                <a:r>
+                  <a:rPr lang="en-US" sz="2800" dirty="0">
+                    <a:latin typeface="Arial" panose="020B0604020202020204" pitchFamily="34" charset="0"/>
+                    <a:cs typeface="Arial" panose="020B0604020202020204" pitchFamily="34" charset="0"/>
+                  </a:rPr>
+                  <a:t>(average photon number))</a:t>
+                </a:r>
+              </a:p>
+            </p:txBody>
+          </p:sp>
+        </mc:Choice>
+        <mc:Fallback>
+          <p:sp>
+            <p:nvSpPr>
+              <p:cNvPr id="14" name="TextBox 13">
+                <a:extLst>
+                  <a:ext uri="{FF2B5EF4-FFF2-40B4-BE49-F238E27FC236}">
+                    <a16:creationId xmlns:a16="http://schemas.microsoft.com/office/drawing/2014/main" id="{E36EB3CE-68F6-4F87-9224-0EFABDDECE8F}"/>
+                  </a:ext>
+                </a:extLst>
+              </p:cNvPr>
+              <p:cNvSpPr txBox="1">
+                <a:spLocks noRot="1" noChangeAspect="1" noMove="1" noResize="1" noEditPoints="1" noAdjustHandles="1" noChangeArrowheads="1" noChangeShapeType="1" noTextEdit="1"/>
+              </p:cNvSpPr>
+              <p:nvPr/>
+            </p:nvSpPr>
+            <p:spPr>
+              <a:xfrm>
+                <a:off x="5693308" y="775966"/>
+                <a:ext cx="6641869" cy="6412140"/>
+              </a:xfrm>
+              <a:prstGeom prst="rect">
+                <a:avLst/>
+              </a:prstGeom>
+              <a:blipFill>
+                <a:blip r:embed="rId4"/>
+                <a:stretch>
+                  <a:fillRect l="-1928" t="-951" b="-1616"/>
+                </a:stretch>
+              </a:blipFill>
+            </p:spPr>
+            <p:txBody>
+              <a:bodyPr/>
+              <a:lstStyle/>
+              <a:p>
+                <a:r>
+                  <a:rPr lang="en-US">
+                    <a:noFill/>
+                  </a:rPr>
+                  <a:t> </a:t>
+                </a:r>
+              </a:p>
+            </p:txBody>
+          </p:sp>
+        </mc:Fallback>
+      </mc:AlternateContent>
+      <mc:AlternateContent xmlns:mc="http://schemas.openxmlformats.org/markup-compatibility/2006">
+        <mc:Choice xmlns:a14="http://schemas.microsoft.com/office/drawing/2010/main" Requires="a14">
+          <p:sp>
+            <p:nvSpPr>
+              <p:cNvPr id="16" name="TextBox 15">
+                <a:extLst>
+                  <a:ext uri="{FF2B5EF4-FFF2-40B4-BE49-F238E27FC236}">
+                    <a16:creationId xmlns:a16="http://schemas.microsoft.com/office/drawing/2014/main" id="{F17BEC80-AA96-4F10-8FF0-8A6458EF4D17}"/>
+                  </a:ext>
+                </a:extLst>
+              </p:cNvPr>
+              <p:cNvSpPr txBox="1"/>
+              <p:nvPr/>
+            </p:nvSpPr>
+            <p:spPr>
+              <a:xfrm>
+                <a:off x="2629048" y="3474046"/>
+                <a:ext cx="925189" cy="369332"/>
+              </a:xfrm>
+              <a:prstGeom prst="rect">
+                <a:avLst/>
+              </a:prstGeom>
+              <a:noFill/>
+            </p:spPr>
+            <p:txBody>
+              <a:bodyPr wrap="none" rtlCol="0">
+                <a:spAutoFit/>
+              </a:bodyPr>
+              <a:lstStyle/>
+              <a:p>
+                <a:pPr/>
+                <a14:m>
+                  <m:oMathPara xmlns:m="http://schemas.openxmlformats.org/officeDocument/2006/math">
+                    <m:oMathParaPr>
+                      <m:jc m:val="centerGroup"/>
+                    </m:oMathParaPr>
+                    <m:oMath xmlns:m="http://schemas.openxmlformats.org/officeDocument/2006/math">
+                      <m:sSub>
+                        <m:sSubPr>
+                          <m:ctrlPr>
+                            <a:rPr lang="en-US" b="0" i="1" smtClean="0">
+                              <a:latin typeface="Cambria Math" panose="02040503050406030204" pitchFamily="18" charset="0"/>
+                            </a:rPr>
+                          </m:ctrlPr>
+                        </m:sSubPr>
+                        <m:e>
+                          <m:r>
+                            <a:rPr lang="en-US" b="0" i="1" smtClean="0">
+                              <a:latin typeface="Cambria Math" panose="02040503050406030204" pitchFamily="18" charset="0"/>
+                            </a:rPr>
+                            <m:t>𝜔</m:t>
+                          </m:r>
+                        </m:e>
+                        <m:sub>
+                          <m:r>
+                            <a:rPr lang="en-US" b="0" i="1" smtClean="0">
+                              <a:latin typeface="Cambria Math" panose="02040503050406030204" pitchFamily="18" charset="0"/>
+                            </a:rPr>
+                            <m:t>2</m:t>
+                          </m:r>
+                        </m:sub>
+                      </m:sSub>
+                      <m:r>
+                        <a:rPr lang="en-US" b="0" i="1" smtClean="0">
+                          <a:latin typeface="Cambria Math" panose="02040503050406030204" pitchFamily="18" charset="0"/>
+                        </a:rPr>
+                        <m:t>+</m:t>
+                      </m:r>
+                      <m:r>
+                        <m:rPr>
+                          <m:sty m:val="p"/>
+                        </m:rPr>
+                        <a:rPr lang="en-US" b="0" i="0" smtClean="0">
+                          <a:latin typeface="Cambria Math" panose="02040503050406030204" pitchFamily="18" charset="0"/>
+                        </a:rPr>
+                        <m:t>Δ</m:t>
+                      </m:r>
+                    </m:oMath>
+                  </m:oMathPara>
+                </a14:m>
+                <a:endParaRPr lang="en-US" dirty="0"/>
+              </a:p>
+            </p:txBody>
+          </p:sp>
+        </mc:Choice>
+        <mc:Fallback>
+          <p:sp>
+            <p:nvSpPr>
+              <p:cNvPr id="16" name="TextBox 15">
+                <a:extLst>
+                  <a:ext uri="{FF2B5EF4-FFF2-40B4-BE49-F238E27FC236}">
+                    <a16:creationId xmlns:a16="http://schemas.microsoft.com/office/drawing/2014/main" id="{F17BEC80-AA96-4F10-8FF0-8A6458EF4D17}"/>
+                  </a:ext>
+                </a:extLst>
+              </p:cNvPr>
+              <p:cNvSpPr txBox="1">
+                <a:spLocks noRot="1" noChangeAspect="1" noMove="1" noResize="1" noEditPoints="1" noAdjustHandles="1" noChangeArrowheads="1" noChangeShapeType="1" noTextEdit="1"/>
+              </p:cNvSpPr>
+              <p:nvPr/>
+            </p:nvSpPr>
+            <p:spPr>
+              <a:xfrm>
+                <a:off x="2629048" y="3474046"/>
+                <a:ext cx="925189" cy="369332"/>
+              </a:xfrm>
+              <a:prstGeom prst="rect">
+                <a:avLst/>
+              </a:prstGeom>
+              <a:blipFill>
+                <a:blip r:embed="rId5"/>
+                <a:stretch>
+                  <a:fillRect/>
+                </a:stretch>
+              </a:blipFill>
+            </p:spPr>
+            <p:txBody>
+              <a:bodyPr/>
+              <a:lstStyle/>
+              <a:p>
+                <a:r>
+                  <a:rPr lang="en-US">
+                    <a:noFill/>
+                  </a:rPr>
+                  <a:t> </a:t>
+                </a:r>
+              </a:p>
+            </p:txBody>
+          </p:sp>
+        </mc:Fallback>
+      </mc:AlternateContent>
+      <mc:AlternateContent xmlns:mc="http://schemas.openxmlformats.org/markup-compatibility/2006">
+        <mc:Choice xmlns:a14="http://schemas.microsoft.com/office/drawing/2010/main" Requires="a14">
+          <p:sp>
+            <p:nvSpPr>
+              <p:cNvPr id="18" name="TextBox 17">
+                <a:extLst>
+                  <a:ext uri="{FF2B5EF4-FFF2-40B4-BE49-F238E27FC236}">
+                    <a16:creationId xmlns:a16="http://schemas.microsoft.com/office/drawing/2014/main" id="{49037623-9824-4A57-88AB-1CCF8CAA1FA5}"/>
+                  </a:ext>
+                </a:extLst>
+              </p:cNvPr>
+              <p:cNvSpPr txBox="1"/>
+              <p:nvPr/>
+            </p:nvSpPr>
+            <p:spPr>
+              <a:xfrm>
+                <a:off x="2631184" y="1626335"/>
+                <a:ext cx="919867" cy="369332"/>
+              </a:xfrm>
+              <a:prstGeom prst="rect">
+                <a:avLst/>
+              </a:prstGeom>
+              <a:noFill/>
+            </p:spPr>
+            <p:txBody>
+              <a:bodyPr wrap="none" rtlCol="0">
+                <a:spAutoFit/>
+              </a:bodyPr>
+              <a:lstStyle/>
+              <a:p>
+                <a:pPr/>
+                <a14:m>
+                  <m:oMathPara xmlns:m="http://schemas.openxmlformats.org/officeDocument/2006/math">
+                    <m:oMathParaPr>
+                      <m:jc m:val="centerGroup"/>
+                    </m:oMathParaPr>
+                    <m:oMath xmlns:m="http://schemas.openxmlformats.org/officeDocument/2006/math">
+                      <m:sSub>
+                        <m:sSubPr>
+                          <m:ctrlPr>
+                            <a:rPr lang="en-US" b="0" i="1" smtClean="0">
+                              <a:latin typeface="Cambria Math" panose="02040503050406030204" pitchFamily="18" charset="0"/>
+                            </a:rPr>
+                          </m:ctrlPr>
+                        </m:sSubPr>
+                        <m:e>
+                          <m:r>
+                            <a:rPr lang="en-US" b="0" i="1" smtClean="0">
+                              <a:latin typeface="Cambria Math" panose="02040503050406030204" pitchFamily="18" charset="0"/>
+                            </a:rPr>
+                            <m:t>𝜔</m:t>
+                          </m:r>
+                        </m:e>
+                        <m:sub>
+                          <m:r>
+                            <a:rPr lang="en-US" b="0" i="1" smtClean="0">
+                              <a:latin typeface="Cambria Math" panose="02040503050406030204" pitchFamily="18" charset="0"/>
+                            </a:rPr>
+                            <m:t>1</m:t>
+                          </m:r>
+                        </m:sub>
+                      </m:sSub>
+                      <m:r>
+                        <a:rPr lang="en-US" b="0" i="1" smtClean="0">
+                          <a:latin typeface="Cambria Math" panose="02040503050406030204" pitchFamily="18" charset="0"/>
+                        </a:rPr>
+                        <m:t>−</m:t>
+                      </m:r>
+                      <m:r>
+                        <m:rPr>
+                          <m:sty m:val="p"/>
+                        </m:rPr>
+                        <a:rPr lang="en-US" b="0" i="0" smtClean="0">
+                          <a:latin typeface="Cambria Math" panose="02040503050406030204" pitchFamily="18" charset="0"/>
+                        </a:rPr>
+                        <m:t>Δ</m:t>
+                      </m:r>
+                    </m:oMath>
+                  </m:oMathPara>
+                </a14:m>
+                <a:endParaRPr lang="en-US" dirty="0"/>
+              </a:p>
+            </p:txBody>
+          </p:sp>
+        </mc:Choice>
+        <mc:Fallback>
+          <p:sp>
+            <p:nvSpPr>
+              <p:cNvPr id="18" name="TextBox 17">
+                <a:extLst>
+                  <a:ext uri="{FF2B5EF4-FFF2-40B4-BE49-F238E27FC236}">
+                    <a16:creationId xmlns:a16="http://schemas.microsoft.com/office/drawing/2014/main" id="{49037623-9824-4A57-88AB-1CCF8CAA1FA5}"/>
+                  </a:ext>
+                </a:extLst>
+              </p:cNvPr>
+              <p:cNvSpPr txBox="1">
+                <a:spLocks noRot="1" noChangeAspect="1" noMove="1" noResize="1" noEditPoints="1" noAdjustHandles="1" noChangeArrowheads="1" noChangeShapeType="1" noTextEdit="1"/>
+              </p:cNvSpPr>
+              <p:nvPr/>
+            </p:nvSpPr>
+            <p:spPr>
+              <a:xfrm>
+                <a:off x="2631184" y="1626335"/>
+                <a:ext cx="919867" cy="369332"/>
+              </a:xfrm>
+              <a:prstGeom prst="rect">
+                <a:avLst/>
+              </a:prstGeom>
+              <a:blipFill>
+                <a:blip r:embed="rId6"/>
+                <a:stretch>
+                  <a:fillRect/>
+                </a:stretch>
+              </a:blipFill>
+            </p:spPr>
+            <p:txBody>
+              <a:bodyPr/>
+              <a:lstStyle/>
+              <a:p>
+                <a:r>
+                  <a:rPr lang="en-US">
+                    <a:noFill/>
+                  </a:rPr>
+                  <a:t> </a:t>
+                </a:r>
+              </a:p>
+            </p:txBody>
+          </p:sp>
+        </mc:Fallback>
+      </mc:AlternateContent>
+      <mc:AlternateContent xmlns:mc="http://schemas.openxmlformats.org/markup-compatibility/2006">
+        <mc:Choice xmlns:a14="http://schemas.microsoft.com/office/drawing/2010/main" Requires="a14">
+          <p:sp>
+            <p:nvSpPr>
+              <p:cNvPr id="20" name="TextBox 19">
+                <a:extLst>
+                  <a:ext uri="{FF2B5EF4-FFF2-40B4-BE49-F238E27FC236}">
+                    <a16:creationId xmlns:a16="http://schemas.microsoft.com/office/drawing/2014/main" id="{EB59CDB4-C2FD-48E0-A044-BEEBFA793297}"/>
+                  </a:ext>
+                </a:extLst>
+              </p:cNvPr>
+              <p:cNvSpPr txBox="1"/>
+              <p:nvPr/>
+            </p:nvSpPr>
+            <p:spPr>
+              <a:xfrm>
+                <a:off x="4844394" y="738369"/>
+                <a:ext cx="513538" cy="369332"/>
+              </a:xfrm>
+              <a:prstGeom prst="rect">
+                <a:avLst/>
+              </a:prstGeom>
+              <a:noFill/>
+            </p:spPr>
+            <p:txBody>
+              <a:bodyPr wrap="none" rtlCol="0">
+                <a:spAutoFit/>
+              </a:bodyPr>
+              <a:lstStyle/>
+              <a:p>
+                <a14:m>
+                  <m:oMathPara xmlns:m="http://schemas.openxmlformats.org/officeDocument/2006/math">
+                    <m:oMathParaPr>
+                      <m:jc m:val="centerGroup"/>
+                    </m:oMathParaPr>
+                    <m:oMath xmlns:m="http://schemas.openxmlformats.org/officeDocument/2006/math">
+                      <m:r>
+                        <a:rPr lang="en-US" b="0" i="1" smtClean="0">
+                          <a:latin typeface="Cambria Math" panose="02040503050406030204" pitchFamily="18" charset="0"/>
+                        </a:rPr>
+                        <m:t>|</m:t>
+                      </m:r>
+                      <m:r>
+                        <a:rPr lang="en-US" b="0" i="1" smtClean="0">
+                          <a:latin typeface="Cambria Math" panose="02040503050406030204" pitchFamily="18" charset="0"/>
+                        </a:rPr>
+                        <m:t>𝑒</m:t>
+                      </m:r>
+                      <m:r>
+                        <a:rPr lang="en-US" b="0" i="1" smtClean="0">
+                          <a:latin typeface="Cambria Math" panose="02040503050406030204" pitchFamily="18" charset="0"/>
+                        </a:rPr>
+                        <m:t>⟩</m:t>
+                      </m:r>
+                    </m:oMath>
+                  </m:oMathPara>
+                </a14:m>
+                <a:endParaRPr lang="en-US" dirty="0"/>
+              </a:p>
+            </p:txBody>
+          </p:sp>
+        </mc:Choice>
+        <mc:Fallback>
+          <p:sp>
+            <p:nvSpPr>
+              <p:cNvPr id="20" name="TextBox 19">
+                <a:extLst>
+                  <a:ext uri="{FF2B5EF4-FFF2-40B4-BE49-F238E27FC236}">
+                    <a16:creationId xmlns:a16="http://schemas.microsoft.com/office/drawing/2014/main" id="{EB59CDB4-C2FD-48E0-A044-BEEBFA793297}"/>
+                  </a:ext>
+                </a:extLst>
+              </p:cNvPr>
+              <p:cNvSpPr txBox="1">
+                <a:spLocks noRot="1" noChangeAspect="1" noMove="1" noResize="1" noEditPoints="1" noAdjustHandles="1" noChangeArrowheads="1" noChangeShapeType="1" noTextEdit="1"/>
+              </p:cNvSpPr>
+              <p:nvPr/>
+            </p:nvSpPr>
+            <p:spPr>
+              <a:xfrm>
+                <a:off x="4844394" y="738369"/>
+                <a:ext cx="513538" cy="369332"/>
+              </a:xfrm>
+              <a:prstGeom prst="rect">
+                <a:avLst/>
+              </a:prstGeom>
+              <a:blipFill>
+                <a:blip r:embed="rId7"/>
+                <a:stretch>
+                  <a:fillRect b="-13115"/>
+                </a:stretch>
+              </a:blipFill>
+            </p:spPr>
+            <p:txBody>
+              <a:bodyPr/>
+              <a:lstStyle/>
+              <a:p>
+                <a:r>
+                  <a:rPr lang="en-US">
+                    <a:noFill/>
+                  </a:rPr>
+                  <a:t> </a:t>
+                </a:r>
+              </a:p>
+            </p:txBody>
+          </p:sp>
+        </mc:Fallback>
+      </mc:AlternateContent>
+      <mc:AlternateContent xmlns:mc="http://schemas.openxmlformats.org/markup-compatibility/2006">
+        <mc:Choice xmlns:a14="http://schemas.microsoft.com/office/drawing/2010/main" Requires="a14">
+          <p:sp>
+            <p:nvSpPr>
+              <p:cNvPr id="22" name="TextBox 21">
+                <a:extLst>
+                  <a:ext uri="{FF2B5EF4-FFF2-40B4-BE49-F238E27FC236}">
+                    <a16:creationId xmlns:a16="http://schemas.microsoft.com/office/drawing/2014/main" id="{A16A1021-B4A2-4B55-A79E-6D8699434A59}"/>
+                  </a:ext>
+                </a:extLst>
+              </p:cNvPr>
+              <p:cNvSpPr txBox="1"/>
+              <p:nvPr/>
+            </p:nvSpPr>
+            <p:spPr>
+              <a:xfrm>
+                <a:off x="4785149" y="2381109"/>
+                <a:ext cx="592598" cy="369332"/>
+              </a:xfrm>
+              <a:prstGeom prst="rect">
+                <a:avLst/>
+              </a:prstGeom>
+              <a:noFill/>
+            </p:spPr>
+            <p:txBody>
+              <a:bodyPr wrap="none" rtlCol="0">
+                <a:spAutoFit/>
+              </a:bodyPr>
+              <a:lstStyle/>
+              <a:p>
+                <a14:m>
+                  <m:oMathPara xmlns:m="http://schemas.openxmlformats.org/officeDocument/2006/math">
+                    <m:oMathParaPr>
+                      <m:jc m:val="centerGroup"/>
+                    </m:oMathParaPr>
+                    <m:oMath xmlns:m="http://schemas.openxmlformats.org/officeDocument/2006/math">
+                      <m:r>
+                        <a:rPr lang="en-US" b="0" i="1" smtClean="0">
+                          <a:latin typeface="Cambria Math" panose="02040503050406030204" pitchFamily="18" charset="0"/>
+                        </a:rPr>
+                        <m:t>|</m:t>
+                      </m:r>
+                      <m:r>
+                        <a:rPr lang="en-US" b="0" i="1" smtClean="0">
+                          <a:latin typeface="Cambria Math" panose="02040503050406030204" pitchFamily="18" charset="0"/>
+                        </a:rPr>
+                        <m:t>𝑚</m:t>
+                      </m:r>
+                      <m:r>
+                        <a:rPr lang="en-US" b="0" i="1" smtClean="0">
+                          <a:latin typeface="Cambria Math" panose="02040503050406030204" pitchFamily="18" charset="0"/>
+                        </a:rPr>
+                        <m:t>⟩</m:t>
+                      </m:r>
+                    </m:oMath>
+                  </m:oMathPara>
+                </a14:m>
+                <a:endParaRPr lang="en-US" dirty="0"/>
+              </a:p>
+            </p:txBody>
+          </p:sp>
+        </mc:Choice>
+        <mc:Fallback>
+          <p:sp>
+            <p:nvSpPr>
+              <p:cNvPr id="22" name="TextBox 21">
+                <a:extLst>
+                  <a:ext uri="{FF2B5EF4-FFF2-40B4-BE49-F238E27FC236}">
+                    <a16:creationId xmlns:a16="http://schemas.microsoft.com/office/drawing/2014/main" id="{A16A1021-B4A2-4B55-A79E-6D8699434A59}"/>
+                  </a:ext>
+                </a:extLst>
+              </p:cNvPr>
+              <p:cNvSpPr txBox="1">
+                <a:spLocks noRot="1" noChangeAspect="1" noMove="1" noResize="1" noEditPoints="1" noAdjustHandles="1" noChangeArrowheads="1" noChangeShapeType="1" noTextEdit="1"/>
+              </p:cNvSpPr>
+              <p:nvPr/>
+            </p:nvSpPr>
+            <p:spPr>
+              <a:xfrm>
+                <a:off x="4785149" y="2381109"/>
+                <a:ext cx="592598" cy="369332"/>
+              </a:xfrm>
+              <a:prstGeom prst="rect">
+                <a:avLst/>
+              </a:prstGeom>
+              <a:blipFill>
+                <a:blip r:embed="rId8"/>
+                <a:stretch>
+                  <a:fillRect b="-13333"/>
+                </a:stretch>
+              </a:blipFill>
+            </p:spPr>
+            <p:txBody>
+              <a:bodyPr/>
+              <a:lstStyle/>
+              <a:p>
+                <a:r>
+                  <a:rPr lang="en-US">
+                    <a:noFill/>
+                  </a:rPr>
+                  <a:t> </a:t>
+                </a:r>
+              </a:p>
+            </p:txBody>
+          </p:sp>
+        </mc:Fallback>
+      </mc:AlternateContent>
+      <mc:AlternateContent xmlns:mc="http://schemas.openxmlformats.org/markup-compatibility/2006">
+        <mc:Choice xmlns:a14="http://schemas.microsoft.com/office/drawing/2010/main" Requires="a14">
+          <p:sp>
+            <p:nvSpPr>
+              <p:cNvPr id="23" name="TextBox 22">
+                <a:extLst>
+                  <a:ext uri="{FF2B5EF4-FFF2-40B4-BE49-F238E27FC236}">
+                    <a16:creationId xmlns:a16="http://schemas.microsoft.com/office/drawing/2014/main" id="{95BEC25F-2F1E-4FB0-96A0-2C1555BDE757}"/>
+                  </a:ext>
+                </a:extLst>
+              </p:cNvPr>
+              <p:cNvSpPr txBox="1"/>
+              <p:nvPr/>
+            </p:nvSpPr>
+            <p:spPr>
+              <a:xfrm>
+                <a:off x="4864209" y="4199336"/>
+                <a:ext cx="539700" cy="369332"/>
+              </a:xfrm>
+              <a:prstGeom prst="rect">
+                <a:avLst/>
+              </a:prstGeom>
+              <a:noFill/>
+            </p:spPr>
+            <p:txBody>
+              <a:bodyPr wrap="none" rtlCol="0">
+                <a:spAutoFit/>
+              </a:bodyPr>
+              <a:lstStyle/>
+              <a:p>
+                <a14:m>
+                  <m:oMathPara xmlns:m="http://schemas.openxmlformats.org/officeDocument/2006/math">
+                    <m:oMathParaPr>
+                      <m:jc m:val="centerGroup"/>
+                    </m:oMathParaPr>
+                    <m:oMath xmlns:m="http://schemas.openxmlformats.org/officeDocument/2006/math">
+                      <m:r>
+                        <a:rPr lang="en-US" b="0" i="1" smtClean="0">
+                          <a:latin typeface="Cambria Math" panose="02040503050406030204" pitchFamily="18" charset="0"/>
+                        </a:rPr>
+                        <m:t>|</m:t>
+                      </m:r>
+                      <m:r>
+                        <a:rPr lang="en-US" b="0" i="1" smtClean="0">
+                          <a:latin typeface="Cambria Math" panose="02040503050406030204" pitchFamily="18" charset="0"/>
+                        </a:rPr>
+                        <m:t>𝑔</m:t>
+                      </m:r>
+                      <m:r>
+                        <a:rPr lang="en-US" b="0" i="1" smtClean="0">
+                          <a:latin typeface="Cambria Math" panose="02040503050406030204" pitchFamily="18" charset="0"/>
+                        </a:rPr>
+                        <m:t>⟩</m:t>
+                      </m:r>
+                    </m:oMath>
+                  </m:oMathPara>
+                </a14:m>
+                <a:endParaRPr lang="en-US" dirty="0"/>
+              </a:p>
+            </p:txBody>
+          </p:sp>
+        </mc:Choice>
+        <mc:Fallback>
+          <p:sp>
+            <p:nvSpPr>
+              <p:cNvPr id="23" name="TextBox 22">
+                <a:extLst>
+                  <a:ext uri="{FF2B5EF4-FFF2-40B4-BE49-F238E27FC236}">
+                    <a16:creationId xmlns:a16="http://schemas.microsoft.com/office/drawing/2014/main" id="{95BEC25F-2F1E-4FB0-96A0-2C1555BDE757}"/>
+                  </a:ext>
+                </a:extLst>
+              </p:cNvPr>
+              <p:cNvSpPr txBox="1">
+                <a:spLocks noRot="1" noChangeAspect="1" noMove="1" noResize="1" noEditPoints="1" noAdjustHandles="1" noChangeArrowheads="1" noChangeShapeType="1" noTextEdit="1"/>
+              </p:cNvSpPr>
+              <p:nvPr/>
+            </p:nvSpPr>
+            <p:spPr>
+              <a:xfrm>
+                <a:off x="4864209" y="4199336"/>
+                <a:ext cx="539700" cy="369332"/>
+              </a:xfrm>
+              <a:prstGeom prst="rect">
+                <a:avLst/>
+              </a:prstGeom>
+              <a:blipFill>
+                <a:blip r:embed="rId9"/>
+                <a:stretch>
+                  <a:fillRect b="-13333"/>
+                </a:stretch>
+              </a:blipFill>
+            </p:spPr>
+            <p:txBody>
+              <a:bodyPr/>
+              <a:lstStyle/>
+              <a:p>
+                <a:r>
+                  <a:rPr lang="en-US">
+                    <a:noFill/>
+                  </a:rPr>
+                  <a:t> </a:t>
+                </a:r>
+              </a:p>
+            </p:txBody>
+          </p:sp>
+        </mc:Fallback>
+      </mc:AlternateContent>
+    </p:spTree>
+    <p:extLst>
+      <p:ext uri="{BB962C8B-B14F-4D97-AF65-F5344CB8AC3E}">
+        <p14:creationId xmlns:p14="http://schemas.microsoft.com/office/powerpoint/2010/main" val="2091307836"/>
+      </p:ext>
+    </p:extLst>
+  </p:cSld>
+  <p:clrMapOvr>
+    <a:masterClrMapping/>
+  </p:clrMapOvr>
+</p:sld>
+</file>
+
+<file path=ppt/slides/slide4.xml><?xml version="1.0" encoding="utf-8"?>
+<p:sld xmlns:a="http://schemas.openxmlformats.org/drawingml/2006/main" xmlns:r="http://schemas.openxmlformats.org/officeDocument/2006/relationships" xmlns:p="http://schemas.openxmlformats.org/presentationml/2006/main">
+  <p:cSld>
+    <p:spTree>
+      <p:nvGrpSpPr>
+        <p:cNvPr id="1" name=""/>
+        <p:cNvGrpSpPr/>
+        <p:nvPr/>
+      </p:nvGrpSpPr>
+      <p:grpSpPr>
+        <a:xfrm>
+          <a:off x="0" y="0"/>
+          <a:ext cx="0" cy="0"/>
+          <a:chOff x="0" y="0"/>
+          <a:chExt cx="0" cy="0"/>
+        </a:xfrm>
+      </p:grpSpPr>
+      <p:cxnSp>
+        <p:nvCxnSpPr>
+          <p:cNvPr id="5" name="Straight Connector 4">
+            <a:extLst>
+              <a:ext uri="{FF2B5EF4-FFF2-40B4-BE49-F238E27FC236}">
+                <a16:creationId xmlns:a16="http://schemas.microsoft.com/office/drawing/2014/main" id="{DBCBADF4-356B-4A1A-B962-10E416D395ED}"/>
+              </a:ext>
+            </a:extLst>
+          </p:cNvPr>
+          <p:cNvCxnSpPr/>
+          <p:nvPr/>
+        </p:nvCxnSpPr>
+        <p:spPr>
+          <a:xfrm>
+            <a:off x="2305330" y="4311574"/>
+            <a:ext cx="1715334" cy="0"/>
+          </a:xfrm>
+          <a:prstGeom prst="line">
+            <a:avLst/>
+          </a:prstGeom>
+          <a:ln w="38100">
+            <a:solidFill>
+              <a:schemeClr val="tx1"/>
+            </a:solidFill>
+          </a:ln>
+        </p:spPr>
+        <p:style>
+          <a:lnRef idx="1">
+            <a:schemeClr val="accent1"/>
+          </a:lnRef>
+          <a:fillRef idx="0">
+            <a:schemeClr val="accent1"/>
+          </a:fillRef>
+          <a:effectRef idx="0">
+            <a:schemeClr val="accent1"/>
+          </a:effectRef>
+          <a:fontRef idx="minor">
+            <a:schemeClr val="tx1"/>
+          </a:fontRef>
+        </p:style>
+      </p:cxnSp>
+      <p:cxnSp>
+        <p:nvCxnSpPr>
+          <p:cNvPr id="6" name="Straight Connector 5">
+            <a:extLst>
+              <a:ext uri="{FF2B5EF4-FFF2-40B4-BE49-F238E27FC236}">
+                <a16:creationId xmlns:a16="http://schemas.microsoft.com/office/drawing/2014/main" id="{EEB5058D-EAFC-455D-AF8C-8DAE2A96BB74}"/>
+              </a:ext>
+            </a:extLst>
+          </p:cNvPr>
+          <p:cNvCxnSpPr/>
+          <p:nvPr/>
+        </p:nvCxnSpPr>
+        <p:spPr>
+          <a:xfrm>
+            <a:off x="2423590" y="2971122"/>
+            <a:ext cx="1715334" cy="0"/>
+          </a:xfrm>
+          <a:prstGeom prst="line">
+            <a:avLst/>
+          </a:prstGeom>
+          <a:ln w="38100">
+            <a:solidFill>
+              <a:schemeClr val="tx1"/>
+            </a:solidFill>
+          </a:ln>
+        </p:spPr>
+        <p:style>
+          <a:lnRef idx="1">
+            <a:schemeClr val="accent1"/>
+          </a:lnRef>
+          <a:fillRef idx="0">
+            <a:schemeClr val="accent1"/>
+          </a:fillRef>
+          <a:effectRef idx="0">
+            <a:schemeClr val="accent1"/>
+          </a:effectRef>
+          <a:fontRef idx="minor">
+            <a:schemeClr val="tx1"/>
+          </a:fontRef>
+        </p:style>
+      </p:cxnSp>
+      <p:cxnSp>
+        <p:nvCxnSpPr>
+          <p:cNvPr id="7" name="Straight Connector 6">
+            <a:extLst>
+              <a:ext uri="{FF2B5EF4-FFF2-40B4-BE49-F238E27FC236}">
+                <a16:creationId xmlns:a16="http://schemas.microsoft.com/office/drawing/2014/main" id="{4616A803-5140-4B56-8E89-FC3EF240CA0F}"/>
+              </a:ext>
+            </a:extLst>
+          </p:cNvPr>
+          <p:cNvCxnSpPr/>
+          <p:nvPr/>
+        </p:nvCxnSpPr>
+        <p:spPr>
+          <a:xfrm>
+            <a:off x="2365400" y="880906"/>
+            <a:ext cx="1715334" cy="0"/>
+          </a:xfrm>
+          <a:prstGeom prst="line">
+            <a:avLst/>
+          </a:prstGeom>
+          <a:ln w="38100">
+            <a:solidFill>
+              <a:schemeClr val="tx1"/>
+            </a:solidFill>
+          </a:ln>
+        </p:spPr>
+        <p:style>
+          <a:lnRef idx="1">
+            <a:schemeClr val="accent1"/>
+          </a:lnRef>
+          <a:fillRef idx="0">
+            <a:schemeClr val="accent1"/>
+          </a:fillRef>
+          <a:effectRef idx="0">
+            <a:schemeClr val="accent1"/>
+          </a:effectRef>
+          <a:fontRef idx="minor">
+            <a:schemeClr val="tx1"/>
+          </a:fontRef>
+        </p:style>
+      </p:cxnSp>
+      <p:cxnSp>
+        <p:nvCxnSpPr>
+          <p:cNvPr id="9" name="Straight Arrow Connector 8">
+            <a:extLst>
+              <a:ext uri="{FF2B5EF4-FFF2-40B4-BE49-F238E27FC236}">
+                <a16:creationId xmlns:a16="http://schemas.microsoft.com/office/drawing/2014/main" id="{785620EF-B780-4954-B96B-323EA95AED6C}"/>
+              </a:ext>
+            </a:extLst>
+          </p:cNvPr>
+          <p:cNvCxnSpPr>
+            <a:cxnSpLocks/>
+          </p:cNvCxnSpPr>
+          <p:nvPr/>
+        </p:nvCxnSpPr>
+        <p:spPr>
+          <a:xfrm>
+            <a:off x="3419964" y="880906"/>
+            <a:ext cx="0" cy="1989371"/>
+          </a:xfrm>
+          <a:prstGeom prst="straightConnector1">
+            <a:avLst/>
+          </a:prstGeom>
+          <a:ln w="38100">
+            <a:solidFill>
+              <a:schemeClr val="tx1"/>
+            </a:solidFill>
+            <a:headEnd type="triangle"/>
+            <a:tailEnd type="triangle"/>
+          </a:ln>
+        </p:spPr>
+        <p:style>
+          <a:lnRef idx="1">
+            <a:schemeClr val="accent1"/>
+          </a:lnRef>
+          <a:fillRef idx="0">
+            <a:schemeClr val="accent1"/>
+          </a:fillRef>
+          <a:effectRef idx="0">
+            <a:schemeClr val="accent1"/>
+          </a:effectRef>
+          <a:fontRef idx="minor">
+            <a:schemeClr val="tx1"/>
+          </a:fontRef>
+        </p:style>
+      </p:cxnSp>
+      <p:cxnSp>
+        <p:nvCxnSpPr>
+          <p:cNvPr id="11" name="Straight Arrow Connector 10">
+            <a:extLst>
+              <a:ext uri="{FF2B5EF4-FFF2-40B4-BE49-F238E27FC236}">
+                <a16:creationId xmlns:a16="http://schemas.microsoft.com/office/drawing/2014/main" id="{2F131EF4-24D8-4442-BDE5-C3661DBDCF93}"/>
+              </a:ext>
+            </a:extLst>
+          </p:cNvPr>
+          <p:cNvCxnSpPr>
+            <a:cxnSpLocks/>
+          </p:cNvCxnSpPr>
+          <p:nvPr/>
+        </p:nvCxnSpPr>
+        <p:spPr>
+          <a:xfrm>
+            <a:off x="3419964" y="2971122"/>
+            <a:ext cx="0" cy="1340452"/>
+          </a:xfrm>
+          <a:prstGeom prst="straightConnector1">
+            <a:avLst/>
+          </a:prstGeom>
+          <a:ln w="38100">
+            <a:solidFill>
+              <a:schemeClr val="tx1"/>
+            </a:solidFill>
+            <a:headEnd type="triangle"/>
+            <a:tailEnd type="triangle"/>
+          </a:ln>
+        </p:spPr>
+        <p:style>
+          <a:lnRef idx="1">
+            <a:schemeClr val="accent1"/>
+          </a:lnRef>
+          <a:fillRef idx="0">
+            <a:schemeClr val="accent1"/>
+          </a:fillRef>
+          <a:effectRef idx="0">
+            <a:schemeClr val="accent1"/>
+          </a:effectRef>
+          <a:fontRef idx="minor">
+            <a:schemeClr val="tx1"/>
+          </a:fontRef>
+        </p:style>
+      </p:cxnSp>
+      <mc:AlternateContent xmlns:mc="http://schemas.openxmlformats.org/markup-compatibility/2006">
+        <mc:Choice xmlns:a14="http://schemas.microsoft.com/office/drawing/2010/main" Requires="a14">
+          <p:sp>
+            <p:nvSpPr>
+              <p:cNvPr id="12" name="TextBox 11">
+                <a:extLst>
+                  <a:ext uri="{FF2B5EF4-FFF2-40B4-BE49-F238E27FC236}">
+                    <a16:creationId xmlns:a16="http://schemas.microsoft.com/office/drawing/2014/main" id="{24CACF25-1ECA-4AAA-B5C5-D3745E13DA7C}"/>
+                  </a:ext>
+                </a:extLst>
+              </p:cNvPr>
+              <p:cNvSpPr txBox="1"/>
+              <p:nvPr/>
+            </p:nvSpPr>
+            <p:spPr>
+              <a:xfrm>
+                <a:off x="4020664" y="1690926"/>
+                <a:ext cx="511614" cy="369332"/>
+              </a:xfrm>
+              <a:prstGeom prst="rect">
+                <a:avLst/>
+              </a:prstGeom>
+              <a:noFill/>
+            </p:spPr>
+            <p:txBody>
+              <a:bodyPr wrap="none" rtlCol="0">
+                <a:spAutoFit/>
+              </a:bodyPr>
+              <a:lstStyle/>
+              <a:p>
+                <a:pPr/>
+                <a14:m>
+                  <m:oMathPara xmlns:m="http://schemas.openxmlformats.org/officeDocument/2006/math">
+                    <m:oMathParaPr>
+                      <m:jc m:val="centerGroup"/>
+                    </m:oMathParaPr>
+                    <m:oMath xmlns:m="http://schemas.openxmlformats.org/officeDocument/2006/math">
+                      <m:sSub>
+                        <m:sSubPr>
+                          <m:ctrlPr>
+                            <a:rPr lang="en-US" b="0" i="1" smtClean="0">
+                              <a:latin typeface="Cambria Math" panose="02040503050406030204" pitchFamily="18" charset="0"/>
+                            </a:rPr>
+                          </m:ctrlPr>
+                        </m:sSubPr>
+                        <m:e>
+                          <m:r>
+                            <a:rPr lang="en-US" b="0" i="1" smtClean="0">
+                              <a:latin typeface="Cambria Math" panose="02040503050406030204" pitchFamily="18" charset="0"/>
+                            </a:rPr>
+                            <m:t>𝜔</m:t>
+                          </m:r>
+                        </m:e>
+                        <m:sub>
+                          <m:r>
+                            <a:rPr lang="en-US" b="0" i="1" smtClean="0">
+                              <a:latin typeface="Cambria Math" panose="02040503050406030204" pitchFamily="18" charset="0"/>
+                            </a:rPr>
+                            <m:t>0</m:t>
+                          </m:r>
+                        </m:sub>
+                      </m:sSub>
+                    </m:oMath>
+                  </m:oMathPara>
+                </a14:m>
+                <a:endParaRPr lang="en-US" dirty="0"/>
+              </a:p>
+            </p:txBody>
+          </p:sp>
+        </mc:Choice>
+        <mc:Fallback>
+          <p:sp>
+            <p:nvSpPr>
+              <p:cNvPr id="12" name="TextBox 11">
+                <a:extLst>
+                  <a:ext uri="{FF2B5EF4-FFF2-40B4-BE49-F238E27FC236}">
+                    <a16:creationId xmlns:a16="http://schemas.microsoft.com/office/drawing/2014/main" id="{24CACF25-1ECA-4AAA-B5C5-D3745E13DA7C}"/>
+                  </a:ext>
+                </a:extLst>
+              </p:cNvPr>
+              <p:cNvSpPr txBox="1">
+                <a:spLocks noRot="1" noChangeAspect="1" noMove="1" noResize="1" noEditPoints="1" noAdjustHandles="1" noChangeArrowheads="1" noChangeShapeType="1" noTextEdit="1"/>
+              </p:cNvSpPr>
+              <p:nvPr/>
+            </p:nvSpPr>
+            <p:spPr>
+              <a:xfrm>
+                <a:off x="4020664" y="1690926"/>
+                <a:ext cx="511614" cy="369332"/>
+              </a:xfrm>
+              <a:prstGeom prst="rect">
+                <a:avLst/>
+              </a:prstGeom>
+              <a:blipFill>
+                <a:blip r:embed="rId2"/>
+                <a:stretch>
+                  <a:fillRect/>
+                </a:stretch>
+              </a:blipFill>
+            </p:spPr>
+            <p:txBody>
+              <a:bodyPr/>
+              <a:lstStyle/>
+              <a:p>
+                <a:r>
+                  <a:rPr lang="en-US">
+                    <a:noFill/>
+                  </a:rPr>
+                  <a:t> </a:t>
+                </a:r>
+              </a:p>
+            </p:txBody>
+          </p:sp>
+        </mc:Fallback>
+      </mc:AlternateContent>
+      <mc:AlternateContent xmlns:mc="http://schemas.openxmlformats.org/markup-compatibility/2006">
+        <mc:Choice xmlns:a14="http://schemas.microsoft.com/office/drawing/2010/main" Requires="a14">
+          <p:sp>
+            <p:nvSpPr>
+              <p:cNvPr id="13" name="TextBox 12">
+                <a:extLst>
+                  <a:ext uri="{FF2B5EF4-FFF2-40B4-BE49-F238E27FC236}">
+                    <a16:creationId xmlns:a16="http://schemas.microsoft.com/office/drawing/2014/main" id="{94E60FAD-4D87-4B19-A081-563E54C7E8C0}"/>
+                  </a:ext>
+                </a:extLst>
+              </p:cNvPr>
+              <p:cNvSpPr txBox="1"/>
+              <p:nvPr/>
+            </p:nvSpPr>
+            <p:spPr>
+              <a:xfrm>
+                <a:off x="3962915" y="3269241"/>
+                <a:ext cx="511614" cy="369332"/>
+              </a:xfrm>
+              <a:prstGeom prst="rect">
+                <a:avLst/>
+              </a:prstGeom>
+              <a:noFill/>
+            </p:spPr>
+            <p:txBody>
+              <a:bodyPr wrap="none" rtlCol="0">
+                <a:spAutoFit/>
+              </a:bodyPr>
+              <a:lstStyle/>
+              <a:p>
+                <a:pPr/>
+                <a14:m>
+                  <m:oMathPara xmlns:m="http://schemas.openxmlformats.org/officeDocument/2006/math">
+                    <m:oMathParaPr>
+                      <m:jc m:val="centerGroup"/>
+                    </m:oMathParaPr>
+                    <m:oMath xmlns:m="http://schemas.openxmlformats.org/officeDocument/2006/math">
+                      <m:sSub>
+                        <m:sSubPr>
+                          <m:ctrlPr>
+                            <a:rPr lang="en-US" b="0" i="1" smtClean="0">
+                              <a:latin typeface="Cambria Math" panose="02040503050406030204" pitchFamily="18" charset="0"/>
+                            </a:rPr>
+                          </m:ctrlPr>
+                        </m:sSubPr>
+                        <m:e>
+                          <m:r>
+                            <a:rPr lang="en-US" b="0" i="1" smtClean="0">
+                              <a:latin typeface="Cambria Math" panose="02040503050406030204" pitchFamily="18" charset="0"/>
+                            </a:rPr>
+                            <m:t>𝜔</m:t>
+                          </m:r>
+                        </m:e>
+                        <m:sub>
+                          <m:r>
+                            <a:rPr lang="en-US" b="0" i="1" smtClean="0">
+                              <a:latin typeface="Cambria Math" panose="02040503050406030204" pitchFamily="18" charset="0"/>
+                            </a:rPr>
+                            <m:t>0</m:t>
+                          </m:r>
+                        </m:sub>
+                      </m:sSub>
+                    </m:oMath>
+                  </m:oMathPara>
+                </a14:m>
+                <a:endParaRPr lang="en-US" dirty="0"/>
+              </a:p>
+            </p:txBody>
+          </p:sp>
+        </mc:Choice>
+        <mc:Fallback>
+          <p:sp>
+            <p:nvSpPr>
+              <p:cNvPr id="13" name="TextBox 12">
+                <a:extLst>
+                  <a:ext uri="{FF2B5EF4-FFF2-40B4-BE49-F238E27FC236}">
+                    <a16:creationId xmlns:a16="http://schemas.microsoft.com/office/drawing/2014/main" id="{94E60FAD-4D87-4B19-A081-563E54C7E8C0}"/>
+                  </a:ext>
+                </a:extLst>
+              </p:cNvPr>
+              <p:cNvSpPr txBox="1">
+                <a:spLocks noRot="1" noChangeAspect="1" noMove="1" noResize="1" noEditPoints="1" noAdjustHandles="1" noChangeArrowheads="1" noChangeShapeType="1" noTextEdit="1"/>
+              </p:cNvSpPr>
+              <p:nvPr/>
+            </p:nvSpPr>
+            <p:spPr>
+              <a:xfrm>
+                <a:off x="3962915" y="3269241"/>
+                <a:ext cx="511614" cy="369332"/>
+              </a:xfrm>
+              <a:prstGeom prst="rect">
+                <a:avLst/>
+              </a:prstGeom>
+              <a:blipFill>
+                <a:blip r:embed="rId3"/>
+                <a:stretch>
+                  <a:fillRect/>
+                </a:stretch>
+              </a:blipFill>
+            </p:spPr>
+            <p:txBody>
+              <a:bodyPr/>
+              <a:lstStyle/>
+              <a:p>
+                <a:r>
+                  <a:rPr lang="en-US">
+                    <a:noFill/>
+                  </a:rPr>
+                  <a:t> </a:t>
+                </a:r>
+              </a:p>
+            </p:txBody>
+          </p:sp>
+        </mc:Fallback>
+      </mc:AlternateContent>
+      <p:cxnSp>
+        <p:nvCxnSpPr>
+          <p:cNvPr id="15" name="Straight Arrow Connector 14">
+            <a:extLst>
+              <a:ext uri="{FF2B5EF4-FFF2-40B4-BE49-F238E27FC236}">
+                <a16:creationId xmlns:a16="http://schemas.microsoft.com/office/drawing/2014/main" id="{12FB0F97-5404-488C-8050-FFAEC2252E4F}"/>
+              </a:ext>
+            </a:extLst>
+          </p:cNvPr>
+          <p:cNvCxnSpPr>
+            <a:cxnSpLocks/>
+          </p:cNvCxnSpPr>
+          <p:nvPr/>
+        </p:nvCxnSpPr>
+        <p:spPr>
+          <a:xfrm>
+            <a:off x="456507" y="1738573"/>
+            <a:ext cx="1501752" cy="0"/>
+          </a:xfrm>
+          <a:prstGeom prst="straightConnector1">
+            <a:avLst/>
+          </a:prstGeom>
+          <a:ln w="38100">
+            <a:solidFill>
+              <a:srgbClr val="7030A0"/>
+            </a:solidFill>
+            <a:tailEnd type="triangle"/>
+          </a:ln>
+        </p:spPr>
+        <p:style>
+          <a:lnRef idx="1">
+            <a:schemeClr val="accent2"/>
+          </a:lnRef>
+          <a:fillRef idx="0">
+            <a:schemeClr val="accent2"/>
+          </a:fillRef>
+          <a:effectRef idx="0">
+            <a:schemeClr val="accent2"/>
+          </a:effectRef>
+          <a:fontRef idx="minor">
+            <a:schemeClr val="tx1"/>
+          </a:fontRef>
+        </p:style>
+      </p:cxnSp>
+      <p:cxnSp>
+        <p:nvCxnSpPr>
+          <p:cNvPr id="17" name="Straight Arrow Connector 16">
+            <a:extLst>
+              <a:ext uri="{FF2B5EF4-FFF2-40B4-BE49-F238E27FC236}">
+                <a16:creationId xmlns:a16="http://schemas.microsoft.com/office/drawing/2014/main" id="{69A48D9C-6725-47BB-9AD2-E10F10C13C88}"/>
+              </a:ext>
+            </a:extLst>
+          </p:cNvPr>
+          <p:cNvCxnSpPr>
+            <a:cxnSpLocks/>
+          </p:cNvCxnSpPr>
+          <p:nvPr/>
+        </p:nvCxnSpPr>
+        <p:spPr>
+          <a:xfrm>
+            <a:off x="456507" y="3586284"/>
+            <a:ext cx="1501752" cy="0"/>
+          </a:xfrm>
+          <a:prstGeom prst="straightConnector1">
+            <a:avLst/>
+          </a:prstGeom>
+          <a:ln w="38100">
+            <a:solidFill>
+              <a:srgbClr val="C00000"/>
+            </a:solidFill>
+            <a:tailEnd type="triangle"/>
+          </a:ln>
+        </p:spPr>
+        <p:style>
+          <a:lnRef idx="1">
+            <a:schemeClr val="accent2"/>
+          </a:lnRef>
+          <a:fillRef idx="0">
+            <a:schemeClr val="accent2"/>
+          </a:fillRef>
+          <a:effectRef idx="0">
+            <a:schemeClr val="accent2"/>
+          </a:effectRef>
+          <a:fontRef idx="minor">
+            <a:schemeClr val="tx1"/>
+          </a:fontRef>
+        </p:style>
+      </p:cxnSp>
+      <p:cxnSp>
+        <p:nvCxnSpPr>
+          <p:cNvPr id="19" name="Straight Connector 18">
+            <a:extLst>
+              <a:ext uri="{FF2B5EF4-FFF2-40B4-BE49-F238E27FC236}">
+                <a16:creationId xmlns:a16="http://schemas.microsoft.com/office/drawing/2014/main" id="{B1F134DD-0371-4E27-9873-338AD2E89DA2}"/>
+              </a:ext>
+            </a:extLst>
+          </p:cNvPr>
+          <p:cNvCxnSpPr/>
+          <p:nvPr/>
+        </p:nvCxnSpPr>
+        <p:spPr>
+          <a:xfrm>
+            <a:off x="356390" y="2971122"/>
+            <a:ext cx="4765559" cy="0"/>
+          </a:xfrm>
+          <a:prstGeom prst="line">
+            <a:avLst/>
+          </a:prstGeom>
+          <a:ln w="25400">
+            <a:solidFill>
+              <a:schemeClr val="accent1"/>
+            </a:solidFill>
+            <a:prstDash val="dash"/>
+          </a:ln>
+        </p:spPr>
+        <p:style>
+          <a:lnRef idx="1">
+            <a:schemeClr val="accent1"/>
+          </a:lnRef>
+          <a:fillRef idx="0">
+            <a:schemeClr val="accent1"/>
+          </a:fillRef>
+          <a:effectRef idx="0">
+            <a:schemeClr val="accent1"/>
+          </a:effectRef>
+          <a:fontRef idx="minor">
+            <a:schemeClr val="tx1"/>
+          </a:fontRef>
+        </p:style>
+      </p:cxnSp>
+      <mc:AlternateContent xmlns:mc="http://schemas.openxmlformats.org/markup-compatibility/2006">
+        <mc:Choice xmlns:a14="http://schemas.microsoft.com/office/drawing/2010/main" Requires="a14">
+          <p:sp>
+            <p:nvSpPr>
               <p:cNvPr id="21" name="TextBox 20">
                 <a:extLst>
                   <a:ext uri="{FF2B5EF4-FFF2-40B4-BE49-F238E27FC236}">
@@ -6223,8 +9361,8 @@
             </p:nvSpPr>
             <p:spPr>
               <a:xfrm>
-                <a:off x="6096000" y="953334"/>
-                <a:ext cx="5424883" cy="3464859"/>
+                <a:off x="5301321" y="665941"/>
+                <a:ext cx="6925294" cy="3464859"/>
               </a:xfrm>
               <a:prstGeom prst="rect">
                 <a:avLst/>
@@ -6242,7 +9380,39 @@
                     <a:latin typeface="Arial" panose="020B0604020202020204" pitchFamily="34" charset="0"/>
                     <a:cs typeface="Arial" panose="020B0604020202020204" pitchFamily="34" charset="0"/>
                   </a:rPr>
-                  <a:t>squeezed vacuum reservoir:</a:t>
+                  <a:t>squeezed vacuum reservoir: (</a:t>
+                </a:r>
+                <a14:m>
+                  <m:oMath xmlns:m="http://schemas.openxmlformats.org/officeDocument/2006/math">
+                    <m:r>
+                      <a:rPr lang="en-US" sz="2800" b="0" i="1" smtClean="0">
+                        <a:latin typeface="Cambria Math" panose="02040503050406030204" pitchFamily="18" charset="0"/>
+                        <a:cs typeface="Arial" panose="020B0604020202020204" pitchFamily="34" charset="0"/>
+                      </a:rPr>
+                      <m:t>𝑀</m:t>
+                    </m:r>
+                    <m:r>
+                      <a:rPr lang="en-US" sz="2800" b="0" i="1" smtClean="0">
+                        <a:latin typeface="Cambria Math" panose="02040503050406030204" pitchFamily="18" charset="0"/>
+                        <a:cs typeface="Arial" panose="020B0604020202020204" pitchFamily="34" charset="0"/>
+                      </a:rPr>
+                      <m:t>=</m:t>
+                    </m:r>
+                    <m:r>
+                      <a:rPr lang="en-US" sz="2800" b="0" i="1" smtClean="0">
+                        <a:latin typeface="Cambria Math" panose="02040503050406030204" pitchFamily="18" charset="0"/>
+                        <a:cs typeface="Arial" panose="020B0604020202020204" pitchFamily="34" charset="0"/>
+                      </a:rPr>
+                      <m:t>𝑠h𝑐h</m:t>
+                    </m:r>
+                  </m:oMath>
+                </a14:m>
+                <a:r>
+                  <a:rPr lang="en-US" sz="2800" dirty="0">
+                    <a:latin typeface="Arial" panose="020B0604020202020204" pitchFamily="34" charset="0"/>
+                    <a:cs typeface="Arial" panose="020B0604020202020204" pitchFamily="34" charset="0"/>
+                  </a:rPr>
+                  <a:t>)</a:t>
                 </a:r>
               </a:p>
               <a:p>
@@ -6514,24 +9684,21 @@
                 </a:endParaRPr>
               </a:p>
               <a:p>
-                <a:pPr/>
                 <a:endParaRPr lang="en-US" sz="2800" dirty="0">
                   <a:latin typeface="Arial" panose="020B0604020202020204" pitchFamily="34" charset="0"/>
                   <a:cs typeface="Arial" panose="020B0604020202020204" pitchFamily="34" charset="0"/>
                 </a:endParaRPr>
               </a:p>
               <a:p>
-                <a:pPr/>
                 <a:r>
                   <a:rPr lang="en-US" sz="2800" dirty="0">
                     <a:latin typeface="Arial" panose="020B0604020202020204" pitchFamily="34" charset="0"/>
                     <a:cs typeface="Arial" panose="020B0604020202020204" pitchFamily="34" charset="0"/>
                   </a:rPr>
-                  <a:t>enhancement relative to thermal:</a:t>
+                  <a:t>enhancement relative to thermal reservoir:</a:t>
                 </a:r>
               </a:p>
               <a:p>
-                <a:pPr/>
                 <a14:m>
                   <m:oMath xmlns:m="http://schemas.openxmlformats.org/officeDocument/2006/math">
                     <m:f>
@@ -6575,7 +9742,7 @@
                                 <a:latin typeface="Cambria Math" panose="02040503050406030204" pitchFamily="18" charset="0"/>
                                 <a:cs typeface="Arial" panose="020B0604020202020204" pitchFamily="34" charset="0"/>
                               </a:rPr>
-                              <m:t>4</m:t>
+                              <m:t>2</m:t>
                             </m:r>
                           </m:sup>
                         </m:sSup>
@@ -6629,7 +9796,7 @@
                                 <a:latin typeface="Cambria Math" panose="02040503050406030204" pitchFamily="18" charset="0"/>
                                 <a:cs typeface="Arial" panose="020B0604020202020204" pitchFamily="34" charset="0"/>
                               </a:rPr>
-                              <m:t>𝑀</m:t>
+                              <m:t>𝑐h</m:t>
                             </m:r>
                           </m:e>
                           <m:sup>
@@ -6675,7 +9842,7 @@
                                 <a:latin typeface="Cambria Math" panose="02040503050406030204" pitchFamily="18" charset="0"/>
                                 <a:cs typeface="Arial" panose="020B0604020202020204" pitchFamily="34" charset="0"/>
                               </a:rPr>
-                              <m:t>4</m:t>
+                              <m:t>2</m:t>
                             </m:r>
                           </m:sup>
                         </m:sSup>
@@ -6708,13 +9875,37 @@
                     </m:r>
                   </m:oMath>
                 </a14:m>
+                <a:r>
+                  <a:rPr lang="en-US" sz="2800" dirty="0">
+                    <a:latin typeface="Arial" panose="020B0604020202020204" pitchFamily="34" charset="0"/>
+                    <a:cs typeface="Arial" panose="020B0604020202020204" pitchFamily="34" charset="0"/>
+                  </a:rPr>
+                  <a:t>, 1.5 if </a:t>
+                </a:r>
+                <a14:m>
+                  <m:oMath xmlns:m="http://schemas.openxmlformats.org/officeDocument/2006/math">
+                    <m:r>
+                      <a:rPr lang="en-US" sz="2800" b="0" i="1" smtClean="0">
+                        <a:latin typeface="Cambria Math" panose="02040503050406030204" pitchFamily="18" charset="0"/>
+                        <a:cs typeface="Arial" panose="020B0604020202020204" pitchFamily="34" charset="0"/>
+                      </a:rPr>
+                      <m:t>𝑟</m:t>
+                    </m:r>
+                    <m:r>
+                      <a:rPr lang="en-US" sz="2800" b="0" i="1" smtClean="0">
+                        <a:latin typeface="Cambria Math" panose="02040503050406030204" pitchFamily="18" charset="0"/>
+                        <a:cs typeface="Arial" panose="020B0604020202020204" pitchFamily="34" charset="0"/>
+                      </a:rPr>
+                      <m:t>→∞</m:t>
+                    </m:r>
+                  </m:oMath>
+                </a14:m>
                 <a:endParaRPr lang="en-US" sz="2800" dirty="0">
                   <a:latin typeface="Arial" panose="020B0604020202020204" pitchFamily="34" charset="0"/>
                   <a:cs typeface="Arial" panose="020B0604020202020204" pitchFamily="34" charset="0"/>
                 </a:endParaRPr>
               </a:p>
               <a:p>
-                <a:pPr/>
                 <a:endParaRPr lang="en-US" sz="2800" dirty="0">
                   <a:latin typeface="Arial" panose="020B0604020202020204" pitchFamily="34" charset="0"/>
                   <a:cs typeface="Arial" panose="020B0604020202020204" pitchFamily="34" charset="0"/>
@@ -6740,8 +9931,8 @@
             </p:nvSpPr>
             <p:spPr>
               <a:xfrm>
-                <a:off x="6096000" y="953334"/>
-                <a:ext cx="5424883" cy="3464859"/>
+                <a:off x="5301321" y="665941"/>
+                <a:ext cx="6925294" cy="3464859"/>
               </a:xfrm>
               <a:prstGeom prst="rect">
                 <a:avLst/>
@@ -6749,364 +9940,7 @@
               <a:blipFill>
                 <a:blip r:embed="rId4"/>
                 <a:stretch>
-                  <a:fillRect l="-2247" t="-1757" r="-1011"/>
-                </a:stretch>
-              </a:blipFill>
-            </p:spPr>
-            <p:txBody>
-              <a:bodyPr/>
-              <a:lstStyle/>
-              <a:p>
-                <a:r>
-                  <a:rPr lang="en-US">
-                    <a:noFill/>
-                  </a:rPr>
-                  <a:t> </a:t>
-                </a:r>
-              </a:p>
-            </p:txBody>
-          </p:sp>
-        </mc:Fallback>
-      </mc:AlternateContent>
-    </p:spTree>
-    <p:extLst>
-      <p:ext uri="{BB962C8B-B14F-4D97-AF65-F5344CB8AC3E}">
-        <p14:creationId xmlns:p14="http://schemas.microsoft.com/office/powerpoint/2010/main" val="1280982340"/>
-      </p:ext>
-    </p:extLst>
-  </p:cSld>
-  <p:clrMapOvr>
-    <a:masterClrMapping/>
-  </p:clrMapOvr>
-</p:sld>
-</file>
-
-<file path=ppt/slides/slide4.xml><?xml version="1.0" encoding="utf-8"?>
-<p:sld xmlns:a="http://schemas.openxmlformats.org/drawingml/2006/main" xmlns:r="http://schemas.openxmlformats.org/officeDocument/2006/relationships" xmlns:p="http://schemas.openxmlformats.org/presentationml/2006/main">
-  <p:cSld>
-    <p:spTree>
-      <p:nvGrpSpPr>
-        <p:cNvPr id="1" name=""/>
-        <p:cNvGrpSpPr/>
-        <p:nvPr/>
-      </p:nvGrpSpPr>
-      <p:grpSpPr>
-        <a:xfrm>
-          <a:off x="0" y="0"/>
-          <a:ext cx="0" cy="0"/>
-          <a:chOff x="0" y="0"/>
-          <a:chExt cx="0" cy="0"/>
-        </a:xfrm>
-      </p:grpSpPr>
-      <p:cxnSp>
-        <p:nvCxnSpPr>
-          <p:cNvPr id="5" name="Straight Connector 4">
-            <a:extLst>
-              <a:ext uri="{FF2B5EF4-FFF2-40B4-BE49-F238E27FC236}">
-                <a16:creationId xmlns:a16="http://schemas.microsoft.com/office/drawing/2014/main" id="{DBCBADF4-356B-4A1A-B962-10E416D395ED}"/>
-              </a:ext>
-            </a:extLst>
-          </p:cNvPr>
-          <p:cNvCxnSpPr/>
-          <p:nvPr/>
-        </p:nvCxnSpPr>
-        <p:spPr>
-          <a:xfrm>
-            <a:off x="2803270" y="4384002"/>
-            <a:ext cx="1715334" cy="0"/>
-          </a:xfrm>
-          <a:prstGeom prst="line">
-            <a:avLst/>
-          </a:prstGeom>
-          <a:ln w="38100">
-            <a:solidFill>
-              <a:schemeClr val="tx1"/>
-            </a:solidFill>
-          </a:ln>
-        </p:spPr>
-        <p:style>
-          <a:lnRef idx="1">
-            <a:schemeClr val="accent1"/>
-          </a:lnRef>
-          <a:fillRef idx="0">
-            <a:schemeClr val="accent1"/>
-          </a:fillRef>
-          <a:effectRef idx="0">
-            <a:schemeClr val="accent1"/>
-          </a:effectRef>
-          <a:fontRef idx="minor">
-            <a:schemeClr val="tx1"/>
-          </a:fontRef>
-        </p:style>
-      </p:cxnSp>
-      <p:cxnSp>
-        <p:nvCxnSpPr>
-          <p:cNvPr id="6" name="Straight Connector 5">
-            <a:extLst>
-              <a:ext uri="{FF2B5EF4-FFF2-40B4-BE49-F238E27FC236}">
-                <a16:creationId xmlns:a16="http://schemas.microsoft.com/office/drawing/2014/main" id="{EEB5058D-EAFC-455D-AF8C-8DAE2A96BB74}"/>
-              </a:ext>
-            </a:extLst>
-          </p:cNvPr>
-          <p:cNvCxnSpPr/>
-          <p:nvPr/>
-        </p:nvCxnSpPr>
-        <p:spPr>
-          <a:xfrm>
-            <a:off x="2863340" y="2668668"/>
-            <a:ext cx="1715334" cy="0"/>
-          </a:xfrm>
-          <a:prstGeom prst="line">
-            <a:avLst/>
-          </a:prstGeom>
-          <a:ln w="38100">
-            <a:solidFill>
-              <a:schemeClr val="tx1"/>
-            </a:solidFill>
-          </a:ln>
-        </p:spPr>
-        <p:style>
-          <a:lnRef idx="1">
-            <a:schemeClr val="accent1"/>
-          </a:lnRef>
-          <a:fillRef idx="0">
-            <a:schemeClr val="accent1"/>
-          </a:fillRef>
-          <a:effectRef idx="0">
-            <a:schemeClr val="accent1"/>
-          </a:effectRef>
-          <a:fontRef idx="minor">
-            <a:schemeClr val="tx1"/>
-          </a:fontRef>
-        </p:style>
-      </p:cxnSp>
-      <p:cxnSp>
-        <p:nvCxnSpPr>
-          <p:cNvPr id="7" name="Straight Connector 6">
-            <a:extLst>
-              <a:ext uri="{FF2B5EF4-FFF2-40B4-BE49-F238E27FC236}">
-                <a16:creationId xmlns:a16="http://schemas.microsoft.com/office/drawing/2014/main" id="{4616A803-5140-4B56-8E89-FC3EF240CA0F}"/>
-              </a:ext>
-            </a:extLst>
-          </p:cNvPr>
-          <p:cNvCxnSpPr/>
-          <p:nvPr/>
-        </p:nvCxnSpPr>
-        <p:spPr>
-          <a:xfrm>
-            <a:off x="2863340" y="953334"/>
-            <a:ext cx="1715334" cy="0"/>
-          </a:xfrm>
-          <a:prstGeom prst="line">
-            <a:avLst/>
-          </a:prstGeom>
-          <a:ln w="38100">
-            <a:solidFill>
-              <a:schemeClr val="tx1"/>
-            </a:solidFill>
-          </a:ln>
-        </p:spPr>
-        <p:style>
-          <a:lnRef idx="1">
-            <a:schemeClr val="accent1"/>
-          </a:lnRef>
-          <a:fillRef idx="0">
-            <a:schemeClr val="accent1"/>
-          </a:fillRef>
-          <a:effectRef idx="0">
-            <a:schemeClr val="accent1"/>
-          </a:effectRef>
-          <a:fontRef idx="minor">
-            <a:schemeClr val="tx1"/>
-          </a:fontRef>
-        </p:style>
-      </p:cxnSp>
-      <p:cxnSp>
-        <p:nvCxnSpPr>
-          <p:cNvPr id="9" name="Straight Arrow Connector 8">
-            <a:extLst>
-              <a:ext uri="{FF2B5EF4-FFF2-40B4-BE49-F238E27FC236}">
-                <a16:creationId xmlns:a16="http://schemas.microsoft.com/office/drawing/2014/main" id="{785620EF-B780-4954-B96B-323EA95AED6C}"/>
-              </a:ext>
-            </a:extLst>
-          </p:cNvPr>
-          <p:cNvCxnSpPr>
-            <a:cxnSpLocks/>
-          </p:cNvCxnSpPr>
-          <p:nvPr/>
-        </p:nvCxnSpPr>
-        <p:spPr>
-          <a:xfrm>
-            <a:off x="3917904" y="953334"/>
-            <a:ext cx="0" cy="1715334"/>
-          </a:xfrm>
-          <a:prstGeom prst="straightConnector1">
-            <a:avLst/>
-          </a:prstGeom>
-          <a:ln w="38100">
-            <a:solidFill>
-              <a:schemeClr val="tx1"/>
-            </a:solidFill>
-            <a:headEnd type="triangle"/>
-            <a:tailEnd type="triangle"/>
-          </a:ln>
-        </p:spPr>
-        <p:style>
-          <a:lnRef idx="1">
-            <a:schemeClr val="accent1"/>
-          </a:lnRef>
-          <a:fillRef idx="0">
-            <a:schemeClr val="accent1"/>
-          </a:fillRef>
-          <a:effectRef idx="0">
-            <a:schemeClr val="accent1"/>
-          </a:effectRef>
-          <a:fontRef idx="minor">
-            <a:schemeClr val="tx1"/>
-          </a:fontRef>
-        </p:style>
-      </p:cxnSp>
-      <p:cxnSp>
-        <p:nvCxnSpPr>
-          <p:cNvPr id="11" name="Straight Arrow Connector 10">
-            <a:extLst>
-              <a:ext uri="{FF2B5EF4-FFF2-40B4-BE49-F238E27FC236}">
-                <a16:creationId xmlns:a16="http://schemas.microsoft.com/office/drawing/2014/main" id="{2F131EF4-24D8-4442-BDE5-C3661DBDCF93}"/>
-              </a:ext>
-            </a:extLst>
-          </p:cNvPr>
-          <p:cNvCxnSpPr>
-            <a:cxnSpLocks/>
-          </p:cNvCxnSpPr>
-          <p:nvPr/>
-        </p:nvCxnSpPr>
-        <p:spPr>
-          <a:xfrm>
-            <a:off x="3917904" y="2668668"/>
-            <a:ext cx="0" cy="1715334"/>
-          </a:xfrm>
-          <a:prstGeom prst="straightConnector1">
-            <a:avLst/>
-          </a:prstGeom>
-          <a:ln w="38100">
-            <a:solidFill>
-              <a:schemeClr val="tx1"/>
-            </a:solidFill>
-            <a:headEnd type="triangle"/>
-            <a:tailEnd type="triangle"/>
-          </a:ln>
-        </p:spPr>
-        <p:style>
-          <a:lnRef idx="1">
-            <a:schemeClr val="accent1"/>
-          </a:lnRef>
-          <a:fillRef idx="0">
-            <a:schemeClr val="accent1"/>
-          </a:fillRef>
-          <a:effectRef idx="0">
-            <a:schemeClr val="accent1"/>
-          </a:effectRef>
-          <a:fontRef idx="minor">
-            <a:schemeClr val="tx1"/>
-          </a:fontRef>
-        </p:style>
-      </p:cxnSp>
-      <mc:AlternateContent xmlns:mc="http://schemas.openxmlformats.org/markup-compatibility/2006">
-        <mc:Choice xmlns:a14="http://schemas.microsoft.com/office/drawing/2010/main" Requires="a14">
-          <p:sp>
-            <p:nvSpPr>
-              <p:cNvPr id="12" name="TextBox 11">
-                <a:extLst>
-                  <a:ext uri="{FF2B5EF4-FFF2-40B4-BE49-F238E27FC236}">
-                    <a16:creationId xmlns:a16="http://schemas.microsoft.com/office/drawing/2014/main" id="{24CACF25-1ECA-4AAA-B5C5-D3745E13DA7C}"/>
-                  </a:ext>
-                </a:extLst>
-              </p:cNvPr>
-              <p:cNvSpPr txBox="1"/>
-              <p:nvPr/>
-            </p:nvSpPr>
-            <p:spPr>
-              <a:xfrm>
-                <a:off x="4460855" y="1526218"/>
-                <a:ext cx="511614" cy="369332"/>
-              </a:xfrm>
-              <a:prstGeom prst="rect">
-                <a:avLst/>
-              </a:prstGeom>
-              <a:noFill/>
-            </p:spPr>
-            <p:txBody>
-              <a:bodyPr wrap="none" rtlCol="0">
-                <a:spAutoFit/>
-              </a:bodyPr>
-              <a:lstStyle/>
-              <a:p>
-                <a14:m>
-                  <m:oMathPara xmlns:m="http://schemas.openxmlformats.org/officeDocument/2006/math">
-                    <m:oMathParaPr>
-                      <m:jc m:val="centerGroup"/>
-                    </m:oMathParaPr>
-                    <m:oMath xmlns:m="http://schemas.openxmlformats.org/officeDocument/2006/math">
-                      <m:sSub>
-                        <m:sSubPr>
-                          <m:ctrlPr>
-                            <a:rPr lang="en-US" b="0" i="1" smtClean="0">
-                              <a:latin typeface="Cambria Math" panose="02040503050406030204" pitchFamily="18" charset="0"/>
-                            </a:rPr>
-                          </m:ctrlPr>
-                        </m:sSubPr>
-                        <m:e>
-                          <m:r>
-                            <a:rPr lang="en-US" b="0" i="1" smtClean="0">
-                              <a:latin typeface="Cambria Math" panose="02040503050406030204" pitchFamily="18" charset="0"/>
-                            </a:rPr>
-                            <m:t>𝜔</m:t>
-                          </m:r>
-                        </m:e>
-                        <m:sub>
-                          <m:r>
-                            <a:rPr lang="en-US" b="0" i="1" smtClean="0">
-                              <a:latin typeface="Cambria Math" panose="02040503050406030204" pitchFamily="18" charset="0"/>
-                            </a:rPr>
-                            <m:t>0</m:t>
-                          </m:r>
-                        </m:sub>
-                      </m:sSub>
-                    </m:oMath>
-                  </m:oMathPara>
-                </a14:m>
-                <a:endParaRPr lang="en-US" dirty="0"/>
-              </a:p>
-            </p:txBody>
-          </p:sp>
-        </mc:Choice>
-        <mc:Fallback>
-          <p:sp>
-            <p:nvSpPr>
-              <p:cNvPr id="12" name="TextBox 11">
-                <a:extLst>
-                  <a:ext uri="{FF2B5EF4-FFF2-40B4-BE49-F238E27FC236}">
-                    <a16:creationId xmlns:a16="http://schemas.microsoft.com/office/drawing/2014/main" id="{24CACF25-1ECA-4AAA-B5C5-D3745E13DA7C}"/>
-                  </a:ext>
-                </a:extLst>
-              </p:cNvPr>
-              <p:cNvSpPr txBox="1">
-                <a:spLocks noRot="1" noChangeAspect="1" noMove="1" noResize="1" noEditPoints="1" noAdjustHandles="1" noChangeArrowheads="1" noChangeShapeType="1" noTextEdit="1"/>
-              </p:cNvSpPr>
-              <p:nvPr/>
-            </p:nvSpPr>
-            <p:spPr>
-              <a:xfrm>
-                <a:off x="4460855" y="1526218"/>
-                <a:ext cx="511614" cy="369332"/>
-              </a:xfrm>
-              <a:prstGeom prst="rect">
-                <a:avLst/>
-              </a:prstGeom>
-              <a:blipFill>
-                <a:blip r:embed="rId2"/>
-                <a:stretch>
-                  <a:fillRect/>
+                  <a:fillRect l="-1849" t="-1757" r="-440"/>
                 </a:stretch>
               </a:blipFill>
             </p:spPr>
@@ -7129,10 +9963,10 @@
         <mc:Choice xmlns:a14="http://schemas.microsoft.com/office/drawing/2010/main" Requires="a14">
           <p:sp>
             <p:nvSpPr>
-              <p:cNvPr id="13" name="TextBox 12">
+              <p:cNvPr id="14" name="TextBox 13">
                 <a:extLst>
                   <a:ext uri="{FF2B5EF4-FFF2-40B4-BE49-F238E27FC236}">
-                    <a16:creationId xmlns:a16="http://schemas.microsoft.com/office/drawing/2014/main" id="{94E60FAD-4D87-4B19-A081-563E54C7E8C0}"/>
+                    <a16:creationId xmlns:a16="http://schemas.microsoft.com/office/drawing/2014/main" id="{00C05841-DD32-4571-850F-62F79521BD88}"/>
                   </a:ext>
                 </a:extLst>
               </p:cNvPr>
@@ -7141,8 +9975,8 @@
             </p:nvSpPr>
             <p:spPr>
               <a:xfrm>
-                <a:off x="4460855" y="3341669"/>
-                <a:ext cx="511614" cy="369332"/>
+                <a:off x="4346454" y="665941"/>
+                <a:ext cx="513538" cy="369332"/>
               </a:xfrm>
               <a:prstGeom prst="rect">
                 <a:avLst/>
@@ -7161,31 +9995,24 @@
                       <m:jc m:val="centerGroup"/>
                     </m:oMathParaPr>
                     <m:oMath xmlns:m="http://schemas.openxmlformats.org/officeDocument/2006/math">
-                      <m:sSub>
-                        <m:sSubPr>
-                          <m:ctrlPr>
-                            <a:rPr lang="en-US" b="0" i="1" smtClean="0">
-                              <a:latin typeface="Cambria Math" panose="02040503050406030204" pitchFamily="18" charset="0"/>
-                            </a:rPr>
-                          </m:ctrlPr>
-                        </m:sSubPr>
-                        <m:e>
-                          <m:r>
-                            <a:rPr lang="en-US" b="0" i="1" smtClean="0">
-                              <a:latin typeface="Cambria Math" panose="02040503050406030204" pitchFamily="18" charset="0"/>
-                            </a:rPr>
-                            <m:t>𝜔</m:t>
-                          </m:r>
-                        </m:e>
-                        <m:sub>
-                          <m:r>
-                            <a:rPr lang="en-US" b="0" i="1" smtClean="0">
-                              <a:latin typeface="Cambria Math" panose="02040503050406030204" pitchFamily="18" charset="0"/>
-                            </a:rPr>
-                            <m:t>0</m:t>
-                          </m:r>
-                        </m:sub>
-                      </m:sSub>
+                      <m:r>
+                        <a:rPr lang="en-US" b="0" i="1" smtClean="0">
+                          <a:latin typeface="Cambria Math" panose="02040503050406030204" pitchFamily="18" charset="0"/>
+                        </a:rPr>
+                        <m:t>|</m:t>
+                      </m:r>
+                      <m:r>
+                        <a:rPr lang="en-US" b="0" i="1" smtClean="0">
+                          <a:latin typeface="Cambria Math" panose="02040503050406030204" pitchFamily="18" charset="0"/>
+                        </a:rPr>
+                        <m:t>𝑒</m:t>
+                      </m:r>
+                      <m:r>
+                        <a:rPr lang="en-US" b="0" i="1" smtClean="0">
+                          <a:latin typeface="Cambria Math" panose="02040503050406030204" pitchFamily="18" charset="0"/>
+                        </a:rPr>
+                        <m:t>⟩</m:t>
+                      </m:r>
                     </m:oMath>
                   </m:oMathPara>
                 </a14:m>
@@ -7197,10 +10024,10 @@
         <mc:Fallback>
           <p:sp>
             <p:nvSpPr>
-              <p:cNvPr id="13" name="TextBox 12">
+              <p:cNvPr id="14" name="TextBox 13">
                 <a:extLst>
                   <a:ext uri="{FF2B5EF4-FFF2-40B4-BE49-F238E27FC236}">
-                    <a16:creationId xmlns:a16="http://schemas.microsoft.com/office/drawing/2014/main" id="{94E60FAD-4D87-4B19-A081-563E54C7E8C0}"/>
+                    <a16:creationId xmlns:a16="http://schemas.microsoft.com/office/drawing/2014/main" id="{00C05841-DD32-4571-850F-62F79521BD88}"/>
                   </a:ext>
                 </a:extLst>
               </p:cNvPr>
@@ -7211,16 +10038,16 @@
             </p:nvSpPr>
             <p:spPr>
               <a:xfrm>
-                <a:off x="4460855" y="3341669"/>
-                <a:ext cx="511614" cy="369332"/>
+                <a:off x="4346454" y="665941"/>
+                <a:ext cx="513538" cy="369332"/>
               </a:xfrm>
               <a:prstGeom prst="rect">
                 <a:avLst/>
               </a:prstGeom>
               <a:blipFill>
-                <a:blip r:embed="rId3"/>
+                <a:blip r:embed="rId5"/>
                 <a:stretch>
-                  <a:fillRect/>
+                  <a:fillRect b="-13115"/>
                 </a:stretch>
               </a:blipFill>
             </p:spPr>
@@ -7239,214 +10066,254 @@
           </p:sp>
         </mc:Fallback>
       </mc:AlternateContent>
-      <p:cxnSp>
-        <p:nvCxnSpPr>
-          <p:cNvPr id="15" name="Straight Arrow Connector 14">
+      <mc:AlternateContent xmlns:mc="http://schemas.openxmlformats.org/markup-compatibility/2006">
+        <mc:Choice xmlns:a14="http://schemas.microsoft.com/office/drawing/2010/main" Requires="a14">
+          <p:sp>
+            <p:nvSpPr>
+              <p:cNvPr id="16" name="TextBox 15">
+                <a:extLst>
+                  <a:ext uri="{FF2B5EF4-FFF2-40B4-BE49-F238E27FC236}">
+                    <a16:creationId xmlns:a16="http://schemas.microsoft.com/office/drawing/2014/main" id="{CD8F6A7B-9F49-40D1-8789-5BC1432A3586}"/>
+                  </a:ext>
+                </a:extLst>
+              </p:cNvPr>
+              <p:cNvSpPr txBox="1"/>
+              <p:nvPr/>
+            </p:nvSpPr>
+            <p:spPr>
+              <a:xfrm>
+                <a:off x="4363118" y="2570390"/>
+                <a:ext cx="592598" cy="369332"/>
+              </a:xfrm>
+              <a:prstGeom prst="rect">
+                <a:avLst/>
+              </a:prstGeom>
+              <a:noFill/>
+            </p:spPr>
+            <p:txBody>
+              <a:bodyPr wrap="none" rtlCol="0">
+                <a:spAutoFit/>
+              </a:bodyPr>
+              <a:lstStyle/>
+              <a:p>
+                <a14:m>
+                  <m:oMathPara xmlns:m="http://schemas.openxmlformats.org/officeDocument/2006/math">
+                    <m:oMathParaPr>
+                      <m:jc m:val="centerGroup"/>
+                    </m:oMathParaPr>
+                    <m:oMath xmlns:m="http://schemas.openxmlformats.org/officeDocument/2006/math">
+                      <m:r>
+                        <a:rPr lang="en-US" b="0" i="1" smtClean="0">
+                          <a:latin typeface="Cambria Math" panose="02040503050406030204" pitchFamily="18" charset="0"/>
+                        </a:rPr>
+                        <m:t>|</m:t>
+                      </m:r>
+                      <m:r>
+                        <a:rPr lang="en-US" b="0" i="1" smtClean="0">
+                          <a:latin typeface="Cambria Math" panose="02040503050406030204" pitchFamily="18" charset="0"/>
+                        </a:rPr>
+                        <m:t>𝑚</m:t>
+                      </m:r>
+                      <m:r>
+                        <a:rPr lang="en-US" b="0" i="1" smtClean="0">
+                          <a:latin typeface="Cambria Math" panose="02040503050406030204" pitchFamily="18" charset="0"/>
+                        </a:rPr>
+                        <m:t>⟩</m:t>
+                      </m:r>
+                    </m:oMath>
+                  </m:oMathPara>
+                </a14:m>
+                <a:endParaRPr lang="en-US" dirty="0"/>
+              </a:p>
+            </p:txBody>
+          </p:sp>
+        </mc:Choice>
+        <mc:Fallback>
+          <p:sp>
+            <p:nvSpPr>
+              <p:cNvPr id="16" name="TextBox 15">
+                <a:extLst>
+                  <a:ext uri="{FF2B5EF4-FFF2-40B4-BE49-F238E27FC236}">
+                    <a16:creationId xmlns:a16="http://schemas.microsoft.com/office/drawing/2014/main" id="{CD8F6A7B-9F49-40D1-8789-5BC1432A3586}"/>
+                  </a:ext>
+                </a:extLst>
+              </p:cNvPr>
+              <p:cNvSpPr txBox="1">
+                <a:spLocks noRot="1" noChangeAspect="1" noMove="1" noResize="1" noEditPoints="1" noAdjustHandles="1" noChangeArrowheads="1" noChangeShapeType="1" noTextEdit="1"/>
+              </p:cNvSpPr>
+              <p:nvPr/>
+            </p:nvSpPr>
+            <p:spPr>
+              <a:xfrm>
+                <a:off x="4363118" y="2570390"/>
+                <a:ext cx="592598" cy="369332"/>
+              </a:xfrm>
+              <a:prstGeom prst="rect">
+                <a:avLst/>
+              </a:prstGeom>
+              <a:blipFill>
+                <a:blip r:embed="rId6"/>
+                <a:stretch>
+                  <a:fillRect b="-13333"/>
+                </a:stretch>
+              </a:blipFill>
+            </p:spPr>
+            <p:txBody>
+              <a:bodyPr/>
+              <a:lstStyle/>
+              <a:p>
+                <a:r>
+                  <a:rPr lang="en-US">
+                    <a:noFill/>
+                  </a:rPr>
+                  <a:t> </a:t>
+                </a:r>
+              </a:p>
+            </p:txBody>
+          </p:sp>
+        </mc:Fallback>
+      </mc:AlternateContent>
+      <mc:AlternateContent xmlns:mc="http://schemas.openxmlformats.org/markup-compatibility/2006">
+        <mc:Choice xmlns:a14="http://schemas.microsoft.com/office/drawing/2010/main" Requires="a14">
+          <p:sp>
+            <p:nvSpPr>
+              <p:cNvPr id="18" name="TextBox 17">
+                <a:extLst>
+                  <a:ext uri="{FF2B5EF4-FFF2-40B4-BE49-F238E27FC236}">
+                    <a16:creationId xmlns:a16="http://schemas.microsoft.com/office/drawing/2014/main" id="{31EC9978-1A71-4018-B122-152176AE3174}"/>
+                  </a:ext>
+                </a:extLst>
+              </p:cNvPr>
+              <p:cNvSpPr txBox="1"/>
+              <p:nvPr/>
+            </p:nvSpPr>
+            <p:spPr>
+              <a:xfrm>
+                <a:off x="4366269" y="4126908"/>
+                <a:ext cx="539700" cy="369332"/>
+              </a:xfrm>
+              <a:prstGeom prst="rect">
+                <a:avLst/>
+              </a:prstGeom>
+              <a:noFill/>
+            </p:spPr>
+            <p:txBody>
+              <a:bodyPr wrap="none" rtlCol="0">
+                <a:spAutoFit/>
+              </a:bodyPr>
+              <a:lstStyle/>
+              <a:p>
+                <a14:m>
+                  <m:oMathPara xmlns:m="http://schemas.openxmlformats.org/officeDocument/2006/math">
+                    <m:oMathParaPr>
+                      <m:jc m:val="centerGroup"/>
+                    </m:oMathParaPr>
+                    <m:oMath xmlns:m="http://schemas.openxmlformats.org/officeDocument/2006/math">
+                      <m:r>
+                        <a:rPr lang="en-US" b="0" i="1" smtClean="0">
+                          <a:latin typeface="Cambria Math" panose="02040503050406030204" pitchFamily="18" charset="0"/>
+                        </a:rPr>
+                        <m:t>|</m:t>
+                      </m:r>
+                      <m:r>
+                        <a:rPr lang="en-US" b="0" i="1" smtClean="0">
+                          <a:latin typeface="Cambria Math" panose="02040503050406030204" pitchFamily="18" charset="0"/>
+                        </a:rPr>
+                        <m:t>𝑔</m:t>
+                      </m:r>
+                      <m:r>
+                        <a:rPr lang="en-US" b="0" i="1" smtClean="0">
+                          <a:latin typeface="Cambria Math" panose="02040503050406030204" pitchFamily="18" charset="0"/>
+                        </a:rPr>
+                        <m:t>⟩</m:t>
+                      </m:r>
+                    </m:oMath>
+                  </m:oMathPara>
+                </a14:m>
+                <a:endParaRPr lang="en-US" dirty="0"/>
+              </a:p>
+            </p:txBody>
+          </p:sp>
+        </mc:Choice>
+        <mc:Fallback>
+          <p:sp>
+            <p:nvSpPr>
+              <p:cNvPr id="18" name="TextBox 17">
+                <a:extLst>
+                  <a:ext uri="{FF2B5EF4-FFF2-40B4-BE49-F238E27FC236}">
+                    <a16:creationId xmlns:a16="http://schemas.microsoft.com/office/drawing/2014/main" id="{31EC9978-1A71-4018-B122-152176AE3174}"/>
+                  </a:ext>
+                </a:extLst>
+              </p:cNvPr>
+              <p:cNvSpPr txBox="1">
+                <a:spLocks noRot="1" noChangeAspect="1" noMove="1" noResize="1" noEditPoints="1" noAdjustHandles="1" noChangeArrowheads="1" noChangeShapeType="1" noTextEdit="1"/>
+              </p:cNvSpPr>
+              <p:nvPr/>
+            </p:nvSpPr>
+            <p:spPr>
+              <a:xfrm>
+                <a:off x="4366269" y="4126908"/>
+                <a:ext cx="539700" cy="369332"/>
+              </a:xfrm>
+              <a:prstGeom prst="rect">
+                <a:avLst/>
+              </a:prstGeom>
+              <a:blipFill>
+                <a:blip r:embed="rId7"/>
+                <a:stretch>
+                  <a:fillRect b="-11475"/>
+                </a:stretch>
+              </a:blipFill>
+            </p:spPr>
+            <p:txBody>
+              <a:bodyPr/>
+              <a:lstStyle/>
+              <a:p>
+                <a:r>
+                  <a:rPr lang="en-US">
+                    <a:noFill/>
+                  </a:rPr>
+                  <a:t> </a:t>
+                </a:r>
+              </a:p>
+            </p:txBody>
+          </p:sp>
+        </mc:Fallback>
+      </mc:AlternateContent>
+      <p:pic>
+        <p:nvPicPr>
+          <p:cNvPr id="2" name="Picture 1">
             <a:extLst>
               <a:ext uri="{FF2B5EF4-FFF2-40B4-BE49-F238E27FC236}">
-                <a16:creationId xmlns:a16="http://schemas.microsoft.com/office/drawing/2014/main" id="{12FB0F97-5404-488C-8050-FFAEC2252E4F}"/>
+                <a16:creationId xmlns:a16="http://schemas.microsoft.com/office/drawing/2014/main" id="{9AD2B458-7E78-4C8E-9687-26577EB9CFDD}"/>
               </a:ext>
             </a:extLst>
           </p:cNvPr>
-          <p:cNvCxnSpPr>
-            <a:cxnSpLocks/>
-          </p:cNvCxnSpPr>
+          <p:cNvPicPr>
+            <a:picLocks noChangeAspect="1"/>
+          </p:cNvPicPr>
           <p:nvPr/>
-        </p:nvCxnSpPr>
+        </p:nvPicPr>
+        <p:blipFill>
+          <a:blip r:embed="rId8"/>
+          <a:stretch>
+            <a:fillRect/>
+          </a:stretch>
+        </p:blipFill>
         <p:spPr>
           <a:xfrm>
-            <a:off x="954447" y="1811001"/>
-            <a:ext cx="1501752" cy="0"/>
-          </a:xfrm>
-          <a:prstGeom prst="straightConnector1">
-            <a:avLst/>
-          </a:prstGeom>
-          <a:ln w="38100">
-            <a:solidFill>
-              <a:srgbClr val="7030A0"/>
-            </a:solidFill>
-            <a:tailEnd type="triangle"/>
-          </a:ln>
-        </p:spPr>
-        <p:style>
-          <a:lnRef idx="1">
-            <a:schemeClr val="accent2"/>
-          </a:lnRef>
-          <a:fillRef idx="0">
-            <a:schemeClr val="accent2"/>
-          </a:fillRef>
-          <a:effectRef idx="0">
-            <a:schemeClr val="accent2"/>
-          </a:effectRef>
-          <a:fontRef idx="minor">
-            <a:schemeClr val="tx1"/>
-          </a:fontRef>
-        </p:style>
-      </p:cxnSp>
-      <p:cxnSp>
-        <p:nvCxnSpPr>
-          <p:cNvPr id="17" name="Straight Arrow Connector 16">
-            <a:extLst>
-              <a:ext uri="{FF2B5EF4-FFF2-40B4-BE49-F238E27FC236}">
-                <a16:creationId xmlns:a16="http://schemas.microsoft.com/office/drawing/2014/main" id="{69A48D9C-6725-47BB-9AD2-E10F10C13C88}"/>
-              </a:ext>
-            </a:extLst>
-          </p:cNvPr>
-          <p:cNvCxnSpPr>
-            <a:cxnSpLocks/>
-          </p:cNvCxnSpPr>
-          <p:nvPr/>
-        </p:nvCxnSpPr>
-        <p:spPr>
-          <a:xfrm>
-            <a:off x="954447" y="3658712"/>
-            <a:ext cx="1501752" cy="0"/>
-          </a:xfrm>
-          <a:prstGeom prst="straightConnector1">
-            <a:avLst/>
-          </a:prstGeom>
-          <a:ln w="38100">
-            <a:solidFill>
-              <a:srgbClr val="C00000"/>
-            </a:solidFill>
-            <a:tailEnd type="triangle"/>
-          </a:ln>
-        </p:spPr>
-        <p:style>
-          <a:lnRef idx="1">
-            <a:schemeClr val="accent2"/>
-          </a:lnRef>
-          <a:fillRef idx="0">
-            <a:schemeClr val="accent2"/>
-          </a:fillRef>
-          <a:effectRef idx="0">
-            <a:schemeClr val="accent2"/>
-          </a:effectRef>
-          <a:fontRef idx="minor">
-            <a:schemeClr val="tx1"/>
-          </a:fontRef>
-        </p:style>
-      </p:cxnSp>
-      <p:cxnSp>
-        <p:nvCxnSpPr>
-          <p:cNvPr id="19" name="Straight Connector 18">
-            <a:extLst>
-              <a:ext uri="{FF2B5EF4-FFF2-40B4-BE49-F238E27FC236}">
-                <a16:creationId xmlns:a16="http://schemas.microsoft.com/office/drawing/2014/main" id="{B1F134DD-0371-4E27-9873-338AD2E89DA2}"/>
-              </a:ext>
-            </a:extLst>
-          </p:cNvPr>
-          <p:cNvCxnSpPr/>
-          <p:nvPr/>
-        </p:nvCxnSpPr>
-        <p:spPr>
-          <a:xfrm>
-            <a:off x="854330" y="3043550"/>
-            <a:ext cx="4765559" cy="0"/>
-          </a:xfrm>
-          <a:prstGeom prst="line">
-            <a:avLst/>
-          </a:prstGeom>
-          <a:ln w="25400">
-            <a:solidFill>
-              <a:schemeClr val="accent1"/>
-            </a:solidFill>
-            <a:prstDash val="dash"/>
-          </a:ln>
-        </p:spPr>
-        <p:style>
-          <a:lnRef idx="1">
-            <a:schemeClr val="accent1"/>
-          </a:lnRef>
-          <a:fillRef idx="0">
-            <a:schemeClr val="accent1"/>
-          </a:fillRef>
-          <a:effectRef idx="0">
-            <a:schemeClr val="accent1"/>
-          </a:effectRef>
-          <a:fontRef idx="minor">
-            <a:schemeClr val="tx1"/>
-          </a:fontRef>
-        </p:style>
-      </p:cxnSp>
-      <p:sp>
-        <p:nvSpPr>
-          <p:cNvPr id="21" name="TextBox 20">
-            <a:extLst>
-              <a:ext uri="{FF2B5EF4-FFF2-40B4-BE49-F238E27FC236}">
-                <a16:creationId xmlns:a16="http://schemas.microsoft.com/office/drawing/2014/main" id="{8A24169F-11D4-4136-8C19-E894EE2FFE47}"/>
-              </a:ext>
-            </a:extLst>
-          </p:cNvPr>
-          <p:cNvSpPr txBox="1"/>
-          <p:nvPr/>
-        </p:nvSpPr>
-        <p:spPr>
-          <a:xfrm>
-            <a:off x="6284422" y="1526218"/>
-            <a:ext cx="1116781" cy="523220"/>
-          </a:xfrm>
-          <a:prstGeom prst="rect">
-            <a:avLst/>
-          </a:prstGeom>
-          <a:noFill/>
-        </p:spPr>
-        <p:txBody>
-          <a:bodyPr wrap="none" rtlCol="0">
-            <a:spAutoFit/>
-          </a:bodyPr>
-          <a:lstStyle/>
-          <a:p>
-            <a:r>
-              <a:rPr lang="en-US" sz="2800" dirty="0" err="1"/>
-              <a:t>TMSV</a:t>
-            </a:r>
-            <a:r>
-              <a:rPr lang="en-US" sz="2800"/>
-              <a:t>:</a:t>
-            </a:r>
-            <a:endParaRPr lang="en-US" sz="2800" dirty="0"/>
-          </a:p>
-        </p:txBody>
-      </p:sp>
-      <p:sp>
-        <p:nvSpPr>
-          <p:cNvPr id="2" name="Rectangle 1">
-            <a:extLst>
-              <a:ext uri="{FF2B5EF4-FFF2-40B4-BE49-F238E27FC236}">
-                <a16:creationId xmlns:a16="http://schemas.microsoft.com/office/drawing/2014/main" id="{A0F1442D-A8D4-4E6B-B1BE-F78B12A5ED7D}"/>
-              </a:ext>
-            </a:extLst>
-          </p:cNvPr>
-          <p:cNvSpPr/>
-          <p:nvPr/>
-        </p:nvSpPr>
-        <p:spPr>
-          <a:xfrm>
-            <a:off x="1800763" y="6078974"/>
-            <a:ext cx="1310872" cy="369332"/>
+            <a:off x="5135298" y="4126908"/>
+            <a:ext cx="5699574" cy="2500229"/>
           </a:xfrm>
           <a:prstGeom prst="rect">
             <a:avLst/>
           </a:prstGeom>
         </p:spPr>
-        <p:txBody>
-          <a:bodyPr wrap="none">
-            <a:spAutoFit/>
-          </a:bodyPr>
-          <a:lstStyle/>
-          <a:p>
-            <a:r>
-              <a:rPr lang="en-US" dirty="0"/>
-              <a:t>motivation?</a:t>
-            </a:r>
-          </a:p>
-        </p:txBody>
-      </p:sp>
+      </p:pic>
     </p:spTree>
     <p:extLst>
       <p:ext uri="{BB962C8B-B14F-4D97-AF65-F5344CB8AC3E}">
-        <p14:creationId xmlns:p14="http://schemas.microsoft.com/office/powerpoint/2010/main" val="2091307836"/>
+        <p14:creationId xmlns:p14="http://schemas.microsoft.com/office/powerpoint/2010/main" val="1280982340"/>
       </p:ext>
     </p:extLst>
   </p:cSld>

--- a/absorption/enhancement.pptx
+++ b/absorption/enhancement.pptx
@@ -6,9 +6,9 @@
   </p:sldMasterIdLst>
   <p:sldIdLst>
     <p:sldId id="256" r:id="rId2"/>
-    <p:sldId id="257" r:id="rId3"/>
-    <p:sldId id="260" r:id="rId4"/>
-    <p:sldId id="258" r:id="rId5"/>
+    <p:sldId id="258" r:id="rId3"/>
+    <p:sldId id="257" r:id="rId4"/>
+    <p:sldId id="260" r:id="rId5"/>
   </p:sldIdLst>
   <p:sldSz cx="12192000" cy="6858000"/>
   <p:notesSz cx="6858000" cy="9144000"/>
@@ -4101,8 +4101,8 @@
           </p:sp>
         </mc:Fallback>
       </mc:AlternateContent>
-      <mc:AlternateContent xmlns:mc="http://schemas.openxmlformats.org/markup-compatibility/2006">
-        <mc:Choice xmlns:a14="http://schemas.microsoft.com/office/drawing/2010/main" Requires="a14">
+      <mc:AlternateContent xmlns:mc="http://schemas.openxmlformats.org/markup-compatibility/2006" xmlns:a14="http://schemas.microsoft.com/office/drawing/2010/main">
+        <mc:Choice Requires="a14">
           <p:sp>
             <p:nvSpPr>
               <p:cNvPr id="2" name="TextBox 1">
@@ -4131,6 +4131,7 @@
               </a:bodyPr>
               <a:lstStyle/>
               <a:p>
+                <a:pPr/>
                 <a14:m>
                   <m:oMathPara xmlns:m="http://schemas.openxmlformats.org/officeDocument/2006/math">
                     <m:oMathParaPr>
@@ -4163,7 +4164,7 @@
             </p:txBody>
           </p:sp>
         </mc:Choice>
-        <mc:Fallback>
+        <mc:Fallback xmlns="">
           <p:sp>
             <p:nvSpPr>
               <p:cNvPr id="2" name="TextBox 1">
@@ -4208,8 +4209,8 @@
           </p:sp>
         </mc:Fallback>
       </mc:AlternateContent>
-      <mc:AlternateContent xmlns:mc="http://schemas.openxmlformats.org/markup-compatibility/2006">
-        <mc:Choice xmlns:a14="http://schemas.microsoft.com/office/drawing/2010/main" Requires="a14">
+      <mc:AlternateContent xmlns:mc="http://schemas.openxmlformats.org/markup-compatibility/2006" xmlns:a14="http://schemas.microsoft.com/office/drawing/2010/main">
+        <mc:Choice Requires="a14">
           <p:sp>
             <p:nvSpPr>
               <p:cNvPr id="14" name="TextBox 13">
@@ -4238,6 +4239,7 @@
               </a:bodyPr>
               <a:lstStyle/>
               <a:p>
+                <a:pPr/>
                 <a14:m>
                   <m:oMathPara xmlns:m="http://schemas.openxmlformats.org/officeDocument/2006/math">
                     <m:oMathParaPr>
@@ -4270,7 +4272,7 @@
             </p:txBody>
           </p:sp>
         </mc:Choice>
-        <mc:Fallback>
+        <mc:Fallback xmlns="">
           <p:sp>
             <p:nvSpPr>
               <p:cNvPr id="14" name="TextBox 13">
@@ -4315,8 +4317,8 @@
           </p:sp>
         </mc:Fallback>
       </mc:AlternateContent>
-      <mc:AlternateContent xmlns:mc="http://schemas.openxmlformats.org/markup-compatibility/2006">
-        <mc:Choice xmlns:a14="http://schemas.microsoft.com/office/drawing/2010/main" Requires="a14">
+      <mc:AlternateContent xmlns:mc="http://schemas.openxmlformats.org/markup-compatibility/2006" xmlns:a14="http://schemas.microsoft.com/office/drawing/2010/main">
+        <mc:Choice Requires="a14">
           <p:sp>
             <p:nvSpPr>
               <p:cNvPr id="16" name="TextBox 15">
@@ -4345,6 +4347,7 @@
               </a:bodyPr>
               <a:lstStyle/>
               <a:p>
+                <a:pPr/>
                 <a14:m>
                   <m:oMathPara xmlns:m="http://schemas.openxmlformats.org/officeDocument/2006/math">
                     <m:oMathParaPr>
@@ -4377,7 +4380,7 @@
             </p:txBody>
           </p:sp>
         </mc:Choice>
-        <mc:Fallback>
+        <mc:Fallback xmlns="">
           <p:sp>
             <p:nvSpPr>
               <p:cNvPr id="16" name="TextBox 15">
@@ -4436,4326 +4439,6 @@
 </file>
 
 <file path=ppt/slides/slide2.xml><?xml version="1.0" encoding="utf-8"?>
-<p:sld xmlns:a="http://schemas.openxmlformats.org/drawingml/2006/main" xmlns:r="http://schemas.openxmlformats.org/officeDocument/2006/relationships" xmlns:p="http://schemas.openxmlformats.org/presentationml/2006/main">
-  <p:cSld>
-    <p:spTree>
-      <p:nvGrpSpPr>
-        <p:cNvPr id="1" name=""/>
-        <p:cNvGrpSpPr/>
-        <p:nvPr/>
-      </p:nvGrpSpPr>
-      <p:grpSpPr>
-        <a:xfrm>
-          <a:off x="0" y="0"/>
-          <a:ext cx="0" cy="0"/>
-          <a:chOff x="0" y="0"/>
-          <a:chExt cx="0" cy="0"/>
-        </a:xfrm>
-      </p:grpSpPr>
-      <p:cxnSp>
-        <p:nvCxnSpPr>
-          <p:cNvPr id="5" name="Straight Connector 4">
-            <a:extLst>
-              <a:ext uri="{FF2B5EF4-FFF2-40B4-BE49-F238E27FC236}">
-                <a16:creationId xmlns:a16="http://schemas.microsoft.com/office/drawing/2014/main" id="{DBCBADF4-356B-4A1A-B962-10E416D395ED}"/>
-              </a:ext>
-            </a:extLst>
-          </p:cNvPr>
-          <p:cNvCxnSpPr/>
-          <p:nvPr/>
-        </p:nvCxnSpPr>
-        <p:spPr>
-          <a:xfrm>
-            <a:off x="2803270" y="4384002"/>
-            <a:ext cx="1715334" cy="0"/>
-          </a:xfrm>
-          <a:prstGeom prst="line">
-            <a:avLst/>
-          </a:prstGeom>
-          <a:ln w="38100">
-            <a:solidFill>
-              <a:schemeClr val="tx1"/>
-            </a:solidFill>
-          </a:ln>
-        </p:spPr>
-        <p:style>
-          <a:lnRef idx="1">
-            <a:schemeClr val="accent1"/>
-          </a:lnRef>
-          <a:fillRef idx="0">
-            <a:schemeClr val="accent1"/>
-          </a:fillRef>
-          <a:effectRef idx="0">
-            <a:schemeClr val="accent1"/>
-          </a:effectRef>
-          <a:fontRef idx="minor">
-            <a:schemeClr val="tx1"/>
-          </a:fontRef>
-        </p:style>
-      </p:cxnSp>
-      <p:cxnSp>
-        <p:nvCxnSpPr>
-          <p:cNvPr id="6" name="Straight Connector 5">
-            <a:extLst>
-              <a:ext uri="{FF2B5EF4-FFF2-40B4-BE49-F238E27FC236}">
-                <a16:creationId xmlns:a16="http://schemas.microsoft.com/office/drawing/2014/main" id="{EEB5058D-EAFC-455D-AF8C-8DAE2A96BB74}"/>
-              </a:ext>
-            </a:extLst>
-          </p:cNvPr>
-          <p:cNvCxnSpPr/>
-          <p:nvPr/>
-        </p:nvCxnSpPr>
-        <p:spPr>
-          <a:xfrm>
-            <a:off x="2921529" y="3192087"/>
-            <a:ext cx="1715334" cy="0"/>
-          </a:xfrm>
-          <a:prstGeom prst="line">
-            <a:avLst/>
-          </a:prstGeom>
-          <a:ln w="38100">
-            <a:solidFill>
-              <a:schemeClr val="tx1"/>
-            </a:solidFill>
-          </a:ln>
-        </p:spPr>
-        <p:style>
-          <a:lnRef idx="1">
-            <a:schemeClr val="accent1"/>
-          </a:lnRef>
-          <a:fillRef idx="0">
-            <a:schemeClr val="accent1"/>
-          </a:fillRef>
-          <a:effectRef idx="0">
-            <a:schemeClr val="accent1"/>
-          </a:effectRef>
-          <a:fontRef idx="minor">
-            <a:schemeClr val="tx1"/>
-          </a:fontRef>
-        </p:style>
-      </p:cxnSp>
-      <p:cxnSp>
-        <p:nvCxnSpPr>
-          <p:cNvPr id="7" name="Straight Connector 6">
-            <a:extLst>
-              <a:ext uri="{FF2B5EF4-FFF2-40B4-BE49-F238E27FC236}">
-                <a16:creationId xmlns:a16="http://schemas.microsoft.com/office/drawing/2014/main" id="{4616A803-5140-4B56-8E89-FC3EF240CA0F}"/>
-              </a:ext>
-            </a:extLst>
-          </p:cNvPr>
-          <p:cNvCxnSpPr/>
-          <p:nvPr/>
-        </p:nvCxnSpPr>
-        <p:spPr>
-          <a:xfrm>
-            <a:off x="2863340" y="953334"/>
-            <a:ext cx="1715334" cy="0"/>
-          </a:xfrm>
-          <a:prstGeom prst="line">
-            <a:avLst/>
-          </a:prstGeom>
-          <a:ln w="38100">
-            <a:solidFill>
-              <a:schemeClr val="tx1"/>
-            </a:solidFill>
-          </a:ln>
-        </p:spPr>
-        <p:style>
-          <a:lnRef idx="1">
-            <a:schemeClr val="accent1"/>
-          </a:lnRef>
-          <a:fillRef idx="0">
-            <a:schemeClr val="accent1"/>
-          </a:fillRef>
-          <a:effectRef idx="0">
-            <a:schemeClr val="accent1"/>
-          </a:effectRef>
-          <a:fontRef idx="minor">
-            <a:schemeClr val="tx1"/>
-          </a:fontRef>
-        </p:style>
-      </p:cxnSp>
-      <p:cxnSp>
-        <p:nvCxnSpPr>
-          <p:cNvPr id="9" name="Straight Arrow Connector 8">
-            <a:extLst>
-              <a:ext uri="{FF2B5EF4-FFF2-40B4-BE49-F238E27FC236}">
-                <a16:creationId xmlns:a16="http://schemas.microsoft.com/office/drawing/2014/main" id="{785620EF-B780-4954-B96B-323EA95AED6C}"/>
-              </a:ext>
-            </a:extLst>
-          </p:cNvPr>
-          <p:cNvCxnSpPr>
-            <a:cxnSpLocks/>
-          </p:cNvCxnSpPr>
-          <p:nvPr/>
-        </p:nvCxnSpPr>
-        <p:spPr>
-          <a:xfrm>
-            <a:off x="3917904" y="953334"/>
-            <a:ext cx="0" cy="2238753"/>
-          </a:xfrm>
-          <a:prstGeom prst="straightConnector1">
-            <a:avLst/>
-          </a:prstGeom>
-          <a:ln w="38100">
-            <a:solidFill>
-              <a:srgbClr val="7030A0"/>
-            </a:solidFill>
-            <a:headEnd type="triangle"/>
-            <a:tailEnd type="triangle"/>
-          </a:ln>
-        </p:spPr>
-        <p:style>
-          <a:lnRef idx="1">
-            <a:schemeClr val="accent1"/>
-          </a:lnRef>
-          <a:fillRef idx="0">
-            <a:schemeClr val="accent1"/>
-          </a:fillRef>
-          <a:effectRef idx="0">
-            <a:schemeClr val="accent1"/>
-          </a:effectRef>
-          <a:fontRef idx="minor">
-            <a:schemeClr val="tx1"/>
-          </a:fontRef>
-        </p:style>
-      </p:cxnSp>
-      <p:cxnSp>
-        <p:nvCxnSpPr>
-          <p:cNvPr id="11" name="Straight Arrow Connector 10">
-            <a:extLst>
-              <a:ext uri="{FF2B5EF4-FFF2-40B4-BE49-F238E27FC236}">
-                <a16:creationId xmlns:a16="http://schemas.microsoft.com/office/drawing/2014/main" id="{2F131EF4-24D8-4442-BDE5-C3661DBDCF93}"/>
-              </a:ext>
-            </a:extLst>
-          </p:cNvPr>
-          <p:cNvCxnSpPr>
-            <a:cxnSpLocks/>
-          </p:cNvCxnSpPr>
-          <p:nvPr/>
-        </p:nvCxnSpPr>
-        <p:spPr>
-          <a:xfrm>
-            <a:off x="3917904" y="3192087"/>
-            <a:ext cx="0" cy="1191915"/>
-          </a:xfrm>
-          <a:prstGeom prst="straightConnector1">
-            <a:avLst/>
-          </a:prstGeom>
-          <a:ln w="38100">
-            <a:solidFill>
-              <a:srgbClr val="C00000"/>
-            </a:solidFill>
-            <a:headEnd type="triangle"/>
-            <a:tailEnd type="triangle"/>
-          </a:ln>
-        </p:spPr>
-        <p:style>
-          <a:lnRef idx="1">
-            <a:schemeClr val="accent1"/>
-          </a:lnRef>
-          <a:fillRef idx="0">
-            <a:schemeClr val="accent1"/>
-          </a:fillRef>
-          <a:effectRef idx="0">
-            <a:schemeClr val="accent1"/>
-          </a:effectRef>
-          <a:fontRef idx="minor">
-            <a:schemeClr val="tx1"/>
-          </a:fontRef>
-        </p:style>
-      </p:cxnSp>
-      <mc:AlternateContent xmlns:mc="http://schemas.openxmlformats.org/markup-compatibility/2006">
-        <mc:Choice xmlns:a14="http://schemas.microsoft.com/office/drawing/2010/main" Requires="a14">
-          <p:sp>
-            <p:nvSpPr>
-              <p:cNvPr id="12" name="TextBox 11">
-                <a:extLst>
-                  <a:ext uri="{FF2B5EF4-FFF2-40B4-BE49-F238E27FC236}">
-                    <a16:creationId xmlns:a16="http://schemas.microsoft.com/office/drawing/2014/main" id="{24CACF25-1ECA-4AAA-B5C5-D3745E13DA7C}"/>
-                  </a:ext>
-                </a:extLst>
-              </p:cNvPr>
-              <p:cNvSpPr txBox="1"/>
-              <p:nvPr/>
-            </p:nvSpPr>
-            <p:spPr>
-              <a:xfrm>
-                <a:off x="4589549" y="1703379"/>
-                <a:ext cx="506292" cy="369332"/>
-              </a:xfrm>
-              <a:prstGeom prst="rect">
-                <a:avLst/>
-              </a:prstGeom>
-              <a:noFill/>
-            </p:spPr>
-            <p:txBody>
-              <a:bodyPr wrap="none" rtlCol="0">
-                <a:spAutoFit/>
-              </a:bodyPr>
-              <a:lstStyle/>
-              <a:p>
-                <a:pPr/>
-                <a14:m>
-                  <m:oMathPara xmlns:m="http://schemas.openxmlformats.org/officeDocument/2006/math">
-                    <m:oMathParaPr>
-                      <m:jc m:val="centerGroup"/>
-                    </m:oMathParaPr>
-                    <m:oMath xmlns:m="http://schemas.openxmlformats.org/officeDocument/2006/math">
-                      <m:sSub>
-                        <m:sSubPr>
-                          <m:ctrlPr>
-                            <a:rPr lang="en-US" b="0" i="1" smtClean="0">
-                              <a:latin typeface="Cambria Math" panose="02040503050406030204" pitchFamily="18" charset="0"/>
-                            </a:rPr>
-                          </m:ctrlPr>
-                        </m:sSubPr>
-                        <m:e>
-                          <m:r>
-                            <a:rPr lang="en-US" b="0" i="1" smtClean="0">
-                              <a:latin typeface="Cambria Math" panose="02040503050406030204" pitchFamily="18" charset="0"/>
-                            </a:rPr>
-                            <m:t>𝜔</m:t>
-                          </m:r>
-                        </m:e>
-                        <m:sub>
-                          <m:r>
-                            <a:rPr lang="en-US" b="0" i="1" smtClean="0">
-                              <a:latin typeface="Cambria Math" panose="02040503050406030204" pitchFamily="18" charset="0"/>
-                            </a:rPr>
-                            <m:t>1</m:t>
-                          </m:r>
-                        </m:sub>
-                      </m:sSub>
-                    </m:oMath>
-                  </m:oMathPara>
-                </a14:m>
-                <a:endParaRPr lang="en-US" dirty="0"/>
-              </a:p>
-            </p:txBody>
-          </p:sp>
-        </mc:Choice>
-        <mc:Fallback>
-          <p:sp>
-            <p:nvSpPr>
-              <p:cNvPr id="12" name="TextBox 11">
-                <a:extLst>
-                  <a:ext uri="{FF2B5EF4-FFF2-40B4-BE49-F238E27FC236}">
-                    <a16:creationId xmlns:a16="http://schemas.microsoft.com/office/drawing/2014/main" id="{24CACF25-1ECA-4AAA-B5C5-D3745E13DA7C}"/>
-                  </a:ext>
-                </a:extLst>
-              </p:cNvPr>
-              <p:cNvSpPr txBox="1">
-                <a:spLocks noRot="1" noChangeAspect="1" noMove="1" noResize="1" noEditPoints="1" noAdjustHandles="1" noChangeArrowheads="1" noChangeShapeType="1" noTextEdit="1"/>
-              </p:cNvSpPr>
-              <p:nvPr/>
-            </p:nvSpPr>
-            <p:spPr>
-              <a:xfrm>
-                <a:off x="4589549" y="1703379"/>
-                <a:ext cx="506292" cy="369332"/>
-              </a:xfrm>
-              <a:prstGeom prst="rect">
-                <a:avLst/>
-              </a:prstGeom>
-              <a:blipFill>
-                <a:blip r:embed="rId2"/>
-                <a:stretch>
-                  <a:fillRect/>
-                </a:stretch>
-              </a:blipFill>
-            </p:spPr>
-            <p:txBody>
-              <a:bodyPr/>
-              <a:lstStyle/>
-              <a:p>
-                <a:r>
-                  <a:rPr lang="en-US">
-                    <a:noFill/>
-                  </a:rPr>
-                  <a:t> </a:t>
-                </a:r>
-              </a:p>
-            </p:txBody>
-          </p:sp>
-        </mc:Fallback>
-      </mc:AlternateContent>
-      <mc:AlternateContent xmlns:mc="http://schemas.openxmlformats.org/markup-compatibility/2006">
-        <mc:Choice xmlns:a14="http://schemas.microsoft.com/office/drawing/2010/main" Requires="a14">
-          <p:sp>
-            <p:nvSpPr>
-              <p:cNvPr id="13" name="TextBox 12">
-                <a:extLst>
-                  <a:ext uri="{FF2B5EF4-FFF2-40B4-BE49-F238E27FC236}">
-                    <a16:creationId xmlns:a16="http://schemas.microsoft.com/office/drawing/2014/main" id="{94E60FAD-4D87-4B19-A081-563E54C7E8C0}"/>
-                  </a:ext>
-                </a:extLst>
-              </p:cNvPr>
-              <p:cNvSpPr txBox="1"/>
-              <p:nvPr/>
-            </p:nvSpPr>
-            <p:spPr>
-              <a:xfrm>
-                <a:off x="4460855" y="3341669"/>
-                <a:ext cx="511615" cy="369332"/>
-              </a:xfrm>
-              <a:prstGeom prst="rect">
-                <a:avLst/>
-              </a:prstGeom>
-              <a:noFill/>
-            </p:spPr>
-            <p:txBody>
-              <a:bodyPr wrap="none" rtlCol="0">
-                <a:spAutoFit/>
-              </a:bodyPr>
-              <a:lstStyle/>
-              <a:p>
-                <a:pPr/>
-                <a14:m>
-                  <m:oMathPara xmlns:m="http://schemas.openxmlformats.org/officeDocument/2006/math">
-                    <m:oMathParaPr>
-                      <m:jc m:val="centerGroup"/>
-                    </m:oMathParaPr>
-                    <m:oMath xmlns:m="http://schemas.openxmlformats.org/officeDocument/2006/math">
-                      <m:sSub>
-                        <m:sSubPr>
-                          <m:ctrlPr>
-                            <a:rPr lang="en-US" b="0" i="1" smtClean="0">
-                              <a:latin typeface="Cambria Math" panose="02040503050406030204" pitchFamily="18" charset="0"/>
-                            </a:rPr>
-                          </m:ctrlPr>
-                        </m:sSubPr>
-                        <m:e>
-                          <m:r>
-                            <a:rPr lang="en-US" b="0" i="1" smtClean="0">
-                              <a:latin typeface="Cambria Math" panose="02040503050406030204" pitchFamily="18" charset="0"/>
-                            </a:rPr>
-                            <m:t>𝜔</m:t>
-                          </m:r>
-                        </m:e>
-                        <m:sub>
-                          <m:r>
-                            <a:rPr lang="en-US" b="0" i="1" smtClean="0">
-                              <a:latin typeface="Cambria Math" panose="02040503050406030204" pitchFamily="18" charset="0"/>
-                            </a:rPr>
-                            <m:t>2</m:t>
-                          </m:r>
-                        </m:sub>
-                      </m:sSub>
-                    </m:oMath>
-                  </m:oMathPara>
-                </a14:m>
-                <a:endParaRPr lang="en-US" dirty="0"/>
-              </a:p>
-            </p:txBody>
-          </p:sp>
-        </mc:Choice>
-        <mc:Fallback>
-          <p:sp>
-            <p:nvSpPr>
-              <p:cNvPr id="13" name="TextBox 12">
-                <a:extLst>
-                  <a:ext uri="{FF2B5EF4-FFF2-40B4-BE49-F238E27FC236}">
-                    <a16:creationId xmlns:a16="http://schemas.microsoft.com/office/drawing/2014/main" id="{94E60FAD-4D87-4B19-A081-563E54C7E8C0}"/>
-                  </a:ext>
-                </a:extLst>
-              </p:cNvPr>
-              <p:cNvSpPr txBox="1">
-                <a:spLocks noRot="1" noChangeAspect="1" noMove="1" noResize="1" noEditPoints="1" noAdjustHandles="1" noChangeArrowheads="1" noChangeShapeType="1" noTextEdit="1"/>
-              </p:cNvSpPr>
-              <p:nvPr/>
-            </p:nvSpPr>
-            <p:spPr>
-              <a:xfrm>
-                <a:off x="4460855" y="3341669"/>
-                <a:ext cx="511615" cy="369332"/>
-              </a:xfrm>
-              <a:prstGeom prst="rect">
-                <a:avLst/>
-              </a:prstGeom>
-              <a:blipFill>
-                <a:blip r:embed="rId3"/>
-                <a:stretch>
-                  <a:fillRect/>
-                </a:stretch>
-              </a:blipFill>
-            </p:spPr>
-            <p:txBody>
-              <a:bodyPr/>
-              <a:lstStyle/>
-              <a:p>
-                <a:r>
-                  <a:rPr lang="en-US">
-                    <a:noFill/>
-                  </a:rPr>
-                  <a:t> </a:t>
-                </a:r>
-              </a:p>
-            </p:txBody>
-          </p:sp>
-        </mc:Fallback>
-      </mc:AlternateContent>
-      <p:cxnSp>
-        <p:nvCxnSpPr>
-          <p:cNvPr id="15" name="Straight Arrow Connector 14">
-            <a:extLst>
-              <a:ext uri="{FF2B5EF4-FFF2-40B4-BE49-F238E27FC236}">
-                <a16:creationId xmlns:a16="http://schemas.microsoft.com/office/drawing/2014/main" id="{12FB0F97-5404-488C-8050-FFAEC2252E4F}"/>
-              </a:ext>
-            </a:extLst>
-          </p:cNvPr>
-          <p:cNvCxnSpPr>
-            <a:cxnSpLocks/>
-          </p:cNvCxnSpPr>
-          <p:nvPr/>
-        </p:nvCxnSpPr>
-        <p:spPr>
-          <a:xfrm>
-            <a:off x="954447" y="1811001"/>
-            <a:ext cx="1501752" cy="0"/>
-          </a:xfrm>
-          <a:prstGeom prst="straightConnector1">
-            <a:avLst/>
-          </a:prstGeom>
-          <a:ln w="38100">
-            <a:solidFill>
-              <a:srgbClr val="7030A0"/>
-            </a:solidFill>
-            <a:tailEnd type="triangle"/>
-          </a:ln>
-        </p:spPr>
-        <p:style>
-          <a:lnRef idx="1">
-            <a:schemeClr val="accent2"/>
-          </a:lnRef>
-          <a:fillRef idx="0">
-            <a:schemeClr val="accent2"/>
-          </a:fillRef>
-          <a:effectRef idx="0">
-            <a:schemeClr val="accent2"/>
-          </a:effectRef>
-          <a:fontRef idx="minor">
-            <a:schemeClr val="tx1"/>
-          </a:fontRef>
-        </p:style>
-      </p:cxnSp>
-      <p:cxnSp>
-        <p:nvCxnSpPr>
-          <p:cNvPr id="17" name="Straight Arrow Connector 16">
-            <a:extLst>
-              <a:ext uri="{FF2B5EF4-FFF2-40B4-BE49-F238E27FC236}">
-                <a16:creationId xmlns:a16="http://schemas.microsoft.com/office/drawing/2014/main" id="{69A48D9C-6725-47BB-9AD2-E10F10C13C88}"/>
-              </a:ext>
-            </a:extLst>
-          </p:cNvPr>
-          <p:cNvCxnSpPr>
-            <a:cxnSpLocks/>
-          </p:cNvCxnSpPr>
-          <p:nvPr/>
-        </p:nvCxnSpPr>
-        <p:spPr>
-          <a:xfrm>
-            <a:off x="954447" y="3658712"/>
-            <a:ext cx="1501752" cy="0"/>
-          </a:xfrm>
-          <a:prstGeom prst="straightConnector1">
-            <a:avLst/>
-          </a:prstGeom>
-          <a:ln w="38100">
-            <a:solidFill>
-              <a:srgbClr val="C00000"/>
-            </a:solidFill>
-            <a:tailEnd type="triangle"/>
-          </a:ln>
-        </p:spPr>
-        <p:style>
-          <a:lnRef idx="1">
-            <a:schemeClr val="accent2"/>
-          </a:lnRef>
-          <a:fillRef idx="0">
-            <a:schemeClr val="accent2"/>
-          </a:fillRef>
-          <a:effectRef idx="0">
-            <a:schemeClr val="accent2"/>
-          </a:effectRef>
-          <a:fontRef idx="minor">
-            <a:schemeClr val="tx1"/>
-          </a:fontRef>
-        </p:style>
-      </p:cxnSp>
-      <mc:AlternateContent xmlns:mc="http://schemas.openxmlformats.org/markup-compatibility/2006">
-        <mc:Choice xmlns:a14="http://schemas.microsoft.com/office/drawing/2010/main" Requires="a14">
-          <p:sp>
-            <p:nvSpPr>
-              <p:cNvPr id="21" name="TextBox 20">
-                <a:extLst>
-                  <a:ext uri="{FF2B5EF4-FFF2-40B4-BE49-F238E27FC236}">
-                    <a16:creationId xmlns:a16="http://schemas.microsoft.com/office/drawing/2014/main" id="{8A24169F-11D4-4136-8C19-E894EE2FFE47}"/>
-                  </a:ext>
-                </a:extLst>
-              </p:cNvPr>
-              <p:cNvSpPr txBox="1"/>
-              <p:nvPr/>
-            </p:nvSpPr>
-            <p:spPr>
-              <a:xfrm>
-                <a:off x="5633238" y="1301774"/>
-                <a:ext cx="6641869" cy="5977919"/>
-              </a:xfrm>
-              <a:prstGeom prst="rect">
-                <a:avLst/>
-              </a:prstGeom>
-              <a:noFill/>
-            </p:spPr>
-            <p:txBody>
-              <a:bodyPr wrap="square" rtlCol="0">
-                <a:spAutoFit/>
-              </a:bodyPr>
-              <a:lstStyle/>
-              <a:p>
-                <a:pPr marL="457200" indent="-457200">
-                  <a:buFont typeface="Arial" panose="020B0604020202020204" pitchFamily="34" charset="0"/>
-                  <a:buChar char="•"/>
-                </a:pPr>
-                <a:r>
-                  <a:rPr lang="en-US" sz="2800" dirty="0">
-                    <a:latin typeface="Arial" panose="020B0604020202020204" pitchFamily="34" charset="0"/>
-                    <a:cs typeface="Arial" panose="020B0604020202020204" pitchFamily="34" charset="0"/>
-                  </a:rPr>
-                  <a:t>resonant</a:t>
-                </a:r>
-              </a:p>
-              <a:p>
-                <a:pPr marL="457200" indent="-457200">
-                  <a:buFont typeface="Arial" panose="020B0604020202020204" pitchFamily="34" charset="0"/>
-                  <a:buChar char="•"/>
-                </a:pPr>
-                <a:r>
-                  <a:rPr lang="en-US" sz="2800" dirty="0" err="1">
-                    <a:latin typeface="Arial" panose="020B0604020202020204" pitchFamily="34" charset="0"/>
-                    <a:cs typeface="Arial" panose="020B0604020202020204" pitchFamily="34" charset="0"/>
-                  </a:rPr>
-                  <a:t>TMSV</a:t>
-                </a:r>
-                <a:endParaRPr lang="en-US" sz="2800" dirty="0">
-                  <a:latin typeface="Arial" panose="020B0604020202020204" pitchFamily="34" charset="0"/>
-                  <a:cs typeface="Arial" panose="020B0604020202020204" pitchFamily="34" charset="0"/>
-                </a:endParaRPr>
-              </a:p>
-              <a:p>
-                <a:pPr marL="457200" indent="-457200">
-                  <a:buFont typeface="Arial" panose="020B0604020202020204" pitchFamily="34" charset="0"/>
-                  <a:buChar char="•"/>
-                </a:pPr>
-                <a:r>
-                  <a:rPr lang="en-US" sz="2800" dirty="0">
-                    <a:latin typeface="Arial" panose="020B0604020202020204" pitchFamily="34" charset="0"/>
-                    <a:cs typeface="Arial" panose="020B0604020202020204" pitchFamily="34" charset="0"/>
-                  </a:rPr>
-                  <a:t>decay is neglected</a:t>
-                </a:r>
-              </a:p>
-              <a:p>
-                <a:endParaRPr lang="en-US" sz="2800" dirty="0">
-                  <a:latin typeface="Arial" panose="020B0604020202020204" pitchFamily="34" charset="0"/>
-                  <a:cs typeface="Arial" panose="020B0604020202020204" pitchFamily="34" charset="0"/>
-                </a:endParaRPr>
-              </a:p>
-              <a:p>
-                <a:r>
-                  <a:rPr lang="en-US" sz="2800" dirty="0">
-                    <a:latin typeface="Arial" panose="020B0604020202020204" pitchFamily="34" charset="0"/>
-                    <a:cs typeface="Arial" panose="020B0604020202020204" pitchFamily="34" charset="0"/>
-                  </a:rPr>
-                  <a:t>enhancement factor: </a:t>
-                </a:r>
-              </a:p>
-              <a:p>
-                <a:r>
-                  <a:rPr lang="en-US" sz="2800" b="0" dirty="0">
-                    <a:cs typeface="Arial" panose="020B0604020202020204" pitchFamily="34" charset="0"/>
-                  </a:rPr>
-                  <a:t>for </a:t>
-                </a:r>
-                <a:r>
-                  <a:rPr lang="en-US" sz="2800" b="0" dirty="0" err="1">
-                    <a:cs typeface="Arial" panose="020B0604020202020204" pitchFamily="34" charset="0"/>
-                  </a:rPr>
-                  <a:t>TMSV</a:t>
-                </a:r>
-                <a:r>
-                  <a:rPr lang="en-US" sz="2800" b="0" dirty="0">
-                    <a:cs typeface="Arial" panose="020B0604020202020204" pitchFamily="34" charset="0"/>
-                  </a:rPr>
-                  <a:t>, </a:t>
-                </a:r>
-                <a14:m>
-                  <m:oMath xmlns:m="http://schemas.openxmlformats.org/officeDocument/2006/math">
-                    <m:sSub>
-                      <m:sSubPr>
-                        <m:ctrlPr>
-                          <a:rPr lang="en-US" sz="2800" b="0" i="1" smtClean="0">
-                            <a:latin typeface="Cambria Math" panose="02040503050406030204" pitchFamily="18" charset="0"/>
-                            <a:cs typeface="Arial" panose="020B0604020202020204" pitchFamily="34" charset="0"/>
-                          </a:rPr>
-                        </m:ctrlPr>
-                      </m:sSubPr>
-                      <m:e>
-                        <m:r>
-                          <a:rPr lang="en-US" sz="2800" b="0" i="1" smtClean="0">
-                            <a:latin typeface="Cambria Math" panose="02040503050406030204" pitchFamily="18" charset="0"/>
-                            <a:cs typeface="Arial" panose="020B0604020202020204" pitchFamily="34" charset="0"/>
-                          </a:rPr>
-                          <m:t>𝑃</m:t>
-                        </m:r>
-                      </m:e>
-                      <m:sub>
-                        <m:r>
-                          <a:rPr lang="en-US" sz="2800" b="0" i="1" smtClean="0">
-                            <a:latin typeface="Cambria Math" panose="02040503050406030204" pitchFamily="18" charset="0"/>
-                            <a:cs typeface="Arial" panose="020B0604020202020204" pitchFamily="34" charset="0"/>
-                          </a:rPr>
-                          <m:t>𝑒</m:t>
-                        </m:r>
-                      </m:sub>
-                    </m:sSub>
-                    <m:r>
-                      <a:rPr lang="en-US" sz="2800" b="0" i="1" smtClean="0">
-                        <a:latin typeface="Cambria Math" panose="02040503050406030204" pitchFamily="18" charset="0"/>
-                        <a:cs typeface="Arial" panose="020B0604020202020204" pitchFamily="34" charset="0"/>
-                      </a:rPr>
-                      <m:t>=</m:t>
-                    </m:r>
-                    <m:f>
-                      <m:fPr>
-                        <m:ctrlPr>
-                          <a:rPr lang="en-US" sz="2800" b="0" i="1" smtClean="0">
-                            <a:latin typeface="Cambria Math" panose="02040503050406030204" pitchFamily="18" charset="0"/>
-                            <a:cs typeface="Arial" panose="020B0604020202020204" pitchFamily="34" charset="0"/>
-                          </a:rPr>
-                        </m:ctrlPr>
-                      </m:fPr>
-                      <m:num>
-                        <m:sSup>
-                          <m:sSupPr>
-                            <m:ctrlPr>
-                              <a:rPr lang="en-US" sz="2800" b="0" i="1" smtClean="0">
-                                <a:latin typeface="Cambria Math" panose="02040503050406030204" pitchFamily="18" charset="0"/>
-                                <a:cs typeface="Arial" panose="020B0604020202020204" pitchFamily="34" charset="0"/>
-                              </a:rPr>
-                            </m:ctrlPr>
-                          </m:sSupPr>
-                          <m:e>
-                            <m:r>
-                              <a:rPr lang="en-US" sz="2800" b="0" i="1" smtClean="0">
-                                <a:latin typeface="Cambria Math" panose="02040503050406030204" pitchFamily="18" charset="0"/>
-                                <a:cs typeface="Arial" panose="020B0604020202020204" pitchFamily="34" charset="0"/>
-                              </a:rPr>
-                              <m:t>𝑡</m:t>
-                            </m:r>
-                          </m:e>
-                          <m:sup>
-                            <m:r>
-                              <a:rPr lang="en-US" sz="2800" b="0" i="1" smtClean="0">
-                                <a:latin typeface="Cambria Math" panose="02040503050406030204" pitchFamily="18" charset="0"/>
-                                <a:cs typeface="Arial" panose="020B0604020202020204" pitchFamily="34" charset="0"/>
-                              </a:rPr>
-                              <m:t>4</m:t>
-                            </m:r>
-                          </m:sup>
-                        </m:sSup>
-                      </m:num>
-                      <m:den>
-                        <m:r>
-                          <a:rPr lang="en-US" sz="2800" b="0" i="1" smtClean="0">
-                            <a:latin typeface="Cambria Math" panose="02040503050406030204" pitchFamily="18" charset="0"/>
-                            <a:cs typeface="Arial" panose="020B0604020202020204" pitchFamily="34" charset="0"/>
-                          </a:rPr>
-                          <m:t>4</m:t>
-                        </m:r>
-                      </m:den>
-                    </m:f>
-                    <m:sSubSup>
-                      <m:sSubSupPr>
-                        <m:ctrlPr>
-                          <a:rPr lang="en-US" sz="2800" b="0" i="1" smtClean="0">
-                            <a:latin typeface="Cambria Math" panose="02040503050406030204" pitchFamily="18" charset="0"/>
-                            <a:cs typeface="Arial" panose="020B0604020202020204" pitchFamily="34" charset="0"/>
-                          </a:rPr>
-                        </m:ctrlPr>
-                      </m:sSubSupPr>
-                      <m:e>
-                        <m:r>
-                          <a:rPr lang="en-US" sz="2800" b="0" i="1" smtClean="0">
-                            <a:latin typeface="Cambria Math" panose="02040503050406030204" pitchFamily="18" charset="0"/>
-                            <a:cs typeface="Arial" panose="020B0604020202020204" pitchFamily="34" charset="0"/>
-                          </a:rPr>
-                          <m:t>𝑔</m:t>
-                        </m:r>
-                      </m:e>
-                      <m:sub>
-                        <m:r>
-                          <a:rPr lang="en-US" sz="2800" b="0" i="1" smtClean="0">
-                            <a:latin typeface="Cambria Math" panose="02040503050406030204" pitchFamily="18" charset="0"/>
-                            <a:cs typeface="Arial" panose="020B0604020202020204" pitchFamily="34" charset="0"/>
-                          </a:rPr>
-                          <m:t>𝑒𝑚</m:t>
-                        </m:r>
-                      </m:sub>
-                      <m:sup>
-                        <m:r>
-                          <a:rPr lang="en-US" sz="2800" b="0" i="1" smtClean="0">
-                            <a:latin typeface="Cambria Math" panose="02040503050406030204" pitchFamily="18" charset="0"/>
-                            <a:cs typeface="Arial" panose="020B0604020202020204" pitchFamily="34" charset="0"/>
-                          </a:rPr>
-                          <m:t>2</m:t>
-                        </m:r>
-                      </m:sup>
-                    </m:sSubSup>
-                    <m:sSubSup>
-                      <m:sSubSupPr>
-                        <m:ctrlPr>
-                          <a:rPr lang="en-US" sz="2800" b="0" i="1" smtClean="0">
-                            <a:latin typeface="Cambria Math" panose="02040503050406030204" pitchFamily="18" charset="0"/>
-                            <a:cs typeface="Arial" panose="020B0604020202020204" pitchFamily="34" charset="0"/>
-                          </a:rPr>
-                        </m:ctrlPr>
-                      </m:sSubSupPr>
-                      <m:e>
-                        <m:r>
-                          <a:rPr lang="en-US" sz="2800" b="0" i="1" smtClean="0">
-                            <a:latin typeface="Cambria Math" panose="02040503050406030204" pitchFamily="18" charset="0"/>
-                            <a:cs typeface="Arial" panose="020B0604020202020204" pitchFamily="34" charset="0"/>
-                          </a:rPr>
-                          <m:t>𝑔</m:t>
-                        </m:r>
-                      </m:e>
-                      <m:sub>
-                        <m:r>
-                          <a:rPr lang="en-US" sz="2800" b="0" i="1" smtClean="0">
-                            <a:latin typeface="Cambria Math" panose="02040503050406030204" pitchFamily="18" charset="0"/>
-                            <a:cs typeface="Arial" panose="020B0604020202020204" pitchFamily="34" charset="0"/>
-                          </a:rPr>
-                          <m:t>𝑚𝑔</m:t>
-                        </m:r>
-                      </m:sub>
-                      <m:sup>
-                        <m:r>
-                          <a:rPr lang="en-US" sz="2800" b="0" i="1" smtClean="0">
-                            <a:latin typeface="Cambria Math" panose="02040503050406030204" pitchFamily="18" charset="0"/>
-                            <a:cs typeface="Arial" panose="020B0604020202020204" pitchFamily="34" charset="0"/>
-                          </a:rPr>
-                          <m:t>2</m:t>
-                        </m:r>
-                      </m:sup>
-                    </m:sSubSup>
-                    <m:r>
-                      <a:rPr lang="en-US" sz="2800" b="0" i="1" smtClean="0">
-                        <a:latin typeface="Cambria Math" panose="02040503050406030204" pitchFamily="18" charset="0"/>
-                        <a:cs typeface="Arial" panose="020B0604020202020204" pitchFamily="34" charset="0"/>
-                      </a:rPr>
-                      <m:t>𝑠</m:t>
-                    </m:r>
-                    <m:sSup>
-                      <m:sSupPr>
-                        <m:ctrlPr>
-                          <a:rPr lang="en-US" sz="2800" b="0" i="1" smtClean="0">
-                            <a:latin typeface="Cambria Math" panose="02040503050406030204" pitchFamily="18" charset="0"/>
-                            <a:cs typeface="Arial" panose="020B0604020202020204" pitchFamily="34" charset="0"/>
-                          </a:rPr>
-                        </m:ctrlPr>
-                      </m:sSupPr>
-                      <m:e>
-                        <m:r>
-                          <a:rPr lang="en-US" sz="2800" b="0" i="1" smtClean="0">
-                            <a:latin typeface="Cambria Math" panose="02040503050406030204" pitchFamily="18" charset="0"/>
-                            <a:cs typeface="Arial" panose="020B0604020202020204" pitchFamily="34" charset="0"/>
-                          </a:rPr>
-                          <m:t>h</m:t>
-                        </m:r>
-                      </m:e>
-                      <m:sup>
-                        <m:r>
-                          <a:rPr lang="en-US" sz="2800" b="0" i="1" smtClean="0">
-                            <a:latin typeface="Cambria Math" panose="02040503050406030204" pitchFamily="18" charset="0"/>
-                            <a:cs typeface="Arial" panose="020B0604020202020204" pitchFamily="34" charset="0"/>
-                          </a:rPr>
-                          <m:t>2</m:t>
-                        </m:r>
-                      </m:sup>
-                    </m:sSup>
-                    <m:r>
-                      <a:rPr lang="en-US" sz="2800" b="0" i="1" smtClean="0">
-                        <a:latin typeface="Cambria Math" panose="02040503050406030204" pitchFamily="18" charset="0"/>
-                        <a:cs typeface="Arial" panose="020B0604020202020204" pitchFamily="34" charset="0"/>
-                      </a:rPr>
-                      <m:t>(</m:t>
-                    </m:r>
-                    <m:r>
-                      <a:rPr lang="en-US" sz="2800" b="0" i="1" smtClean="0">
-                        <a:latin typeface="Cambria Math" panose="02040503050406030204" pitchFamily="18" charset="0"/>
-                        <a:cs typeface="Arial" panose="020B0604020202020204" pitchFamily="34" charset="0"/>
-                      </a:rPr>
-                      <m:t>𝑠</m:t>
-                    </m:r>
-                    <m:sSup>
-                      <m:sSupPr>
-                        <m:ctrlPr>
-                          <a:rPr lang="en-US" sz="2800" b="0" i="1" smtClean="0">
-                            <a:latin typeface="Cambria Math" panose="02040503050406030204" pitchFamily="18" charset="0"/>
-                            <a:cs typeface="Arial" panose="020B0604020202020204" pitchFamily="34" charset="0"/>
-                          </a:rPr>
-                        </m:ctrlPr>
-                      </m:sSupPr>
-                      <m:e>
-                        <m:r>
-                          <a:rPr lang="en-US" sz="2800" b="0" i="1" smtClean="0">
-                            <a:latin typeface="Cambria Math" panose="02040503050406030204" pitchFamily="18" charset="0"/>
-                            <a:cs typeface="Arial" panose="020B0604020202020204" pitchFamily="34" charset="0"/>
-                          </a:rPr>
-                          <m:t>h</m:t>
-                        </m:r>
-                      </m:e>
-                      <m:sup>
-                        <m:r>
-                          <a:rPr lang="en-US" sz="2800" b="0" i="1" smtClean="0">
-                            <a:latin typeface="Cambria Math" panose="02040503050406030204" pitchFamily="18" charset="0"/>
-                            <a:cs typeface="Arial" panose="020B0604020202020204" pitchFamily="34" charset="0"/>
-                          </a:rPr>
-                          <m:t>2</m:t>
-                        </m:r>
-                      </m:sup>
-                    </m:sSup>
-                    <m:r>
-                      <a:rPr lang="en-US" sz="2800" b="0" i="1" smtClean="0">
-                        <a:latin typeface="Cambria Math" panose="02040503050406030204" pitchFamily="18" charset="0"/>
-                        <a:cs typeface="Arial" panose="020B0604020202020204" pitchFamily="34" charset="0"/>
-                      </a:rPr>
-                      <m:t>+</m:t>
-                    </m:r>
-                    <m:r>
-                      <a:rPr lang="en-US" sz="2800" b="0" i="1" smtClean="0">
-                        <a:latin typeface="Cambria Math" panose="02040503050406030204" pitchFamily="18" charset="0"/>
-                        <a:cs typeface="Arial" panose="020B0604020202020204" pitchFamily="34" charset="0"/>
-                      </a:rPr>
-                      <m:t>𝑐</m:t>
-                    </m:r>
-                    <m:sSup>
-                      <m:sSupPr>
-                        <m:ctrlPr>
-                          <a:rPr lang="en-US" sz="2800" b="0" i="1" smtClean="0">
-                            <a:latin typeface="Cambria Math" panose="02040503050406030204" pitchFamily="18" charset="0"/>
-                            <a:cs typeface="Arial" panose="020B0604020202020204" pitchFamily="34" charset="0"/>
-                          </a:rPr>
-                        </m:ctrlPr>
-                      </m:sSupPr>
-                      <m:e>
-                        <m:r>
-                          <a:rPr lang="en-US" sz="2800" b="0" i="1" smtClean="0">
-                            <a:latin typeface="Cambria Math" panose="02040503050406030204" pitchFamily="18" charset="0"/>
-                            <a:cs typeface="Arial" panose="020B0604020202020204" pitchFamily="34" charset="0"/>
-                          </a:rPr>
-                          <m:t>h</m:t>
-                        </m:r>
-                      </m:e>
-                      <m:sup>
-                        <m:r>
-                          <a:rPr lang="en-US" sz="2800" b="0" i="1" smtClean="0">
-                            <a:latin typeface="Cambria Math" panose="02040503050406030204" pitchFamily="18" charset="0"/>
-                            <a:cs typeface="Arial" panose="020B0604020202020204" pitchFamily="34" charset="0"/>
-                          </a:rPr>
-                          <m:t>2</m:t>
-                        </m:r>
-                      </m:sup>
-                    </m:sSup>
-                    <m:r>
-                      <a:rPr lang="en-US" sz="2800" b="0" i="1" smtClean="0">
-                        <a:latin typeface="Cambria Math" panose="02040503050406030204" pitchFamily="18" charset="0"/>
-                        <a:cs typeface="Arial" panose="020B0604020202020204" pitchFamily="34" charset="0"/>
-                      </a:rPr>
-                      <m:t>)</m:t>
-                    </m:r>
-                  </m:oMath>
-                </a14:m>
-                <a:endParaRPr lang="en-US" sz="2800" dirty="0">
-                  <a:latin typeface="Arial" panose="020B0604020202020204" pitchFamily="34" charset="0"/>
-                  <a:cs typeface="Arial" panose="020B0604020202020204" pitchFamily="34" charset="0"/>
-                </a:endParaRPr>
-              </a:p>
-              <a:p>
-                <a:r>
-                  <a:rPr lang="en-US" sz="2800" dirty="0">
-                    <a:latin typeface="Arial" panose="020B0604020202020204" pitchFamily="34" charset="0"/>
-                    <a:cs typeface="Arial" panose="020B0604020202020204" pitchFamily="34" charset="0"/>
-                  </a:rPr>
-                  <a:t>for </a:t>
-                </a:r>
-                <a14:m>
-                  <m:oMath xmlns:m="http://schemas.openxmlformats.org/officeDocument/2006/math">
-                    <m:d>
-                      <m:dPr>
-                        <m:begChr m:val="|"/>
-                        <m:endChr m:val="⟩"/>
-                        <m:ctrlPr>
-                          <a:rPr lang="en-US" sz="2800" b="0" i="1" smtClean="0">
-                            <a:latin typeface="Cambria Math" panose="02040503050406030204" pitchFamily="18" charset="0"/>
-                            <a:cs typeface="Arial" panose="020B0604020202020204" pitchFamily="34" charset="0"/>
-                          </a:rPr>
-                        </m:ctrlPr>
-                      </m:dPr>
-                      <m:e>
-                        <m:r>
-                          <a:rPr lang="en-US" sz="2800" b="0" i="1" smtClean="0">
-                            <a:latin typeface="Cambria Math" panose="02040503050406030204" pitchFamily="18" charset="0"/>
-                            <a:cs typeface="Arial" panose="020B0604020202020204" pitchFamily="34" charset="0"/>
-                          </a:rPr>
-                          <m:t>𝑠h</m:t>
-                        </m:r>
-                        <m:r>
-                          <a:rPr lang="en-US" sz="2800" b="0" i="1" smtClean="0">
-                            <a:latin typeface="Cambria Math" panose="02040503050406030204" pitchFamily="18" charset="0"/>
-                            <a:cs typeface="Arial" panose="020B0604020202020204" pitchFamily="34" charset="0"/>
-                          </a:rPr>
-                          <m:t>,</m:t>
-                        </m:r>
-                        <m:r>
-                          <a:rPr lang="en-US" sz="2800" b="0" i="1" smtClean="0">
-                            <a:latin typeface="Cambria Math" panose="02040503050406030204" pitchFamily="18" charset="0"/>
-                            <a:cs typeface="Arial" panose="020B0604020202020204" pitchFamily="34" charset="0"/>
-                          </a:rPr>
-                          <m:t>𝑠h</m:t>
-                        </m:r>
-                      </m:e>
-                    </m:d>
-                    <m:r>
-                      <a:rPr lang="en-US" sz="2800" b="0" i="1" smtClean="0">
-                        <a:latin typeface="Cambria Math" panose="02040503050406030204" pitchFamily="18" charset="0"/>
-                        <a:cs typeface="Arial" panose="020B0604020202020204" pitchFamily="34" charset="0"/>
-                      </a:rPr>
-                      <m:t>, </m:t>
-                    </m:r>
-                    <m:sSub>
-                      <m:sSubPr>
-                        <m:ctrlPr>
-                          <a:rPr lang="en-US" sz="2800" b="0" i="1" smtClean="0">
-                            <a:latin typeface="Cambria Math" panose="02040503050406030204" pitchFamily="18" charset="0"/>
-                            <a:cs typeface="Arial" panose="020B0604020202020204" pitchFamily="34" charset="0"/>
-                          </a:rPr>
-                        </m:ctrlPr>
-                      </m:sSubPr>
-                      <m:e>
-                        <m:r>
-                          <a:rPr lang="en-US" sz="2800" b="0" i="1" smtClean="0">
-                            <a:latin typeface="Cambria Math" panose="02040503050406030204" pitchFamily="18" charset="0"/>
-                            <a:cs typeface="Arial" panose="020B0604020202020204" pitchFamily="34" charset="0"/>
-                          </a:rPr>
-                          <m:t>𝑃</m:t>
-                        </m:r>
-                      </m:e>
-                      <m:sub>
-                        <m:r>
-                          <a:rPr lang="en-US" sz="2800" b="0" i="1" smtClean="0">
-                            <a:latin typeface="Cambria Math" panose="02040503050406030204" pitchFamily="18" charset="0"/>
-                            <a:cs typeface="Arial" panose="020B0604020202020204" pitchFamily="34" charset="0"/>
-                          </a:rPr>
-                          <m:t>𝑒</m:t>
-                        </m:r>
-                      </m:sub>
-                    </m:sSub>
-                    <m:r>
-                      <a:rPr lang="en-US" sz="2800" b="0" i="1" smtClean="0">
-                        <a:latin typeface="Cambria Math" panose="02040503050406030204" pitchFamily="18" charset="0"/>
-                        <a:cs typeface="Arial" panose="020B0604020202020204" pitchFamily="34" charset="0"/>
-                      </a:rPr>
-                      <m:t>=</m:t>
-                    </m:r>
-                    <m:f>
-                      <m:fPr>
-                        <m:ctrlPr>
-                          <a:rPr lang="en-US" sz="2800" b="0" i="1" smtClean="0">
-                            <a:latin typeface="Cambria Math" panose="02040503050406030204" pitchFamily="18" charset="0"/>
-                            <a:cs typeface="Arial" panose="020B0604020202020204" pitchFamily="34" charset="0"/>
-                          </a:rPr>
-                        </m:ctrlPr>
-                      </m:fPr>
-                      <m:num>
-                        <m:sSup>
-                          <m:sSupPr>
-                            <m:ctrlPr>
-                              <a:rPr lang="en-US" sz="2800" b="0" i="1" smtClean="0">
-                                <a:latin typeface="Cambria Math" panose="02040503050406030204" pitchFamily="18" charset="0"/>
-                                <a:cs typeface="Arial" panose="020B0604020202020204" pitchFamily="34" charset="0"/>
-                              </a:rPr>
-                            </m:ctrlPr>
-                          </m:sSupPr>
-                          <m:e>
-                            <m:r>
-                              <a:rPr lang="en-US" sz="2800" b="0" i="1" smtClean="0">
-                                <a:latin typeface="Cambria Math" panose="02040503050406030204" pitchFamily="18" charset="0"/>
-                                <a:cs typeface="Arial" panose="020B0604020202020204" pitchFamily="34" charset="0"/>
-                              </a:rPr>
-                              <m:t>𝑡</m:t>
-                            </m:r>
-                          </m:e>
-                          <m:sup>
-                            <m:r>
-                              <a:rPr lang="en-US" sz="2800" b="0" i="1" smtClean="0">
-                                <a:latin typeface="Cambria Math" panose="02040503050406030204" pitchFamily="18" charset="0"/>
-                                <a:cs typeface="Arial" panose="020B0604020202020204" pitchFamily="34" charset="0"/>
-                              </a:rPr>
-                              <m:t>4</m:t>
-                            </m:r>
-                          </m:sup>
-                        </m:sSup>
-                      </m:num>
-                      <m:den>
-                        <m:r>
-                          <a:rPr lang="en-US" sz="2800" b="0" i="1" smtClean="0">
-                            <a:latin typeface="Cambria Math" panose="02040503050406030204" pitchFamily="18" charset="0"/>
-                            <a:cs typeface="Arial" panose="020B0604020202020204" pitchFamily="34" charset="0"/>
-                          </a:rPr>
-                          <m:t>4</m:t>
-                        </m:r>
-                      </m:den>
-                    </m:f>
-                    <m:sSubSup>
-                      <m:sSubSupPr>
-                        <m:ctrlPr>
-                          <a:rPr lang="en-US" sz="2800" b="0" i="1" smtClean="0">
-                            <a:latin typeface="Cambria Math" panose="02040503050406030204" pitchFamily="18" charset="0"/>
-                            <a:cs typeface="Arial" panose="020B0604020202020204" pitchFamily="34" charset="0"/>
-                          </a:rPr>
-                        </m:ctrlPr>
-                      </m:sSubSupPr>
-                      <m:e>
-                        <m:r>
-                          <a:rPr lang="en-US" sz="2800" b="0" i="1" smtClean="0">
-                            <a:latin typeface="Cambria Math" panose="02040503050406030204" pitchFamily="18" charset="0"/>
-                            <a:cs typeface="Arial" panose="020B0604020202020204" pitchFamily="34" charset="0"/>
-                          </a:rPr>
-                          <m:t>𝑔</m:t>
-                        </m:r>
-                      </m:e>
-                      <m:sub>
-                        <m:r>
-                          <a:rPr lang="en-US" sz="2800" b="0" i="1" smtClean="0">
-                            <a:latin typeface="Cambria Math" panose="02040503050406030204" pitchFamily="18" charset="0"/>
-                            <a:cs typeface="Arial" panose="020B0604020202020204" pitchFamily="34" charset="0"/>
-                          </a:rPr>
-                          <m:t>𝑒𝑚</m:t>
-                        </m:r>
-                      </m:sub>
-                      <m:sup>
-                        <m:r>
-                          <a:rPr lang="en-US" sz="2800" b="0" i="1" smtClean="0">
-                            <a:latin typeface="Cambria Math" panose="02040503050406030204" pitchFamily="18" charset="0"/>
-                            <a:cs typeface="Arial" panose="020B0604020202020204" pitchFamily="34" charset="0"/>
-                          </a:rPr>
-                          <m:t>2</m:t>
-                        </m:r>
-                      </m:sup>
-                    </m:sSubSup>
-                    <m:sSubSup>
-                      <m:sSubSupPr>
-                        <m:ctrlPr>
-                          <a:rPr lang="en-US" sz="2800" b="0" i="1" smtClean="0">
-                            <a:latin typeface="Cambria Math" panose="02040503050406030204" pitchFamily="18" charset="0"/>
-                            <a:cs typeface="Arial" panose="020B0604020202020204" pitchFamily="34" charset="0"/>
-                          </a:rPr>
-                        </m:ctrlPr>
-                      </m:sSubSupPr>
-                      <m:e>
-                        <m:r>
-                          <a:rPr lang="en-US" sz="2800" b="0" i="1" smtClean="0">
-                            <a:latin typeface="Cambria Math" panose="02040503050406030204" pitchFamily="18" charset="0"/>
-                            <a:cs typeface="Arial" panose="020B0604020202020204" pitchFamily="34" charset="0"/>
-                          </a:rPr>
-                          <m:t>𝑔</m:t>
-                        </m:r>
-                      </m:e>
-                      <m:sub>
-                        <m:r>
-                          <a:rPr lang="en-US" sz="2800" b="0" i="1" smtClean="0">
-                            <a:latin typeface="Cambria Math" panose="02040503050406030204" pitchFamily="18" charset="0"/>
-                            <a:cs typeface="Arial" panose="020B0604020202020204" pitchFamily="34" charset="0"/>
-                          </a:rPr>
-                          <m:t>𝑚𝑔</m:t>
-                        </m:r>
-                      </m:sub>
-                      <m:sup>
-                        <m:r>
-                          <a:rPr lang="en-US" sz="2800" b="0" i="1" smtClean="0">
-                            <a:latin typeface="Cambria Math" panose="02040503050406030204" pitchFamily="18" charset="0"/>
-                            <a:cs typeface="Arial" panose="020B0604020202020204" pitchFamily="34" charset="0"/>
-                          </a:rPr>
-                          <m:t>2</m:t>
-                        </m:r>
-                      </m:sup>
-                    </m:sSubSup>
-                    <m:r>
-                      <a:rPr lang="en-US" sz="2800" b="0" i="1" smtClean="0">
-                        <a:latin typeface="Cambria Math" panose="02040503050406030204" pitchFamily="18" charset="0"/>
-                        <a:cs typeface="Arial" panose="020B0604020202020204" pitchFamily="34" charset="0"/>
-                      </a:rPr>
-                      <m:t>𝑠</m:t>
-                    </m:r>
-                    <m:sSup>
-                      <m:sSupPr>
-                        <m:ctrlPr>
-                          <a:rPr lang="en-US" sz="2800" b="0" i="1" smtClean="0">
-                            <a:latin typeface="Cambria Math" panose="02040503050406030204" pitchFamily="18" charset="0"/>
-                            <a:cs typeface="Arial" panose="020B0604020202020204" pitchFamily="34" charset="0"/>
-                          </a:rPr>
-                        </m:ctrlPr>
-                      </m:sSupPr>
-                      <m:e>
-                        <m:r>
-                          <a:rPr lang="en-US" sz="2800" b="0" i="1" smtClean="0">
-                            <a:latin typeface="Cambria Math" panose="02040503050406030204" pitchFamily="18" charset="0"/>
-                            <a:cs typeface="Arial" panose="020B0604020202020204" pitchFamily="34" charset="0"/>
-                          </a:rPr>
-                          <m:t>h</m:t>
-                        </m:r>
-                      </m:e>
-                      <m:sup>
-                        <m:r>
-                          <a:rPr lang="en-US" sz="2800" b="0" i="1" smtClean="0">
-                            <a:latin typeface="Cambria Math" panose="02040503050406030204" pitchFamily="18" charset="0"/>
-                            <a:cs typeface="Arial" panose="020B0604020202020204" pitchFamily="34" charset="0"/>
-                          </a:rPr>
-                          <m:t>4</m:t>
-                        </m:r>
-                      </m:sup>
-                    </m:sSup>
-                  </m:oMath>
-                </a14:m>
-                <a:endParaRPr lang="en-US" sz="2800" dirty="0">
-                  <a:latin typeface="Arial" panose="020B0604020202020204" pitchFamily="34" charset="0"/>
-                  <a:cs typeface="Arial" panose="020B0604020202020204" pitchFamily="34" charset="0"/>
-                </a:endParaRPr>
-              </a:p>
-              <a:p>
-                <a:r>
-                  <a:rPr lang="en-US" sz="2800" dirty="0">
-                    <a:latin typeface="Arial" panose="020B0604020202020204" pitchFamily="34" charset="0"/>
-                    <a:cs typeface="Arial" panose="020B0604020202020204" pitchFamily="34" charset="0"/>
-                  </a:rPr>
-                  <a:t>enhancement: </a:t>
-                </a:r>
-                <a14:m>
-                  <m:oMath xmlns:m="http://schemas.openxmlformats.org/officeDocument/2006/math">
-                    <m:f>
-                      <m:fPr>
-                        <m:ctrlPr>
-                          <a:rPr lang="en-US" sz="2800" b="0" i="1" smtClean="0">
-                            <a:latin typeface="Cambria Math" panose="02040503050406030204" pitchFamily="18" charset="0"/>
-                            <a:cs typeface="Arial" panose="020B0604020202020204" pitchFamily="34" charset="0"/>
-                          </a:rPr>
-                        </m:ctrlPr>
-                      </m:fPr>
-                      <m:num>
-                        <m:r>
-                          <a:rPr lang="en-US" sz="2800" b="0" i="1" smtClean="0">
-                            <a:latin typeface="Cambria Math" panose="02040503050406030204" pitchFamily="18" charset="0"/>
-                            <a:cs typeface="Arial" panose="020B0604020202020204" pitchFamily="34" charset="0"/>
-                          </a:rPr>
-                          <m:t>𝑠</m:t>
-                        </m:r>
-                        <m:sSup>
-                          <m:sSupPr>
-                            <m:ctrlPr>
-                              <a:rPr lang="en-US" sz="2800" b="0" i="1" smtClean="0">
-                                <a:latin typeface="Cambria Math" panose="02040503050406030204" pitchFamily="18" charset="0"/>
-                                <a:cs typeface="Arial" panose="020B0604020202020204" pitchFamily="34" charset="0"/>
-                              </a:rPr>
-                            </m:ctrlPr>
-                          </m:sSupPr>
-                          <m:e>
-                            <m:r>
-                              <a:rPr lang="en-US" sz="2800" b="0" i="1" smtClean="0">
-                                <a:latin typeface="Cambria Math" panose="02040503050406030204" pitchFamily="18" charset="0"/>
-                                <a:cs typeface="Arial" panose="020B0604020202020204" pitchFamily="34" charset="0"/>
-                              </a:rPr>
-                              <m:t>h</m:t>
-                            </m:r>
-                          </m:e>
-                          <m:sup>
-                            <m:r>
-                              <a:rPr lang="en-US" sz="2800" b="0" i="1" smtClean="0">
-                                <a:latin typeface="Cambria Math" panose="02040503050406030204" pitchFamily="18" charset="0"/>
-                                <a:cs typeface="Arial" panose="020B0604020202020204" pitchFamily="34" charset="0"/>
-                              </a:rPr>
-                              <m:t>2</m:t>
-                            </m:r>
-                          </m:sup>
-                        </m:sSup>
-                        <m:r>
-                          <a:rPr lang="en-US" sz="2800" b="0" i="1" smtClean="0">
-                            <a:latin typeface="Cambria Math" panose="02040503050406030204" pitchFamily="18" charset="0"/>
-                            <a:cs typeface="Arial" panose="020B0604020202020204" pitchFamily="34" charset="0"/>
-                          </a:rPr>
-                          <m:t>+</m:t>
-                        </m:r>
-                        <m:r>
-                          <a:rPr lang="en-US" sz="2800" b="0" i="1" smtClean="0">
-                            <a:latin typeface="Cambria Math" panose="02040503050406030204" pitchFamily="18" charset="0"/>
-                            <a:cs typeface="Arial" panose="020B0604020202020204" pitchFamily="34" charset="0"/>
-                          </a:rPr>
-                          <m:t>𝑐</m:t>
-                        </m:r>
-                        <m:sSup>
-                          <m:sSupPr>
-                            <m:ctrlPr>
-                              <a:rPr lang="en-US" sz="2800" b="0" i="1" smtClean="0">
-                                <a:latin typeface="Cambria Math" panose="02040503050406030204" pitchFamily="18" charset="0"/>
-                                <a:cs typeface="Arial" panose="020B0604020202020204" pitchFamily="34" charset="0"/>
-                              </a:rPr>
-                            </m:ctrlPr>
-                          </m:sSupPr>
-                          <m:e>
-                            <m:r>
-                              <a:rPr lang="en-US" sz="2800" b="0" i="1" smtClean="0">
-                                <a:latin typeface="Cambria Math" panose="02040503050406030204" pitchFamily="18" charset="0"/>
-                                <a:cs typeface="Arial" panose="020B0604020202020204" pitchFamily="34" charset="0"/>
-                              </a:rPr>
-                              <m:t>h</m:t>
-                            </m:r>
-                          </m:e>
-                          <m:sup>
-                            <m:r>
-                              <a:rPr lang="en-US" sz="2800" b="0" i="1" smtClean="0">
-                                <a:latin typeface="Cambria Math" panose="02040503050406030204" pitchFamily="18" charset="0"/>
-                                <a:cs typeface="Arial" panose="020B0604020202020204" pitchFamily="34" charset="0"/>
-                              </a:rPr>
-                              <m:t>2</m:t>
-                            </m:r>
-                          </m:sup>
-                        </m:sSup>
-                      </m:num>
-                      <m:den>
-                        <m:r>
-                          <a:rPr lang="en-US" sz="2800" b="0" i="1" smtClean="0">
-                            <a:latin typeface="Cambria Math" panose="02040503050406030204" pitchFamily="18" charset="0"/>
-                            <a:cs typeface="Arial" panose="020B0604020202020204" pitchFamily="34" charset="0"/>
-                          </a:rPr>
-                          <m:t>𝑠</m:t>
-                        </m:r>
-                        <m:sSup>
-                          <m:sSupPr>
-                            <m:ctrlPr>
-                              <a:rPr lang="en-US" sz="2800" b="0" i="1" smtClean="0">
-                                <a:latin typeface="Cambria Math" panose="02040503050406030204" pitchFamily="18" charset="0"/>
-                                <a:cs typeface="Arial" panose="020B0604020202020204" pitchFamily="34" charset="0"/>
-                              </a:rPr>
-                            </m:ctrlPr>
-                          </m:sSupPr>
-                          <m:e>
-                            <m:r>
-                              <a:rPr lang="en-US" sz="2800" b="0" i="1" smtClean="0">
-                                <a:latin typeface="Cambria Math" panose="02040503050406030204" pitchFamily="18" charset="0"/>
-                                <a:cs typeface="Arial" panose="020B0604020202020204" pitchFamily="34" charset="0"/>
-                              </a:rPr>
-                              <m:t>h</m:t>
-                            </m:r>
-                          </m:e>
-                          <m:sup>
-                            <m:r>
-                              <a:rPr lang="en-US" sz="2800" b="0" i="1" smtClean="0">
-                                <a:latin typeface="Cambria Math" panose="02040503050406030204" pitchFamily="18" charset="0"/>
-                                <a:cs typeface="Arial" panose="020B0604020202020204" pitchFamily="34" charset="0"/>
-                              </a:rPr>
-                              <m:t>2</m:t>
-                            </m:r>
-                          </m:sup>
-                        </m:sSup>
-                      </m:den>
-                    </m:f>
-                  </m:oMath>
-                </a14:m>
-                <a:r>
-                  <a:rPr lang="en-US" sz="2800" dirty="0">
-                    <a:latin typeface="Arial" panose="020B0604020202020204" pitchFamily="34" charset="0"/>
-                    <a:cs typeface="Arial" panose="020B0604020202020204" pitchFamily="34" charset="0"/>
-                  </a:rPr>
-                  <a:t>, </a:t>
-                </a:r>
-              </a:p>
-              <a:p>
-                <a:r>
-                  <a:rPr lang="en-US" sz="2800" dirty="0">
-                    <a:latin typeface="Arial" panose="020B0604020202020204" pitchFamily="34" charset="0"/>
-                    <a:cs typeface="Arial" panose="020B0604020202020204" pitchFamily="34" charset="0"/>
-                  </a:rPr>
-                  <a:t>infinity if </a:t>
-                </a:r>
-                <a14:m>
-                  <m:oMath xmlns:m="http://schemas.openxmlformats.org/officeDocument/2006/math">
-                    <m:r>
-                      <a:rPr lang="en-US" sz="2800" b="0" i="1" smtClean="0">
-                        <a:latin typeface="Cambria Math" panose="02040503050406030204" pitchFamily="18" charset="0"/>
-                        <a:cs typeface="Arial" panose="020B0604020202020204" pitchFamily="34" charset="0"/>
-                      </a:rPr>
-                      <m:t>𝑟</m:t>
-                    </m:r>
-                    <m:r>
-                      <a:rPr lang="en-US" sz="2800" b="0" i="1" smtClean="0">
-                        <a:latin typeface="Cambria Math" panose="02040503050406030204" pitchFamily="18" charset="0"/>
-                        <a:cs typeface="Arial" panose="020B0604020202020204" pitchFamily="34" charset="0"/>
-                      </a:rPr>
-                      <m:t>→0</m:t>
-                    </m:r>
-                  </m:oMath>
-                </a14:m>
-                <a:r>
-                  <a:rPr lang="en-US" sz="2800" dirty="0">
-                    <a:latin typeface="Arial" panose="020B0604020202020204" pitchFamily="34" charset="0"/>
-                    <a:cs typeface="Arial" panose="020B0604020202020204" pitchFamily="34" charset="0"/>
-                  </a:rPr>
-                  <a:t>, 2 if </a:t>
-                </a:r>
-                <a14:m>
-                  <m:oMath xmlns:m="http://schemas.openxmlformats.org/officeDocument/2006/math">
-                    <m:r>
-                      <a:rPr lang="en-US" sz="2800" b="0" i="1" smtClean="0">
-                        <a:latin typeface="Cambria Math" panose="02040503050406030204" pitchFamily="18" charset="0"/>
-                        <a:cs typeface="Arial" panose="020B0604020202020204" pitchFamily="34" charset="0"/>
-                      </a:rPr>
-                      <m:t>𝑟</m:t>
-                    </m:r>
-                    <m:r>
-                      <a:rPr lang="en-US" sz="2800" b="0" i="1" smtClean="0">
-                        <a:latin typeface="Cambria Math" panose="02040503050406030204" pitchFamily="18" charset="0"/>
-                        <a:cs typeface="Arial" panose="020B0604020202020204" pitchFamily="34" charset="0"/>
-                      </a:rPr>
-                      <m:t>→∞</m:t>
-                    </m:r>
-                  </m:oMath>
-                </a14:m>
-                <a:endParaRPr lang="en-US" sz="2800" dirty="0">
-                  <a:latin typeface="Arial" panose="020B0604020202020204" pitchFamily="34" charset="0"/>
-                  <a:cs typeface="Arial" panose="020B0604020202020204" pitchFamily="34" charset="0"/>
-                </a:endParaRPr>
-              </a:p>
-              <a:p>
-                <a:endParaRPr lang="en-US" sz="2800" dirty="0">
-                  <a:latin typeface="Arial" panose="020B0604020202020204" pitchFamily="34" charset="0"/>
-                  <a:cs typeface="Arial" panose="020B0604020202020204" pitchFamily="34" charset="0"/>
-                </a:endParaRPr>
-              </a:p>
-              <a:p>
-                <a:r>
-                  <a:rPr lang="en-US" sz="2800" dirty="0">
-                    <a:latin typeface="Arial" panose="020B0604020202020204" pitchFamily="34" charset="0"/>
-                    <a:cs typeface="Arial" panose="020B0604020202020204" pitchFamily="34" charset="0"/>
-                  </a:rPr>
-                  <a:t>(</a:t>
-                </a:r>
-                <a14:m>
-                  <m:oMath xmlns:m="http://schemas.openxmlformats.org/officeDocument/2006/math">
-                    <m:r>
-                      <a:rPr lang="en-US" sz="2800" i="1">
-                        <a:latin typeface="Cambria Math" panose="02040503050406030204" pitchFamily="18" charset="0"/>
-                        <a:cs typeface="Arial" panose="020B0604020202020204" pitchFamily="34" charset="0"/>
-                      </a:rPr>
-                      <m:t>𝑐h</m:t>
-                    </m:r>
-                    <m:r>
-                      <a:rPr lang="en-US" sz="2800" i="1">
-                        <a:latin typeface="Cambria Math" panose="02040503050406030204" pitchFamily="18" charset="0"/>
-                        <a:cs typeface="Arial" panose="020B0604020202020204" pitchFamily="34" charset="0"/>
-                      </a:rPr>
-                      <m:t>=</m:t>
-                    </m:r>
-                    <m:func>
-                      <m:funcPr>
-                        <m:ctrlPr>
-                          <a:rPr lang="en-US" sz="2800" i="1">
-                            <a:latin typeface="Cambria Math" panose="02040503050406030204" pitchFamily="18" charset="0"/>
-                            <a:cs typeface="Arial" panose="020B0604020202020204" pitchFamily="34" charset="0"/>
-                          </a:rPr>
-                        </m:ctrlPr>
-                      </m:funcPr>
-                      <m:fName>
-                        <m:r>
-                          <m:rPr>
-                            <m:sty m:val="p"/>
-                          </m:rPr>
-                          <a:rPr lang="en-US" sz="2800">
-                            <a:latin typeface="Cambria Math" panose="02040503050406030204" pitchFamily="18" charset="0"/>
-                            <a:cs typeface="Arial" panose="020B0604020202020204" pitchFamily="34" charset="0"/>
-                          </a:rPr>
-                          <m:t>cosh</m:t>
-                        </m:r>
-                      </m:fName>
-                      <m:e>
-                        <m:r>
-                          <a:rPr lang="en-US" sz="2800" i="1">
-                            <a:latin typeface="Cambria Math" panose="02040503050406030204" pitchFamily="18" charset="0"/>
-                            <a:cs typeface="Arial" panose="020B0604020202020204" pitchFamily="34" charset="0"/>
-                          </a:rPr>
-                          <m:t>𝑟</m:t>
-                        </m:r>
-                      </m:e>
-                    </m:func>
-                    <m:r>
-                      <a:rPr lang="en-US" sz="2800" i="1">
-                        <a:latin typeface="Cambria Math" panose="02040503050406030204" pitchFamily="18" charset="0"/>
-                        <a:cs typeface="Arial" panose="020B0604020202020204" pitchFamily="34" charset="0"/>
-                      </a:rPr>
-                      <m:t>, </m:t>
-                    </m:r>
-                    <m:r>
-                      <a:rPr lang="en-US" sz="2800" i="1">
-                        <a:latin typeface="Cambria Math" panose="02040503050406030204" pitchFamily="18" charset="0"/>
-                        <a:cs typeface="Arial" panose="020B0604020202020204" pitchFamily="34" charset="0"/>
-                      </a:rPr>
-                      <m:t>𝑠h</m:t>
-                    </m:r>
-                    <m:r>
-                      <a:rPr lang="en-US" sz="2800" i="1">
-                        <a:latin typeface="Cambria Math" panose="02040503050406030204" pitchFamily="18" charset="0"/>
-                        <a:cs typeface="Arial" panose="020B0604020202020204" pitchFamily="34" charset="0"/>
-                      </a:rPr>
-                      <m:t>=</m:t>
-                    </m:r>
-                    <m:func>
-                      <m:funcPr>
-                        <m:ctrlPr>
-                          <a:rPr lang="en-US" sz="2800" i="1">
-                            <a:latin typeface="Cambria Math" panose="02040503050406030204" pitchFamily="18" charset="0"/>
-                            <a:cs typeface="Arial" panose="020B0604020202020204" pitchFamily="34" charset="0"/>
-                          </a:rPr>
-                        </m:ctrlPr>
-                      </m:funcPr>
-                      <m:fName>
-                        <m:r>
-                          <m:rPr>
-                            <m:sty m:val="p"/>
-                          </m:rPr>
-                          <a:rPr lang="en-US" sz="2800">
-                            <a:latin typeface="Cambria Math" panose="02040503050406030204" pitchFamily="18" charset="0"/>
-                            <a:cs typeface="Arial" panose="020B0604020202020204" pitchFamily="34" charset="0"/>
-                          </a:rPr>
-                          <m:t>sinh</m:t>
-                        </m:r>
-                      </m:fName>
-                      <m:e>
-                        <m:r>
-                          <a:rPr lang="en-US" sz="2800" i="1">
-                            <a:latin typeface="Cambria Math" panose="02040503050406030204" pitchFamily="18" charset="0"/>
-                            <a:cs typeface="Arial" panose="020B0604020202020204" pitchFamily="34" charset="0"/>
-                          </a:rPr>
-                          <m:t>𝑟</m:t>
-                        </m:r>
-                      </m:e>
-                    </m:func>
-                  </m:oMath>
-                </a14:m>
-                <a:r>
-                  <a:rPr lang="en-US" sz="2800" dirty="0">
-                    <a:latin typeface="Arial" panose="020B0604020202020204" pitchFamily="34" charset="0"/>
-                    <a:cs typeface="Arial" panose="020B0604020202020204" pitchFamily="34" charset="0"/>
-                  </a:rPr>
-                  <a:t>, </a:t>
-                </a:r>
-                <a14:m>
-                  <m:oMath xmlns:m="http://schemas.openxmlformats.org/officeDocument/2006/math">
-                    <m:r>
-                      <a:rPr lang="en-US" sz="2800" i="1">
-                        <a:latin typeface="Cambria Math" panose="02040503050406030204" pitchFamily="18" charset="0"/>
-                        <a:cs typeface="Arial" panose="020B0604020202020204" pitchFamily="34" charset="0"/>
-                      </a:rPr>
-                      <m:t>𝑠</m:t>
-                    </m:r>
-                    <m:sSup>
-                      <m:sSupPr>
-                        <m:ctrlPr>
-                          <a:rPr lang="en-US" sz="2800" i="1">
-                            <a:latin typeface="Cambria Math" panose="02040503050406030204" pitchFamily="18" charset="0"/>
-                            <a:cs typeface="Arial" panose="020B0604020202020204" pitchFamily="34" charset="0"/>
-                          </a:rPr>
-                        </m:ctrlPr>
-                      </m:sSupPr>
-                      <m:e>
-                        <m:r>
-                          <a:rPr lang="en-US" sz="2800" i="1">
-                            <a:latin typeface="Cambria Math" panose="02040503050406030204" pitchFamily="18" charset="0"/>
-                            <a:cs typeface="Arial" panose="020B0604020202020204" pitchFamily="34" charset="0"/>
-                          </a:rPr>
-                          <m:t>h</m:t>
-                        </m:r>
-                      </m:e>
-                      <m:sup>
-                        <m:r>
-                          <a:rPr lang="en-US" sz="2800" i="1">
-                            <a:latin typeface="Cambria Math" panose="02040503050406030204" pitchFamily="18" charset="0"/>
-                            <a:cs typeface="Arial" panose="020B0604020202020204" pitchFamily="34" charset="0"/>
-                          </a:rPr>
-                          <m:t>2</m:t>
-                        </m:r>
-                      </m:sup>
-                    </m:sSup>
-                    <m:r>
-                      <a:rPr lang="en-US" sz="2800" i="1">
-                        <a:latin typeface="Cambria Math" panose="02040503050406030204" pitchFamily="18" charset="0"/>
-                        <a:cs typeface="Arial" panose="020B0604020202020204" pitchFamily="34" charset="0"/>
-                      </a:rPr>
-                      <m:t>=</m:t>
-                    </m:r>
-                    <m:r>
-                      <a:rPr lang="en-US" sz="2800" i="1">
-                        <a:latin typeface="Cambria Math" panose="02040503050406030204" pitchFamily="18" charset="0"/>
-                        <a:cs typeface="Arial" panose="020B0604020202020204" pitchFamily="34" charset="0"/>
-                      </a:rPr>
-                      <m:t>𝑁</m:t>
-                    </m:r>
-                  </m:oMath>
-                </a14:m>
-                <a:r>
-                  <a:rPr lang="en-US" sz="2800" dirty="0">
-                    <a:latin typeface="Arial" panose="020B0604020202020204" pitchFamily="34" charset="0"/>
-                    <a:cs typeface="Arial" panose="020B0604020202020204" pitchFamily="34" charset="0"/>
-                  </a:rPr>
-                  <a:t>(average photon number))</a:t>
-                </a:r>
-              </a:p>
-            </p:txBody>
-          </p:sp>
-        </mc:Choice>
-        <mc:Fallback>
-          <p:sp>
-            <p:nvSpPr>
-              <p:cNvPr id="21" name="TextBox 20">
-                <a:extLst>
-                  <a:ext uri="{FF2B5EF4-FFF2-40B4-BE49-F238E27FC236}">
-                    <a16:creationId xmlns:a16="http://schemas.microsoft.com/office/drawing/2014/main" id="{8A24169F-11D4-4136-8C19-E894EE2FFE47}"/>
-                  </a:ext>
-                </a:extLst>
-              </p:cNvPr>
-              <p:cNvSpPr txBox="1">
-                <a:spLocks noRot="1" noChangeAspect="1" noMove="1" noResize="1" noEditPoints="1" noAdjustHandles="1" noChangeArrowheads="1" noChangeShapeType="1" noTextEdit="1"/>
-              </p:cNvSpPr>
-              <p:nvPr/>
-            </p:nvSpPr>
-            <p:spPr>
-              <a:xfrm>
-                <a:off x="5633238" y="1301774"/>
-                <a:ext cx="6641869" cy="5977919"/>
-              </a:xfrm>
-              <a:prstGeom prst="rect">
-                <a:avLst/>
-              </a:prstGeom>
-              <a:blipFill>
-                <a:blip r:embed="rId4"/>
-                <a:stretch>
-                  <a:fillRect l="-1835" t="-1122" b="-1939"/>
-                </a:stretch>
-              </a:blipFill>
-            </p:spPr>
-            <p:txBody>
-              <a:bodyPr/>
-              <a:lstStyle/>
-              <a:p>
-                <a:r>
-                  <a:rPr lang="en-US">
-                    <a:noFill/>
-                  </a:rPr>
-                  <a:t> </a:t>
-                </a:r>
-              </a:p>
-            </p:txBody>
-          </p:sp>
-        </mc:Fallback>
-      </mc:AlternateContent>
-      <mc:AlternateContent xmlns:mc="http://schemas.openxmlformats.org/markup-compatibility/2006">
-        <mc:Choice xmlns:a14="http://schemas.microsoft.com/office/drawing/2010/main" Requires="a14">
-          <p:sp>
-            <p:nvSpPr>
-              <p:cNvPr id="14" name="TextBox 13">
-                <a:extLst>
-                  <a:ext uri="{FF2B5EF4-FFF2-40B4-BE49-F238E27FC236}">
-                    <a16:creationId xmlns:a16="http://schemas.microsoft.com/office/drawing/2014/main" id="{276E8E00-B21D-402C-868D-52401A1833B8}"/>
-                  </a:ext>
-                </a:extLst>
-              </p:cNvPr>
-              <p:cNvSpPr txBox="1"/>
-              <p:nvPr/>
-            </p:nvSpPr>
-            <p:spPr>
-              <a:xfrm>
-                <a:off x="4844394" y="738369"/>
-                <a:ext cx="513538" cy="369332"/>
-              </a:xfrm>
-              <a:prstGeom prst="rect">
-                <a:avLst/>
-              </a:prstGeom>
-              <a:noFill/>
-            </p:spPr>
-            <p:txBody>
-              <a:bodyPr wrap="none" rtlCol="0">
-                <a:spAutoFit/>
-              </a:bodyPr>
-              <a:lstStyle/>
-              <a:p>
-                <a14:m>
-                  <m:oMathPara xmlns:m="http://schemas.openxmlformats.org/officeDocument/2006/math">
-                    <m:oMathParaPr>
-                      <m:jc m:val="centerGroup"/>
-                    </m:oMathParaPr>
-                    <m:oMath xmlns:m="http://schemas.openxmlformats.org/officeDocument/2006/math">
-                      <m:r>
-                        <a:rPr lang="en-US" b="0" i="1" smtClean="0">
-                          <a:latin typeface="Cambria Math" panose="02040503050406030204" pitchFamily="18" charset="0"/>
-                        </a:rPr>
-                        <m:t>|</m:t>
-                      </m:r>
-                      <m:r>
-                        <a:rPr lang="en-US" b="0" i="1" smtClean="0">
-                          <a:latin typeface="Cambria Math" panose="02040503050406030204" pitchFamily="18" charset="0"/>
-                        </a:rPr>
-                        <m:t>𝑒</m:t>
-                      </m:r>
-                      <m:r>
-                        <a:rPr lang="en-US" b="0" i="1" smtClean="0">
-                          <a:latin typeface="Cambria Math" panose="02040503050406030204" pitchFamily="18" charset="0"/>
-                        </a:rPr>
-                        <m:t>⟩</m:t>
-                      </m:r>
-                    </m:oMath>
-                  </m:oMathPara>
-                </a14:m>
-                <a:endParaRPr lang="en-US" dirty="0"/>
-              </a:p>
-            </p:txBody>
-          </p:sp>
-        </mc:Choice>
-        <mc:Fallback>
-          <p:sp>
-            <p:nvSpPr>
-              <p:cNvPr id="14" name="TextBox 13">
-                <a:extLst>
-                  <a:ext uri="{FF2B5EF4-FFF2-40B4-BE49-F238E27FC236}">
-                    <a16:creationId xmlns:a16="http://schemas.microsoft.com/office/drawing/2014/main" id="{276E8E00-B21D-402C-868D-52401A1833B8}"/>
-                  </a:ext>
-                </a:extLst>
-              </p:cNvPr>
-              <p:cNvSpPr txBox="1">
-                <a:spLocks noRot="1" noChangeAspect="1" noMove="1" noResize="1" noEditPoints="1" noAdjustHandles="1" noChangeArrowheads="1" noChangeShapeType="1" noTextEdit="1"/>
-              </p:cNvSpPr>
-              <p:nvPr/>
-            </p:nvSpPr>
-            <p:spPr>
-              <a:xfrm>
-                <a:off x="4844394" y="738369"/>
-                <a:ext cx="513538" cy="369332"/>
-              </a:xfrm>
-              <a:prstGeom prst="rect">
-                <a:avLst/>
-              </a:prstGeom>
-              <a:blipFill>
-                <a:blip r:embed="rId5"/>
-                <a:stretch>
-                  <a:fillRect b="-13115"/>
-                </a:stretch>
-              </a:blipFill>
-            </p:spPr>
-            <p:txBody>
-              <a:bodyPr/>
-              <a:lstStyle/>
-              <a:p>
-                <a:r>
-                  <a:rPr lang="en-US">
-                    <a:noFill/>
-                  </a:rPr>
-                  <a:t> </a:t>
-                </a:r>
-              </a:p>
-            </p:txBody>
-          </p:sp>
-        </mc:Fallback>
-      </mc:AlternateContent>
-      <mc:AlternateContent xmlns:mc="http://schemas.openxmlformats.org/markup-compatibility/2006">
-        <mc:Choice xmlns:a14="http://schemas.microsoft.com/office/drawing/2010/main" Requires="a14">
-          <p:sp>
-            <p:nvSpPr>
-              <p:cNvPr id="16" name="TextBox 15">
-                <a:extLst>
-                  <a:ext uri="{FF2B5EF4-FFF2-40B4-BE49-F238E27FC236}">
-                    <a16:creationId xmlns:a16="http://schemas.microsoft.com/office/drawing/2014/main" id="{9016181D-2DF0-45C7-B0DE-FE2A45AE42CD}"/>
-                  </a:ext>
-                </a:extLst>
-              </p:cNvPr>
-              <p:cNvSpPr txBox="1"/>
-              <p:nvPr/>
-            </p:nvSpPr>
-            <p:spPr>
-              <a:xfrm>
-                <a:off x="4765334" y="2951357"/>
-                <a:ext cx="592598" cy="369332"/>
-              </a:xfrm>
-              <a:prstGeom prst="rect">
-                <a:avLst/>
-              </a:prstGeom>
-              <a:noFill/>
-            </p:spPr>
-            <p:txBody>
-              <a:bodyPr wrap="none" rtlCol="0">
-                <a:spAutoFit/>
-              </a:bodyPr>
-              <a:lstStyle/>
-              <a:p>
-                <a14:m>
-                  <m:oMathPara xmlns:m="http://schemas.openxmlformats.org/officeDocument/2006/math">
-                    <m:oMathParaPr>
-                      <m:jc m:val="centerGroup"/>
-                    </m:oMathParaPr>
-                    <m:oMath xmlns:m="http://schemas.openxmlformats.org/officeDocument/2006/math">
-                      <m:r>
-                        <a:rPr lang="en-US" b="0" i="1" smtClean="0">
-                          <a:latin typeface="Cambria Math" panose="02040503050406030204" pitchFamily="18" charset="0"/>
-                        </a:rPr>
-                        <m:t>|</m:t>
-                      </m:r>
-                      <m:r>
-                        <a:rPr lang="en-US" b="0" i="1" smtClean="0">
-                          <a:latin typeface="Cambria Math" panose="02040503050406030204" pitchFamily="18" charset="0"/>
-                        </a:rPr>
-                        <m:t>𝑚</m:t>
-                      </m:r>
-                      <m:r>
-                        <a:rPr lang="en-US" b="0" i="1" smtClean="0">
-                          <a:latin typeface="Cambria Math" panose="02040503050406030204" pitchFamily="18" charset="0"/>
-                        </a:rPr>
-                        <m:t>⟩</m:t>
-                      </m:r>
-                    </m:oMath>
-                  </m:oMathPara>
-                </a14:m>
-                <a:endParaRPr lang="en-US" dirty="0"/>
-              </a:p>
-            </p:txBody>
-          </p:sp>
-        </mc:Choice>
-        <mc:Fallback>
-          <p:sp>
-            <p:nvSpPr>
-              <p:cNvPr id="16" name="TextBox 15">
-                <a:extLst>
-                  <a:ext uri="{FF2B5EF4-FFF2-40B4-BE49-F238E27FC236}">
-                    <a16:creationId xmlns:a16="http://schemas.microsoft.com/office/drawing/2014/main" id="{9016181D-2DF0-45C7-B0DE-FE2A45AE42CD}"/>
-                  </a:ext>
-                </a:extLst>
-              </p:cNvPr>
-              <p:cNvSpPr txBox="1">
-                <a:spLocks noRot="1" noChangeAspect="1" noMove="1" noResize="1" noEditPoints="1" noAdjustHandles="1" noChangeArrowheads="1" noChangeShapeType="1" noTextEdit="1"/>
-              </p:cNvSpPr>
-              <p:nvPr/>
-            </p:nvSpPr>
-            <p:spPr>
-              <a:xfrm>
-                <a:off x="4765334" y="2951357"/>
-                <a:ext cx="592598" cy="369332"/>
-              </a:xfrm>
-              <a:prstGeom prst="rect">
-                <a:avLst/>
-              </a:prstGeom>
-              <a:blipFill>
-                <a:blip r:embed="rId6"/>
-                <a:stretch>
-                  <a:fillRect b="-13115"/>
-                </a:stretch>
-              </a:blipFill>
-            </p:spPr>
-            <p:txBody>
-              <a:bodyPr/>
-              <a:lstStyle/>
-              <a:p>
-                <a:r>
-                  <a:rPr lang="en-US">
-                    <a:noFill/>
-                  </a:rPr>
-                  <a:t> </a:t>
-                </a:r>
-              </a:p>
-            </p:txBody>
-          </p:sp>
-        </mc:Fallback>
-      </mc:AlternateContent>
-      <mc:AlternateContent xmlns:mc="http://schemas.openxmlformats.org/markup-compatibility/2006">
-        <mc:Choice xmlns:a14="http://schemas.microsoft.com/office/drawing/2010/main" Requires="a14">
-          <p:sp>
-            <p:nvSpPr>
-              <p:cNvPr id="18" name="TextBox 17">
-                <a:extLst>
-                  <a:ext uri="{FF2B5EF4-FFF2-40B4-BE49-F238E27FC236}">
-                    <a16:creationId xmlns:a16="http://schemas.microsoft.com/office/drawing/2014/main" id="{C0CF7FED-473B-4B0B-9475-36184238AF60}"/>
-                  </a:ext>
-                </a:extLst>
-              </p:cNvPr>
-              <p:cNvSpPr txBox="1"/>
-              <p:nvPr/>
-            </p:nvSpPr>
-            <p:spPr>
-              <a:xfrm>
-                <a:off x="4864209" y="4199336"/>
-                <a:ext cx="539700" cy="369332"/>
-              </a:xfrm>
-              <a:prstGeom prst="rect">
-                <a:avLst/>
-              </a:prstGeom>
-              <a:noFill/>
-            </p:spPr>
-            <p:txBody>
-              <a:bodyPr wrap="none" rtlCol="0">
-                <a:spAutoFit/>
-              </a:bodyPr>
-              <a:lstStyle/>
-              <a:p>
-                <a14:m>
-                  <m:oMathPara xmlns:m="http://schemas.openxmlformats.org/officeDocument/2006/math">
-                    <m:oMathParaPr>
-                      <m:jc m:val="centerGroup"/>
-                    </m:oMathParaPr>
-                    <m:oMath xmlns:m="http://schemas.openxmlformats.org/officeDocument/2006/math">
-                      <m:r>
-                        <a:rPr lang="en-US" b="0" i="1" smtClean="0">
-                          <a:latin typeface="Cambria Math" panose="02040503050406030204" pitchFamily="18" charset="0"/>
-                        </a:rPr>
-                        <m:t>|</m:t>
-                      </m:r>
-                      <m:r>
-                        <a:rPr lang="en-US" b="0" i="1" smtClean="0">
-                          <a:latin typeface="Cambria Math" panose="02040503050406030204" pitchFamily="18" charset="0"/>
-                        </a:rPr>
-                        <m:t>𝑔</m:t>
-                      </m:r>
-                      <m:r>
-                        <a:rPr lang="en-US" b="0" i="1" smtClean="0">
-                          <a:latin typeface="Cambria Math" panose="02040503050406030204" pitchFamily="18" charset="0"/>
-                        </a:rPr>
-                        <m:t>⟩</m:t>
-                      </m:r>
-                    </m:oMath>
-                  </m:oMathPara>
-                </a14:m>
-                <a:endParaRPr lang="en-US" dirty="0"/>
-              </a:p>
-            </p:txBody>
-          </p:sp>
-        </mc:Choice>
-        <mc:Fallback>
-          <p:sp>
-            <p:nvSpPr>
-              <p:cNvPr id="18" name="TextBox 17">
-                <a:extLst>
-                  <a:ext uri="{FF2B5EF4-FFF2-40B4-BE49-F238E27FC236}">
-                    <a16:creationId xmlns:a16="http://schemas.microsoft.com/office/drawing/2014/main" id="{C0CF7FED-473B-4B0B-9475-36184238AF60}"/>
-                  </a:ext>
-                </a:extLst>
-              </p:cNvPr>
-              <p:cNvSpPr txBox="1">
-                <a:spLocks noRot="1" noChangeAspect="1" noMove="1" noResize="1" noEditPoints="1" noAdjustHandles="1" noChangeArrowheads="1" noChangeShapeType="1" noTextEdit="1"/>
-              </p:cNvSpPr>
-              <p:nvPr/>
-            </p:nvSpPr>
-            <p:spPr>
-              <a:xfrm>
-                <a:off x="4864209" y="4199336"/>
-                <a:ext cx="539700" cy="369332"/>
-              </a:xfrm>
-              <a:prstGeom prst="rect">
-                <a:avLst/>
-              </a:prstGeom>
-              <a:blipFill>
-                <a:blip r:embed="rId7"/>
-                <a:stretch>
-                  <a:fillRect b="-13333"/>
-                </a:stretch>
-              </a:blipFill>
-            </p:spPr>
-            <p:txBody>
-              <a:bodyPr/>
-              <a:lstStyle/>
-              <a:p>
-                <a:r>
-                  <a:rPr lang="en-US">
-                    <a:noFill/>
-                  </a:rPr>
-                  <a:t> </a:t>
-                </a:r>
-              </a:p>
-            </p:txBody>
-          </p:sp>
-        </mc:Fallback>
-      </mc:AlternateContent>
-    </p:spTree>
-    <p:extLst>
-      <p:ext uri="{BB962C8B-B14F-4D97-AF65-F5344CB8AC3E}">
-        <p14:creationId xmlns:p14="http://schemas.microsoft.com/office/powerpoint/2010/main" val="4232801040"/>
-      </p:ext>
-    </p:extLst>
-  </p:cSld>
-  <p:clrMapOvr>
-    <a:masterClrMapping/>
-  </p:clrMapOvr>
-</p:sld>
-</file>
-
-<file path=ppt/slides/slide3.xml><?xml version="1.0" encoding="utf-8"?>
-<p:sld xmlns:a="http://schemas.openxmlformats.org/drawingml/2006/main" xmlns:r="http://schemas.openxmlformats.org/officeDocument/2006/relationships" xmlns:p="http://schemas.openxmlformats.org/presentationml/2006/main">
-  <p:cSld>
-    <p:spTree>
-      <p:nvGrpSpPr>
-        <p:cNvPr id="1" name=""/>
-        <p:cNvGrpSpPr/>
-        <p:nvPr/>
-      </p:nvGrpSpPr>
-      <p:grpSpPr>
-        <a:xfrm>
-          <a:off x="0" y="0"/>
-          <a:ext cx="0" cy="0"/>
-          <a:chOff x="0" y="0"/>
-          <a:chExt cx="0" cy="0"/>
-        </a:xfrm>
-      </p:grpSpPr>
-      <p:cxnSp>
-        <p:nvCxnSpPr>
-          <p:cNvPr id="5" name="Straight Connector 4">
-            <a:extLst>
-              <a:ext uri="{FF2B5EF4-FFF2-40B4-BE49-F238E27FC236}">
-                <a16:creationId xmlns:a16="http://schemas.microsoft.com/office/drawing/2014/main" id="{DBCBADF4-356B-4A1A-B962-10E416D395ED}"/>
-              </a:ext>
-            </a:extLst>
-          </p:cNvPr>
-          <p:cNvCxnSpPr/>
-          <p:nvPr/>
-        </p:nvCxnSpPr>
-        <p:spPr>
-          <a:xfrm>
-            <a:off x="2803270" y="4384002"/>
-            <a:ext cx="1715334" cy="0"/>
-          </a:xfrm>
-          <a:prstGeom prst="line">
-            <a:avLst/>
-          </a:prstGeom>
-          <a:ln w="38100">
-            <a:solidFill>
-              <a:schemeClr val="tx1"/>
-            </a:solidFill>
-          </a:ln>
-        </p:spPr>
-        <p:style>
-          <a:lnRef idx="1">
-            <a:schemeClr val="accent1"/>
-          </a:lnRef>
-          <a:fillRef idx="0">
-            <a:schemeClr val="accent1"/>
-          </a:fillRef>
-          <a:effectRef idx="0">
-            <a:schemeClr val="accent1"/>
-          </a:effectRef>
-          <a:fontRef idx="minor">
-            <a:schemeClr val="tx1"/>
-          </a:fontRef>
-        </p:style>
-      </p:cxnSp>
-      <p:cxnSp>
-        <p:nvCxnSpPr>
-          <p:cNvPr id="6" name="Straight Connector 5">
-            <a:extLst>
-              <a:ext uri="{FF2B5EF4-FFF2-40B4-BE49-F238E27FC236}">
-                <a16:creationId xmlns:a16="http://schemas.microsoft.com/office/drawing/2014/main" id="{EEB5058D-EAFC-455D-AF8C-8DAE2A96BB74}"/>
-              </a:ext>
-            </a:extLst>
-          </p:cNvPr>
-          <p:cNvCxnSpPr/>
-          <p:nvPr/>
-        </p:nvCxnSpPr>
-        <p:spPr>
-          <a:xfrm>
-            <a:off x="2863340" y="2668668"/>
-            <a:ext cx="1715334" cy="0"/>
-          </a:xfrm>
-          <a:prstGeom prst="line">
-            <a:avLst/>
-          </a:prstGeom>
-          <a:ln w="38100">
-            <a:solidFill>
-              <a:schemeClr val="tx1"/>
-            </a:solidFill>
-          </a:ln>
-        </p:spPr>
-        <p:style>
-          <a:lnRef idx="1">
-            <a:schemeClr val="accent1"/>
-          </a:lnRef>
-          <a:fillRef idx="0">
-            <a:schemeClr val="accent1"/>
-          </a:fillRef>
-          <a:effectRef idx="0">
-            <a:schemeClr val="accent1"/>
-          </a:effectRef>
-          <a:fontRef idx="minor">
-            <a:schemeClr val="tx1"/>
-          </a:fontRef>
-        </p:style>
-      </p:cxnSp>
-      <p:cxnSp>
-        <p:nvCxnSpPr>
-          <p:cNvPr id="7" name="Straight Connector 6">
-            <a:extLst>
-              <a:ext uri="{FF2B5EF4-FFF2-40B4-BE49-F238E27FC236}">
-                <a16:creationId xmlns:a16="http://schemas.microsoft.com/office/drawing/2014/main" id="{4616A803-5140-4B56-8E89-FC3EF240CA0F}"/>
-              </a:ext>
-            </a:extLst>
-          </p:cNvPr>
-          <p:cNvCxnSpPr/>
-          <p:nvPr/>
-        </p:nvCxnSpPr>
-        <p:spPr>
-          <a:xfrm>
-            <a:off x="2863340" y="953334"/>
-            <a:ext cx="1715334" cy="0"/>
-          </a:xfrm>
-          <a:prstGeom prst="line">
-            <a:avLst/>
-          </a:prstGeom>
-          <a:ln w="38100">
-            <a:solidFill>
-              <a:schemeClr val="tx1"/>
-            </a:solidFill>
-          </a:ln>
-        </p:spPr>
-        <p:style>
-          <a:lnRef idx="1">
-            <a:schemeClr val="accent1"/>
-          </a:lnRef>
-          <a:fillRef idx="0">
-            <a:schemeClr val="accent1"/>
-          </a:fillRef>
-          <a:effectRef idx="0">
-            <a:schemeClr val="accent1"/>
-          </a:effectRef>
-          <a:fontRef idx="minor">
-            <a:schemeClr val="tx1"/>
-          </a:fontRef>
-        </p:style>
-      </p:cxnSp>
-      <p:cxnSp>
-        <p:nvCxnSpPr>
-          <p:cNvPr id="9" name="Straight Arrow Connector 8">
-            <a:extLst>
-              <a:ext uri="{FF2B5EF4-FFF2-40B4-BE49-F238E27FC236}">
-                <a16:creationId xmlns:a16="http://schemas.microsoft.com/office/drawing/2014/main" id="{785620EF-B780-4954-B96B-323EA95AED6C}"/>
-              </a:ext>
-            </a:extLst>
-          </p:cNvPr>
-          <p:cNvCxnSpPr>
-            <a:cxnSpLocks/>
-          </p:cNvCxnSpPr>
-          <p:nvPr/>
-        </p:nvCxnSpPr>
-        <p:spPr>
-          <a:xfrm>
-            <a:off x="3917904" y="953334"/>
-            <a:ext cx="0" cy="1715334"/>
-          </a:xfrm>
-          <a:prstGeom prst="straightConnector1">
-            <a:avLst/>
-          </a:prstGeom>
-          <a:ln w="38100">
-            <a:solidFill>
-              <a:schemeClr val="tx1"/>
-            </a:solidFill>
-            <a:headEnd type="triangle"/>
-            <a:tailEnd type="triangle"/>
-          </a:ln>
-        </p:spPr>
-        <p:style>
-          <a:lnRef idx="1">
-            <a:schemeClr val="accent1"/>
-          </a:lnRef>
-          <a:fillRef idx="0">
-            <a:schemeClr val="accent1"/>
-          </a:fillRef>
-          <a:effectRef idx="0">
-            <a:schemeClr val="accent1"/>
-          </a:effectRef>
-          <a:fontRef idx="minor">
-            <a:schemeClr val="tx1"/>
-          </a:fontRef>
-        </p:style>
-      </p:cxnSp>
-      <p:cxnSp>
-        <p:nvCxnSpPr>
-          <p:cNvPr id="11" name="Straight Arrow Connector 10">
-            <a:extLst>
-              <a:ext uri="{FF2B5EF4-FFF2-40B4-BE49-F238E27FC236}">
-                <a16:creationId xmlns:a16="http://schemas.microsoft.com/office/drawing/2014/main" id="{2F131EF4-24D8-4442-BDE5-C3661DBDCF93}"/>
-              </a:ext>
-            </a:extLst>
-          </p:cNvPr>
-          <p:cNvCxnSpPr>
-            <a:cxnSpLocks/>
-          </p:cNvCxnSpPr>
-          <p:nvPr/>
-        </p:nvCxnSpPr>
-        <p:spPr>
-          <a:xfrm>
-            <a:off x="3917904" y="2668668"/>
-            <a:ext cx="0" cy="1715334"/>
-          </a:xfrm>
-          <a:prstGeom prst="straightConnector1">
-            <a:avLst/>
-          </a:prstGeom>
-          <a:ln w="38100">
-            <a:solidFill>
-              <a:schemeClr val="tx1"/>
-            </a:solidFill>
-            <a:headEnd type="triangle"/>
-            <a:tailEnd type="triangle"/>
-          </a:ln>
-        </p:spPr>
-        <p:style>
-          <a:lnRef idx="1">
-            <a:schemeClr val="accent1"/>
-          </a:lnRef>
-          <a:fillRef idx="0">
-            <a:schemeClr val="accent1"/>
-          </a:fillRef>
-          <a:effectRef idx="0">
-            <a:schemeClr val="accent1"/>
-          </a:effectRef>
-          <a:fontRef idx="minor">
-            <a:schemeClr val="tx1"/>
-          </a:fontRef>
-        </p:style>
-      </p:cxnSp>
-      <mc:AlternateContent xmlns:mc="http://schemas.openxmlformats.org/markup-compatibility/2006">
-        <mc:Choice xmlns:a14="http://schemas.microsoft.com/office/drawing/2010/main" Requires="a14">
-          <p:sp>
-            <p:nvSpPr>
-              <p:cNvPr id="12" name="TextBox 11">
-                <a:extLst>
-                  <a:ext uri="{FF2B5EF4-FFF2-40B4-BE49-F238E27FC236}">
-                    <a16:creationId xmlns:a16="http://schemas.microsoft.com/office/drawing/2014/main" id="{24CACF25-1ECA-4AAA-B5C5-D3745E13DA7C}"/>
-                  </a:ext>
-                </a:extLst>
-              </p:cNvPr>
-              <p:cNvSpPr txBox="1"/>
-              <p:nvPr/>
-            </p:nvSpPr>
-            <p:spPr>
-              <a:xfrm>
-                <a:off x="4460855" y="1526218"/>
-                <a:ext cx="506292" cy="369332"/>
-              </a:xfrm>
-              <a:prstGeom prst="rect">
-                <a:avLst/>
-              </a:prstGeom>
-              <a:noFill/>
-            </p:spPr>
-            <p:txBody>
-              <a:bodyPr wrap="none" rtlCol="0">
-                <a:spAutoFit/>
-              </a:bodyPr>
-              <a:lstStyle/>
-              <a:p>
-                <a:pPr/>
-                <a14:m>
-                  <m:oMathPara xmlns:m="http://schemas.openxmlformats.org/officeDocument/2006/math">
-                    <m:oMathParaPr>
-                      <m:jc m:val="centerGroup"/>
-                    </m:oMathParaPr>
-                    <m:oMath xmlns:m="http://schemas.openxmlformats.org/officeDocument/2006/math">
-                      <m:sSub>
-                        <m:sSubPr>
-                          <m:ctrlPr>
-                            <a:rPr lang="en-US" b="0" i="1" smtClean="0">
-                              <a:latin typeface="Cambria Math" panose="02040503050406030204" pitchFamily="18" charset="0"/>
-                            </a:rPr>
-                          </m:ctrlPr>
-                        </m:sSubPr>
-                        <m:e>
-                          <m:r>
-                            <a:rPr lang="en-US" b="0" i="1" smtClean="0">
-                              <a:latin typeface="Cambria Math" panose="02040503050406030204" pitchFamily="18" charset="0"/>
-                            </a:rPr>
-                            <m:t>𝜔</m:t>
-                          </m:r>
-                        </m:e>
-                        <m:sub>
-                          <m:r>
-                            <a:rPr lang="en-US" b="0" i="1" smtClean="0">
-                              <a:latin typeface="Cambria Math" panose="02040503050406030204" pitchFamily="18" charset="0"/>
-                            </a:rPr>
-                            <m:t>1</m:t>
-                          </m:r>
-                        </m:sub>
-                      </m:sSub>
-                    </m:oMath>
-                  </m:oMathPara>
-                </a14:m>
-                <a:endParaRPr lang="en-US" dirty="0"/>
-              </a:p>
-            </p:txBody>
-          </p:sp>
-        </mc:Choice>
-        <mc:Fallback>
-          <p:sp>
-            <p:nvSpPr>
-              <p:cNvPr id="12" name="TextBox 11">
-                <a:extLst>
-                  <a:ext uri="{FF2B5EF4-FFF2-40B4-BE49-F238E27FC236}">
-                    <a16:creationId xmlns:a16="http://schemas.microsoft.com/office/drawing/2014/main" id="{24CACF25-1ECA-4AAA-B5C5-D3745E13DA7C}"/>
-                  </a:ext>
-                </a:extLst>
-              </p:cNvPr>
-              <p:cNvSpPr txBox="1">
-                <a:spLocks noRot="1" noChangeAspect="1" noMove="1" noResize="1" noEditPoints="1" noAdjustHandles="1" noChangeArrowheads="1" noChangeShapeType="1" noTextEdit="1"/>
-              </p:cNvSpPr>
-              <p:nvPr/>
-            </p:nvSpPr>
-            <p:spPr>
-              <a:xfrm>
-                <a:off x="4460855" y="1526218"/>
-                <a:ext cx="506292" cy="369332"/>
-              </a:xfrm>
-              <a:prstGeom prst="rect">
-                <a:avLst/>
-              </a:prstGeom>
-              <a:blipFill>
-                <a:blip r:embed="rId2"/>
-                <a:stretch>
-                  <a:fillRect/>
-                </a:stretch>
-              </a:blipFill>
-            </p:spPr>
-            <p:txBody>
-              <a:bodyPr/>
-              <a:lstStyle/>
-              <a:p>
-                <a:r>
-                  <a:rPr lang="en-US">
-                    <a:noFill/>
-                  </a:rPr>
-                  <a:t> </a:t>
-                </a:r>
-              </a:p>
-            </p:txBody>
-          </p:sp>
-        </mc:Fallback>
-      </mc:AlternateContent>
-      <mc:AlternateContent xmlns:mc="http://schemas.openxmlformats.org/markup-compatibility/2006">
-        <mc:Choice xmlns:a14="http://schemas.microsoft.com/office/drawing/2010/main" Requires="a14">
-          <p:sp>
-            <p:nvSpPr>
-              <p:cNvPr id="13" name="TextBox 12">
-                <a:extLst>
-                  <a:ext uri="{FF2B5EF4-FFF2-40B4-BE49-F238E27FC236}">
-                    <a16:creationId xmlns:a16="http://schemas.microsoft.com/office/drawing/2014/main" id="{94E60FAD-4D87-4B19-A081-563E54C7E8C0}"/>
-                  </a:ext>
-                </a:extLst>
-              </p:cNvPr>
-              <p:cNvSpPr txBox="1"/>
-              <p:nvPr/>
-            </p:nvSpPr>
-            <p:spPr>
-              <a:xfrm>
-                <a:off x="4460855" y="3341669"/>
-                <a:ext cx="511615" cy="369332"/>
-              </a:xfrm>
-              <a:prstGeom prst="rect">
-                <a:avLst/>
-              </a:prstGeom>
-              <a:noFill/>
-            </p:spPr>
-            <p:txBody>
-              <a:bodyPr wrap="none" rtlCol="0">
-                <a:spAutoFit/>
-              </a:bodyPr>
-              <a:lstStyle/>
-              <a:p>
-                <a:pPr/>
-                <a14:m>
-                  <m:oMathPara xmlns:m="http://schemas.openxmlformats.org/officeDocument/2006/math">
-                    <m:oMathParaPr>
-                      <m:jc m:val="centerGroup"/>
-                    </m:oMathParaPr>
-                    <m:oMath xmlns:m="http://schemas.openxmlformats.org/officeDocument/2006/math">
-                      <m:sSub>
-                        <m:sSubPr>
-                          <m:ctrlPr>
-                            <a:rPr lang="en-US" b="0" i="1" smtClean="0">
-                              <a:latin typeface="Cambria Math" panose="02040503050406030204" pitchFamily="18" charset="0"/>
-                            </a:rPr>
-                          </m:ctrlPr>
-                        </m:sSubPr>
-                        <m:e>
-                          <m:r>
-                            <a:rPr lang="en-US" b="0" i="1" smtClean="0">
-                              <a:latin typeface="Cambria Math" panose="02040503050406030204" pitchFamily="18" charset="0"/>
-                            </a:rPr>
-                            <m:t>𝜔</m:t>
-                          </m:r>
-                        </m:e>
-                        <m:sub>
-                          <m:r>
-                            <a:rPr lang="en-US" b="0" i="1" smtClean="0">
-                              <a:latin typeface="Cambria Math" panose="02040503050406030204" pitchFamily="18" charset="0"/>
-                            </a:rPr>
-                            <m:t>2</m:t>
-                          </m:r>
-                        </m:sub>
-                      </m:sSub>
-                    </m:oMath>
-                  </m:oMathPara>
-                </a14:m>
-                <a:endParaRPr lang="en-US" dirty="0"/>
-              </a:p>
-            </p:txBody>
-          </p:sp>
-        </mc:Choice>
-        <mc:Fallback>
-          <p:sp>
-            <p:nvSpPr>
-              <p:cNvPr id="13" name="TextBox 12">
-                <a:extLst>
-                  <a:ext uri="{FF2B5EF4-FFF2-40B4-BE49-F238E27FC236}">
-                    <a16:creationId xmlns:a16="http://schemas.microsoft.com/office/drawing/2014/main" id="{94E60FAD-4D87-4B19-A081-563E54C7E8C0}"/>
-                  </a:ext>
-                </a:extLst>
-              </p:cNvPr>
-              <p:cNvSpPr txBox="1">
-                <a:spLocks noRot="1" noChangeAspect="1" noMove="1" noResize="1" noEditPoints="1" noAdjustHandles="1" noChangeArrowheads="1" noChangeShapeType="1" noTextEdit="1"/>
-              </p:cNvSpPr>
-              <p:nvPr/>
-            </p:nvSpPr>
-            <p:spPr>
-              <a:xfrm>
-                <a:off x="4460855" y="3341669"/>
-                <a:ext cx="511615" cy="369332"/>
-              </a:xfrm>
-              <a:prstGeom prst="rect">
-                <a:avLst/>
-              </a:prstGeom>
-              <a:blipFill>
-                <a:blip r:embed="rId3"/>
-                <a:stretch>
-                  <a:fillRect/>
-                </a:stretch>
-              </a:blipFill>
-            </p:spPr>
-            <p:txBody>
-              <a:bodyPr/>
-              <a:lstStyle/>
-              <a:p>
-                <a:r>
-                  <a:rPr lang="en-US">
-                    <a:noFill/>
-                  </a:rPr>
-                  <a:t> </a:t>
-                </a:r>
-              </a:p>
-            </p:txBody>
-          </p:sp>
-        </mc:Fallback>
-      </mc:AlternateContent>
-      <p:cxnSp>
-        <p:nvCxnSpPr>
-          <p:cNvPr id="15" name="Straight Arrow Connector 14">
-            <a:extLst>
-              <a:ext uri="{FF2B5EF4-FFF2-40B4-BE49-F238E27FC236}">
-                <a16:creationId xmlns:a16="http://schemas.microsoft.com/office/drawing/2014/main" id="{12FB0F97-5404-488C-8050-FFAEC2252E4F}"/>
-              </a:ext>
-            </a:extLst>
-          </p:cNvPr>
-          <p:cNvCxnSpPr>
-            <a:cxnSpLocks/>
-          </p:cNvCxnSpPr>
-          <p:nvPr/>
-        </p:nvCxnSpPr>
-        <p:spPr>
-          <a:xfrm>
-            <a:off x="954447" y="1811001"/>
-            <a:ext cx="1501752" cy="0"/>
-          </a:xfrm>
-          <a:prstGeom prst="straightConnector1">
-            <a:avLst/>
-          </a:prstGeom>
-          <a:ln w="38100">
-            <a:solidFill>
-              <a:srgbClr val="7030A0"/>
-            </a:solidFill>
-            <a:tailEnd type="triangle"/>
-          </a:ln>
-        </p:spPr>
-        <p:style>
-          <a:lnRef idx="1">
-            <a:schemeClr val="accent2"/>
-          </a:lnRef>
-          <a:fillRef idx="0">
-            <a:schemeClr val="accent2"/>
-          </a:fillRef>
-          <a:effectRef idx="0">
-            <a:schemeClr val="accent2"/>
-          </a:effectRef>
-          <a:fontRef idx="minor">
-            <a:schemeClr val="tx1"/>
-          </a:fontRef>
-        </p:style>
-      </p:cxnSp>
-      <p:cxnSp>
-        <p:nvCxnSpPr>
-          <p:cNvPr id="17" name="Straight Arrow Connector 16">
-            <a:extLst>
-              <a:ext uri="{FF2B5EF4-FFF2-40B4-BE49-F238E27FC236}">
-                <a16:creationId xmlns:a16="http://schemas.microsoft.com/office/drawing/2014/main" id="{69A48D9C-6725-47BB-9AD2-E10F10C13C88}"/>
-              </a:ext>
-            </a:extLst>
-          </p:cNvPr>
-          <p:cNvCxnSpPr>
-            <a:cxnSpLocks/>
-          </p:cNvCxnSpPr>
-          <p:nvPr/>
-        </p:nvCxnSpPr>
-        <p:spPr>
-          <a:xfrm>
-            <a:off x="954447" y="3658712"/>
-            <a:ext cx="1501752" cy="0"/>
-          </a:xfrm>
-          <a:prstGeom prst="straightConnector1">
-            <a:avLst/>
-          </a:prstGeom>
-          <a:ln w="38100">
-            <a:solidFill>
-              <a:srgbClr val="C00000"/>
-            </a:solidFill>
-            <a:tailEnd type="triangle"/>
-          </a:ln>
-        </p:spPr>
-        <p:style>
-          <a:lnRef idx="1">
-            <a:schemeClr val="accent2"/>
-          </a:lnRef>
-          <a:fillRef idx="0">
-            <a:schemeClr val="accent2"/>
-          </a:fillRef>
-          <a:effectRef idx="0">
-            <a:schemeClr val="accent2"/>
-          </a:effectRef>
-          <a:fontRef idx="minor">
-            <a:schemeClr val="tx1"/>
-          </a:fontRef>
-        </p:style>
-      </p:cxnSp>
-      <p:cxnSp>
-        <p:nvCxnSpPr>
-          <p:cNvPr id="19" name="Straight Connector 18">
-            <a:extLst>
-              <a:ext uri="{FF2B5EF4-FFF2-40B4-BE49-F238E27FC236}">
-                <a16:creationId xmlns:a16="http://schemas.microsoft.com/office/drawing/2014/main" id="{B1F134DD-0371-4E27-9873-338AD2E89DA2}"/>
-              </a:ext>
-            </a:extLst>
-          </p:cNvPr>
-          <p:cNvCxnSpPr/>
-          <p:nvPr/>
-        </p:nvCxnSpPr>
-        <p:spPr>
-          <a:xfrm>
-            <a:off x="854330" y="3043550"/>
-            <a:ext cx="4765559" cy="0"/>
-          </a:xfrm>
-          <a:prstGeom prst="line">
-            <a:avLst/>
-          </a:prstGeom>
-          <a:ln w="25400">
-            <a:solidFill>
-              <a:schemeClr val="accent1"/>
-            </a:solidFill>
-            <a:prstDash val="dash"/>
-          </a:ln>
-        </p:spPr>
-        <p:style>
-          <a:lnRef idx="1">
-            <a:schemeClr val="accent1"/>
-          </a:lnRef>
-          <a:fillRef idx="0">
-            <a:schemeClr val="accent1"/>
-          </a:fillRef>
-          <a:effectRef idx="0">
-            <a:schemeClr val="accent1"/>
-          </a:effectRef>
-          <a:fontRef idx="minor">
-            <a:schemeClr val="tx1"/>
-          </a:fontRef>
-        </p:style>
-      </p:cxnSp>
-      <mc:AlternateContent xmlns:mc="http://schemas.openxmlformats.org/markup-compatibility/2006">
-        <mc:Choice xmlns:a14="http://schemas.microsoft.com/office/drawing/2010/main" Requires="a14">
-          <p:sp>
-            <p:nvSpPr>
-              <p:cNvPr id="14" name="TextBox 13">
-                <a:extLst>
-                  <a:ext uri="{FF2B5EF4-FFF2-40B4-BE49-F238E27FC236}">
-                    <a16:creationId xmlns:a16="http://schemas.microsoft.com/office/drawing/2014/main" id="{E36EB3CE-68F6-4F87-9224-0EFABDDECE8F}"/>
-                  </a:ext>
-                </a:extLst>
-              </p:cNvPr>
-              <p:cNvSpPr txBox="1"/>
-              <p:nvPr/>
-            </p:nvSpPr>
-            <p:spPr>
-              <a:xfrm>
-                <a:off x="5693308" y="775966"/>
-                <a:ext cx="6641869" cy="6412140"/>
-              </a:xfrm>
-              <a:prstGeom prst="rect">
-                <a:avLst/>
-              </a:prstGeom>
-              <a:noFill/>
-            </p:spPr>
-            <p:txBody>
-              <a:bodyPr wrap="square" rtlCol="0">
-                <a:spAutoFit/>
-              </a:bodyPr>
-              <a:lstStyle/>
-              <a:p>
-                <a:pPr marL="457200" indent="-457200">
-                  <a:buFont typeface="Arial" panose="020B0604020202020204" pitchFamily="34" charset="0"/>
-                  <a:buChar char="•"/>
-                </a:pPr>
-                <a:r>
-                  <a:rPr lang="en-US" sz="2800" dirty="0">
-                    <a:latin typeface="Arial" panose="020B0604020202020204" pitchFamily="34" charset="0"/>
-                    <a:cs typeface="Arial" panose="020B0604020202020204" pitchFamily="34" charset="0"/>
-                  </a:rPr>
-                  <a:t>non-resonant</a:t>
-                </a:r>
-              </a:p>
-              <a:p>
-                <a:pPr marL="457200" indent="-457200">
-                  <a:buFont typeface="Arial" panose="020B0604020202020204" pitchFamily="34" charset="0"/>
-                  <a:buChar char="•"/>
-                </a:pPr>
-                <a:r>
-                  <a:rPr lang="en-US" sz="2800" dirty="0" err="1">
-                    <a:latin typeface="Arial" panose="020B0604020202020204" pitchFamily="34" charset="0"/>
-                    <a:cs typeface="Arial" panose="020B0604020202020204" pitchFamily="34" charset="0"/>
-                  </a:rPr>
-                  <a:t>TMSV</a:t>
-                </a:r>
-                <a:endParaRPr lang="en-US" sz="2800" dirty="0">
-                  <a:latin typeface="Arial" panose="020B0604020202020204" pitchFamily="34" charset="0"/>
-                  <a:cs typeface="Arial" panose="020B0604020202020204" pitchFamily="34" charset="0"/>
-                </a:endParaRPr>
-              </a:p>
-              <a:p>
-                <a:pPr marL="457200" indent="-457200">
-                  <a:buFont typeface="Arial" panose="020B0604020202020204" pitchFamily="34" charset="0"/>
-                  <a:buChar char="•"/>
-                </a:pPr>
-                <a:r>
-                  <a:rPr lang="en-US" sz="2800" dirty="0">
-                    <a:latin typeface="Arial" panose="020B0604020202020204" pitchFamily="34" charset="0"/>
-                    <a:cs typeface="Arial" panose="020B0604020202020204" pitchFamily="34" charset="0"/>
-                  </a:rPr>
-                  <a:t>decay is neglected</a:t>
-                </a:r>
-              </a:p>
-              <a:p>
-                <a:pPr marL="457200" indent="-457200">
-                  <a:buFont typeface="Arial" panose="020B0604020202020204" pitchFamily="34" charset="0"/>
-                  <a:buChar char="•"/>
-                </a:pPr>
-                <a14:m>
-                  <m:oMath xmlns:m="http://schemas.openxmlformats.org/officeDocument/2006/math">
-                    <m:r>
-                      <m:rPr>
-                        <m:sty m:val="p"/>
-                      </m:rPr>
-                      <a:rPr lang="en-US" sz="2800" b="0" i="0" smtClean="0">
-                        <a:latin typeface="Cambria Math" panose="02040503050406030204" pitchFamily="18" charset="0"/>
-                        <a:cs typeface="Arial" panose="020B0604020202020204" pitchFamily="34" charset="0"/>
-                      </a:rPr>
-                      <m:t>Δ</m:t>
-                    </m:r>
-                    <m:r>
-                      <a:rPr lang="en-US" sz="2800" b="0" i="1" smtClean="0">
-                        <a:latin typeface="Cambria Math" panose="02040503050406030204" pitchFamily="18" charset="0"/>
-                        <a:cs typeface="Arial" panose="020B0604020202020204" pitchFamily="34" charset="0"/>
-                      </a:rPr>
-                      <m:t>𝑡</m:t>
-                    </m:r>
-                    <m:r>
-                      <a:rPr lang="en-US" sz="2800" b="0" i="1" smtClean="0">
-                        <a:latin typeface="Cambria Math" panose="02040503050406030204" pitchFamily="18" charset="0"/>
-                        <a:cs typeface="Arial" panose="020B0604020202020204" pitchFamily="34" charset="0"/>
-                      </a:rPr>
-                      <m:t>≫1</m:t>
-                    </m:r>
-                  </m:oMath>
-                </a14:m>
-                <a:endParaRPr lang="en-US" sz="2800" dirty="0">
-                  <a:latin typeface="Arial" panose="020B0604020202020204" pitchFamily="34" charset="0"/>
-                  <a:cs typeface="Arial" panose="020B0604020202020204" pitchFamily="34" charset="0"/>
-                </a:endParaRPr>
-              </a:p>
-              <a:p>
-                <a:endParaRPr lang="en-US" sz="2800" dirty="0">
-                  <a:latin typeface="Arial" panose="020B0604020202020204" pitchFamily="34" charset="0"/>
-                  <a:cs typeface="Arial" panose="020B0604020202020204" pitchFamily="34" charset="0"/>
-                </a:endParaRPr>
-              </a:p>
-              <a:p>
-                <a:r>
-                  <a:rPr lang="en-US" sz="2800" dirty="0">
-                    <a:latin typeface="Arial" panose="020B0604020202020204" pitchFamily="34" charset="0"/>
-                    <a:cs typeface="Arial" panose="020B0604020202020204" pitchFamily="34" charset="0"/>
-                  </a:rPr>
-                  <a:t>enhancement factor: </a:t>
-                </a:r>
-              </a:p>
-              <a:p>
-                <a:r>
-                  <a:rPr lang="en-US" sz="2800" b="0" dirty="0">
-                    <a:cs typeface="Arial" panose="020B0604020202020204" pitchFamily="34" charset="0"/>
-                  </a:rPr>
-                  <a:t>for </a:t>
-                </a:r>
-                <a:r>
-                  <a:rPr lang="en-US" sz="2800" b="0" dirty="0" err="1">
-                    <a:cs typeface="Arial" panose="020B0604020202020204" pitchFamily="34" charset="0"/>
-                  </a:rPr>
-                  <a:t>TMSV</a:t>
-                </a:r>
-                <a:r>
-                  <a:rPr lang="en-US" sz="2800" b="0" dirty="0">
-                    <a:cs typeface="Arial" panose="020B0604020202020204" pitchFamily="34" charset="0"/>
-                  </a:rPr>
-                  <a:t>, </a:t>
-                </a:r>
-                <a14:m>
-                  <m:oMath xmlns:m="http://schemas.openxmlformats.org/officeDocument/2006/math">
-                    <m:sSub>
-                      <m:sSubPr>
-                        <m:ctrlPr>
-                          <a:rPr lang="en-US" sz="2800" b="0" i="1" smtClean="0">
-                            <a:latin typeface="Cambria Math" panose="02040503050406030204" pitchFamily="18" charset="0"/>
-                            <a:cs typeface="Arial" panose="020B0604020202020204" pitchFamily="34" charset="0"/>
-                          </a:rPr>
-                        </m:ctrlPr>
-                      </m:sSubPr>
-                      <m:e>
-                        <m:r>
-                          <a:rPr lang="en-US" sz="2800" b="0" i="1" smtClean="0">
-                            <a:latin typeface="Cambria Math" panose="02040503050406030204" pitchFamily="18" charset="0"/>
-                            <a:cs typeface="Arial" panose="020B0604020202020204" pitchFamily="34" charset="0"/>
-                          </a:rPr>
-                          <m:t>𝑃</m:t>
-                        </m:r>
-                      </m:e>
-                      <m:sub>
-                        <m:r>
-                          <a:rPr lang="en-US" sz="2800" b="0" i="1" smtClean="0">
-                            <a:latin typeface="Cambria Math" panose="02040503050406030204" pitchFamily="18" charset="0"/>
-                            <a:cs typeface="Arial" panose="020B0604020202020204" pitchFamily="34" charset="0"/>
-                          </a:rPr>
-                          <m:t>𝑒</m:t>
-                        </m:r>
-                      </m:sub>
-                    </m:sSub>
-                    <m:r>
-                      <a:rPr lang="en-US" sz="2800" b="0" i="1" smtClean="0">
-                        <a:latin typeface="Cambria Math" panose="02040503050406030204" pitchFamily="18" charset="0"/>
-                        <a:cs typeface="Arial" panose="020B0604020202020204" pitchFamily="34" charset="0"/>
-                      </a:rPr>
-                      <m:t>=</m:t>
-                    </m:r>
-                    <m:f>
-                      <m:fPr>
-                        <m:ctrlPr>
-                          <a:rPr lang="en-US" sz="2800" b="0" i="1" smtClean="0">
-                            <a:latin typeface="Cambria Math" panose="02040503050406030204" pitchFamily="18" charset="0"/>
-                            <a:cs typeface="Arial" panose="020B0604020202020204" pitchFamily="34" charset="0"/>
-                          </a:rPr>
-                        </m:ctrlPr>
-                      </m:fPr>
-                      <m:num>
-                        <m:sSup>
-                          <m:sSupPr>
-                            <m:ctrlPr>
-                              <a:rPr lang="en-US" sz="2800" b="0" i="1" smtClean="0">
-                                <a:latin typeface="Cambria Math" panose="02040503050406030204" pitchFamily="18" charset="0"/>
-                                <a:cs typeface="Arial" panose="020B0604020202020204" pitchFamily="34" charset="0"/>
-                              </a:rPr>
-                            </m:ctrlPr>
-                          </m:sSupPr>
-                          <m:e>
-                            <m:r>
-                              <a:rPr lang="en-US" sz="2800" b="0" i="1" smtClean="0">
-                                <a:latin typeface="Cambria Math" panose="02040503050406030204" pitchFamily="18" charset="0"/>
-                                <a:cs typeface="Arial" panose="020B0604020202020204" pitchFamily="34" charset="0"/>
-                              </a:rPr>
-                              <m:t>𝑡</m:t>
-                            </m:r>
-                          </m:e>
-                          <m:sup>
-                            <m:r>
-                              <a:rPr lang="en-US" sz="2800" b="0" i="1" smtClean="0">
-                                <a:latin typeface="Cambria Math" panose="02040503050406030204" pitchFamily="18" charset="0"/>
-                                <a:cs typeface="Arial" panose="020B0604020202020204" pitchFamily="34" charset="0"/>
-                              </a:rPr>
-                              <m:t>2</m:t>
-                            </m:r>
-                          </m:sup>
-                        </m:sSup>
-                      </m:num>
-                      <m:den>
-                        <m:sSup>
-                          <m:sSupPr>
-                            <m:ctrlPr>
-                              <a:rPr lang="en-US" sz="2800" b="0" i="1" smtClean="0">
-                                <a:latin typeface="Cambria Math" panose="02040503050406030204" pitchFamily="18" charset="0"/>
-                                <a:cs typeface="Arial" panose="020B0604020202020204" pitchFamily="34" charset="0"/>
-                              </a:rPr>
-                            </m:ctrlPr>
-                          </m:sSupPr>
-                          <m:e>
-                            <m:r>
-                              <m:rPr>
-                                <m:sty m:val="p"/>
-                              </m:rPr>
-                              <a:rPr lang="en-US" sz="2800" b="0" i="0" smtClean="0">
-                                <a:latin typeface="Cambria Math" panose="02040503050406030204" pitchFamily="18" charset="0"/>
-                                <a:cs typeface="Arial" panose="020B0604020202020204" pitchFamily="34" charset="0"/>
-                              </a:rPr>
-                              <m:t>Δ</m:t>
-                            </m:r>
-                          </m:e>
-                          <m:sup>
-                            <m:r>
-                              <a:rPr lang="en-US" sz="2800" b="0" i="1" smtClean="0">
-                                <a:latin typeface="Cambria Math" panose="02040503050406030204" pitchFamily="18" charset="0"/>
-                                <a:cs typeface="Arial" panose="020B0604020202020204" pitchFamily="34" charset="0"/>
-                              </a:rPr>
-                              <m:t>2</m:t>
-                            </m:r>
-                          </m:sup>
-                        </m:sSup>
-                      </m:den>
-                    </m:f>
-                    <m:sSubSup>
-                      <m:sSubSupPr>
-                        <m:ctrlPr>
-                          <a:rPr lang="en-US" sz="2800" b="0" i="1" smtClean="0">
-                            <a:latin typeface="Cambria Math" panose="02040503050406030204" pitchFamily="18" charset="0"/>
-                            <a:cs typeface="Arial" panose="020B0604020202020204" pitchFamily="34" charset="0"/>
-                          </a:rPr>
-                        </m:ctrlPr>
-                      </m:sSubSupPr>
-                      <m:e>
-                        <m:r>
-                          <a:rPr lang="en-US" sz="2800" b="0" i="1" smtClean="0">
-                            <a:latin typeface="Cambria Math" panose="02040503050406030204" pitchFamily="18" charset="0"/>
-                            <a:cs typeface="Arial" panose="020B0604020202020204" pitchFamily="34" charset="0"/>
-                          </a:rPr>
-                          <m:t>𝑔</m:t>
-                        </m:r>
-                      </m:e>
-                      <m:sub>
-                        <m:r>
-                          <a:rPr lang="en-US" sz="2800" b="0" i="1" smtClean="0">
-                            <a:latin typeface="Cambria Math" panose="02040503050406030204" pitchFamily="18" charset="0"/>
-                            <a:cs typeface="Arial" panose="020B0604020202020204" pitchFamily="34" charset="0"/>
-                          </a:rPr>
-                          <m:t>𝑒𝑚</m:t>
-                        </m:r>
-                      </m:sub>
-                      <m:sup>
-                        <m:r>
-                          <a:rPr lang="en-US" sz="2800" b="0" i="1" smtClean="0">
-                            <a:latin typeface="Cambria Math" panose="02040503050406030204" pitchFamily="18" charset="0"/>
-                            <a:cs typeface="Arial" panose="020B0604020202020204" pitchFamily="34" charset="0"/>
-                          </a:rPr>
-                          <m:t>2</m:t>
-                        </m:r>
-                      </m:sup>
-                    </m:sSubSup>
-                    <m:sSubSup>
-                      <m:sSubSupPr>
-                        <m:ctrlPr>
-                          <a:rPr lang="en-US" sz="2800" b="0" i="1" smtClean="0">
-                            <a:latin typeface="Cambria Math" panose="02040503050406030204" pitchFamily="18" charset="0"/>
-                            <a:cs typeface="Arial" panose="020B0604020202020204" pitchFamily="34" charset="0"/>
-                          </a:rPr>
-                        </m:ctrlPr>
-                      </m:sSubSupPr>
-                      <m:e>
-                        <m:r>
-                          <a:rPr lang="en-US" sz="2800" b="0" i="1" smtClean="0">
-                            <a:latin typeface="Cambria Math" panose="02040503050406030204" pitchFamily="18" charset="0"/>
-                            <a:cs typeface="Arial" panose="020B0604020202020204" pitchFamily="34" charset="0"/>
-                          </a:rPr>
-                          <m:t>𝑔</m:t>
-                        </m:r>
-                      </m:e>
-                      <m:sub>
-                        <m:r>
-                          <a:rPr lang="en-US" sz="2800" b="0" i="1" smtClean="0">
-                            <a:latin typeface="Cambria Math" panose="02040503050406030204" pitchFamily="18" charset="0"/>
-                            <a:cs typeface="Arial" panose="020B0604020202020204" pitchFamily="34" charset="0"/>
-                          </a:rPr>
-                          <m:t>𝑚𝑔</m:t>
-                        </m:r>
-                      </m:sub>
-                      <m:sup>
-                        <m:r>
-                          <a:rPr lang="en-US" sz="2800" b="0" i="1" smtClean="0">
-                            <a:latin typeface="Cambria Math" panose="02040503050406030204" pitchFamily="18" charset="0"/>
-                            <a:cs typeface="Arial" panose="020B0604020202020204" pitchFamily="34" charset="0"/>
-                          </a:rPr>
-                          <m:t>2</m:t>
-                        </m:r>
-                      </m:sup>
-                    </m:sSubSup>
-                    <m:r>
-                      <a:rPr lang="en-US" sz="2800" b="0" i="1" smtClean="0">
-                        <a:latin typeface="Cambria Math" panose="02040503050406030204" pitchFamily="18" charset="0"/>
-                        <a:cs typeface="Arial" panose="020B0604020202020204" pitchFamily="34" charset="0"/>
-                      </a:rPr>
-                      <m:t>𝑠</m:t>
-                    </m:r>
-                    <m:sSup>
-                      <m:sSupPr>
-                        <m:ctrlPr>
-                          <a:rPr lang="en-US" sz="2800" b="0" i="1" smtClean="0">
-                            <a:latin typeface="Cambria Math" panose="02040503050406030204" pitchFamily="18" charset="0"/>
-                            <a:cs typeface="Arial" panose="020B0604020202020204" pitchFamily="34" charset="0"/>
-                          </a:rPr>
-                        </m:ctrlPr>
-                      </m:sSupPr>
-                      <m:e>
-                        <m:r>
-                          <a:rPr lang="en-US" sz="2800" b="0" i="1" smtClean="0">
-                            <a:latin typeface="Cambria Math" panose="02040503050406030204" pitchFamily="18" charset="0"/>
-                            <a:cs typeface="Arial" panose="020B0604020202020204" pitchFamily="34" charset="0"/>
-                          </a:rPr>
-                          <m:t>h</m:t>
-                        </m:r>
-                      </m:e>
-                      <m:sup>
-                        <m:r>
-                          <a:rPr lang="en-US" sz="2800" b="0" i="1" smtClean="0">
-                            <a:latin typeface="Cambria Math" panose="02040503050406030204" pitchFamily="18" charset="0"/>
-                            <a:cs typeface="Arial" panose="020B0604020202020204" pitchFamily="34" charset="0"/>
-                          </a:rPr>
-                          <m:t>2</m:t>
-                        </m:r>
-                      </m:sup>
-                    </m:sSup>
-                    <m:r>
-                      <a:rPr lang="en-US" sz="2800" b="0" i="1" smtClean="0">
-                        <a:latin typeface="Cambria Math" panose="02040503050406030204" pitchFamily="18" charset="0"/>
-                        <a:cs typeface="Arial" panose="020B0604020202020204" pitchFamily="34" charset="0"/>
-                      </a:rPr>
-                      <m:t>(</m:t>
-                    </m:r>
-                    <m:r>
-                      <a:rPr lang="en-US" sz="2800" b="0" i="1" smtClean="0">
-                        <a:latin typeface="Cambria Math" panose="02040503050406030204" pitchFamily="18" charset="0"/>
-                        <a:cs typeface="Arial" panose="020B0604020202020204" pitchFamily="34" charset="0"/>
-                      </a:rPr>
-                      <m:t>𝑠</m:t>
-                    </m:r>
-                    <m:sSup>
-                      <m:sSupPr>
-                        <m:ctrlPr>
-                          <a:rPr lang="en-US" sz="2800" b="0" i="1" smtClean="0">
-                            <a:latin typeface="Cambria Math" panose="02040503050406030204" pitchFamily="18" charset="0"/>
-                            <a:cs typeface="Arial" panose="020B0604020202020204" pitchFamily="34" charset="0"/>
-                          </a:rPr>
-                        </m:ctrlPr>
-                      </m:sSupPr>
-                      <m:e>
-                        <m:r>
-                          <a:rPr lang="en-US" sz="2800" b="0" i="1" smtClean="0">
-                            <a:latin typeface="Cambria Math" panose="02040503050406030204" pitchFamily="18" charset="0"/>
-                            <a:cs typeface="Arial" panose="020B0604020202020204" pitchFamily="34" charset="0"/>
-                          </a:rPr>
-                          <m:t>h</m:t>
-                        </m:r>
-                      </m:e>
-                      <m:sup>
-                        <m:r>
-                          <a:rPr lang="en-US" sz="2800" b="0" i="1" smtClean="0">
-                            <a:latin typeface="Cambria Math" panose="02040503050406030204" pitchFamily="18" charset="0"/>
-                            <a:cs typeface="Arial" panose="020B0604020202020204" pitchFamily="34" charset="0"/>
-                          </a:rPr>
-                          <m:t>2</m:t>
-                        </m:r>
-                      </m:sup>
-                    </m:sSup>
-                    <m:r>
-                      <a:rPr lang="en-US" sz="2800" b="0" i="1" smtClean="0">
-                        <a:latin typeface="Cambria Math" panose="02040503050406030204" pitchFamily="18" charset="0"/>
-                        <a:cs typeface="Arial" panose="020B0604020202020204" pitchFamily="34" charset="0"/>
-                      </a:rPr>
-                      <m:t>+</m:t>
-                    </m:r>
-                    <m:r>
-                      <a:rPr lang="en-US" sz="2800" b="0" i="1" smtClean="0">
-                        <a:latin typeface="Cambria Math" panose="02040503050406030204" pitchFamily="18" charset="0"/>
-                        <a:cs typeface="Arial" panose="020B0604020202020204" pitchFamily="34" charset="0"/>
-                      </a:rPr>
-                      <m:t>𝑐</m:t>
-                    </m:r>
-                    <m:sSup>
-                      <m:sSupPr>
-                        <m:ctrlPr>
-                          <a:rPr lang="en-US" sz="2800" b="0" i="1" smtClean="0">
-                            <a:latin typeface="Cambria Math" panose="02040503050406030204" pitchFamily="18" charset="0"/>
-                            <a:cs typeface="Arial" panose="020B0604020202020204" pitchFamily="34" charset="0"/>
-                          </a:rPr>
-                        </m:ctrlPr>
-                      </m:sSupPr>
-                      <m:e>
-                        <m:r>
-                          <a:rPr lang="en-US" sz="2800" b="0" i="1" smtClean="0">
-                            <a:latin typeface="Cambria Math" panose="02040503050406030204" pitchFamily="18" charset="0"/>
-                            <a:cs typeface="Arial" panose="020B0604020202020204" pitchFamily="34" charset="0"/>
-                          </a:rPr>
-                          <m:t>h</m:t>
-                        </m:r>
-                      </m:e>
-                      <m:sup>
-                        <m:r>
-                          <a:rPr lang="en-US" sz="2800" b="0" i="1" smtClean="0">
-                            <a:latin typeface="Cambria Math" panose="02040503050406030204" pitchFamily="18" charset="0"/>
-                            <a:cs typeface="Arial" panose="020B0604020202020204" pitchFamily="34" charset="0"/>
-                          </a:rPr>
-                          <m:t>2</m:t>
-                        </m:r>
-                      </m:sup>
-                    </m:sSup>
-                    <m:r>
-                      <a:rPr lang="en-US" sz="2800" b="0" i="1" smtClean="0">
-                        <a:latin typeface="Cambria Math" panose="02040503050406030204" pitchFamily="18" charset="0"/>
-                        <a:cs typeface="Arial" panose="020B0604020202020204" pitchFamily="34" charset="0"/>
-                      </a:rPr>
-                      <m:t>)</m:t>
-                    </m:r>
-                  </m:oMath>
-                </a14:m>
-                <a:endParaRPr lang="en-US" sz="2800" dirty="0">
-                  <a:latin typeface="Arial" panose="020B0604020202020204" pitchFamily="34" charset="0"/>
-                  <a:cs typeface="Arial" panose="020B0604020202020204" pitchFamily="34" charset="0"/>
-                </a:endParaRPr>
-              </a:p>
-              <a:p>
-                <a:r>
-                  <a:rPr lang="en-US" sz="2800" dirty="0">
-                    <a:latin typeface="Arial" panose="020B0604020202020204" pitchFamily="34" charset="0"/>
-                    <a:cs typeface="Arial" panose="020B0604020202020204" pitchFamily="34" charset="0"/>
-                  </a:rPr>
-                  <a:t>for </a:t>
-                </a:r>
-                <a14:m>
-                  <m:oMath xmlns:m="http://schemas.openxmlformats.org/officeDocument/2006/math">
-                    <m:d>
-                      <m:dPr>
-                        <m:begChr m:val="|"/>
-                        <m:endChr m:val="⟩"/>
-                        <m:ctrlPr>
-                          <a:rPr lang="en-US" sz="2800" b="0" i="1" smtClean="0">
-                            <a:latin typeface="Cambria Math" panose="02040503050406030204" pitchFamily="18" charset="0"/>
-                            <a:cs typeface="Arial" panose="020B0604020202020204" pitchFamily="34" charset="0"/>
-                          </a:rPr>
-                        </m:ctrlPr>
-                      </m:dPr>
-                      <m:e>
-                        <m:r>
-                          <a:rPr lang="en-US" sz="2800" b="0" i="1" smtClean="0">
-                            <a:latin typeface="Cambria Math" panose="02040503050406030204" pitchFamily="18" charset="0"/>
-                            <a:cs typeface="Arial" panose="020B0604020202020204" pitchFamily="34" charset="0"/>
-                          </a:rPr>
-                          <m:t>𝑠h</m:t>
-                        </m:r>
-                        <m:r>
-                          <a:rPr lang="en-US" sz="2800" b="0" i="1" smtClean="0">
-                            <a:latin typeface="Cambria Math" panose="02040503050406030204" pitchFamily="18" charset="0"/>
-                            <a:cs typeface="Arial" panose="020B0604020202020204" pitchFamily="34" charset="0"/>
-                          </a:rPr>
-                          <m:t>,</m:t>
-                        </m:r>
-                        <m:r>
-                          <a:rPr lang="en-US" sz="2800" b="0" i="1" smtClean="0">
-                            <a:latin typeface="Cambria Math" panose="02040503050406030204" pitchFamily="18" charset="0"/>
-                            <a:cs typeface="Arial" panose="020B0604020202020204" pitchFamily="34" charset="0"/>
-                          </a:rPr>
-                          <m:t>𝑠h</m:t>
-                        </m:r>
-                      </m:e>
-                    </m:d>
-                    <m:r>
-                      <a:rPr lang="en-US" sz="2800" b="0" i="1" smtClean="0">
-                        <a:latin typeface="Cambria Math" panose="02040503050406030204" pitchFamily="18" charset="0"/>
-                        <a:cs typeface="Arial" panose="020B0604020202020204" pitchFamily="34" charset="0"/>
-                      </a:rPr>
-                      <m:t>, </m:t>
-                    </m:r>
-                    <m:sSub>
-                      <m:sSubPr>
-                        <m:ctrlPr>
-                          <a:rPr lang="en-US" sz="2800" b="0" i="1" smtClean="0">
-                            <a:latin typeface="Cambria Math" panose="02040503050406030204" pitchFamily="18" charset="0"/>
-                            <a:cs typeface="Arial" panose="020B0604020202020204" pitchFamily="34" charset="0"/>
-                          </a:rPr>
-                        </m:ctrlPr>
-                      </m:sSubPr>
-                      <m:e>
-                        <m:r>
-                          <a:rPr lang="en-US" sz="2800" b="0" i="1" smtClean="0">
-                            <a:latin typeface="Cambria Math" panose="02040503050406030204" pitchFamily="18" charset="0"/>
-                            <a:cs typeface="Arial" panose="020B0604020202020204" pitchFamily="34" charset="0"/>
-                          </a:rPr>
-                          <m:t>𝑃</m:t>
-                        </m:r>
-                      </m:e>
-                      <m:sub>
-                        <m:r>
-                          <a:rPr lang="en-US" sz="2800" b="0" i="1" smtClean="0">
-                            <a:latin typeface="Cambria Math" panose="02040503050406030204" pitchFamily="18" charset="0"/>
-                            <a:cs typeface="Arial" panose="020B0604020202020204" pitchFamily="34" charset="0"/>
-                          </a:rPr>
-                          <m:t>𝑒</m:t>
-                        </m:r>
-                      </m:sub>
-                    </m:sSub>
-                    <m:r>
-                      <a:rPr lang="en-US" sz="2800" b="0" i="1" smtClean="0">
-                        <a:latin typeface="Cambria Math" panose="02040503050406030204" pitchFamily="18" charset="0"/>
-                        <a:cs typeface="Arial" panose="020B0604020202020204" pitchFamily="34" charset="0"/>
-                      </a:rPr>
-                      <m:t>=</m:t>
-                    </m:r>
-                    <m:f>
-                      <m:fPr>
-                        <m:ctrlPr>
-                          <a:rPr lang="en-US" sz="2800" i="1">
-                            <a:latin typeface="Cambria Math" panose="02040503050406030204" pitchFamily="18" charset="0"/>
-                            <a:cs typeface="Arial" panose="020B0604020202020204" pitchFamily="34" charset="0"/>
-                          </a:rPr>
-                        </m:ctrlPr>
-                      </m:fPr>
-                      <m:num>
-                        <m:sSup>
-                          <m:sSupPr>
-                            <m:ctrlPr>
-                              <a:rPr lang="en-US" sz="2800" i="1">
-                                <a:latin typeface="Cambria Math" panose="02040503050406030204" pitchFamily="18" charset="0"/>
-                                <a:cs typeface="Arial" panose="020B0604020202020204" pitchFamily="34" charset="0"/>
-                              </a:rPr>
-                            </m:ctrlPr>
-                          </m:sSupPr>
-                          <m:e>
-                            <m:r>
-                              <a:rPr lang="en-US" sz="2800" i="1">
-                                <a:latin typeface="Cambria Math" panose="02040503050406030204" pitchFamily="18" charset="0"/>
-                                <a:cs typeface="Arial" panose="020B0604020202020204" pitchFamily="34" charset="0"/>
-                              </a:rPr>
-                              <m:t>𝑡</m:t>
-                            </m:r>
-                          </m:e>
-                          <m:sup>
-                            <m:r>
-                              <a:rPr lang="en-US" sz="2800" i="1">
-                                <a:latin typeface="Cambria Math" panose="02040503050406030204" pitchFamily="18" charset="0"/>
-                                <a:cs typeface="Arial" panose="020B0604020202020204" pitchFamily="34" charset="0"/>
-                              </a:rPr>
-                              <m:t>2</m:t>
-                            </m:r>
-                          </m:sup>
-                        </m:sSup>
-                      </m:num>
-                      <m:den>
-                        <m:sSup>
-                          <m:sSupPr>
-                            <m:ctrlPr>
-                              <a:rPr lang="en-US" sz="2800" i="1">
-                                <a:latin typeface="Cambria Math" panose="02040503050406030204" pitchFamily="18" charset="0"/>
-                                <a:cs typeface="Arial" panose="020B0604020202020204" pitchFamily="34" charset="0"/>
-                              </a:rPr>
-                            </m:ctrlPr>
-                          </m:sSupPr>
-                          <m:e>
-                            <m:r>
-                              <m:rPr>
-                                <m:sty m:val="p"/>
-                              </m:rPr>
-                              <a:rPr lang="en-US" sz="2800">
-                                <a:latin typeface="Cambria Math" panose="02040503050406030204" pitchFamily="18" charset="0"/>
-                                <a:cs typeface="Arial" panose="020B0604020202020204" pitchFamily="34" charset="0"/>
-                              </a:rPr>
-                              <m:t>Δ</m:t>
-                            </m:r>
-                          </m:e>
-                          <m:sup>
-                            <m:r>
-                              <a:rPr lang="en-US" sz="2800" i="1">
-                                <a:latin typeface="Cambria Math" panose="02040503050406030204" pitchFamily="18" charset="0"/>
-                                <a:cs typeface="Arial" panose="020B0604020202020204" pitchFamily="34" charset="0"/>
-                              </a:rPr>
-                              <m:t>2</m:t>
-                            </m:r>
-                          </m:sup>
-                        </m:sSup>
-                      </m:den>
-                    </m:f>
-                    <m:sSubSup>
-                      <m:sSubSupPr>
-                        <m:ctrlPr>
-                          <a:rPr lang="en-US" sz="2800" b="0" i="1" smtClean="0">
-                            <a:latin typeface="Cambria Math" panose="02040503050406030204" pitchFamily="18" charset="0"/>
-                            <a:cs typeface="Arial" panose="020B0604020202020204" pitchFamily="34" charset="0"/>
-                          </a:rPr>
-                        </m:ctrlPr>
-                      </m:sSubSupPr>
-                      <m:e>
-                        <m:r>
-                          <a:rPr lang="en-US" sz="2800" b="0" i="1" smtClean="0">
-                            <a:latin typeface="Cambria Math" panose="02040503050406030204" pitchFamily="18" charset="0"/>
-                            <a:cs typeface="Arial" panose="020B0604020202020204" pitchFamily="34" charset="0"/>
-                          </a:rPr>
-                          <m:t>𝑔</m:t>
-                        </m:r>
-                      </m:e>
-                      <m:sub>
-                        <m:r>
-                          <a:rPr lang="en-US" sz="2800" b="0" i="1" smtClean="0">
-                            <a:latin typeface="Cambria Math" panose="02040503050406030204" pitchFamily="18" charset="0"/>
-                            <a:cs typeface="Arial" panose="020B0604020202020204" pitchFamily="34" charset="0"/>
-                          </a:rPr>
-                          <m:t>𝑒𝑚</m:t>
-                        </m:r>
-                      </m:sub>
-                      <m:sup>
-                        <m:r>
-                          <a:rPr lang="en-US" sz="2800" b="0" i="1" smtClean="0">
-                            <a:latin typeface="Cambria Math" panose="02040503050406030204" pitchFamily="18" charset="0"/>
-                            <a:cs typeface="Arial" panose="020B0604020202020204" pitchFamily="34" charset="0"/>
-                          </a:rPr>
-                          <m:t>2</m:t>
-                        </m:r>
-                      </m:sup>
-                    </m:sSubSup>
-                    <m:sSubSup>
-                      <m:sSubSupPr>
-                        <m:ctrlPr>
-                          <a:rPr lang="en-US" sz="2800" b="0" i="1" smtClean="0">
-                            <a:latin typeface="Cambria Math" panose="02040503050406030204" pitchFamily="18" charset="0"/>
-                            <a:cs typeface="Arial" panose="020B0604020202020204" pitchFamily="34" charset="0"/>
-                          </a:rPr>
-                        </m:ctrlPr>
-                      </m:sSubSupPr>
-                      <m:e>
-                        <m:r>
-                          <a:rPr lang="en-US" sz="2800" b="0" i="1" smtClean="0">
-                            <a:latin typeface="Cambria Math" panose="02040503050406030204" pitchFamily="18" charset="0"/>
-                            <a:cs typeface="Arial" panose="020B0604020202020204" pitchFamily="34" charset="0"/>
-                          </a:rPr>
-                          <m:t>𝑔</m:t>
-                        </m:r>
-                      </m:e>
-                      <m:sub>
-                        <m:r>
-                          <a:rPr lang="en-US" sz="2800" b="0" i="1" smtClean="0">
-                            <a:latin typeface="Cambria Math" panose="02040503050406030204" pitchFamily="18" charset="0"/>
-                            <a:cs typeface="Arial" panose="020B0604020202020204" pitchFamily="34" charset="0"/>
-                          </a:rPr>
-                          <m:t>𝑚𝑔</m:t>
-                        </m:r>
-                      </m:sub>
-                      <m:sup>
-                        <m:r>
-                          <a:rPr lang="en-US" sz="2800" b="0" i="1" smtClean="0">
-                            <a:latin typeface="Cambria Math" panose="02040503050406030204" pitchFamily="18" charset="0"/>
-                            <a:cs typeface="Arial" panose="020B0604020202020204" pitchFamily="34" charset="0"/>
-                          </a:rPr>
-                          <m:t>2</m:t>
-                        </m:r>
-                      </m:sup>
-                    </m:sSubSup>
-                    <m:r>
-                      <a:rPr lang="en-US" sz="2800" b="0" i="1" smtClean="0">
-                        <a:latin typeface="Cambria Math" panose="02040503050406030204" pitchFamily="18" charset="0"/>
-                        <a:cs typeface="Arial" panose="020B0604020202020204" pitchFamily="34" charset="0"/>
-                      </a:rPr>
-                      <m:t>𝑠</m:t>
-                    </m:r>
-                    <m:sSup>
-                      <m:sSupPr>
-                        <m:ctrlPr>
-                          <a:rPr lang="en-US" sz="2800" b="0" i="1" smtClean="0">
-                            <a:latin typeface="Cambria Math" panose="02040503050406030204" pitchFamily="18" charset="0"/>
-                            <a:cs typeface="Arial" panose="020B0604020202020204" pitchFamily="34" charset="0"/>
-                          </a:rPr>
-                        </m:ctrlPr>
-                      </m:sSupPr>
-                      <m:e>
-                        <m:r>
-                          <a:rPr lang="en-US" sz="2800" b="0" i="1" smtClean="0">
-                            <a:latin typeface="Cambria Math" panose="02040503050406030204" pitchFamily="18" charset="0"/>
-                            <a:cs typeface="Arial" panose="020B0604020202020204" pitchFamily="34" charset="0"/>
-                          </a:rPr>
-                          <m:t>h</m:t>
-                        </m:r>
-                      </m:e>
-                      <m:sup>
-                        <m:r>
-                          <a:rPr lang="en-US" sz="2800" b="0" i="1" smtClean="0">
-                            <a:latin typeface="Cambria Math" panose="02040503050406030204" pitchFamily="18" charset="0"/>
-                            <a:cs typeface="Arial" panose="020B0604020202020204" pitchFamily="34" charset="0"/>
-                          </a:rPr>
-                          <m:t>4</m:t>
-                        </m:r>
-                      </m:sup>
-                    </m:sSup>
-                  </m:oMath>
-                </a14:m>
-                <a:endParaRPr lang="en-US" sz="2800" dirty="0">
-                  <a:latin typeface="Arial" panose="020B0604020202020204" pitchFamily="34" charset="0"/>
-                  <a:cs typeface="Arial" panose="020B0604020202020204" pitchFamily="34" charset="0"/>
-                </a:endParaRPr>
-              </a:p>
-              <a:p>
-                <a:r>
-                  <a:rPr lang="en-US" sz="2800" dirty="0">
-                    <a:latin typeface="Arial" panose="020B0604020202020204" pitchFamily="34" charset="0"/>
-                    <a:cs typeface="Arial" panose="020B0604020202020204" pitchFamily="34" charset="0"/>
-                  </a:rPr>
-                  <a:t>enhancement: </a:t>
-                </a:r>
-                <a14:m>
-                  <m:oMath xmlns:m="http://schemas.openxmlformats.org/officeDocument/2006/math">
-                    <m:f>
-                      <m:fPr>
-                        <m:ctrlPr>
-                          <a:rPr lang="en-US" sz="2800" b="0" i="1" smtClean="0">
-                            <a:latin typeface="Cambria Math" panose="02040503050406030204" pitchFamily="18" charset="0"/>
-                            <a:cs typeface="Arial" panose="020B0604020202020204" pitchFamily="34" charset="0"/>
-                          </a:rPr>
-                        </m:ctrlPr>
-                      </m:fPr>
-                      <m:num>
-                        <m:r>
-                          <a:rPr lang="en-US" sz="2800" b="0" i="1" smtClean="0">
-                            <a:latin typeface="Cambria Math" panose="02040503050406030204" pitchFamily="18" charset="0"/>
-                            <a:cs typeface="Arial" panose="020B0604020202020204" pitchFamily="34" charset="0"/>
-                          </a:rPr>
-                          <m:t>𝑠</m:t>
-                        </m:r>
-                        <m:sSup>
-                          <m:sSupPr>
-                            <m:ctrlPr>
-                              <a:rPr lang="en-US" sz="2800" b="0" i="1" smtClean="0">
-                                <a:latin typeface="Cambria Math" panose="02040503050406030204" pitchFamily="18" charset="0"/>
-                                <a:cs typeface="Arial" panose="020B0604020202020204" pitchFamily="34" charset="0"/>
-                              </a:rPr>
-                            </m:ctrlPr>
-                          </m:sSupPr>
-                          <m:e>
-                            <m:r>
-                              <a:rPr lang="en-US" sz="2800" b="0" i="1" smtClean="0">
-                                <a:latin typeface="Cambria Math" panose="02040503050406030204" pitchFamily="18" charset="0"/>
-                                <a:cs typeface="Arial" panose="020B0604020202020204" pitchFamily="34" charset="0"/>
-                              </a:rPr>
-                              <m:t>h</m:t>
-                            </m:r>
-                          </m:e>
-                          <m:sup>
-                            <m:r>
-                              <a:rPr lang="en-US" sz="2800" b="0" i="1" smtClean="0">
-                                <a:latin typeface="Cambria Math" panose="02040503050406030204" pitchFamily="18" charset="0"/>
-                                <a:cs typeface="Arial" panose="020B0604020202020204" pitchFamily="34" charset="0"/>
-                              </a:rPr>
-                              <m:t>2</m:t>
-                            </m:r>
-                          </m:sup>
-                        </m:sSup>
-                        <m:r>
-                          <a:rPr lang="en-US" sz="2800" b="0" i="1" smtClean="0">
-                            <a:latin typeface="Cambria Math" panose="02040503050406030204" pitchFamily="18" charset="0"/>
-                            <a:cs typeface="Arial" panose="020B0604020202020204" pitchFamily="34" charset="0"/>
-                          </a:rPr>
-                          <m:t>+</m:t>
-                        </m:r>
-                        <m:r>
-                          <a:rPr lang="en-US" sz="2800" b="0" i="1" smtClean="0">
-                            <a:latin typeface="Cambria Math" panose="02040503050406030204" pitchFamily="18" charset="0"/>
-                            <a:cs typeface="Arial" panose="020B0604020202020204" pitchFamily="34" charset="0"/>
-                          </a:rPr>
-                          <m:t>𝑐</m:t>
-                        </m:r>
-                        <m:sSup>
-                          <m:sSupPr>
-                            <m:ctrlPr>
-                              <a:rPr lang="en-US" sz="2800" b="0" i="1" smtClean="0">
-                                <a:latin typeface="Cambria Math" panose="02040503050406030204" pitchFamily="18" charset="0"/>
-                                <a:cs typeface="Arial" panose="020B0604020202020204" pitchFamily="34" charset="0"/>
-                              </a:rPr>
-                            </m:ctrlPr>
-                          </m:sSupPr>
-                          <m:e>
-                            <m:r>
-                              <a:rPr lang="en-US" sz="2800" b="0" i="1" smtClean="0">
-                                <a:latin typeface="Cambria Math" panose="02040503050406030204" pitchFamily="18" charset="0"/>
-                                <a:cs typeface="Arial" panose="020B0604020202020204" pitchFamily="34" charset="0"/>
-                              </a:rPr>
-                              <m:t>h</m:t>
-                            </m:r>
-                          </m:e>
-                          <m:sup>
-                            <m:r>
-                              <a:rPr lang="en-US" sz="2800" b="0" i="1" smtClean="0">
-                                <a:latin typeface="Cambria Math" panose="02040503050406030204" pitchFamily="18" charset="0"/>
-                                <a:cs typeface="Arial" panose="020B0604020202020204" pitchFamily="34" charset="0"/>
-                              </a:rPr>
-                              <m:t>2</m:t>
-                            </m:r>
-                          </m:sup>
-                        </m:sSup>
-                      </m:num>
-                      <m:den>
-                        <m:r>
-                          <a:rPr lang="en-US" sz="2800" b="0" i="1" smtClean="0">
-                            <a:latin typeface="Cambria Math" panose="02040503050406030204" pitchFamily="18" charset="0"/>
-                            <a:cs typeface="Arial" panose="020B0604020202020204" pitchFamily="34" charset="0"/>
-                          </a:rPr>
-                          <m:t>𝑠</m:t>
-                        </m:r>
-                        <m:sSup>
-                          <m:sSupPr>
-                            <m:ctrlPr>
-                              <a:rPr lang="en-US" sz="2800" b="0" i="1" smtClean="0">
-                                <a:latin typeface="Cambria Math" panose="02040503050406030204" pitchFamily="18" charset="0"/>
-                                <a:cs typeface="Arial" panose="020B0604020202020204" pitchFamily="34" charset="0"/>
-                              </a:rPr>
-                            </m:ctrlPr>
-                          </m:sSupPr>
-                          <m:e>
-                            <m:r>
-                              <a:rPr lang="en-US" sz="2800" b="0" i="1" smtClean="0">
-                                <a:latin typeface="Cambria Math" panose="02040503050406030204" pitchFamily="18" charset="0"/>
-                                <a:cs typeface="Arial" panose="020B0604020202020204" pitchFamily="34" charset="0"/>
-                              </a:rPr>
-                              <m:t>h</m:t>
-                            </m:r>
-                          </m:e>
-                          <m:sup>
-                            <m:r>
-                              <a:rPr lang="en-US" sz="2800" b="0" i="1" smtClean="0">
-                                <a:latin typeface="Cambria Math" panose="02040503050406030204" pitchFamily="18" charset="0"/>
-                                <a:cs typeface="Arial" panose="020B0604020202020204" pitchFamily="34" charset="0"/>
-                              </a:rPr>
-                              <m:t>2</m:t>
-                            </m:r>
-                          </m:sup>
-                        </m:sSup>
-                      </m:den>
-                    </m:f>
-                  </m:oMath>
-                </a14:m>
-                <a:r>
-                  <a:rPr lang="en-US" sz="2800" dirty="0">
-                    <a:latin typeface="Arial" panose="020B0604020202020204" pitchFamily="34" charset="0"/>
-                    <a:cs typeface="Arial" panose="020B0604020202020204" pitchFamily="34" charset="0"/>
-                  </a:rPr>
-                  <a:t>, </a:t>
-                </a:r>
-              </a:p>
-              <a:p>
-                <a:r>
-                  <a:rPr lang="en-US" sz="2800" dirty="0">
-                    <a:latin typeface="Arial" panose="020B0604020202020204" pitchFamily="34" charset="0"/>
-                    <a:cs typeface="Arial" panose="020B0604020202020204" pitchFamily="34" charset="0"/>
-                  </a:rPr>
-                  <a:t>infinity if </a:t>
-                </a:r>
-                <a14:m>
-                  <m:oMath xmlns:m="http://schemas.openxmlformats.org/officeDocument/2006/math">
-                    <m:r>
-                      <a:rPr lang="en-US" sz="2800" b="0" i="1" smtClean="0">
-                        <a:latin typeface="Cambria Math" panose="02040503050406030204" pitchFamily="18" charset="0"/>
-                        <a:cs typeface="Arial" panose="020B0604020202020204" pitchFamily="34" charset="0"/>
-                      </a:rPr>
-                      <m:t>𝑟</m:t>
-                    </m:r>
-                    <m:r>
-                      <a:rPr lang="en-US" sz="2800" b="0" i="1" smtClean="0">
-                        <a:latin typeface="Cambria Math" panose="02040503050406030204" pitchFamily="18" charset="0"/>
-                        <a:cs typeface="Arial" panose="020B0604020202020204" pitchFamily="34" charset="0"/>
-                      </a:rPr>
-                      <m:t>→</m:t>
-                    </m:r>
-                  </m:oMath>
-                </a14:m>
-                <a:r>
-                  <a:rPr lang="en-US" sz="2800" dirty="0">
-                    <a:latin typeface="Arial" panose="020B0604020202020204" pitchFamily="34" charset="0"/>
-                    <a:cs typeface="Arial" panose="020B0604020202020204" pitchFamily="34" charset="0"/>
-                  </a:rPr>
-                  <a:t>0, 2 if </a:t>
-                </a:r>
-                <a14:m>
-                  <m:oMath xmlns:m="http://schemas.openxmlformats.org/officeDocument/2006/math">
-                    <m:r>
-                      <a:rPr lang="en-US" sz="2800" b="0" i="1" smtClean="0">
-                        <a:latin typeface="Cambria Math" panose="02040503050406030204" pitchFamily="18" charset="0"/>
-                        <a:cs typeface="Arial" panose="020B0604020202020204" pitchFamily="34" charset="0"/>
-                      </a:rPr>
-                      <m:t>𝑟</m:t>
-                    </m:r>
-                    <m:r>
-                      <a:rPr lang="en-US" sz="2800" b="0" i="1" smtClean="0">
-                        <a:latin typeface="Cambria Math" panose="02040503050406030204" pitchFamily="18" charset="0"/>
-                        <a:cs typeface="Arial" panose="020B0604020202020204" pitchFamily="34" charset="0"/>
-                      </a:rPr>
-                      <m:t>→∞</m:t>
-                    </m:r>
-                  </m:oMath>
-                </a14:m>
-                <a:endParaRPr lang="en-US" sz="2800" dirty="0">
-                  <a:latin typeface="Arial" panose="020B0604020202020204" pitchFamily="34" charset="0"/>
-                  <a:cs typeface="Arial" panose="020B0604020202020204" pitchFamily="34" charset="0"/>
-                </a:endParaRPr>
-              </a:p>
-              <a:p>
-                <a:endParaRPr lang="en-US" sz="2800" dirty="0">
-                  <a:latin typeface="Arial" panose="020B0604020202020204" pitchFamily="34" charset="0"/>
-                  <a:cs typeface="Arial" panose="020B0604020202020204" pitchFamily="34" charset="0"/>
-                </a:endParaRPr>
-              </a:p>
-              <a:p>
-                <a:r>
-                  <a:rPr lang="en-US" sz="2800" dirty="0">
-                    <a:latin typeface="Arial" panose="020B0604020202020204" pitchFamily="34" charset="0"/>
-                    <a:cs typeface="Arial" panose="020B0604020202020204" pitchFamily="34" charset="0"/>
-                  </a:rPr>
-                  <a:t>(</a:t>
-                </a:r>
-                <a14:m>
-                  <m:oMath xmlns:m="http://schemas.openxmlformats.org/officeDocument/2006/math">
-                    <m:r>
-                      <a:rPr lang="en-US" sz="2800" b="0" i="1" smtClean="0">
-                        <a:latin typeface="Cambria Math" panose="02040503050406030204" pitchFamily="18" charset="0"/>
-                        <a:cs typeface="Arial" panose="020B0604020202020204" pitchFamily="34" charset="0"/>
-                      </a:rPr>
-                      <m:t>𝑐h</m:t>
-                    </m:r>
-                    <m:r>
-                      <a:rPr lang="en-US" sz="2800" b="0" i="1" smtClean="0">
-                        <a:latin typeface="Cambria Math" panose="02040503050406030204" pitchFamily="18" charset="0"/>
-                        <a:cs typeface="Arial" panose="020B0604020202020204" pitchFamily="34" charset="0"/>
-                      </a:rPr>
-                      <m:t>=</m:t>
-                    </m:r>
-                    <m:func>
-                      <m:funcPr>
-                        <m:ctrlPr>
-                          <a:rPr lang="en-US" sz="2800" b="0" i="1" smtClean="0">
-                            <a:latin typeface="Cambria Math" panose="02040503050406030204" pitchFamily="18" charset="0"/>
-                            <a:cs typeface="Arial" panose="020B0604020202020204" pitchFamily="34" charset="0"/>
-                          </a:rPr>
-                        </m:ctrlPr>
-                      </m:funcPr>
-                      <m:fName>
-                        <m:r>
-                          <m:rPr>
-                            <m:sty m:val="p"/>
-                          </m:rPr>
-                          <a:rPr lang="en-US" sz="2800" b="0" i="0" smtClean="0">
-                            <a:latin typeface="Cambria Math" panose="02040503050406030204" pitchFamily="18" charset="0"/>
-                            <a:cs typeface="Arial" panose="020B0604020202020204" pitchFamily="34" charset="0"/>
-                          </a:rPr>
-                          <m:t>cosh</m:t>
-                        </m:r>
-                      </m:fName>
-                      <m:e>
-                        <m:r>
-                          <a:rPr lang="en-US" sz="2800" b="0" i="1" smtClean="0">
-                            <a:latin typeface="Cambria Math" panose="02040503050406030204" pitchFamily="18" charset="0"/>
-                            <a:cs typeface="Arial" panose="020B0604020202020204" pitchFamily="34" charset="0"/>
-                          </a:rPr>
-                          <m:t>𝑟</m:t>
-                        </m:r>
-                      </m:e>
-                    </m:func>
-                    <m:r>
-                      <a:rPr lang="en-US" sz="2800" b="0" i="1" smtClean="0">
-                        <a:latin typeface="Cambria Math" panose="02040503050406030204" pitchFamily="18" charset="0"/>
-                        <a:cs typeface="Arial" panose="020B0604020202020204" pitchFamily="34" charset="0"/>
-                      </a:rPr>
-                      <m:t>, </m:t>
-                    </m:r>
-                    <m:r>
-                      <a:rPr lang="en-US" sz="2800" b="0" i="1" smtClean="0">
-                        <a:latin typeface="Cambria Math" panose="02040503050406030204" pitchFamily="18" charset="0"/>
-                        <a:cs typeface="Arial" panose="020B0604020202020204" pitchFamily="34" charset="0"/>
-                      </a:rPr>
-                      <m:t>𝑠h</m:t>
-                    </m:r>
-                    <m:r>
-                      <a:rPr lang="en-US" sz="2800" b="0" i="1" smtClean="0">
-                        <a:latin typeface="Cambria Math" panose="02040503050406030204" pitchFamily="18" charset="0"/>
-                        <a:cs typeface="Arial" panose="020B0604020202020204" pitchFamily="34" charset="0"/>
-                      </a:rPr>
-                      <m:t>=</m:t>
-                    </m:r>
-                    <m:func>
-                      <m:funcPr>
-                        <m:ctrlPr>
-                          <a:rPr lang="en-US" sz="2800" b="0" i="1" smtClean="0">
-                            <a:latin typeface="Cambria Math" panose="02040503050406030204" pitchFamily="18" charset="0"/>
-                            <a:cs typeface="Arial" panose="020B0604020202020204" pitchFamily="34" charset="0"/>
-                          </a:rPr>
-                        </m:ctrlPr>
-                      </m:funcPr>
-                      <m:fName>
-                        <m:r>
-                          <m:rPr>
-                            <m:sty m:val="p"/>
-                          </m:rPr>
-                          <a:rPr lang="en-US" sz="2800" b="0" i="0" smtClean="0">
-                            <a:latin typeface="Cambria Math" panose="02040503050406030204" pitchFamily="18" charset="0"/>
-                            <a:cs typeface="Arial" panose="020B0604020202020204" pitchFamily="34" charset="0"/>
-                          </a:rPr>
-                          <m:t>sinh</m:t>
-                        </m:r>
-                      </m:fName>
-                      <m:e>
-                        <m:r>
-                          <a:rPr lang="en-US" sz="2800" b="0" i="1" smtClean="0">
-                            <a:latin typeface="Cambria Math" panose="02040503050406030204" pitchFamily="18" charset="0"/>
-                            <a:cs typeface="Arial" panose="020B0604020202020204" pitchFamily="34" charset="0"/>
-                          </a:rPr>
-                          <m:t>𝑟</m:t>
-                        </m:r>
-                      </m:e>
-                    </m:func>
-                  </m:oMath>
-                </a14:m>
-                <a:r>
-                  <a:rPr lang="en-US" sz="2800" dirty="0">
-                    <a:latin typeface="Arial" panose="020B0604020202020204" pitchFamily="34" charset="0"/>
-                    <a:cs typeface="Arial" panose="020B0604020202020204" pitchFamily="34" charset="0"/>
-                  </a:rPr>
-                  <a:t>, </a:t>
-                </a:r>
-                <a14:m>
-                  <m:oMath xmlns:m="http://schemas.openxmlformats.org/officeDocument/2006/math">
-                    <m:r>
-                      <a:rPr lang="en-US" sz="2800" b="0" i="1" smtClean="0">
-                        <a:latin typeface="Cambria Math" panose="02040503050406030204" pitchFamily="18" charset="0"/>
-                        <a:cs typeface="Arial" panose="020B0604020202020204" pitchFamily="34" charset="0"/>
-                      </a:rPr>
-                      <m:t>𝑠</m:t>
-                    </m:r>
-                    <m:sSup>
-                      <m:sSupPr>
-                        <m:ctrlPr>
-                          <a:rPr lang="en-US" sz="2800" b="0" i="1" smtClean="0">
-                            <a:latin typeface="Cambria Math" panose="02040503050406030204" pitchFamily="18" charset="0"/>
-                            <a:cs typeface="Arial" panose="020B0604020202020204" pitchFamily="34" charset="0"/>
-                          </a:rPr>
-                        </m:ctrlPr>
-                      </m:sSupPr>
-                      <m:e>
-                        <m:r>
-                          <a:rPr lang="en-US" sz="2800" b="0" i="1" smtClean="0">
-                            <a:latin typeface="Cambria Math" panose="02040503050406030204" pitchFamily="18" charset="0"/>
-                            <a:cs typeface="Arial" panose="020B0604020202020204" pitchFamily="34" charset="0"/>
-                          </a:rPr>
-                          <m:t>h</m:t>
-                        </m:r>
-                      </m:e>
-                      <m:sup>
-                        <m:r>
-                          <a:rPr lang="en-US" sz="2800" b="0" i="1" smtClean="0">
-                            <a:latin typeface="Cambria Math" panose="02040503050406030204" pitchFamily="18" charset="0"/>
-                            <a:cs typeface="Arial" panose="020B0604020202020204" pitchFamily="34" charset="0"/>
-                          </a:rPr>
-                          <m:t>2</m:t>
-                        </m:r>
-                      </m:sup>
-                    </m:sSup>
-                    <m:r>
-                      <a:rPr lang="en-US" sz="2800" b="0" i="1" smtClean="0">
-                        <a:latin typeface="Cambria Math" panose="02040503050406030204" pitchFamily="18" charset="0"/>
-                        <a:cs typeface="Arial" panose="020B0604020202020204" pitchFamily="34" charset="0"/>
-                      </a:rPr>
-                      <m:t>=</m:t>
-                    </m:r>
-                    <m:r>
-                      <a:rPr lang="en-US" sz="2800" b="0" i="1" smtClean="0">
-                        <a:latin typeface="Cambria Math" panose="02040503050406030204" pitchFamily="18" charset="0"/>
-                        <a:cs typeface="Arial" panose="020B0604020202020204" pitchFamily="34" charset="0"/>
-                      </a:rPr>
-                      <m:t>𝑁</m:t>
-                    </m:r>
-                  </m:oMath>
-                </a14:m>
-                <a:r>
-                  <a:rPr lang="en-US" sz="2800" dirty="0">
-                    <a:latin typeface="Arial" panose="020B0604020202020204" pitchFamily="34" charset="0"/>
-                    <a:cs typeface="Arial" panose="020B0604020202020204" pitchFamily="34" charset="0"/>
-                  </a:rPr>
-                  <a:t>(average photon number))</a:t>
-                </a:r>
-              </a:p>
-            </p:txBody>
-          </p:sp>
-        </mc:Choice>
-        <mc:Fallback>
-          <p:sp>
-            <p:nvSpPr>
-              <p:cNvPr id="14" name="TextBox 13">
-                <a:extLst>
-                  <a:ext uri="{FF2B5EF4-FFF2-40B4-BE49-F238E27FC236}">
-                    <a16:creationId xmlns:a16="http://schemas.microsoft.com/office/drawing/2014/main" id="{E36EB3CE-68F6-4F87-9224-0EFABDDECE8F}"/>
-                  </a:ext>
-                </a:extLst>
-              </p:cNvPr>
-              <p:cNvSpPr txBox="1">
-                <a:spLocks noRot="1" noChangeAspect="1" noMove="1" noResize="1" noEditPoints="1" noAdjustHandles="1" noChangeArrowheads="1" noChangeShapeType="1" noTextEdit="1"/>
-              </p:cNvSpPr>
-              <p:nvPr/>
-            </p:nvSpPr>
-            <p:spPr>
-              <a:xfrm>
-                <a:off x="5693308" y="775966"/>
-                <a:ext cx="6641869" cy="6412140"/>
-              </a:xfrm>
-              <a:prstGeom prst="rect">
-                <a:avLst/>
-              </a:prstGeom>
-              <a:blipFill>
-                <a:blip r:embed="rId4"/>
-                <a:stretch>
-                  <a:fillRect l="-1928" t="-951" b="-1616"/>
-                </a:stretch>
-              </a:blipFill>
-            </p:spPr>
-            <p:txBody>
-              <a:bodyPr/>
-              <a:lstStyle/>
-              <a:p>
-                <a:r>
-                  <a:rPr lang="en-US">
-                    <a:noFill/>
-                  </a:rPr>
-                  <a:t> </a:t>
-                </a:r>
-              </a:p>
-            </p:txBody>
-          </p:sp>
-        </mc:Fallback>
-      </mc:AlternateContent>
-      <mc:AlternateContent xmlns:mc="http://schemas.openxmlformats.org/markup-compatibility/2006">
-        <mc:Choice xmlns:a14="http://schemas.microsoft.com/office/drawing/2010/main" Requires="a14">
-          <p:sp>
-            <p:nvSpPr>
-              <p:cNvPr id="16" name="TextBox 15">
-                <a:extLst>
-                  <a:ext uri="{FF2B5EF4-FFF2-40B4-BE49-F238E27FC236}">
-                    <a16:creationId xmlns:a16="http://schemas.microsoft.com/office/drawing/2014/main" id="{F17BEC80-AA96-4F10-8FF0-8A6458EF4D17}"/>
-                  </a:ext>
-                </a:extLst>
-              </p:cNvPr>
-              <p:cNvSpPr txBox="1"/>
-              <p:nvPr/>
-            </p:nvSpPr>
-            <p:spPr>
-              <a:xfrm>
-                <a:off x="2629048" y="3474046"/>
-                <a:ext cx="925189" cy="369332"/>
-              </a:xfrm>
-              <a:prstGeom prst="rect">
-                <a:avLst/>
-              </a:prstGeom>
-              <a:noFill/>
-            </p:spPr>
-            <p:txBody>
-              <a:bodyPr wrap="none" rtlCol="0">
-                <a:spAutoFit/>
-              </a:bodyPr>
-              <a:lstStyle/>
-              <a:p>
-                <a:pPr/>
-                <a14:m>
-                  <m:oMathPara xmlns:m="http://schemas.openxmlformats.org/officeDocument/2006/math">
-                    <m:oMathParaPr>
-                      <m:jc m:val="centerGroup"/>
-                    </m:oMathParaPr>
-                    <m:oMath xmlns:m="http://schemas.openxmlformats.org/officeDocument/2006/math">
-                      <m:sSub>
-                        <m:sSubPr>
-                          <m:ctrlPr>
-                            <a:rPr lang="en-US" b="0" i="1" smtClean="0">
-                              <a:latin typeface="Cambria Math" panose="02040503050406030204" pitchFamily="18" charset="0"/>
-                            </a:rPr>
-                          </m:ctrlPr>
-                        </m:sSubPr>
-                        <m:e>
-                          <m:r>
-                            <a:rPr lang="en-US" b="0" i="1" smtClean="0">
-                              <a:latin typeface="Cambria Math" panose="02040503050406030204" pitchFamily="18" charset="0"/>
-                            </a:rPr>
-                            <m:t>𝜔</m:t>
-                          </m:r>
-                        </m:e>
-                        <m:sub>
-                          <m:r>
-                            <a:rPr lang="en-US" b="0" i="1" smtClean="0">
-                              <a:latin typeface="Cambria Math" panose="02040503050406030204" pitchFamily="18" charset="0"/>
-                            </a:rPr>
-                            <m:t>2</m:t>
-                          </m:r>
-                        </m:sub>
-                      </m:sSub>
-                      <m:r>
-                        <a:rPr lang="en-US" b="0" i="1" smtClean="0">
-                          <a:latin typeface="Cambria Math" panose="02040503050406030204" pitchFamily="18" charset="0"/>
-                        </a:rPr>
-                        <m:t>+</m:t>
-                      </m:r>
-                      <m:r>
-                        <m:rPr>
-                          <m:sty m:val="p"/>
-                        </m:rPr>
-                        <a:rPr lang="en-US" b="0" i="0" smtClean="0">
-                          <a:latin typeface="Cambria Math" panose="02040503050406030204" pitchFamily="18" charset="0"/>
-                        </a:rPr>
-                        <m:t>Δ</m:t>
-                      </m:r>
-                    </m:oMath>
-                  </m:oMathPara>
-                </a14:m>
-                <a:endParaRPr lang="en-US" dirty="0"/>
-              </a:p>
-            </p:txBody>
-          </p:sp>
-        </mc:Choice>
-        <mc:Fallback>
-          <p:sp>
-            <p:nvSpPr>
-              <p:cNvPr id="16" name="TextBox 15">
-                <a:extLst>
-                  <a:ext uri="{FF2B5EF4-FFF2-40B4-BE49-F238E27FC236}">
-                    <a16:creationId xmlns:a16="http://schemas.microsoft.com/office/drawing/2014/main" id="{F17BEC80-AA96-4F10-8FF0-8A6458EF4D17}"/>
-                  </a:ext>
-                </a:extLst>
-              </p:cNvPr>
-              <p:cNvSpPr txBox="1">
-                <a:spLocks noRot="1" noChangeAspect="1" noMove="1" noResize="1" noEditPoints="1" noAdjustHandles="1" noChangeArrowheads="1" noChangeShapeType="1" noTextEdit="1"/>
-              </p:cNvSpPr>
-              <p:nvPr/>
-            </p:nvSpPr>
-            <p:spPr>
-              <a:xfrm>
-                <a:off x="2629048" y="3474046"/>
-                <a:ext cx="925189" cy="369332"/>
-              </a:xfrm>
-              <a:prstGeom prst="rect">
-                <a:avLst/>
-              </a:prstGeom>
-              <a:blipFill>
-                <a:blip r:embed="rId5"/>
-                <a:stretch>
-                  <a:fillRect/>
-                </a:stretch>
-              </a:blipFill>
-            </p:spPr>
-            <p:txBody>
-              <a:bodyPr/>
-              <a:lstStyle/>
-              <a:p>
-                <a:r>
-                  <a:rPr lang="en-US">
-                    <a:noFill/>
-                  </a:rPr>
-                  <a:t> </a:t>
-                </a:r>
-              </a:p>
-            </p:txBody>
-          </p:sp>
-        </mc:Fallback>
-      </mc:AlternateContent>
-      <mc:AlternateContent xmlns:mc="http://schemas.openxmlformats.org/markup-compatibility/2006">
-        <mc:Choice xmlns:a14="http://schemas.microsoft.com/office/drawing/2010/main" Requires="a14">
-          <p:sp>
-            <p:nvSpPr>
-              <p:cNvPr id="18" name="TextBox 17">
-                <a:extLst>
-                  <a:ext uri="{FF2B5EF4-FFF2-40B4-BE49-F238E27FC236}">
-                    <a16:creationId xmlns:a16="http://schemas.microsoft.com/office/drawing/2014/main" id="{49037623-9824-4A57-88AB-1CCF8CAA1FA5}"/>
-                  </a:ext>
-                </a:extLst>
-              </p:cNvPr>
-              <p:cNvSpPr txBox="1"/>
-              <p:nvPr/>
-            </p:nvSpPr>
-            <p:spPr>
-              <a:xfrm>
-                <a:off x="2631184" y="1626335"/>
-                <a:ext cx="919867" cy="369332"/>
-              </a:xfrm>
-              <a:prstGeom prst="rect">
-                <a:avLst/>
-              </a:prstGeom>
-              <a:noFill/>
-            </p:spPr>
-            <p:txBody>
-              <a:bodyPr wrap="none" rtlCol="0">
-                <a:spAutoFit/>
-              </a:bodyPr>
-              <a:lstStyle/>
-              <a:p>
-                <a:pPr/>
-                <a14:m>
-                  <m:oMathPara xmlns:m="http://schemas.openxmlformats.org/officeDocument/2006/math">
-                    <m:oMathParaPr>
-                      <m:jc m:val="centerGroup"/>
-                    </m:oMathParaPr>
-                    <m:oMath xmlns:m="http://schemas.openxmlformats.org/officeDocument/2006/math">
-                      <m:sSub>
-                        <m:sSubPr>
-                          <m:ctrlPr>
-                            <a:rPr lang="en-US" b="0" i="1" smtClean="0">
-                              <a:latin typeface="Cambria Math" panose="02040503050406030204" pitchFamily="18" charset="0"/>
-                            </a:rPr>
-                          </m:ctrlPr>
-                        </m:sSubPr>
-                        <m:e>
-                          <m:r>
-                            <a:rPr lang="en-US" b="0" i="1" smtClean="0">
-                              <a:latin typeface="Cambria Math" panose="02040503050406030204" pitchFamily="18" charset="0"/>
-                            </a:rPr>
-                            <m:t>𝜔</m:t>
-                          </m:r>
-                        </m:e>
-                        <m:sub>
-                          <m:r>
-                            <a:rPr lang="en-US" b="0" i="1" smtClean="0">
-                              <a:latin typeface="Cambria Math" panose="02040503050406030204" pitchFamily="18" charset="0"/>
-                            </a:rPr>
-                            <m:t>1</m:t>
-                          </m:r>
-                        </m:sub>
-                      </m:sSub>
-                      <m:r>
-                        <a:rPr lang="en-US" b="0" i="1" smtClean="0">
-                          <a:latin typeface="Cambria Math" panose="02040503050406030204" pitchFamily="18" charset="0"/>
-                        </a:rPr>
-                        <m:t>−</m:t>
-                      </m:r>
-                      <m:r>
-                        <m:rPr>
-                          <m:sty m:val="p"/>
-                        </m:rPr>
-                        <a:rPr lang="en-US" b="0" i="0" smtClean="0">
-                          <a:latin typeface="Cambria Math" panose="02040503050406030204" pitchFamily="18" charset="0"/>
-                        </a:rPr>
-                        <m:t>Δ</m:t>
-                      </m:r>
-                    </m:oMath>
-                  </m:oMathPara>
-                </a14:m>
-                <a:endParaRPr lang="en-US" dirty="0"/>
-              </a:p>
-            </p:txBody>
-          </p:sp>
-        </mc:Choice>
-        <mc:Fallback>
-          <p:sp>
-            <p:nvSpPr>
-              <p:cNvPr id="18" name="TextBox 17">
-                <a:extLst>
-                  <a:ext uri="{FF2B5EF4-FFF2-40B4-BE49-F238E27FC236}">
-                    <a16:creationId xmlns:a16="http://schemas.microsoft.com/office/drawing/2014/main" id="{49037623-9824-4A57-88AB-1CCF8CAA1FA5}"/>
-                  </a:ext>
-                </a:extLst>
-              </p:cNvPr>
-              <p:cNvSpPr txBox="1">
-                <a:spLocks noRot="1" noChangeAspect="1" noMove="1" noResize="1" noEditPoints="1" noAdjustHandles="1" noChangeArrowheads="1" noChangeShapeType="1" noTextEdit="1"/>
-              </p:cNvSpPr>
-              <p:nvPr/>
-            </p:nvSpPr>
-            <p:spPr>
-              <a:xfrm>
-                <a:off x="2631184" y="1626335"/>
-                <a:ext cx="919867" cy="369332"/>
-              </a:xfrm>
-              <a:prstGeom prst="rect">
-                <a:avLst/>
-              </a:prstGeom>
-              <a:blipFill>
-                <a:blip r:embed="rId6"/>
-                <a:stretch>
-                  <a:fillRect/>
-                </a:stretch>
-              </a:blipFill>
-            </p:spPr>
-            <p:txBody>
-              <a:bodyPr/>
-              <a:lstStyle/>
-              <a:p>
-                <a:r>
-                  <a:rPr lang="en-US">
-                    <a:noFill/>
-                  </a:rPr>
-                  <a:t> </a:t>
-                </a:r>
-              </a:p>
-            </p:txBody>
-          </p:sp>
-        </mc:Fallback>
-      </mc:AlternateContent>
-      <mc:AlternateContent xmlns:mc="http://schemas.openxmlformats.org/markup-compatibility/2006">
-        <mc:Choice xmlns:a14="http://schemas.microsoft.com/office/drawing/2010/main" Requires="a14">
-          <p:sp>
-            <p:nvSpPr>
-              <p:cNvPr id="20" name="TextBox 19">
-                <a:extLst>
-                  <a:ext uri="{FF2B5EF4-FFF2-40B4-BE49-F238E27FC236}">
-                    <a16:creationId xmlns:a16="http://schemas.microsoft.com/office/drawing/2014/main" id="{EB59CDB4-C2FD-48E0-A044-BEEBFA793297}"/>
-                  </a:ext>
-                </a:extLst>
-              </p:cNvPr>
-              <p:cNvSpPr txBox="1"/>
-              <p:nvPr/>
-            </p:nvSpPr>
-            <p:spPr>
-              <a:xfrm>
-                <a:off x="4844394" y="738369"/>
-                <a:ext cx="513538" cy="369332"/>
-              </a:xfrm>
-              <a:prstGeom prst="rect">
-                <a:avLst/>
-              </a:prstGeom>
-              <a:noFill/>
-            </p:spPr>
-            <p:txBody>
-              <a:bodyPr wrap="none" rtlCol="0">
-                <a:spAutoFit/>
-              </a:bodyPr>
-              <a:lstStyle/>
-              <a:p>
-                <a14:m>
-                  <m:oMathPara xmlns:m="http://schemas.openxmlformats.org/officeDocument/2006/math">
-                    <m:oMathParaPr>
-                      <m:jc m:val="centerGroup"/>
-                    </m:oMathParaPr>
-                    <m:oMath xmlns:m="http://schemas.openxmlformats.org/officeDocument/2006/math">
-                      <m:r>
-                        <a:rPr lang="en-US" b="0" i="1" smtClean="0">
-                          <a:latin typeface="Cambria Math" panose="02040503050406030204" pitchFamily="18" charset="0"/>
-                        </a:rPr>
-                        <m:t>|</m:t>
-                      </m:r>
-                      <m:r>
-                        <a:rPr lang="en-US" b="0" i="1" smtClean="0">
-                          <a:latin typeface="Cambria Math" panose="02040503050406030204" pitchFamily="18" charset="0"/>
-                        </a:rPr>
-                        <m:t>𝑒</m:t>
-                      </m:r>
-                      <m:r>
-                        <a:rPr lang="en-US" b="0" i="1" smtClean="0">
-                          <a:latin typeface="Cambria Math" panose="02040503050406030204" pitchFamily="18" charset="0"/>
-                        </a:rPr>
-                        <m:t>⟩</m:t>
-                      </m:r>
-                    </m:oMath>
-                  </m:oMathPara>
-                </a14:m>
-                <a:endParaRPr lang="en-US" dirty="0"/>
-              </a:p>
-            </p:txBody>
-          </p:sp>
-        </mc:Choice>
-        <mc:Fallback>
-          <p:sp>
-            <p:nvSpPr>
-              <p:cNvPr id="20" name="TextBox 19">
-                <a:extLst>
-                  <a:ext uri="{FF2B5EF4-FFF2-40B4-BE49-F238E27FC236}">
-                    <a16:creationId xmlns:a16="http://schemas.microsoft.com/office/drawing/2014/main" id="{EB59CDB4-C2FD-48E0-A044-BEEBFA793297}"/>
-                  </a:ext>
-                </a:extLst>
-              </p:cNvPr>
-              <p:cNvSpPr txBox="1">
-                <a:spLocks noRot="1" noChangeAspect="1" noMove="1" noResize="1" noEditPoints="1" noAdjustHandles="1" noChangeArrowheads="1" noChangeShapeType="1" noTextEdit="1"/>
-              </p:cNvSpPr>
-              <p:nvPr/>
-            </p:nvSpPr>
-            <p:spPr>
-              <a:xfrm>
-                <a:off x="4844394" y="738369"/>
-                <a:ext cx="513538" cy="369332"/>
-              </a:xfrm>
-              <a:prstGeom prst="rect">
-                <a:avLst/>
-              </a:prstGeom>
-              <a:blipFill>
-                <a:blip r:embed="rId7"/>
-                <a:stretch>
-                  <a:fillRect b="-13115"/>
-                </a:stretch>
-              </a:blipFill>
-            </p:spPr>
-            <p:txBody>
-              <a:bodyPr/>
-              <a:lstStyle/>
-              <a:p>
-                <a:r>
-                  <a:rPr lang="en-US">
-                    <a:noFill/>
-                  </a:rPr>
-                  <a:t> </a:t>
-                </a:r>
-              </a:p>
-            </p:txBody>
-          </p:sp>
-        </mc:Fallback>
-      </mc:AlternateContent>
-      <mc:AlternateContent xmlns:mc="http://schemas.openxmlformats.org/markup-compatibility/2006">
-        <mc:Choice xmlns:a14="http://schemas.microsoft.com/office/drawing/2010/main" Requires="a14">
-          <p:sp>
-            <p:nvSpPr>
-              <p:cNvPr id="22" name="TextBox 21">
-                <a:extLst>
-                  <a:ext uri="{FF2B5EF4-FFF2-40B4-BE49-F238E27FC236}">
-                    <a16:creationId xmlns:a16="http://schemas.microsoft.com/office/drawing/2014/main" id="{A16A1021-B4A2-4B55-A79E-6D8699434A59}"/>
-                  </a:ext>
-                </a:extLst>
-              </p:cNvPr>
-              <p:cNvSpPr txBox="1"/>
-              <p:nvPr/>
-            </p:nvSpPr>
-            <p:spPr>
-              <a:xfrm>
-                <a:off x="4785149" y="2381109"/>
-                <a:ext cx="592598" cy="369332"/>
-              </a:xfrm>
-              <a:prstGeom prst="rect">
-                <a:avLst/>
-              </a:prstGeom>
-              <a:noFill/>
-            </p:spPr>
-            <p:txBody>
-              <a:bodyPr wrap="none" rtlCol="0">
-                <a:spAutoFit/>
-              </a:bodyPr>
-              <a:lstStyle/>
-              <a:p>
-                <a14:m>
-                  <m:oMathPara xmlns:m="http://schemas.openxmlformats.org/officeDocument/2006/math">
-                    <m:oMathParaPr>
-                      <m:jc m:val="centerGroup"/>
-                    </m:oMathParaPr>
-                    <m:oMath xmlns:m="http://schemas.openxmlformats.org/officeDocument/2006/math">
-                      <m:r>
-                        <a:rPr lang="en-US" b="0" i="1" smtClean="0">
-                          <a:latin typeface="Cambria Math" panose="02040503050406030204" pitchFamily="18" charset="0"/>
-                        </a:rPr>
-                        <m:t>|</m:t>
-                      </m:r>
-                      <m:r>
-                        <a:rPr lang="en-US" b="0" i="1" smtClean="0">
-                          <a:latin typeface="Cambria Math" panose="02040503050406030204" pitchFamily="18" charset="0"/>
-                        </a:rPr>
-                        <m:t>𝑚</m:t>
-                      </m:r>
-                      <m:r>
-                        <a:rPr lang="en-US" b="0" i="1" smtClean="0">
-                          <a:latin typeface="Cambria Math" panose="02040503050406030204" pitchFamily="18" charset="0"/>
-                        </a:rPr>
-                        <m:t>⟩</m:t>
-                      </m:r>
-                    </m:oMath>
-                  </m:oMathPara>
-                </a14:m>
-                <a:endParaRPr lang="en-US" dirty="0"/>
-              </a:p>
-            </p:txBody>
-          </p:sp>
-        </mc:Choice>
-        <mc:Fallback>
-          <p:sp>
-            <p:nvSpPr>
-              <p:cNvPr id="22" name="TextBox 21">
-                <a:extLst>
-                  <a:ext uri="{FF2B5EF4-FFF2-40B4-BE49-F238E27FC236}">
-                    <a16:creationId xmlns:a16="http://schemas.microsoft.com/office/drawing/2014/main" id="{A16A1021-B4A2-4B55-A79E-6D8699434A59}"/>
-                  </a:ext>
-                </a:extLst>
-              </p:cNvPr>
-              <p:cNvSpPr txBox="1">
-                <a:spLocks noRot="1" noChangeAspect="1" noMove="1" noResize="1" noEditPoints="1" noAdjustHandles="1" noChangeArrowheads="1" noChangeShapeType="1" noTextEdit="1"/>
-              </p:cNvSpPr>
-              <p:nvPr/>
-            </p:nvSpPr>
-            <p:spPr>
-              <a:xfrm>
-                <a:off x="4785149" y="2381109"/>
-                <a:ext cx="592598" cy="369332"/>
-              </a:xfrm>
-              <a:prstGeom prst="rect">
-                <a:avLst/>
-              </a:prstGeom>
-              <a:blipFill>
-                <a:blip r:embed="rId8"/>
-                <a:stretch>
-                  <a:fillRect b="-13333"/>
-                </a:stretch>
-              </a:blipFill>
-            </p:spPr>
-            <p:txBody>
-              <a:bodyPr/>
-              <a:lstStyle/>
-              <a:p>
-                <a:r>
-                  <a:rPr lang="en-US">
-                    <a:noFill/>
-                  </a:rPr>
-                  <a:t> </a:t>
-                </a:r>
-              </a:p>
-            </p:txBody>
-          </p:sp>
-        </mc:Fallback>
-      </mc:AlternateContent>
-      <mc:AlternateContent xmlns:mc="http://schemas.openxmlformats.org/markup-compatibility/2006">
-        <mc:Choice xmlns:a14="http://schemas.microsoft.com/office/drawing/2010/main" Requires="a14">
-          <p:sp>
-            <p:nvSpPr>
-              <p:cNvPr id="23" name="TextBox 22">
-                <a:extLst>
-                  <a:ext uri="{FF2B5EF4-FFF2-40B4-BE49-F238E27FC236}">
-                    <a16:creationId xmlns:a16="http://schemas.microsoft.com/office/drawing/2014/main" id="{95BEC25F-2F1E-4FB0-96A0-2C1555BDE757}"/>
-                  </a:ext>
-                </a:extLst>
-              </p:cNvPr>
-              <p:cNvSpPr txBox="1"/>
-              <p:nvPr/>
-            </p:nvSpPr>
-            <p:spPr>
-              <a:xfrm>
-                <a:off x="4864209" y="4199336"/>
-                <a:ext cx="539700" cy="369332"/>
-              </a:xfrm>
-              <a:prstGeom prst="rect">
-                <a:avLst/>
-              </a:prstGeom>
-              <a:noFill/>
-            </p:spPr>
-            <p:txBody>
-              <a:bodyPr wrap="none" rtlCol="0">
-                <a:spAutoFit/>
-              </a:bodyPr>
-              <a:lstStyle/>
-              <a:p>
-                <a14:m>
-                  <m:oMathPara xmlns:m="http://schemas.openxmlformats.org/officeDocument/2006/math">
-                    <m:oMathParaPr>
-                      <m:jc m:val="centerGroup"/>
-                    </m:oMathParaPr>
-                    <m:oMath xmlns:m="http://schemas.openxmlformats.org/officeDocument/2006/math">
-                      <m:r>
-                        <a:rPr lang="en-US" b="0" i="1" smtClean="0">
-                          <a:latin typeface="Cambria Math" panose="02040503050406030204" pitchFamily="18" charset="0"/>
-                        </a:rPr>
-                        <m:t>|</m:t>
-                      </m:r>
-                      <m:r>
-                        <a:rPr lang="en-US" b="0" i="1" smtClean="0">
-                          <a:latin typeface="Cambria Math" panose="02040503050406030204" pitchFamily="18" charset="0"/>
-                        </a:rPr>
-                        <m:t>𝑔</m:t>
-                      </m:r>
-                      <m:r>
-                        <a:rPr lang="en-US" b="0" i="1" smtClean="0">
-                          <a:latin typeface="Cambria Math" panose="02040503050406030204" pitchFamily="18" charset="0"/>
-                        </a:rPr>
-                        <m:t>⟩</m:t>
-                      </m:r>
-                    </m:oMath>
-                  </m:oMathPara>
-                </a14:m>
-                <a:endParaRPr lang="en-US" dirty="0"/>
-              </a:p>
-            </p:txBody>
-          </p:sp>
-        </mc:Choice>
-        <mc:Fallback>
-          <p:sp>
-            <p:nvSpPr>
-              <p:cNvPr id="23" name="TextBox 22">
-                <a:extLst>
-                  <a:ext uri="{FF2B5EF4-FFF2-40B4-BE49-F238E27FC236}">
-                    <a16:creationId xmlns:a16="http://schemas.microsoft.com/office/drawing/2014/main" id="{95BEC25F-2F1E-4FB0-96A0-2C1555BDE757}"/>
-                  </a:ext>
-                </a:extLst>
-              </p:cNvPr>
-              <p:cNvSpPr txBox="1">
-                <a:spLocks noRot="1" noChangeAspect="1" noMove="1" noResize="1" noEditPoints="1" noAdjustHandles="1" noChangeArrowheads="1" noChangeShapeType="1" noTextEdit="1"/>
-              </p:cNvSpPr>
-              <p:nvPr/>
-            </p:nvSpPr>
-            <p:spPr>
-              <a:xfrm>
-                <a:off x="4864209" y="4199336"/>
-                <a:ext cx="539700" cy="369332"/>
-              </a:xfrm>
-              <a:prstGeom prst="rect">
-                <a:avLst/>
-              </a:prstGeom>
-              <a:blipFill>
-                <a:blip r:embed="rId9"/>
-                <a:stretch>
-                  <a:fillRect b="-13333"/>
-                </a:stretch>
-              </a:blipFill>
-            </p:spPr>
-            <p:txBody>
-              <a:bodyPr/>
-              <a:lstStyle/>
-              <a:p>
-                <a:r>
-                  <a:rPr lang="en-US">
-                    <a:noFill/>
-                  </a:rPr>
-                  <a:t> </a:t>
-                </a:r>
-              </a:p>
-            </p:txBody>
-          </p:sp>
-        </mc:Fallback>
-      </mc:AlternateContent>
-    </p:spTree>
-    <p:extLst>
-      <p:ext uri="{BB962C8B-B14F-4D97-AF65-F5344CB8AC3E}">
-        <p14:creationId xmlns:p14="http://schemas.microsoft.com/office/powerpoint/2010/main" val="2091307836"/>
-      </p:ext>
-    </p:extLst>
-  </p:cSld>
-  <p:clrMapOvr>
-    <a:masterClrMapping/>
-  </p:clrMapOvr>
-</p:sld>
-</file>
-
-<file path=ppt/slides/slide4.xml><?xml version="1.0" encoding="utf-8"?>
 <p:sld xmlns:a="http://schemas.openxmlformats.org/drawingml/2006/main" xmlns:r="http://schemas.openxmlformats.org/officeDocument/2006/relationships" xmlns:p="http://schemas.openxmlformats.org/presentationml/2006/main">
   <p:cSld>
     <p:spTree>
@@ -8985,8 +4668,8 @@
           </a:fontRef>
         </p:style>
       </p:cxnSp>
-      <mc:AlternateContent xmlns:mc="http://schemas.openxmlformats.org/markup-compatibility/2006">
-        <mc:Choice xmlns:a14="http://schemas.microsoft.com/office/drawing/2010/main" Requires="a14">
+      <mc:AlternateContent xmlns:mc="http://schemas.openxmlformats.org/markup-compatibility/2006" xmlns:a14="http://schemas.microsoft.com/office/drawing/2010/main">
+        <mc:Choice Requires="a14">
           <p:sp>
             <p:nvSpPr>
               <p:cNvPr id="12" name="TextBox 11">
@@ -9055,7 +4738,7 @@
             </p:txBody>
           </p:sp>
         </mc:Choice>
-        <mc:Fallback>
+        <mc:Fallback xmlns="">
           <p:sp>
             <p:nvSpPr>
               <p:cNvPr id="12" name="TextBox 11">
@@ -9100,8 +4783,8 @@
           </p:sp>
         </mc:Fallback>
       </mc:AlternateContent>
-      <mc:AlternateContent xmlns:mc="http://schemas.openxmlformats.org/markup-compatibility/2006">
-        <mc:Choice xmlns:a14="http://schemas.microsoft.com/office/drawing/2010/main" Requires="a14">
+      <mc:AlternateContent xmlns:mc="http://schemas.openxmlformats.org/markup-compatibility/2006" xmlns:a14="http://schemas.microsoft.com/office/drawing/2010/main">
+        <mc:Choice Requires="a14">
           <p:sp>
             <p:nvSpPr>
               <p:cNvPr id="13" name="TextBox 12">
@@ -9170,7 +4853,7 @@
             </p:txBody>
           </p:sp>
         </mc:Choice>
-        <mc:Fallback>
+        <mc:Fallback xmlns="">
           <p:sp>
             <p:nvSpPr>
               <p:cNvPr id="13" name="TextBox 12">
@@ -9361,8 +5044,8 @@
             </p:nvSpPr>
             <p:spPr>
               <a:xfrm>
-                <a:off x="5301321" y="665941"/>
-                <a:ext cx="6925294" cy="3464859"/>
+                <a:off x="5301321" y="134616"/>
+                <a:ext cx="6634740" cy="4326634"/>
               </a:xfrm>
               <a:prstGeom prst="rect">
                 <a:avLst/>
@@ -9370,7 +5053,7 @@
               <a:noFill/>
             </p:spPr>
             <p:txBody>
-              <a:bodyPr wrap="none" rtlCol="0">
+              <a:bodyPr wrap="square" rtlCol="0">
                 <a:spAutoFit/>
               </a:bodyPr>
               <a:lstStyle/>
@@ -9412,7 +5095,175 @@
                     <a:latin typeface="Arial" panose="020B0604020202020204" pitchFamily="34" charset="0"/>
                     <a:cs typeface="Arial" panose="020B0604020202020204" pitchFamily="34" charset="0"/>
                   </a:rPr>
-                  <a:t>)</a:t>
+                  <a:t>, (</a:t>
+                </a:r>
+                <a14:m>
+                  <m:oMath xmlns:m="http://schemas.openxmlformats.org/officeDocument/2006/math">
+                    <m:r>
+                      <a:rPr lang="en-US" sz="2800" i="1">
+                        <a:latin typeface="Cambria Math" panose="02040503050406030204" pitchFamily="18" charset="0"/>
+                        <a:cs typeface="Arial" panose="020B0604020202020204" pitchFamily="34" charset="0"/>
+                      </a:rPr>
+                      <m:t>𝑐h</m:t>
+                    </m:r>
+                    <m:r>
+                      <a:rPr lang="en-US" sz="2800" i="1">
+                        <a:latin typeface="Cambria Math" panose="02040503050406030204" pitchFamily="18" charset="0"/>
+                        <a:cs typeface="Arial" panose="020B0604020202020204" pitchFamily="34" charset="0"/>
+                      </a:rPr>
+                      <m:t>=</m:t>
+                    </m:r>
+                    <m:func>
+                      <m:funcPr>
+                        <m:ctrlPr>
+                          <a:rPr lang="en-US" sz="2800" i="1">
+                            <a:latin typeface="Cambria Math" panose="02040503050406030204" pitchFamily="18" charset="0"/>
+                            <a:cs typeface="Arial" panose="020B0604020202020204" pitchFamily="34" charset="0"/>
+                          </a:rPr>
+                        </m:ctrlPr>
+                      </m:funcPr>
+                      <m:fName>
+                        <m:r>
+                          <m:rPr>
+                            <m:sty m:val="p"/>
+                          </m:rPr>
+                          <a:rPr lang="en-US" sz="2800">
+                            <a:latin typeface="Cambria Math" panose="02040503050406030204" pitchFamily="18" charset="0"/>
+                            <a:cs typeface="Arial" panose="020B0604020202020204" pitchFamily="34" charset="0"/>
+                          </a:rPr>
+                          <m:t>cosh</m:t>
+                        </m:r>
+                      </m:fName>
+                      <m:e>
+                        <m:r>
+                          <a:rPr lang="en-US" sz="2800" i="1">
+                            <a:latin typeface="Cambria Math" panose="02040503050406030204" pitchFamily="18" charset="0"/>
+                            <a:cs typeface="Arial" panose="020B0604020202020204" pitchFamily="34" charset="0"/>
+                          </a:rPr>
+                          <m:t>𝑟</m:t>
+                        </m:r>
+                      </m:e>
+                    </m:func>
+                    <m:r>
+                      <a:rPr lang="en-US" sz="2800" i="1">
+                        <a:latin typeface="Cambria Math" panose="02040503050406030204" pitchFamily="18" charset="0"/>
+                        <a:cs typeface="Arial" panose="020B0604020202020204" pitchFamily="34" charset="0"/>
+                      </a:rPr>
+                      <m:t>, </m:t>
+                    </m:r>
+                    <m:r>
+                      <a:rPr lang="en-US" sz="2800" i="1">
+                        <a:latin typeface="Cambria Math" panose="02040503050406030204" pitchFamily="18" charset="0"/>
+                        <a:cs typeface="Arial" panose="020B0604020202020204" pitchFamily="34" charset="0"/>
+                      </a:rPr>
+                      <m:t>𝑠h</m:t>
+                    </m:r>
+                    <m:r>
+                      <a:rPr lang="en-US" sz="2800" i="1">
+                        <a:latin typeface="Cambria Math" panose="02040503050406030204" pitchFamily="18" charset="0"/>
+                        <a:cs typeface="Arial" panose="020B0604020202020204" pitchFamily="34" charset="0"/>
+                      </a:rPr>
+                      <m:t>=</m:t>
+                    </m:r>
+                    <m:func>
+                      <m:funcPr>
+                        <m:ctrlPr>
+                          <a:rPr lang="en-US" sz="2800" i="1">
+                            <a:latin typeface="Cambria Math" panose="02040503050406030204" pitchFamily="18" charset="0"/>
+                            <a:cs typeface="Arial" panose="020B0604020202020204" pitchFamily="34" charset="0"/>
+                          </a:rPr>
+                        </m:ctrlPr>
+                      </m:funcPr>
+                      <m:fName>
+                        <m:r>
+                          <m:rPr>
+                            <m:sty m:val="p"/>
+                          </m:rPr>
+                          <a:rPr lang="en-US" sz="2800">
+                            <a:latin typeface="Cambria Math" panose="02040503050406030204" pitchFamily="18" charset="0"/>
+                            <a:cs typeface="Arial" panose="020B0604020202020204" pitchFamily="34" charset="0"/>
+                          </a:rPr>
+                          <m:t>sinh</m:t>
+                        </m:r>
+                      </m:fName>
+                      <m:e>
+                        <m:r>
+                          <a:rPr lang="en-US" sz="2800" i="1">
+                            <a:latin typeface="Cambria Math" panose="02040503050406030204" pitchFamily="18" charset="0"/>
+                            <a:cs typeface="Arial" panose="020B0604020202020204" pitchFamily="34" charset="0"/>
+                          </a:rPr>
+                          <m:t>𝑟</m:t>
+                        </m:r>
+                      </m:e>
+                    </m:func>
+                  </m:oMath>
+                </a14:m>
+                <a:r>
+                  <a:rPr lang="en-US" sz="2800" dirty="0">
+                    <a:latin typeface="Arial" panose="020B0604020202020204" pitchFamily="34" charset="0"/>
+                    <a:cs typeface="Arial" panose="020B0604020202020204" pitchFamily="34" charset="0"/>
+                  </a:rPr>
+                  <a:t>, </a:t>
+                </a:r>
+                <a14:m>
+                  <m:oMath xmlns:m="http://schemas.openxmlformats.org/officeDocument/2006/math">
+                    <m:r>
+                      <a:rPr lang="en-US" sz="2800" i="1">
+                        <a:latin typeface="Cambria Math" panose="02040503050406030204" pitchFamily="18" charset="0"/>
+                        <a:cs typeface="Arial" panose="020B0604020202020204" pitchFamily="34" charset="0"/>
+                      </a:rPr>
+                      <m:t>𝑠</m:t>
+                    </m:r>
+                    <m:sSup>
+                      <m:sSupPr>
+                        <m:ctrlPr>
+                          <a:rPr lang="en-US" sz="2800" i="1">
+                            <a:latin typeface="Cambria Math" panose="02040503050406030204" pitchFamily="18" charset="0"/>
+                            <a:cs typeface="Arial" panose="020B0604020202020204" pitchFamily="34" charset="0"/>
+                          </a:rPr>
+                        </m:ctrlPr>
+                      </m:sSupPr>
+                      <m:e>
+                        <m:r>
+                          <a:rPr lang="en-US" sz="2800" i="1">
+                            <a:latin typeface="Cambria Math" panose="02040503050406030204" pitchFamily="18" charset="0"/>
+                            <a:cs typeface="Arial" panose="020B0604020202020204" pitchFamily="34" charset="0"/>
+                          </a:rPr>
+                          <m:t>h</m:t>
+                        </m:r>
+                      </m:e>
+                      <m:sup>
+                        <m:r>
+                          <a:rPr lang="en-US" sz="2800" i="1">
+                            <a:latin typeface="Cambria Math" panose="02040503050406030204" pitchFamily="18" charset="0"/>
+                            <a:cs typeface="Arial" panose="020B0604020202020204" pitchFamily="34" charset="0"/>
+                          </a:rPr>
+                          <m:t>2</m:t>
+                        </m:r>
+                      </m:sup>
+                    </m:sSup>
+                    <m:r>
+                      <a:rPr lang="en-US" sz="2800" i="1">
+                        <a:latin typeface="Cambria Math" panose="02040503050406030204" pitchFamily="18" charset="0"/>
+                        <a:cs typeface="Arial" panose="020B0604020202020204" pitchFamily="34" charset="0"/>
+                      </a:rPr>
+                      <m:t>=</m:t>
+                    </m:r>
+                    <m:r>
+                      <a:rPr lang="en-US" sz="2800" i="1">
+                        <a:latin typeface="Cambria Math" panose="02040503050406030204" pitchFamily="18" charset="0"/>
+                        <a:cs typeface="Arial" panose="020B0604020202020204" pitchFamily="34" charset="0"/>
+                      </a:rPr>
+                      <m:t>𝑁</m:t>
+                    </m:r>
+                  </m:oMath>
+                </a14:m>
+                <a:r>
+                  <a:rPr lang="en-US" sz="2800" dirty="0">
+                    <a:latin typeface="Arial" panose="020B0604020202020204" pitchFamily="34" charset="0"/>
+                    <a:cs typeface="Arial" panose="020B0604020202020204" pitchFamily="34" charset="0"/>
+                  </a:rPr>
+                  <a:t>(average photon number))</a:t>
                 </a:r>
               </a:p>
               <a:p>
@@ -9684,12 +5535,6 @@
                 </a:endParaRPr>
               </a:p>
               <a:p>
-                <a:endParaRPr lang="en-US" sz="2800" dirty="0">
-                  <a:latin typeface="Arial" panose="020B0604020202020204" pitchFamily="34" charset="0"/>
-                  <a:cs typeface="Arial" panose="020B0604020202020204" pitchFamily="34" charset="0"/>
-                </a:endParaRPr>
-              </a:p>
-              <a:p>
                 <a:r>
                   <a:rPr lang="en-US" sz="2800" dirty="0">
                     <a:latin typeface="Arial" panose="020B0604020202020204" pitchFamily="34" charset="0"/>
@@ -9931,8 +5776,8 @@
             </p:nvSpPr>
             <p:spPr>
               <a:xfrm>
-                <a:off x="5301321" y="665941"/>
-                <a:ext cx="6925294" cy="3464859"/>
+                <a:off x="5301321" y="134616"/>
+                <a:ext cx="6634740" cy="4326634"/>
               </a:xfrm>
               <a:prstGeom prst="rect">
                 <a:avLst/>
@@ -9940,7 +5785,7 @@
               <a:blipFill>
                 <a:blip r:embed="rId4"/>
                 <a:stretch>
-                  <a:fillRect l="-1849" t="-1757" r="-440"/>
+                  <a:fillRect l="-1930" t="-1408" r="-919"/>
                 </a:stretch>
               </a:blipFill>
             </p:spPr>
@@ -9959,8 +5804,8 @@
           </p:sp>
         </mc:Fallback>
       </mc:AlternateContent>
-      <mc:AlternateContent xmlns:mc="http://schemas.openxmlformats.org/markup-compatibility/2006">
-        <mc:Choice xmlns:a14="http://schemas.microsoft.com/office/drawing/2010/main" Requires="a14">
+      <mc:AlternateContent xmlns:mc="http://schemas.openxmlformats.org/markup-compatibility/2006" xmlns:a14="http://schemas.microsoft.com/office/drawing/2010/main">
+        <mc:Choice Requires="a14">
           <p:sp>
             <p:nvSpPr>
               <p:cNvPr id="14" name="TextBox 13">
@@ -9989,6 +5834,7 @@
               </a:bodyPr>
               <a:lstStyle/>
               <a:p>
+                <a:pPr/>
                 <a14:m>
                   <m:oMathPara xmlns:m="http://schemas.openxmlformats.org/officeDocument/2006/math">
                     <m:oMathParaPr>
@@ -10021,7 +5867,7 @@
             </p:txBody>
           </p:sp>
         </mc:Choice>
-        <mc:Fallback>
+        <mc:Fallback xmlns="">
           <p:sp>
             <p:nvSpPr>
               <p:cNvPr id="14" name="TextBox 13">
@@ -10066,8 +5912,8 @@
           </p:sp>
         </mc:Fallback>
       </mc:AlternateContent>
-      <mc:AlternateContent xmlns:mc="http://schemas.openxmlformats.org/markup-compatibility/2006">
-        <mc:Choice xmlns:a14="http://schemas.microsoft.com/office/drawing/2010/main" Requires="a14">
+      <mc:AlternateContent xmlns:mc="http://schemas.openxmlformats.org/markup-compatibility/2006" xmlns:a14="http://schemas.microsoft.com/office/drawing/2010/main">
+        <mc:Choice Requires="a14">
           <p:sp>
             <p:nvSpPr>
               <p:cNvPr id="16" name="TextBox 15">
@@ -10096,6 +5942,7 @@
               </a:bodyPr>
               <a:lstStyle/>
               <a:p>
+                <a:pPr/>
                 <a14:m>
                   <m:oMathPara xmlns:m="http://schemas.openxmlformats.org/officeDocument/2006/math">
                     <m:oMathParaPr>
@@ -10128,7 +5975,7 @@
             </p:txBody>
           </p:sp>
         </mc:Choice>
-        <mc:Fallback>
+        <mc:Fallback xmlns="">
           <p:sp>
             <p:nvSpPr>
               <p:cNvPr id="16" name="TextBox 15">
@@ -10173,8 +6020,8 @@
           </p:sp>
         </mc:Fallback>
       </mc:AlternateContent>
-      <mc:AlternateContent xmlns:mc="http://schemas.openxmlformats.org/markup-compatibility/2006">
-        <mc:Choice xmlns:a14="http://schemas.microsoft.com/office/drawing/2010/main" Requires="a14">
+      <mc:AlternateContent xmlns:mc="http://schemas.openxmlformats.org/markup-compatibility/2006" xmlns:a14="http://schemas.microsoft.com/office/drawing/2010/main">
+        <mc:Choice Requires="a14">
           <p:sp>
             <p:nvSpPr>
               <p:cNvPr id="18" name="TextBox 17">
@@ -10203,6 +6050,7 @@
               </a:bodyPr>
               <a:lstStyle/>
               <a:p>
+                <a:pPr/>
                 <a14:m>
                   <m:oMathPara xmlns:m="http://schemas.openxmlformats.org/officeDocument/2006/math">
                     <m:oMathParaPr>
@@ -10235,7 +6083,7 @@
             </p:txBody>
           </p:sp>
         </mc:Choice>
-        <mc:Fallback>
+        <mc:Fallback xmlns="">
           <p:sp>
             <p:nvSpPr>
               <p:cNvPr id="18" name="TextBox 17">
@@ -10302,7 +6150,7 @@
         </p:blipFill>
         <p:spPr>
           <a:xfrm>
-            <a:off x="5135298" y="4126908"/>
+            <a:off x="4966968" y="4223155"/>
             <a:ext cx="5699574" cy="2500229"/>
           </a:xfrm>
           <a:prstGeom prst="rect">
@@ -10314,6 +6162,4743 @@
     <p:extLst>
       <p:ext uri="{BB962C8B-B14F-4D97-AF65-F5344CB8AC3E}">
         <p14:creationId xmlns:p14="http://schemas.microsoft.com/office/powerpoint/2010/main" val="1280982340"/>
+      </p:ext>
+    </p:extLst>
+  </p:cSld>
+  <p:clrMapOvr>
+    <a:masterClrMapping/>
+  </p:clrMapOvr>
+</p:sld>
+</file>
+
+<file path=ppt/slides/slide3.xml><?xml version="1.0" encoding="utf-8"?>
+<p:sld xmlns:a="http://schemas.openxmlformats.org/drawingml/2006/main" xmlns:r="http://schemas.openxmlformats.org/officeDocument/2006/relationships" xmlns:p="http://schemas.openxmlformats.org/presentationml/2006/main">
+  <p:cSld>
+    <p:spTree>
+      <p:nvGrpSpPr>
+        <p:cNvPr id="1" name=""/>
+        <p:cNvGrpSpPr/>
+        <p:nvPr/>
+      </p:nvGrpSpPr>
+      <p:grpSpPr>
+        <a:xfrm>
+          <a:off x="0" y="0"/>
+          <a:ext cx="0" cy="0"/>
+          <a:chOff x="0" y="0"/>
+          <a:chExt cx="0" cy="0"/>
+        </a:xfrm>
+      </p:grpSpPr>
+      <p:cxnSp>
+        <p:nvCxnSpPr>
+          <p:cNvPr id="5" name="Straight Connector 4">
+            <a:extLst>
+              <a:ext uri="{FF2B5EF4-FFF2-40B4-BE49-F238E27FC236}">
+                <a16:creationId xmlns:a16="http://schemas.microsoft.com/office/drawing/2014/main" id="{DBCBADF4-356B-4A1A-B962-10E416D395ED}"/>
+              </a:ext>
+            </a:extLst>
+          </p:cNvPr>
+          <p:cNvCxnSpPr/>
+          <p:nvPr/>
+        </p:nvCxnSpPr>
+        <p:spPr>
+          <a:xfrm>
+            <a:off x="2803270" y="4384002"/>
+            <a:ext cx="1715334" cy="0"/>
+          </a:xfrm>
+          <a:prstGeom prst="line">
+            <a:avLst/>
+          </a:prstGeom>
+          <a:ln w="38100">
+            <a:solidFill>
+              <a:schemeClr val="tx1"/>
+            </a:solidFill>
+          </a:ln>
+        </p:spPr>
+        <p:style>
+          <a:lnRef idx="1">
+            <a:schemeClr val="accent1"/>
+          </a:lnRef>
+          <a:fillRef idx="0">
+            <a:schemeClr val="accent1"/>
+          </a:fillRef>
+          <a:effectRef idx="0">
+            <a:schemeClr val="accent1"/>
+          </a:effectRef>
+          <a:fontRef idx="minor">
+            <a:schemeClr val="tx1"/>
+          </a:fontRef>
+        </p:style>
+      </p:cxnSp>
+      <p:cxnSp>
+        <p:nvCxnSpPr>
+          <p:cNvPr id="6" name="Straight Connector 5">
+            <a:extLst>
+              <a:ext uri="{FF2B5EF4-FFF2-40B4-BE49-F238E27FC236}">
+                <a16:creationId xmlns:a16="http://schemas.microsoft.com/office/drawing/2014/main" id="{EEB5058D-EAFC-455D-AF8C-8DAE2A96BB74}"/>
+              </a:ext>
+            </a:extLst>
+          </p:cNvPr>
+          <p:cNvCxnSpPr/>
+          <p:nvPr/>
+        </p:nvCxnSpPr>
+        <p:spPr>
+          <a:xfrm>
+            <a:off x="2921529" y="3192087"/>
+            <a:ext cx="1715334" cy="0"/>
+          </a:xfrm>
+          <a:prstGeom prst="line">
+            <a:avLst/>
+          </a:prstGeom>
+          <a:ln w="38100">
+            <a:solidFill>
+              <a:schemeClr val="tx1"/>
+            </a:solidFill>
+          </a:ln>
+        </p:spPr>
+        <p:style>
+          <a:lnRef idx="1">
+            <a:schemeClr val="accent1"/>
+          </a:lnRef>
+          <a:fillRef idx="0">
+            <a:schemeClr val="accent1"/>
+          </a:fillRef>
+          <a:effectRef idx="0">
+            <a:schemeClr val="accent1"/>
+          </a:effectRef>
+          <a:fontRef idx="minor">
+            <a:schemeClr val="tx1"/>
+          </a:fontRef>
+        </p:style>
+      </p:cxnSp>
+      <p:cxnSp>
+        <p:nvCxnSpPr>
+          <p:cNvPr id="7" name="Straight Connector 6">
+            <a:extLst>
+              <a:ext uri="{FF2B5EF4-FFF2-40B4-BE49-F238E27FC236}">
+                <a16:creationId xmlns:a16="http://schemas.microsoft.com/office/drawing/2014/main" id="{4616A803-5140-4B56-8E89-FC3EF240CA0F}"/>
+              </a:ext>
+            </a:extLst>
+          </p:cNvPr>
+          <p:cNvCxnSpPr/>
+          <p:nvPr/>
+        </p:nvCxnSpPr>
+        <p:spPr>
+          <a:xfrm>
+            <a:off x="2863340" y="953334"/>
+            <a:ext cx="1715334" cy="0"/>
+          </a:xfrm>
+          <a:prstGeom prst="line">
+            <a:avLst/>
+          </a:prstGeom>
+          <a:ln w="38100">
+            <a:solidFill>
+              <a:schemeClr val="tx1"/>
+            </a:solidFill>
+          </a:ln>
+        </p:spPr>
+        <p:style>
+          <a:lnRef idx="1">
+            <a:schemeClr val="accent1"/>
+          </a:lnRef>
+          <a:fillRef idx="0">
+            <a:schemeClr val="accent1"/>
+          </a:fillRef>
+          <a:effectRef idx="0">
+            <a:schemeClr val="accent1"/>
+          </a:effectRef>
+          <a:fontRef idx="minor">
+            <a:schemeClr val="tx1"/>
+          </a:fontRef>
+        </p:style>
+      </p:cxnSp>
+      <p:cxnSp>
+        <p:nvCxnSpPr>
+          <p:cNvPr id="9" name="Straight Arrow Connector 8">
+            <a:extLst>
+              <a:ext uri="{FF2B5EF4-FFF2-40B4-BE49-F238E27FC236}">
+                <a16:creationId xmlns:a16="http://schemas.microsoft.com/office/drawing/2014/main" id="{785620EF-B780-4954-B96B-323EA95AED6C}"/>
+              </a:ext>
+            </a:extLst>
+          </p:cNvPr>
+          <p:cNvCxnSpPr>
+            <a:cxnSpLocks/>
+          </p:cNvCxnSpPr>
+          <p:nvPr/>
+        </p:nvCxnSpPr>
+        <p:spPr>
+          <a:xfrm>
+            <a:off x="3917904" y="953334"/>
+            <a:ext cx="0" cy="2238753"/>
+          </a:xfrm>
+          <a:prstGeom prst="straightConnector1">
+            <a:avLst/>
+          </a:prstGeom>
+          <a:ln w="38100">
+            <a:solidFill>
+              <a:srgbClr val="7030A0"/>
+            </a:solidFill>
+            <a:headEnd type="triangle"/>
+            <a:tailEnd type="triangle"/>
+          </a:ln>
+        </p:spPr>
+        <p:style>
+          <a:lnRef idx="1">
+            <a:schemeClr val="accent1"/>
+          </a:lnRef>
+          <a:fillRef idx="0">
+            <a:schemeClr val="accent1"/>
+          </a:fillRef>
+          <a:effectRef idx="0">
+            <a:schemeClr val="accent1"/>
+          </a:effectRef>
+          <a:fontRef idx="minor">
+            <a:schemeClr val="tx1"/>
+          </a:fontRef>
+        </p:style>
+      </p:cxnSp>
+      <p:cxnSp>
+        <p:nvCxnSpPr>
+          <p:cNvPr id="11" name="Straight Arrow Connector 10">
+            <a:extLst>
+              <a:ext uri="{FF2B5EF4-FFF2-40B4-BE49-F238E27FC236}">
+                <a16:creationId xmlns:a16="http://schemas.microsoft.com/office/drawing/2014/main" id="{2F131EF4-24D8-4442-BDE5-C3661DBDCF93}"/>
+              </a:ext>
+            </a:extLst>
+          </p:cNvPr>
+          <p:cNvCxnSpPr>
+            <a:cxnSpLocks/>
+          </p:cNvCxnSpPr>
+          <p:nvPr/>
+        </p:nvCxnSpPr>
+        <p:spPr>
+          <a:xfrm>
+            <a:off x="3917904" y="3192087"/>
+            <a:ext cx="0" cy="1191915"/>
+          </a:xfrm>
+          <a:prstGeom prst="straightConnector1">
+            <a:avLst/>
+          </a:prstGeom>
+          <a:ln w="38100">
+            <a:solidFill>
+              <a:srgbClr val="C00000"/>
+            </a:solidFill>
+            <a:headEnd type="triangle"/>
+            <a:tailEnd type="triangle"/>
+          </a:ln>
+        </p:spPr>
+        <p:style>
+          <a:lnRef idx="1">
+            <a:schemeClr val="accent1"/>
+          </a:lnRef>
+          <a:fillRef idx="0">
+            <a:schemeClr val="accent1"/>
+          </a:fillRef>
+          <a:effectRef idx="0">
+            <a:schemeClr val="accent1"/>
+          </a:effectRef>
+          <a:fontRef idx="minor">
+            <a:schemeClr val="tx1"/>
+          </a:fontRef>
+        </p:style>
+      </p:cxnSp>
+      <mc:AlternateContent xmlns:mc="http://schemas.openxmlformats.org/markup-compatibility/2006" xmlns:a14="http://schemas.microsoft.com/office/drawing/2010/main">
+        <mc:Choice Requires="a14">
+          <p:sp>
+            <p:nvSpPr>
+              <p:cNvPr id="12" name="TextBox 11">
+                <a:extLst>
+                  <a:ext uri="{FF2B5EF4-FFF2-40B4-BE49-F238E27FC236}">
+                    <a16:creationId xmlns:a16="http://schemas.microsoft.com/office/drawing/2014/main" id="{24CACF25-1ECA-4AAA-B5C5-D3745E13DA7C}"/>
+                  </a:ext>
+                </a:extLst>
+              </p:cNvPr>
+              <p:cNvSpPr txBox="1"/>
+              <p:nvPr/>
+            </p:nvSpPr>
+            <p:spPr>
+              <a:xfrm>
+                <a:off x="4589549" y="1703379"/>
+                <a:ext cx="506292" cy="369332"/>
+              </a:xfrm>
+              <a:prstGeom prst="rect">
+                <a:avLst/>
+              </a:prstGeom>
+              <a:noFill/>
+            </p:spPr>
+            <p:txBody>
+              <a:bodyPr wrap="none" rtlCol="0">
+                <a:spAutoFit/>
+              </a:bodyPr>
+              <a:lstStyle/>
+              <a:p>
+                <a:pPr/>
+                <a14:m>
+                  <m:oMathPara xmlns:m="http://schemas.openxmlformats.org/officeDocument/2006/math">
+                    <m:oMathParaPr>
+                      <m:jc m:val="centerGroup"/>
+                    </m:oMathParaPr>
+                    <m:oMath xmlns:m="http://schemas.openxmlformats.org/officeDocument/2006/math">
+                      <m:sSub>
+                        <m:sSubPr>
+                          <m:ctrlPr>
+                            <a:rPr lang="en-US" b="0" i="1" smtClean="0">
+                              <a:latin typeface="Cambria Math" panose="02040503050406030204" pitchFamily="18" charset="0"/>
+                            </a:rPr>
+                          </m:ctrlPr>
+                        </m:sSubPr>
+                        <m:e>
+                          <m:r>
+                            <a:rPr lang="en-US" b="0" i="1" smtClean="0">
+                              <a:latin typeface="Cambria Math" panose="02040503050406030204" pitchFamily="18" charset="0"/>
+                            </a:rPr>
+                            <m:t>𝜔</m:t>
+                          </m:r>
+                        </m:e>
+                        <m:sub>
+                          <m:r>
+                            <a:rPr lang="en-US" b="0" i="1" smtClean="0">
+                              <a:latin typeface="Cambria Math" panose="02040503050406030204" pitchFamily="18" charset="0"/>
+                            </a:rPr>
+                            <m:t>1</m:t>
+                          </m:r>
+                        </m:sub>
+                      </m:sSub>
+                    </m:oMath>
+                  </m:oMathPara>
+                </a14:m>
+                <a:endParaRPr lang="en-US" dirty="0"/>
+              </a:p>
+            </p:txBody>
+          </p:sp>
+        </mc:Choice>
+        <mc:Fallback xmlns="">
+          <p:sp>
+            <p:nvSpPr>
+              <p:cNvPr id="12" name="TextBox 11">
+                <a:extLst>
+                  <a:ext uri="{FF2B5EF4-FFF2-40B4-BE49-F238E27FC236}">
+                    <a16:creationId xmlns:a16="http://schemas.microsoft.com/office/drawing/2014/main" id="{24CACF25-1ECA-4AAA-B5C5-D3745E13DA7C}"/>
+                  </a:ext>
+                </a:extLst>
+              </p:cNvPr>
+              <p:cNvSpPr txBox="1">
+                <a:spLocks noRot="1" noChangeAspect="1" noMove="1" noResize="1" noEditPoints="1" noAdjustHandles="1" noChangeArrowheads="1" noChangeShapeType="1" noTextEdit="1"/>
+              </p:cNvSpPr>
+              <p:nvPr/>
+            </p:nvSpPr>
+            <p:spPr>
+              <a:xfrm>
+                <a:off x="4589549" y="1703379"/>
+                <a:ext cx="506292" cy="369332"/>
+              </a:xfrm>
+              <a:prstGeom prst="rect">
+                <a:avLst/>
+              </a:prstGeom>
+              <a:blipFill>
+                <a:blip r:embed="rId2"/>
+                <a:stretch>
+                  <a:fillRect/>
+                </a:stretch>
+              </a:blipFill>
+            </p:spPr>
+            <p:txBody>
+              <a:bodyPr/>
+              <a:lstStyle/>
+              <a:p>
+                <a:r>
+                  <a:rPr lang="en-US">
+                    <a:noFill/>
+                  </a:rPr>
+                  <a:t> </a:t>
+                </a:r>
+              </a:p>
+            </p:txBody>
+          </p:sp>
+        </mc:Fallback>
+      </mc:AlternateContent>
+      <mc:AlternateContent xmlns:mc="http://schemas.openxmlformats.org/markup-compatibility/2006" xmlns:a14="http://schemas.microsoft.com/office/drawing/2010/main">
+        <mc:Choice Requires="a14">
+          <p:sp>
+            <p:nvSpPr>
+              <p:cNvPr id="13" name="TextBox 12">
+                <a:extLst>
+                  <a:ext uri="{FF2B5EF4-FFF2-40B4-BE49-F238E27FC236}">
+                    <a16:creationId xmlns:a16="http://schemas.microsoft.com/office/drawing/2014/main" id="{94E60FAD-4D87-4B19-A081-563E54C7E8C0}"/>
+                  </a:ext>
+                </a:extLst>
+              </p:cNvPr>
+              <p:cNvSpPr txBox="1"/>
+              <p:nvPr/>
+            </p:nvSpPr>
+            <p:spPr>
+              <a:xfrm>
+                <a:off x="4460855" y="3341669"/>
+                <a:ext cx="511615" cy="369332"/>
+              </a:xfrm>
+              <a:prstGeom prst="rect">
+                <a:avLst/>
+              </a:prstGeom>
+              <a:noFill/>
+            </p:spPr>
+            <p:txBody>
+              <a:bodyPr wrap="none" rtlCol="0">
+                <a:spAutoFit/>
+              </a:bodyPr>
+              <a:lstStyle/>
+              <a:p>
+                <a:pPr/>
+                <a14:m>
+                  <m:oMathPara xmlns:m="http://schemas.openxmlformats.org/officeDocument/2006/math">
+                    <m:oMathParaPr>
+                      <m:jc m:val="centerGroup"/>
+                    </m:oMathParaPr>
+                    <m:oMath xmlns:m="http://schemas.openxmlformats.org/officeDocument/2006/math">
+                      <m:sSub>
+                        <m:sSubPr>
+                          <m:ctrlPr>
+                            <a:rPr lang="en-US" b="0" i="1" smtClean="0">
+                              <a:latin typeface="Cambria Math" panose="02040503050406030204" pitchFamily="18" charset="0"/>
+                            </a:rPr>
+                          </m:ctrlPr>
+                        </m:sSubPr>
+                        <m:e>
+                          <m:r>
+                            <a:rPr lang="en-US" b="0" i="1" smtClean="0">
+                              <a:latin typeface="Cambria Math" panose="02040503050406030204" pitchFamily="18" charset="0"/>
+                            </a:rPr>
+                            <m:t>𝜔</m:t>
+                          </m:r>
+                        </m:e>
+                        <m:sub>
+                          <m:r>
+                            <a:rPr lang="en-US" b="0" i="1" smtClean="0">
+                              <a:latin typeface="Cambria Math" panose="02040503050406030204" pitchFamily="18" charset="0"/>
+                            </a:rPr>
+                            <m:t>2</m:t>
+                          </m:r>
+                        </m:sub>
+                      </m:sSub>
+                    </m:oMath>
+                  </m:oMathPara>
+                </a14:m>
+                <a:endParaRPr lang="en-US" dirty="0"/>
+              </a:p>
+            </p:txBody>
+          </p:sp>
+        </mc:Choice>
+        <mc:Fallback xmlns="">
+          <p:sp>
+            <p:nvSpPr>
+              <p:cNvPr id="13" name="TextBox 12">
+                <a:extLst>
+                  <a:ext uri="{FF2B5EF4-FFF2-40B4-BE49-F238E27FC236}">
+                    <a16:creationId xmlns:a16="http://schemas.microsoft.com/office/drawing/2014/main" id="{94E60FAD-4D87-4B19-A081-563E54C7E8C0}"/>
+                  </a:ext>
+                </a:extLst>
+              </p:cNvPr>
+              <p:cNvSpPr txBox="1">
+                <a:spLocks noRot="1" noChangeAspect="1" noMove="1" noResize="1" noEditPoints="1" noAdjustHandles="1" noChangeArrowheads="1" noChangeShapeType="1" noTextEdit="1"/>
+              </p:cNvSpPr>
+              <p:nvPr/>
+            </p:nvSpPr>
+            <p:spPr>
+              <a:xfrm>
+                <a:off x="4460855" y="3341669"/>
+                <a:ext cx="511615" cy="369332"/>
+              </a:xfrm>
+              <a:prstGeom prst="rect">
+                <a:avLst/>
+              </a:prstGeom>
+              <a:blipFill>
+                <a:blip r:embed="rId3"/>
+                <a:stretch>
+                  <a:fillRect/>
+                </a:stretch>
+              </a:blipFill>
+            </p:spPr>
+            <p:txBody>
+              <a:bodyPr/>
+              <a:lstStyle/>
+              <a:p>
+                <a:r>
+                  <a:rPr lang="en-US">
+                    <a:noFill/>
+                  </a:rPr>
+                  <a:t> </a:t>
+                </a:r>
+              </a:p>
+            </p:txBody>
+          </p:sp>
+        </mc:Fallback>
+      </mc:AlternateContent>
+      <p:cxnSp>
+        <p:nvCxnSpPr>
+          <p:cNvPr id="15" name="Straight Arrow Connector 14">
+            <a:extLst>
+              <a:ext uri="{FF2B5EF4-FFF2-40B4-BE49-F238E27FC236}">
+                <a16:creationId xmlns:a16="http://schemas.microsoft.com/office/drawing/2014/main" id="{12FB0F97-5404-488C-8050-FFAEC2252E4F}"/>
+              </a:ext>
+            </a:extLst>
+          </p:cNvPr>
+          <p:cNvCxnSpPr>
+            <a:cxnSpLocks/>
+          </p:cNvCxnSpPr>
+          <p:nvPr/>
+        </p:nvCxnSpPr>
+        <p:spPr>
+          <a:xfrm>
+            <a:off x="954447" y="1811001"/>
+            <a:ext cx="1501752" cy="0"/>
+          </a:xfrm>
+          <a:prstGeom prst="straightConnector1">
+            <a:avLst/>
+          </a:prstGeom>
+          <a:ln w="38100">
+            <a:solidFill>
+              <a:srgbClr val="7030A0"/>
+            </a:solidFill>
+            <a:tailEnd type="triangle"/>
+          </a:ln>
+        </p:spPr>
+        <p:style>
+          <a:lnRef idx="1">
+            <a:schemeClr val="accent2"/>
+          </a:lnRef>
+          <a:fillRef idx="0">
+            <a:schemeClr val="accent2"/>
+          </a:fillRef>
+          <a:effectRef idx="0">
+            <a:schemeClr val="accent2"/>
+          </a:effectRef>
+          <a:fontRef idx="minor">
+            <a:schemeClr val="tx1"/>
+          </a:fontRef>
+        </p:style>
+      </p:cxnSp>
+      <p:cxnSp>
+        <p:nvCxnSpPr>
+          <p:cNvPr id="17" name="Straight Arrow Connector 16">
+            <a:extLst>
+              <a:ext uri="{FF2B5EF4-FFF2-40B4-BE49-F238E27FC236}">
+                <a16:creationId xmlns:a16="http://schemas.microsoft.com/office/drawing/2014/main" id="{69A48D9C-6725-47BB-9AD2-E10F10C13C88}"/>
+              </a:ext>
+            </a:extLst>
+          </p:cNvPr>
+          <p:cNvCxnSpPr>
+            <a:cxnSpLocks/>
+          </p:cNvCxnSpPr>
+          <p:nvPr/>
+        </p:nvCxnSpPr>
+        <p:spPr>
+          <a:xfrm>
+            <a:off x="954447" y="3658712"/>
+            <a:ext cx="1501752" cy="0"/>
+          </a:xfrm>
+          <a:prstGeom prst="straightConnector1">
+            <a:avLst/>
+          </a:prstGeom>
+          <a:ln w="38100">
+            <a:solidFill>
+              <a:srgbClr val="C00000"/>
+            </a:solidFill>
+            <a:tailEnd type="triangle"/>
+          </a:ln>
+        </p:spPr>
+        <p:style>
+          <a:lnRef idx="1">
+            <a:schemeClr val="accent2"/>
+          </a:lnRef>
+          <a:fillRef idx="0">
+            <a:schemeClr val="accent2"/>
+          </a:fillRef>
+          <a:effectRef idx="0">
+            <a:schemeClr val="accent2"/>
+          </a:effectRef>
+          <a:fontRef idx="minor">
+            <a:schemeClr val="tx1"/>
+          </a:fontRef>
+        </p:style>
+      </p:cxnSp>
+      <mc:AlternateContent xmlns:mc="http://schemas.openxmlformats.org/markup-compatibility/2006">
+        <mc:Choice xmlns:a14="http://schemas.microsoft.com/office/drawing/2010/main" Requires="a14">
+          <p:sp>
+            <p:nvSpPr>
+              <p:cNvPr id="21" name="TextBox 20">
+                <a:extLst>
+                  <a:ext uri="{FF2B5EF4-FFF2-40B4-BE49-F238E27FC236}">
+                    <a16:creationId xmlns:a16="http://schemas.microsoft.com/office/drawing/2014/main" id="{8A24169F-11D4-4136-8C19-E894EE2FFE47}"/>
+                  </a:ext>
+                </a:extLst>
+              </p:cNvPr>
+              <p:cNvSpPr txBox="1"/>
+              <p:nvPr/>
+            </p:nvSpPr>
+            <p:spPr>
+              <a:xfrm>
+                <a:off x="5898959" y="440040"/>
+                <a:ext cx="6641869" cy="5977919"/>
+              </a:xfrm>
+              <a:prstGeom prst="rect">
+                <a:avLst/>
+              </a:prstGeom>
+              <a:noFill/>
+            </p:spPr>
+            <p:txBody>
+              <a:bodyPr wrap="square" rtlCol="0">
+                <a:spAutoFit/>
+              </a:bodyPr>
+              <a:lstStyle/>
+              <a:p>
+                <a:pPr marL="457200" indent="-457200">
+                  <a:buFont typeface="Arial" panose="020B0604020202020204" pitchFamily="34" charset="0"/>
+                  <a:buChar char="•"/>
+                </a:pPr>
+                <a:r>
+                  <a:rPr lang="en-US" sz="2800" dirty="0">
+                    <a:latin typeface="Arial" panose="020B0604020202020204" pitchFamily="34" charset="0"/>
+                    <a:cs typeface="Arial" panose="020B0604020202020204" pitchFamily="34" charset="0"/>
+                  </a:rPr>
+                  <a:t>resonant</a:t>
+                </a:r>
+              </a:p>
+              <a:p>
+                <a:pPr marL="457200" indent="-457200">
+                  <a:buFont typeface="Arial" panose="020B0604020202020204" pitchFamily="34" charset="0"/>
+                  <a:buChar char="•"/>
+                </a:pPr>
+                <a:r>
+                  <a:rPr lang="en-US" sz="2800" dirty="0" err="1">
+                    <a:latin typeface="Arial" panose="020B0604020202020204" pitchFamily="34" charset="0"/>
+                    <a:cs typeface="Arial" panose="020B0604020202020204" pitchFamily="34" charset="0"/>
+                  </a:rPr>
+                  <a:t>TMSV</a:t>
+                </a:r>
+                <a:endParaRPr lang="en-US" sz="2800" dirty="0">
+                  <a:latin typeface="Arial" panose="020B0604020202020204" pitchFamily="34" charset="0"/>
+                  <a:cs typeface="Arial" panose="020B0604020202020204" pitchFamily="34" charset="0"/>
+                </a:endParaRPr>
+              </a:p>
+              <a:p>
+                <a:pPr marL="457200" indent="-457200">
+                  <a:buFont typeface="Arial" panose="020B0604020202020204" pitchFamily="34" charset="0"/>
+                  <a:buChar char="•"/>
+                </a:pPr>
+                <a:r>
+                  <a:rPr lang="en-US" sz="2800" dirty="0">
+                    <a:latin typeface="Arial" panose="020B0604020202020204" pitchFamily="34" charset="0"/>
+                    <a:cs typeface="Arial" panose="020B0604020202020204" pitchFamily="34" charset="0"/>
+                  </a:rPr>
+                  <a:t>decay is neglected</a:t>
+                </a:r>
+              </a:p>
+              <a:p>
+                <a:endParaRPr lang="en-US" sz="2800" dirty="0">
+                  <a:latin typeface="Arial" panose="020B0604020202020204" pitchFamily="34" charset="0"/>
+                  <a:cs typeface="Arial" panose="020B0604020202020204" pitchFamily="34" charset="0"/>
+                </a:endParaRPr>
+              </a:p>
+              <a:p>
+                <a:r>
+                  <a:rPr lang="en-US" sz="2800" dirty="0">
+                    <a:latin typeface="Arial" panose="020B0604020202020204" pitchFamily="34" charset="0"/>
+                    <a:cs typeface="Arial" panose="020B0604020202020204" pitchFamily="34" charset="0"/>
+                  </a:rPr>
+                  <a:t>enhancement factor: </a:t>
+                </a:r>
+              </a:p>
+              <a:p>
+                <a:r>
+                  <a:rPr lang="en-US" sz="2800" b="0" dirty="0">
+                    <a:cs typeface="Arial" panose="020B0604020202020204" pitchFamily="34" charset="0"/>
+                  </a:rPr>
+                  <a:t>for </a:t>
+                </a:r>
+                <a:r>
+                  <a:rPr lang="en-US" sz="2800" b="0" dirty="0" err="1">
+                    <a:cs typeface="Arial" panose="020B0604020202020204" pitchFamily="34" charset="0"/>
+                  </a:rPr>
+                  <a:t>TMSV</a:t>
+                </a:r>
+                <a:r>
+                  <a:rPr lang="en-US" sz="2800" b="0" dirty="0">
+                    <a:cs typeface="Arial" panose="020B0604020202020204" pitchFamily="34" charset="0"/>
+                  </a:rPr>
+                  <a:t>, </a:t>
+                </a:r>
+                <a14:m>
+                  <m:oMath xmlns:m="http://schemas.openxmlformats.org/officeDocument/2006/math">
+                    <m:sSub>
+                      <m:sSubPr>
+                        <m:ctrlPr>
+                          <a:rPr lang="en-US" sz="2800" b="0" i="1" smtClean="0">
+                            <a:latin typeface="Cambria Math" panose="02040503050406030204" pitchFamily="18" charset="0"/>
+                            <a:cs typeface="Arial" panose="020B0604020202020204" pitchFamily="34" charset="0"/>
+                          </a:rPr>
+                        </m:ctrlPr>
+                      </m:sSubPr>
+                      <m:e>
+                        <m:r>
+                          <a:rPr lang="en-US" sz="2800" b="0" i="1" smtClean="0">
+                            <a:latin typeface="Cambria Math" panose="02040503050406030204" pitchFamily="18" charset="0"/>
+                            <a:cs typeface="Arial" panose="020B0604020202020204" pitchFamily="34" charset="0"/>
+                          </a:rPr>
+                          <m:t>𝑃</m:t>
+                        </m:r>
+                      </m:e>
+                      <m:sub>
+                        <m:r>
+                          <a:rPr lang="en-US" sz="2800" b="0" i="1" smtClean="0">
+                            <a:latin typeface="Cambria Math" panose="02040503050406030204" pitchFamily="18" charset="0"/>
+                            <a:cs typeface="Arial" panose="020B0604020202020204" pitchFamily="34" charset="0"/>
+                          </a:rPr>
+                          <m:t>𝑒</m:t>
+                        </m:r>
+                      </m:sub>
+                    </m:sSub>
+                    <m:r>
+                      <a:rPr lang="en-US" sz="2800" b="0" i="1" smtClean="0">
+                        <a:latin typeface="Cambria Math" panose="02040503050406030204" pitchFamily="18" charset="0"/>
+                        <a:cs typeface="Arial" panose="020B0604020202020204" pitchFamily="34" charset="0"/>
+                      </a:rPr>
+                      <m:t>=</m:t>
+                    </m:r>
+                    <m:f>
+                      <m:fPr>
+                        <m:ctrlPr>
+                          <a:rPr lang="en-US" sz="2800" b="0" i="1" smtClean="0">
+                            <a:latin typeface="Cambria Math" panose="02040503050406030204" pitchFamily="18" charset="0"/>
+                            <a:cs typeface="Arial" panose="020B0604020202020204" pitchFamily="34" charset="0"/>
+                          </a:rPr>
+                        </m:ctrlPr>
+                      </m:fPr>
+                      <m:num>
+                        <m:sSup>
+                          <m:sSupPr>
+                            <m:ctrlPr>
+                              <a:rPr lang="en-US" sz="2800" b="0" i="1" smtClean="0">
+                                <a:latin typeface="Cambria Math" panose="02040503050406030204" pitchFamily="18" charset="0"/>
+                                <a:cs typeface="Arial" panose="020B0604020202020204" pitchFamily="34" charset="0"/>
+                              </a:rPr>
+                            </m:ctrlPr>
+                          </m:sSupPr>
+                          <m:e>
+                            <m:r>
+                              <a:rPr lang="en-US" sz="2800" b="0" i="1" smtClean="0">
+                                <a:latin typeface="Cambria Math" panose="02040503050406030204" pitchFamily="18" charset="0"/>
+                                <a:cs typeface="Arial" panose="020B0604020202020204" pitchFamily="34" charset="0"/>
+                              </a:rPr>
+                              <m:t>𝑡</m:t>
+                            </m:r>
+                          </m:e>
+                          <m:sup>
+                            <m:r>
+                              <a:rPr lang="en-US" sz="2800" b="0" i="1" smtClean="0">
+                                <a:latin typeface="Cambria Math" panose="02040503050406030204" pitchFamily="18" charset="0"/>
+                                <a:cs typeface="Arial" panose="020B0604020202020204" pitchFamily="34" charset="0"/>
+                              </a:rPr>
+                              <m:t>4</m:t>
+                            </m:r>
+                          </m:sup>
+                        </m:sSup>
+                      </m:num>
+                      <m:den>
+                        <m:r>
+                          <a:rPr lang="en-US" sz="2800" b="0" i="1" smtClean="0">
+                            <a:latin typeface="Cambria Math" panose="02040503050406030204" pitchFamily="18" charset="0"/>
+                            <a:cs typeface="Arial" panose="020B0604020202020204" pitchFamily="34" charset="0"/>
+                          </a:rPr>
+                          <m:t>4</m:t>
+                        </m:r>
+                      </m:den>
+                    </m:f>
+                    <m:sSubSup>
+                      <m:sSubSupPr>
+                        <m:ctrlPr>
+                          <a:rPr lang="en-US" sz="2800" b="0" i="1" smtClean="0">
+                            <a:latin typeface="Cambria Math" panose="02040503050406030204" pitchFamily="18" charset="0"/>
+                            <a:cs typeface="Arial" panose="020B0604020202020204" pitchFamily="34" charset="0"/>
+                          </a:rPr>
+                        </m:ctrlPr>
+                      </m:sSubSupPr>
+                      <m:e>
+                        <m:r>
+                          <a:rPr lang="en-US" sz="2800" b="0" i="1" smtClean="0">
+                            <a:latin typeface="Cambria Math" panose="02040503050406030204" pitchFamily="18" charset="0"/>
+                            <a:cs typeface="Arial" panose="020B0604020202020204" pitchFamily="34" charset="0"/>
+                          </a:rPr>
+                          <m:t>𝑔</m:t>
+                        </m:r>
+                      </m:e>
+                      <m:sub>
+                        <m:r>
+                          <a:rPr lang="en-US" sz="2800" b="0" i="1" smtClean="0">
+                            <a:latin typeface="Cambria Math" panose="02040503050406030204" pitchFamily="18" charset="0"/>
+                            <a:cs typeface="Arial" panose="020B0604020202020204" pitchFamily="34" charset="0"/>
+                          </a:rPr>
+                          <m:t>𝑒𝑚</m:t>
+                        </m:r>
+                      </m:sub>
+                      <m:sup>
+                        <m:r>
+                          <a:rPr lang="en-US" sz="2800" b="0" i="1" smtClean="0">
+                            <a:latin typeface="Cambria Math" panose="02040503050406030204" pitchFamily="18" charset="0"/>
+                            <a:cs typeface="Arial" panose="020B0604020202020204" pitchFamily="34" charset="0"/>
+                          </a:rPr>
+                          <m:t>2</m:t>
+                        </m:r>
+                      </m:sup>
+                    </m:sSubSup>
+                    <m:sSubSup>
+                      <m:sSubSupPr>
+                        <m:ctrlPr>
+                          <a:rPr lang="en-US" sz="2800" b="0" i="1" smtClean="0">
+                            <a:latin typeface="Cambria Math" panose="02040503050406030204" pitchFamily="18" charset="0"/>
+                            <a:cs typeface="Arial" panose="020B0604020202020204" pitchFamily="34" charset="0"/>
+                          </a:rPr>
+                        </m:ctrlPr>
+                      </m:sSubSupPr>
+                      <m:e>
+                        <m:r>
+                          <a:rPr lang="en-US" sz="2800" b="0" i="1" smtClean="0">
+                            <a:latin typeface="Cambria Math" panose="02040503050406030204" pitchFamily="18" charset="0"/>
+                            <a:cs typeface="Arial" panose="020B0604020202020204" pitchFamily="34" charset="0"/>
+                          </a:rPr>
+                          <m:t>𝑔</m:t>
+                        </m:r>
+                      </m:e>
+                      <m:sub>
+                        <m:r>
+                          <a:rPr lang="en-US" sz="2800" b="0" i="1" smtClean="0">
+                            <a:latin typeface="Cambria Math" panose="02040503050406030204" pitchFamily="18" charset="0"/>
+                            <a:cs typeface="Arial" panose="020B0604020202020204" pitchFamily="34" charset="0"/>
+                          </a:rPr>
+                          <m:t>𝑚𝑔</m:t>
+                        </m:r>
+                      </m:sub>
+                      <m:sup>
+                        <m:r>
+                          <a:rPr lang="en-US" sz="2800" b="0" i="1" smtClean="0">
+                            <a:latin typeface="Cambria Math" panose="02040503050406030204" pitchFamily="18" charset="0"/>
+                            <a:cs typeface="Arial" panose="020B0604020202020204" pitchFamily="34" charset="0"/>
+                          </a:rPr>
+                          <m:t>2</m:t>
+                        </m:r>
+                      </m:sup>
+                    </m:sSubSup>
+                    <m:r>
+                      <a:rPr lang="en-US" sz="2800" b="0" i="1" smtClean="0">
+                        <a:latin typeface="Cambria Math" panose="02040503050406030204" pitchFamily="18" charset="0"/>
+                        <a:cs typeface="Arial" panose="020B0604020202020204" pitchFamily="34" charset="0"/>
+                      </a:rPr>
+                      <m:t>𝑠</m:t>
+                    </m:r>
+                    <m:sSup>
+                      <m:sSupPr>
+                        <m:ctrlPr>
+                          <a:rPr lang="en-US" sz="2800" b="0" i="1" smtClean="0">
+                            <a:latin typeface="Cambria Math" panose="02040503050406030204" pitchFamily="18" charset="0"/>
+                            <a:cs typeface="Arial" panose="020B0604020202020204" pitchFamily="34" charset="0"/>
+                          </a:rPr>
+                        </m:ctrlPr>
+                      </m:sSupPr>
+                      <m:e>
+                        <m:r>
+                          <a:rPr lang="en-US" sz="2800" b="0" i="1" smtClean="0">
+                            <a:latin typeface="Cambria Math" panose="02040503050406030204" pitchFamily="18" charset="0"/>
+                            <a:cs typeface="Arial" panose="020B0604020202020204" pitchFamily="34" charset="0"/>
+                          </a:rPr>
+                          <m:t>h</m:t>
+                        </m:r>
+                      </m:e>
+                      <m:sup>
+                        <m:r>
+                          <a:rPr lang="en-US" sz="2800" b="0" i="1" smtClean="0">
+                            <a:latin typeface="Cambria Math" panose="02040503050406030204" pitchFamily="18" charset="0"/>
+                            <a:cs typeface="Arial" panose="020B0604020202020204" pitchFamily="34" charset="0"/>
+                          </a:rPr>
+                          <m:t>2</m:t>
+                        </m:r>
+                      </m:sup>
+                    </m:sSup>
+                    <m:r>
+                      <a:rPr lang="en-US" sz="2800" b="0" i="1" smtClean="0">
+                        <a:latin typeface="Cambria Math" panose="02040503050406030204" pitchFamily="18" charset="0"/>
+                        <a:cs typeface="Arial" panose="020B0604020202020204" pitchFamily="34" charset="0"/>
+                      </a:rPr>
+                      <m:t>(</m:t>
+                    </m:r>
+                    <m:r>
+                      <a:rPr lang="en-US" sz="2800" b="0" i="1" smtClean="0">
+                        <a:latin typeface="Cambria Math" panose="02040503050406030204" pitchFamily="18" charset="0"/>
+                        <a:cs typeface="Arial" panose="020B0604020202020204" pitchFamily="34" charset="0"/>
+                      </a:rPr>
+                      <m:t>𝑠</m:t>
+                    </m:r>
+                    <m:sSup>
+                      <m:sSupPr>
+                        <m:ctrlPr>
+                          <a:rPr lang="en-US" sz="2800" b="0" i="1" smtClean="0">
+                            <a:latin typeface="Cambria Math" panose="02040503050406030204" pitchFamily="18" charset="0"/>
+                            <a:cs typeface="Arial" panose="020B0604020202020204" pitchFamily="34" charset="0"/>
+                          </a:rPr>
+                        </m:ctrlPr>
+                      </m:sSupPr>
+                      <m:e>
+                        <m:r>
+                          <a:rPr lang="en-US" sz="2800" b="0" i="1" smtClean="0">
+                            <a:latin typeface="Cambria Math" panose="02040503050406030204" pitchFamily="18" charset="0"/>
+                            <a:cs typeface="Arial" panose="020B0604020202020204" pitchFamily="34" charset="0"/>
+                          </a:rPr>
+                          <m:t>h</m:t>
+                        </m:r>
+                      </m:e>
+                      <m:sup>
+                        <m:r>
+                          <a:rPr lang="en-US" sz="2800" b="0" i="1" smtClean="0">
+                            <a:latin typeface="Cambria Math" panose="02040503050406030204" pitchFamily="18" charset="0"/>
+                            <a:cs typeface="Arial" panose="020B0604020202020204" pitchFamily="34" charset="0"/>
+                          </a:rPr>
+                          <m:t>2</m:t>
+                        </m:r>
+                      </m:sup>
+                    </m:sSup>
+                    <m:r>
+                      <a:rPr lang="en-US" sz="2800" b="0" i="1" smtClean="0">
+                        <a:latin typeface="Cambria Math" panose="02040503050406030204" pitchFamily="18" charset="0"/>
+                        <a:cs typeface="Arial" panose="020B0604020202020204" pitchFamily="34" charset="0"/>
+                      </a:rPr>
+                      <m:t>+</m:t>
+                    </m:r>
+                    <m:r>
+                      <a:rPr lang="en-US" sz="2800" b="0" i="1" smtClean="0">
+                        <a:latin typeface="Cambria Math" panose="02040503050406030204" pitchFamily="18" charset="0"/>
+                        <a:cs typeface="Arial" panose="020B0604020202020204" pitchFamily="34" charset="0"/>
+                      </a:rPr>
+                      <m:t>𝑐</m:t>
+                    </m:r>
+                    <m:sSup>
+                      <m:sSupPr>
+                        <m:ctrlPr>
+                          <a:rPr lang="en-US" sz="2800" b="0" i="1" smtClean="0">
+                            <a:latin typeface="Cambria Math" panose="02040503050406030204" pitchFamily="18" charset="0"/>
+                            <a:cs typeface="Arial" panose="020B0604020202020204" pitchFamily="34" charset="0"/>
+                          </a:rPr>
+                        </m:ctrlPr>
+                      </m:sSupPr>
+                      <m:e>
+                        <m:r>
+                          <a:rPr lang="en-US" sz="2800" b="0" i="1" smtClean="0">
+                            <a:latin typeface="Cambria Math" panose="02040503050406030204" pitchFamily="18" charset="0"/>
+                            <a:cs typeface="Arial" panose="020B0604020202020204" pitchFamily="34" charset="0"/>
+                          </a:rPr>
+                          <m:t>h</m:t>
+                        </m:r>
+                      </m:e>
+                      <m:sup>
+                        <m:r>
+                          <a:rPr lang="en-US" sz="2800" b="0" i="1" smtClean="0">
+                            <a:latin typeface="Cambria Math" panose="02040503050406030204" pitchFamily="18" charset="0"/>
+                            <a:cs typeface="Arial" panose="020B0604020202020204" pitchFamily="34" charset="0"/>
+                          </a:rPr>
+                          <m:t>2</m:t>
+                        </m:r>
+                      </m:sup>
+                    </m:sSup>
+                    <m:r>
+                      <a:rPr lang="en-US" sz="2800" b="0" i="1" smtClean="0">
+                        <a:latin typeface="Cambria Math" panose="02040503050406030204" pitchFamily="18" charset="0"/>
+                        <a:cs typeface="Arial" panose="020B0604020202020204" pitchFamily="34" charset="0"/>
+                      </a:rPr>
+                      <m:t>)</m:t>
+                    </m:r>
+                  </m:oMath>
+                </a14:m>
+                <a:endParaRPr lang="en-US" sz="2800" dirty="0">
+                  <a:latin typeface="Arial" panose="020B0604020202020204" pitchFamily="34" charset="0"/>
+                  <a:cs typeface="Arial" panose="020B0604020202020204" pitchFamily="34" charset="0"/>
+                </a:endParaRPr>
+              </a:p>
+              <a:p>
+                <a:r>
+                  <a:rPr lang="en-US" sz="2800" dirty="0">
+                    <a:latin typeface="Arial" panose="020B0604020202020204" pitchFamily="34" charset="0"/>
+                    <a:cs typeface="Arial" panose="020B0604020202020204" pitchFamily="34" charset="0"/>
+                  </a:rPr>
+                  <a:t>for </a:t>
+                </a:r>
+                <a14:m>
+                  <m:oMath xmlns:m="http://schemas.openxmlformats.org/officeDocument/2006/math">
+                    <m:d>
+                      <m:dPr>
+                        <m:begChr m:val="|"/>
+                        <m:endChr m:val="⟩"/>
+                        <m:ctrlPr>
+                          <a:rPr lang="en-US" sz="2800" i="1">
+                            <a:latin typeface="Cambria Math" panose="02040503050406030204" pitchFamily="18" charset="0"/>
+                            <a:cs typeface="Arial" panose="020B0604020202020204" pitchFamily="34" charset="0"/>
+                          </a:rPr>
+                        </m:ctrlPr>
+                      </m:dPr>
+                      <m:e>
+                        <m:r>
+                          <a:rPr lang="en-US" sz="2800" i="1">
+                            <a:latin typeface="Cambria Math" panose="02040503050406030204" pitchFamily="18" charset="0"/>
+                            <a:cs typeface="Arial" panose="020B0604020202020204" pitchFamily="34" charset="0"/>
+                          </a:rPr>
+                          <m:t>𝑠</m:t>
+                        </m:r>
+                        <m:sSup>
+                          <m:sSupPr>
+                            <m:ctrlPr>
+                              <a:rPr lang="en-US" sz="2800" i="1">
+                                <a:latin typeface="Cambria Math" panose="02040503050406030204" pitchFamily="18" charset="0"/>
+                                <a:cs typeface="Arial" panose="020B0604020202020204" pitchFamily="34" charset="0"/>
+                              </a:rPr>
+                            </m:ctrlPr>
+                          </m:sSupPr>
+                          <m:e>
+                            <m:r>
+                              <a:rPr lang="en-US" sz="2800" i="1">
+                                <a:latin typeface="Cambria Math" panose="02040503050406030204" pitchFamily="18" charset="0"/>
+                                <a:cs typeface="Arial" panose="020B0604020202020204" pitchFamily="34" charset="0"/>
+                              </a:rPr>
+                              <m:t>h</m:t>
+                            </m:r>
+                          </m:e>
+                          <m:sup>
+                            <m:r>
+                              <a:rPr lang="en-US" sz="2800" i="1">
+                                <a:latin typeface="Cambria Math" panose="02040503050406030204" pitchFamily="18" charset="0"/>
+                                <a:cs typeface="Arial" panose="020B0604020202020204" pitchFamily="34" charset="0"/>
+                              </a:rPr>
+                              <m:t>2</m:t>
+                            </m:r>
+                          </m:sup>
+                        </m:sSup>
+                        <m:r>
+                          <a:rPr lang="en-US" sz="2800" i="1">
+                            <a:latin typeface="Cambria Math" panose="02040503050406030204" pitchFamily="18" charset="0"/>
+                            <a:cs typeface="Arial" panose="020B0604020202020204" pitchFamily="34" charset="0"/>
+                          </a:rPr>
+                          <m:t>,</m:t>
+                        </m:r>
+                        <m:r>
+                          <a:rPr lang="en-US" sz="2800" i="1">
+                            <a:latin typeface="Cambria Math" panose="02040503050406030204" pitchFamily="18" charset="0"/>
+                            <a:cs typeface="Arial" panose="020B0604020202020204" pitchFamily="34" charset="0"/>
+                          </a:rPr>
+                          <m:t>𝑠</m:t>
+                        </m:r>
+                        <m:sSup>
+                          <m:sSupPr>
+                            <m:ctrlPr>
+                              <a:rPr lang="en-US" sz="2800" i="1">
+                                <a:latin typeface="Cambria Math" panose="02040503050406030204" pitchFamily="18" charset="0"/>
+                                <a:cs typeface="Arial" panose="020B0604020202020204" pitchFamily="34" charset="0"/>
+                              </a:rPr>
+                            </m:ctrlPr>
+                          </m:sSupPr>
+                          <m:e>
+                            <m:r>
+                              <a:rPr lang="en-US" sz="2800" i="1">
+                                <a:latin typeface="Cambria Math" panose="02040503050406030204" pitchFamily="18" charset="0"/>
+                                <a:cs typeface="Arial" panose="020B0604020202020204" pitchFamily="34" charset="0"/>
+                              </a:rPr>
+                              <m:t>h</m:t>
+                            </m:r>
+                          </m:e>
+                          <m:sup>
+                            <m:r>
+                              <a:rPr lang="en-US" sz="2800" i="1">
+                                <a:latin typeface="Cambria Math" panose="02040503050406030204" pitchFamily="18" charset="0"/>
+                                <a:cs typeface="Arial" panose="020B0604020202020204" pitchFamily="34" charset="0"/>
+                              </a:rPr>
+                              <m:t>2</m:t>
+                            </m:r>
+                          </m:sup>
+                        </m:sSup>
+                      </m:e>
+                    </m:d>
+                    <m:r>
+                      <a:rPr lang="en-US" sz="2800" i="1">
+                        <a:latin typeface="Cambria Math" panose="02040503050406030204" pitchFamily="18" charset="0"/>
+                        <a:cs typeface="Arial" panose="020B0604020202020204" pitchFamily="34" charset="0"/>
+                      </a:rPr>
+                      <m:t>, </m:t>
+                    </m:r>
+                    <m:sSub>
+                      <m:sSubPr>
+                        <m:ctrlPr>
+                          <a:rPr lang="en-US" sz="2800" b="0" i="1" smtClean="0">
+                            <a:latin typeface="Cambria Math" panose="02040503050406030204" pitchFamily="18" charset="0"/>
+                            <a:cs typeface="Arial" panose="020B0604020202020204" pitchFamily="34" charset="0"/>
+                          </a:rPr>
+                        </m:ctrlPr>
+                      </m:sSubPr>
+                      <m:e>
+                        <m:r>
+                          <a:rPr lang="en-US" sz="2800" b="0" i="1" smtClean="0">
+                            <a:latin typeface="Cambria Math" panose="02040503050406030204" pitchFamily="18" charset="0"/>
+                            <a:cs typeface="Arial" panose="020B0604020202020204" pitchFamily="34" charset="0"/>
+                          </a:rPr>
+                          <m:t>𝑃</m:t>
+                        </m:r>
+                      </m:e>
+                      <m:sub>
+                        <m:r>
+                          <a:rPr lang="en-US" sz="2800" b="0" i="1" smtClean="0">
+                            <a:latin typeface="Cambria Math" panose="02040503050406030204" pitchFamily="18" charset="0"/>
+                            <a:cs typeface="Arial" panose="020B0604020202020204" pitchFamily="34" charset="0"/>
+                          </a:rPr>
+                          <m:t>𝑒</m:t>
+                        </m:r>
+                      </m:sub>
+                    </m:sSub>
+                    <m:r>
+                      <a:rPr lang="en-US" sz="2800" b="0" i="1" smtClean="0">
+                        <a:latin typeface="Cambria Math" panose="02040503050406030204" pitchFamily="18" charset="0"/>
+                        <a:cs typeface="Arial" panose="020B0604020202020204" pitchFamily="34" charset="0"/>
+                      </a:rPr>
+                      <m:t>=</m:t>
+                    </m:r>
+                    <m:f>
+                      <m:fPr>
+                        <m:ctrlPr>
+                          <a:rPr lang="en-US" sz="2800" b="0" i="1" smtClean="0">
+                            <a:latin typeface="Cambria Math" panose="02040503050406030204" pitchFamily="18" charset="0"/>
+                            <a:cs typeface="Arial" panose="020B0604020202020204" pitchFamily="34" charset="0"/>
+                          </a:rPr>
+                        </m:ctrlPr>
+                      </m:fPr>
+                      <m:num>
+                        <m:sSup>
+                          <m:sSupPr>
+                            <m:ctrlPr>
+                              <a:rPr lang="en-US" sz="2800" b="0" i="1" smtClean="0">
+                                <a:latin typeface="Cambria Math" panose="02040503050406030204" pitchFamily="18" charset="0"/>
+                                <a:cs typeface="Arial" panose="020B0604020202020204" pitchFamily="34" charset="0"/>
+                              </a:rPr>
+                            </m:ctrlPr>
+                          </m:sSupPr>
+                          <m:e>
+                            <m:r>
+                              <a:rPr lang="en-US" sz="2800" b="0" i="1" smtClean="0">
+                                <a:latin typeface="Cambria Math" panose="02040503050406030204" pitchFamily="18" charset="0"/>
+                                <a:cs typeface="Arial" panose="020B0604020202020204" pitchFamily="34" charset="0"/>
+                              </a:rPr>
+                              <m:t>𝑡</m:t>
+                            </m:r>
+                          </m:e>
+                          <m:sup>
+                            <m:r>
+                              <a:rPr lang="en-US" sz="2800" b="0" i="1" smtClean="0">
+                                <a:latin typeface="Cambria Math" panose="02040503050406030204" pitchFamily="18" charset="0"/>
+                                <a:cs typeface="Arial" panose="020B0604020202020204" pitchFamily="34" charset="0"/>
+                              </a:rPr>
+                              <m:t>4</m:t>
+                            </m:r>
+                          </m:sup>
+                        </m:sSup>
+                      </m:num>
+                      <m:den>
+                        <m:r>
+                          <a:rPr lang="en-US" sz="2800" b="0" i="1" smtClean="0">
+                            <a:latin typeface="Cambria Math" panose="02040503050406030204" pitchFamily="18" charset="0"/>
+                            <a:cs typeface="Arial" panose="020B0604020202020204" pitchFamily="34" charset="0"/>
+                          </a:rPr>
+                          <m:t>4</m:t>
+                        </m:r>
+                      </m:den>
+                    </m:f>
+                    <m:sSubSup>
+                      <m:sSubSupPr>
+                        <m:ctrlPr>
+                          <a:rPr lang="en-US" sz="2800" b="0" i="1" smtClean="0">
+                            <a:latin typeface="Cambria Math" panose="02040503050406030204" pitchFamily="18" charset="0"/>
+                            <a:cs typeface="Arial" panose="020B0604020202020204" pitchFamily="34" charset="0"/>
+                          </a:rPr>
+                        </m:ctrlPr>
+                      </m:sSubSupPr>
+                      <m:e>
+                        <m:r>
+                          <a:rPr lang="en-US" sz="2800" b="0" i="1" smtClean="0">
+                            <a:latin typeface="Cambria Math" panose="02040503050406030204" pitchFamily="18" charset="0"/>
+                            <a:cs typeface="Arial" panose="020B0604020202020204" pitchFamily="34" charset="0"/>
+                          </a:rPr>
+                          <m:t>𝑔</m:t>
+                        </m:r>
+                      </m:e>
+                      <m:sub>
+                        <m:r>
+                          <a:rPr lang="en-US" sz="2800" b="0" i="1" smtClean="0">
+                            <a:latin typeface="Cambria Math" panose="02040503050406030204" pitchFamily="18" charset="0"/>
+                            <a:cs typeface="Arial" panose="020B0604020202020204" pitchFamily="34" charset="0"/>
+                          </a:rPr>
+                          <m:t>𝑒𝑚</m:t>
+                        </m:r>
+                      </m:sub>
+                      <m:sup>
+                        <m:r>
+                          <a:rPr lang="en-US" sz="2800" b="0" i="1" smtClean="0">
+                            <a:latin typeface="Cambria Math" panose="02040503050406030204" pitchFamily="18" charset="0"/>
+                            <a:cs typeface="Arial" panose="020B0604020202020204" pitchFamily="34" charset="0"/>
+                          </a:rPr>
+                          <m:t>2</m:t>
+                        </m:r>
+                      </m:sup>
+                    </m:sSubSup>
+                    <m:sSubSup>
+                      <m:sSubSupPr>
+                        <m:ctrlPr>
+                          <a:rPr lang="en-US" sz="2800" b="0" i="1" smtClean="0">
+                            <a:latin typeface="Cambria Math" panose="02040503050406030204" pitchFamily="18" charset="0"/>
+                            <a:cs typeface="Arial" panose="020B0604020202020204" pitchFamily="34" charset="0"/>
+                          </a:rPr>
+                        </m:ctrlPr>
+                      </m:sSubSupPr>
+                      <m:e>
+                        <m:r>
+                          <a:rPr lang="en-US" sz="2800" b="0" i="1" smtClean="0">
+                            <a:latin typeface="Cambria Math" panose="02040503050406030204" pitchFamily="18" charset="0"/>
+                            <a:cs typeface="Arial" panose="020B0604020202020204" pitchFamily="34" charset="0"/>
+                          </a:rPr>
+                          <m:t>𝑔</m:t>
+                        </m:r>
+                      </m:e>
+                      <m:sub>
+                        <m:r>
+                          <a:rPr lang="en-US" sz="2800" b="0" i="1" smtClean="0">
+                            <a:latin typeface="Cambria Math" panose="02040503050406030204" pitchFamily="18" charset="0"/>
+                            <a:cs typeface="Arial" panose="020B0604020202020204" pitchFamily="34" charset="0"/>
+                          </a:rPr>
+                          <m:t>𝑚𝑔</m:t>
+                        </m:r>
+                      </m:sub>
+                      <m:sup>
+                        <m:r>
+                          <a:rPr lang="en-US" sz="2800" b="0" i="1" smtClean="0">
+                            <a:latin typeface="Cambria Math" panose="02040503050406030204" pitchFamily="18" charset="0"/>
+                            <a:cs typeface="Arial" panose="020B0604020202020204" pitchFamily="34" charset="0"/>
+                          </a:rPr>
+                          <m:t>2</m:t>
+                        </m:r>
+                      </m:sup>
+                    </m:sSubSup>
+                    <m:r>
+                      <a:rPr lang="en-US" sz="2800" b="0" i="1" smtClean="0">
+                        <a:latin typeface="Cambria Math" panose="02040503050406030204" pitchFamily="18" charset="0"/>
+                        <a:cs typeface="Arial" panose="020B0604020202020204" pitchFamily="34" charset="0"/>
+                      </a:rPr>
+                      <m:t>𝑠</m:t>
+                    </m:r>
+                    <m:sSup>
+                      <m:sSupPr>
+                        <m:ctrlPr>
+                          <a:rPr lang="en-US" sz="2800" b="0" i="1" smtClean="0">
+                            <a:latin typeface="Cambria Math" panose="02040503050406030204" pitchFamily="18" charset="0"/>
+                            <a:cs typeface="Arial" panose="020B0604020202020204" pitchFamily="34" charset="0"/>
+                          </a:rPr>
+                        </m:ctrlPr>
+                      </m:sSupPr>
+                      <m:e>
+                        <m:r>
+                          <a:rPr lang="en-US" sz="2800" b="0" i="1" smtClean="0">
+                            <a:latin typeface="Cambria Math" panose="02040503050406030204" pitchFamily="18" charset="0"/>
+                            <a:cs typeface="Arial" panose="020B0604020202020204" pitchFamily="34" charset="0"/>
+                          </a:rPr>
+                          <m:t>h</m:t>
+                        </m:r>
+                      </m:e>
+                      <m:sup>
+                        <m:r>
+                          <a:rPr lang="en-US" sz="2800" b="0" i="1" smtClean="0">
+                            <a:latin typeface="Cambria Math" panose="02040503050406030204" pitchFamily="18" charset="0"/>
+                            <a:cs typeface="Arial" panose="020B0604020202020204" pitchFamily="34" charset="0"/>
+                          </a:rPr>
+                          <m:t>4</m:t>
+                        </m:r>
+                      </m:sup>
+                    </m:sSup>
+                  </m:oMath>
+                </a14:m>
+                <a:endParaRPr lang="en-US" sz="2800" dirty="0">
+                  <a:latin typeface="Arial" panose="020B0604020202020204" pitchFamily="34" charset="0"/>
+                  <a:cs typeface="Arial" panose="020B0604020202020204" pitchFamily="34" charset="0"/>
+                </a:endParaRPr>
+              </a:p>
+              <a:p>
+                <a:r>
+                  <a:rPr lang="en-US" sz="2800" dirty="0">
+                    <a:latin typeface="Arial" panose="020B0604020202020204" pitchFamily="34" charset="0"/>
+                    <a:cs typeface="Arial" panose="020B0604020202020204" pitchFamily="34" charset="0"/>
+                  </a:rPr>
+                  <a:t>enhancement: </a:t>
+                </a:r>
+                <a14:m>
+                  <m:oMath xmlns:m="http://schemas.openxmlformats.org/officeDocument/2006/math">
+                    <m:f>
+                      <m:fPr>
+                        <m:ctrlPr>
+                          <a:rPr lang="en-US" sz="2800" b="0" i="1" smtClean="0">
+                            <a:latin typeface="Cambria Math" panose="02040503050406030204" pitchFamily="18" charset="0"/>
+                            <a:cs typeface="Arial" panose="020B0604020202020204" pitchFamily="34" charset="0"/>
+                          </a:rPr>
+                        </m:ctrlPr>
+                      </m:fPr>
+                      <m:num>
+                        <m:r>
+                          <a:rPr lang="en-US" sz="2800" b="0" i="1" smtClean="0">
+                            <a:latin typeface="Cambria Math" panose="02040503050406030204" pitchFamily="18" charset="0"/>
+                            <a:cs typeface="Arial" panose="020B0604020202020204" pitchFamily="34" charset="0"/>
+                          </a:rPr>
+                          <m:t>𝑠</m:t>
+                        </m:r>
+                        <m:sSup>
+                          <m:sSupPr>
+                            <m:ctrlPr>
+                              <a:rPr lang="en-US" sz="2800" b="0" i="1" smtClean="0">
+                                <a:latin typeface="Cambria Math" panose="02040503050406030204" pitchFamily="18" charset="0"/>
+                                <a:cs typeface="Arial" panose="020B0604020202020204" pitchFamily="34" charset="0"/>
+                              </a:rPr>
+                            </m:ctrlPr>
+                          </m:sSupPr>
+                          <m:e>
+                            <m:r>
+                              <a:rPr lang="en-US" sz="2800" b="0" i="1" smtClean="0">
+                                <a:latin typeface="Cambria Math" panose="02040503050406030204" pitchFamily="18" charset="0"/>
+                                <a:cs typeface="Arial" panose="020B0604020202020204" pitchFamily="34" charset="0"/>
+                              </a:rPr>
+                              <m:t>h</m:t>
+                            </m:r>
+                          </m:e>
+                          <m:sup>
+                            <m:r>
+                              <a:rPr lang="en-US" sz="2800" b="0" i="1" smtClean="0">
+                                <a:latin typeface="Cambria Math" panose="02040503050406030204" pitchFamily="18" charset="0"/>
+                                <a:cs typeface="Arial" panose="020B0604020202020204" pitchFamily="34" charset="0"/>
+                              </a:rPr>
+                              <m:t>2</m:t>
+                            </m:r>
+                          </m:sup>
+                        </m:sSup>
+                        <m:r>
+                          <a:rPr lang="en-US" sz="2800" b="0" i="1" smtClean="0">
+                            <a:latin typeface="Cambria Math" panose="02040503050406030204" pitchFamily="18" charset="0"/>
+                            <a:cs typeface="Arial" panose="020B0604020202020204" pitchFamily="34" charset="0"/>
+                          </a:rPr>
+                          <m:t>+</m:t>
+                        </m:r>
+                        <m:r>
+                          <a:rPr lang="en-US" sz="2800" b="0" i="1" smtClean="0">
+                            <a:latin typeface="Cambria Math" panose="02040503050406030204" pitchFamily="18" charset="0"/>
+                            <a:cs typeface="Arial" panose="020B0604020202020204" pitchFamily="34" charset="0"/>
+                          </a:rPr>
+                          <m:t>𝑐</m:t>
+                        </m:r>
+                        <m:sSup>
+                          <m:sSupPr>
+                            <m:ctrlPr>
+                              <a:rPr lang="en-US" sz="2800" b="0" i="1" smtClean="0">
+                                <a:latin typeface="Cambria Math" panose="02040503050406030204" pitchFamily="18" charset="0"/>
+                                <a:cs typeface="Arial" panose="020B0604020202020204" pitchFamily="34" charset="0"/>
+                              </a:rPr>
+                            </m:ctrlPr>
+                          </m:sSupPr>
+                          <m:e>
+                            <m:r>
+                              <a:rPr lang="en-US" sz="2800" b="0" i="1" smtClean="0">
+                                <a:latin typeface="Cambria Math" panose="02040503050406030204" pitchFamily="18" charset="0"/>
+                                <a:cs typeface="Arial" panose="020B0604020202020204" pitchFamily="34" charset="0"/>
+                              </a:rPr>
+                              <m:t>h</m:t>
+                            </m:r>
+                          </m:e>
+                          <m:sup>
+                            <m:r>
+                              <a:rPr lang="en-US" sz="2800" b="0" i="1" smtClean="0">
+                                <a:latin typeface="Cambria Math" panose="02040503050406030204" pitchFamily="18" charset="0"/>
+                                <a:cs typeface="Arial" panose="020B0604020202020204" pitchFamily="34" charset="0"/>
+                              </a:rPr>
+                              <m:t>2</m:t>
+                            </m:r>
+                          </m:sup>
+                        </m:sSup>
+                      </m:num>
+                      <m:den>
+                        <m:r>
+                          <a:rPr lang="en-US" sz="2800" b="0" i="1" smtClean="0">
+                            <a:latin typeface="Cambria Math" panose="02040503050406030204" pitchFamily="18" charset="0"/>
+                            <a:cs typeface="Arial" panose="020B0604020202020204" pitchFamily="34" charset="0"/>
+                          </a:rPr>
+                          <m:t>𝑠</m:t>
+                        </m:r>
+                        <m:sSup>
+                          <m:sSupPr>
+                            <m:ctrlPr>
+                              <a:rPr lang="en-US" sz="2800" b="0" i="1" smtClean="0">
+                                <a:latin typeface="Cambria Math" panose="02040503050406030204" pitchFamily="18" charset="0"/>
+                                <a:cs typeface="Arial" panose="020B0604020202020204" pitchFamily="34" charset="0"/>
+                              </a:rPr>
+                            </m:ctrlPr>
+                          </m:sSupPr>
+                          <m:e>
+                            <m:r>
+                              <a:rPr lang="en-US" sz="2800" b="0" i="1" smtClean="0">
+                                <a:latin typeface="Cambria Math" panose="02040503050406030204" pitchFamily="18" charset="0"/>
+                                <a:cs typeface="Arial" panose="020B0604020202020204" pitchFamily="34" charset="0"/>
+                              </a:rPr>
+                              <m:t>h</m:t>
+                            </m:r>
+                          </m:e>
+                          <m:sup>
+                            <m:r>
+                              <a:rPr lang="en-US" sz="2800" b="0" i="1" smtClean="0">
+                                <a:latin typeface="Cambria Math" panose="02040503050406030204" pitchFamily="18" charset="0"/>
+                                <a:cs typeface="Arial" panose="020B0604020202020204" pitchFamily="34" charset="0"/>
+                              </a:rPr>
+                              <m:t>2</m:t>
+                            </m:r>
+                          </m:sup>
+                        </m:sSup>
+                      </m:den>
+                    </m:f>
+                  </m:oMath>
+                </a14:m>
+                <a:r>
+                  <a:rPr lang="en-US" sz="2800" dirty="0">
+                    <a:latin typeface="Arial" panose="020B0604020202020204" pitchFamily="34" charset="0"/>
+                    <a:cs typeface="Arial" panose="020B0604020202020204" pitchFamily="34" charset="0"/>
+                  </a:rPr>
+                  <a:t>, </a:t>
+                </a:r>
+              </a:p>
+              <a:p>
+                <a:r>
+                  <a:rPr lang="en-US" sz="2800" dirty="0">
+                    <a:latin typeface="Arial" panose="020B0604020202020204" pitchFamily="34" charset="0"/>
+                    <a:cs typeface="Arial" panose="020B0604020202020204" pitchFamily="34" charset="0"/>
+                  </a:rPr>
+                  <a:t>infinity if </a:t>
+                </a:r>
+                <a14:m>
+                  <m:oMath xmlns:m="http://schemas.openxmlformats.org/officeDocument/2006/math">
+                    <m:r>
+                      <a:rPr lang="en-US" sz="2800" b="0" i="1" smtClean="0">
+                        <a:latin typeface="Cambria Math" panose="02040503050406030204" pitchFamily="18" charset="0"/>
+                        <a:cs typeface="Arial" panose="020B0604020202020204" pitchFamily="34" charset="0"/>
+                      </a:rPr>
+                      <m:t>𝑟</m:t>
+                    </m:r>
+                    <m:r>
+                      <a:rPr lang="en-US" sz="2800" b="0" i="1" smtClean="0">
+                        <a:latin typeface="Cambria Math" panose="02040503050406030204" pitchFamily="18" charset="0"/>
+                        <a:cs typeface="Arial" panose="020B0604020202020204" pitchFamily="34" charset="0"/>
+                      </a:rPr>
+                      <m:t>→0</m:t>
+                    </m:r>
+                  </m:oMath>
+                </a14:m>
+                <a:r>
+                  <a:rPr lang="en-US" sz="2800" dirty="0">
+                    <a:latin typeface="Arial" panose="020B0604020202020204" pitchFamily="34" charset="0"/>
+                    <a:cs typeface="Arial" panose="020B0604020202020204" pitchFamily="34" charset="0"/>
+                  </a:rPr>
+                  <a:t>, 2 if </a:t>
+                </a:r>
+                <a14:m>
+                  <m:oMath xmlns:m="http://schemas.openxmlformats.org/officeDocument/2006/math">
+                    <m:r>
+                      <a:rPr lang="en-US" sz="2800" b="0" i="1" smtClean="0">
+                        <a:latin typeface="Cambria Math" panose="02040503050406030204" pitchFamily="18" charset="0"/>
+                        <a:cs typeface="Arial" panose="020B0604020202020204" pitchFamily="34" charset="0"/>
+                      </a:rPr>
+                      <m:t>𝑟</m:t>
+                    </m:r>
+                    <m:r>
+                      <a:rPr lang="en-US" sz="2800" b="0" i="1" smtClean="0">
+                        <a:latin typeface="Cambria Math" panose="02040503050406030204" pitchFamily="18" charset="0"/>
+                        <a:cs typeface="Arial" panose="020B0604020202020204" pitchFamily="34" charset="0"/>
+                      </a:rPr>
+                      <m:t>→∞</m:t>
+                    </m:r>
+                  </m:oMath>
+                </a14:m>
+                <a:endParaRPr lang="en-US" sz="2800" dirty="0">
+                  <a:latin typeface="Arial" panose="020B0604020202020204" pitchFamily="34" charset="0"/>
+                  <a:cs typeface="Arial" panose="020B0604020202020204" pitchFamily="34" charset="0"/>
+                </a:endParaRPr>
+              </a:p>
+              <a:p>
+                <a:endParaRPr lang="en-US" sz="2800" dirty="0">
+                  <a:latin typeface="Arial" panose="020B0604020202020204" pitchFamily="34" charset="0"/>
+                  <a:cs typeface="Arial" panose="020B0604020202020204" pitchFamily="34" charset="0"/>
+                </a:endParaRPr>
+              </a:p>
+              <a:p>
+                <a:r>
+                  <a:rPr lang="en-US" sz="2800" dirty="0">
+                    <a:latin typeface="Arial" panose="020B0604020202020204" pitchFamily="34" charset="0"/>
+                    <a:cs typeface="Arial" panose="020B0604020202020204" pitchFamily="34" charset="0"/>
+                  </a:rPr>
+                  <a:t>(</a:t>
+                </a:r>
+                <a14:m>
+                  <m:oMath xmlns:m="http://schemas.openxmlformats.org/officeDocument/2006/math">
+                    <m:r>
+                      <a:rPr lang="en-US" sz="2800" i="1">
+                        <a:latin typeface="Cambria Math" panose="02040503050406030204" pitchFamily="18" charset="0"/>
+                        <a:cs typeface="Arial" panose="020B0604020202020204" pitchFamily="34" charset="0"/>
+                      </a:rPr>
+                      <m:t>𝑐h</m:t>
+                    </m:r>
+                    <m:r>
+                      <a:rPr lang="en-US" sz="2800" i="1">
+                        <a:latin typeface="Cambria Math" panose="02040503050406030204" pitchFamily="18" charset="0"/>
+                        <a:cs typeface="Arial" panose="020B0604020202020204" pitchFamily="34" charset="0"/>
+                      </a:rPr>
+                      <m:t>=</m:t>
+                    </m:r>
+                    <m:func>
+                      <m:funcPr>
+                        <m:ctrlPr>
+                          <a:rPr lang="en-US" sz="2800" i="1">
+                            <a:latin typeface="Cambria Math" panose="02040503050406030204" pitchFamily="18" charset="0"/>
+                            <a:cs typeface="Arial" panose="020B0604020202020204" pitchFamily="34" charset="0"/>
+                          </a:rPr>
+                        </m:ctrlPr>
+                      </m:funcPr>
+                      <m:fName>
+                        <m:r>
+                          <m:rPr>
+                            <m:sty m:val="p"/>
+                          </m:rPr>
+                          <a:rPr lang="en-US" sz="2800">
+                            <a:latin typeface="Cambria Math" panose="02040503050406030204" pitchFamily="18" charset="0"/>
+                            <a:cs typeface="Arial" panose="020B0604020202020204" pitchFamily="34" charset="0"/>
+                          </a:rPr>
+                          <m:t>cosh</m:t>
+                        </m:r>
+                      </m:fName>
+                      <m:e>
+                        <m:r>
+                          <a:rPr lang="en-US" sz="2800" i="1">
+                            <a:latin typeface="Cambria Math" panose="02040503050406030204" pitchFamily="18" charset="0"/>
+                            <a:cs typeface="Arial" panose="020B0604020202020204" pitchFamily="34" charset="0"/>
+                          </a:rPr>
+                          <m:t>𝑟</m:t>
+                        </m:r>
+                      </m:e>
+                    </m:func>
+                    <m:r>
+                      <a:rPr lang="en-US" sz="2800" i="1">
+                        <a:latin typeface="Cambria Math" panose="02040503050406030204" pitchFamily="18" charset="0"/>
+                        <a:cs typeface="Arial" panose="020B0604020202020204" pitchFamily="34" charset="0"/>
+                      </a:rPr>
+                      <m:t>, </m:t>
+                    </m:r>
+                    <m:r>
+                      <a:rPr lang="en-US" sz="2800" i="1">
+                        <a:latin typeface="Cambria Math" panose="02040503050406030204" pitchFamily="18" charset="0"/>
+                        <a:cs typeface="Arial" panose="020B0604020202020204" pitchFamily="34" charset="0"/>
+                      </a:rPr>
+                      <m:t>𝑠h</m:t>
+                    </m:r>
+                    <m:r>
+                      <a:rPr lang="en-US" sz="2800" i="1">
+                        <a:latin typeface="Cambria Math" panose="02040503050406030204" pitchFamily="18" charset="0"/>
+                        <a:cs typeface="Arial" panose="020B0604020202020204" pitchFamily="34" charset="0"/>
+                      </a:rPr>
+                      <m:t>=</m:t>
+                    </m:r>
+                    <m:func>
+                      <m:funcPr>
+                        <m:ctrlPr>
+                          <a:rPr lang="en-US" sz="2800" i="1">
+                            <a:latin typeface="Cambria Math" panose="02040503050406030204" pitchFamily="18" charset="0"/>
+                            <a:cs typeface="Arial" panose="020B0604020202020204" pitchFamily="34" charset="0"/>
+                          </a:rPr>
+                        </m:ctrlPr>
+                      </m:funcPr>
+                      <m:fName>
+                        <m:r>
+                          <m:rPr>
+                            <m:sty m:val="p"/>
+                          </m:rPr>
+                          <a:rPr lang="en-US" sz="2800">
+                            <a:latin typeface="Cambria Math" panose="02040503050406030204" pitchFamily="18" charset="0"/>
+                            <a:cs typeface="Arial" panose="020B0604020202020204" pitchFamily="34" charset="0"/>
+                          </a:rPr>
+                          <m:t>sinh</m:t>
+                        </m:r>
+                      </m:fName>
+                      <m:e>
+                        <m:r>
+                          <a:rPr lang="en-US" sz="2800" i="1">
+                            <a:latin typeface="Cambria Math" panose="02040503050406030204" pitchFamily="18" charset="0"/>
+                            <a:cs typeface="Arial" panose="020B0604020202020204" pitchFamily="34" charset="0"/>
+                          </a:rPr>
+                          <m:t>𝑟</m:t>
+                        </m:r>
+                      </m:e>
+                    </m:func>
+                  </m:oMath>
+                </a14:m>
+                <a:r>
+                  <a:rPr lang="en-US" sz="2800" dirty="0">
+                    <a:latin typeface="Arial" panose="020B0604020202020204" pitchFamily="34" charset="0"/>
+                    <a:cs typeface="Arial" panose="020B0604020202020204" pitchFamily="34" charset="0"/>
+                  </a:rPr>
+                  <a:t>, </a:t>
+                </a:r>
+                <a14:m>
+                  <m:oMath xmlns:m="http://schemas.openxmlformats.org/officeDocument/2006/math">
+                    <m:r>
+                      <a:rPr lang="en-US" sz="2800" i="1">
+                        <a:latin typeface="Cambria Math" panose="02040503050406030204" pitchFamily="18" charset="0"/>
+                        <a:cs typeface="Arial" panose="020B0604020202020204" pitchFamily="34" charset="0"/>
+                      </a:rPr>
+                      <m:t>𝑠</m:t>
+                    </m:r>
+                    <m:sSup>
+                      <m:sSupPr>
+                        <m:ctrlPr>
+                          <a:rPr lang="en-US" sz="2800" i="1">
+                            <a:latin typeface="Cambria Math" panose="02040503050406030204" pitchFamily="18" charset="0"/>
+                            <a:cs typeface="Arial" panose="020B0604020202020204" pitchFamily="34" charset="0"/>
+                          </a:rPr>
+                        </m:ctrlPr>
+                      </m:sSupPr>
+                      <m:e>
+                        <m:r>
+                          <a:rPr lang="en-US" sz="2800" i="1">
+                            <a:latin typeface="Cambria Math" panose="02040503050406030204" pitchFamily="18" charset="0"/>
+                            <a:cs typeface="Arial" panose="020B0604020202020204" pitchFamily="34" charset="0"/>
+                          </a:rPr>
+                          <m:t>h</m:t>
+                        </m:r>
+                      </m:e>
+                      <m:sup>
+                        <m:r>
+                          <a:rPr lang="en-US" sz="2800" i="1">
+                            <a:latin typeface="Cambria Math" panose="02040503050406030204" pitchFamily="18" charset="0"/>
+                            <a:cs typeface="Arial" panose="020B0604020202020204" pitchFamily="34" charset="0"/>
+                          </a:rPr>
+                          <m:t>2</m:t>
+                        </m:r>
+                      </m:sup>
+                    </m:sSup>
+                    <m:r>
+                      <a:rPr lang="en-US" sz="2800" i="1">
+                        <a:latin typeface="Cambria Math" panose="02040503050406030204" pitchFamily="18" charset="0"/>
+                        <a:cs typeface="Arial" panose="020B0604020202020204" pitchFamily="34" charset="0"/>
+                      </a:rPr>
+                      <m:t>=</m:t>
+                    </m:r>
+                    <m:r>
+                      <a:rPr lang="en-US" sz="2800" i="1">
+                        <a:latin typeface="Cambria Math" panose="02040503050406030204" pitchFamily="18" charset="0"/>
+                        <a:cs typeface="Arial" panose="020B0604020202020204" pitchFamily="34" charset="0"/>
+                      </a:rPr>
+                      <m:t>𝑁</m:t>
+                    </m:r>
+                  </m:oMath>
+                </a14:m>
+                <a:r>
+                  <a:rPr lang="en-US" sz="2800" dirty="0">
+                    <a:latin typeface="Arial" panose="020B0604020202020204" pitchFamily="34" charset="0"/>
+                    <a:cs typeface="Arial" panose="020B0604020202020204" pitchFamily="34" charset="0"/>
+                  </a:rPr>
+                  <a:t>(average photon number))</a:t>
+                </a:r>
+              </a:p>
+            </p:txBody>
+          </p:sp>
+        </mc:Choice>
+        <mc:Fallback>
+          <p:sp>
+            <p:nvSpPr>
+              <p:cNvPr id="21" name="TextBox 20">
+                <a:extLst>
+                  <a:ext uri="{FF2B5EF4-FFF2-40B4-BE49-F238E27FC236}">
+                    <a16:creationId xmlns:a16="http://schemas.microsoft.com/office/drawing/2014/main" id="{8A24169F-11D4-4136-8C19-E894EE2FFE47}"/>
+                  </a:ext>
+                </a:extLst>
+              </p:cNvPr>
+              <p:cNvSpPr txBox="1">
+                <a:spLocks noRot="1" noChangeAspect="1" noMove="1" noResize="1" noEditPoints="1" noAdjustHandles="1" noChangeArrowheads="1" noChangeShapeType="1" noTextEdit="1"/>
+              </p:cNvSpPr>
+              <p:nvPr/>
+            </p:nvSpPr>
+            <p:spPr>
+              <a:xfrm>
+                <a:off x="5898959" y="440040"/>
+                <a:ext cx="6641869" cy="5977919"/>
+              </a:xfrm>
+              <a:prstGeom prst="rect">
+                <a:avLst/>
+              </a:prstGeom>
+              <a:blipFill>
+                <a:blip r:embed="rId4"/>
+                <a:stretch>
+                  <a:fillRect l="-1928" t="-1019" b="-1835"/>
+                </a:stretch>
+              </a:blipFill>
+            </p:spPr>
+            <p:txBody>
+              <a:bodyPr/>
+              <a:lstStyle/>
+              <a:p>
+                <a:r>
+                  <a:rPr lang="en-US">
+                    <a:noFill/>
+                  </a:rPr>
+                  <a:t> </a:t>
+                </a:r>
+              </a:p>
+            </p:txBody>
+          </p:sp>
+        </mc:Fallback>
+      </mc:AlternateContent>
+      <mc:AlternateContent xmlns:mc="http://schemas.openxmlformats.org/markup-compatibility/2006" xmlns:a14="http://schemas.microsoft.com/office/drawing/2010/main">
+        <mc:Choice Requires="a14">
+          <p:sp>
+            <p:nvSpPr>
+              <p:cNvPr id="14" name="TextBox 13">
+                <a:extLst>
+                  <a:ext uri="{FF2B5EF4-FFF2-40B4-BE49-F238E27FC236}">
+                    <a16:creationId xmlns:a16="http://schemas.microsoft.com/office/drawing/2014/main" id="{276E8E00-B21D-402C-868D-52401A1833B8}"/>
+                  </a:ext>
+                </a:extLst>
+              </p:cNvPr>
+              <p:cNvSpPr txBox="1"/>
+              <p:nvPr/>
+            </p:nvSpPr>
+            <p:spPr>
+              <a:xfrm>
+                <a:off x="4844394" y="738369"/>
+                <a:ext cx="513538" cy="369332"/>
+              </a:xfrm>
+              <a:prstGeom prst="rect">
+                <a:avLst/>
+              </a:prstGeom>
+              <a:noFill/>
+            </p:spPr>
+            <p:txBody>
+              <a:bodyPr wrap="none" rtlCol="0">
+                <a:spAutoFit/>
+              </a:bodyPr>
+              <a:lstStyle/>
+              <a:p>
+                <a:pPr/>
+                <a14:m>
+                  <m:oMathPara xmlns:m="http://schemas.openxmlformats.org/officeDocument/2006/math">
+                    <m:oMathParaPr>
+                      <m:jc m:val="centerGroup"/>
+                    </m:oMathParaPr>
+                    <m:oMath xmlns:m="http://schemas.openxmlformats.org/officeDocument/2006/math">
+                      <m:r>
+                        <a:rPr lang="en-US" b="0" i="1" smtClean="0">
+                          <a:latin typeface="Cambria Math" panose="02040503050406030204" pitchFamily="18" charset="0"/>
+                        </a:rPr>
+                        <m:t>|</m:t>
+                      </m:r>
+                      <m:r>
+                        <a:rPr lang="en-US" b="0" i="1" smtClean="0">
+                          <a:latin typeface="Cambria Math" panose="02040503050406030204" pitchFamily="18" charset="0"/>
+                        </a:rPr>
+                        <m:t>𝑒</m:t>
+                      </m:r>
+                      <m:r>
+                        <a:rPr lang="en-US" b="0" i="1" smtClean="0">
+                          <a:latin typeface="Cambria Math" panose="02040503050406030204" pitchFamily="18" charset="0"/>
+                        </a:rPr>
+                        <m:t>⟩</m:t>
+                      </m:r>
+                    </m:oMath>
+                  </m:oMathPara>
+                </a14:m>
+                <a:endParaRPr lang="en-US" dirty="0"/>
+              </a:p>
+            </p:txBody>
+          </p:sp>
+        </mc:Choice>
+        <mc:Fallback xmlns="">
+          <p:sp>
+            <p:nvSpPr>
+              <p:cNvPr id="14" name="TextBox 13">
+                <a:extLst>
+                  <a:ext uri="{FF2B5EF4-FFF2-40B4-BE49-F238E27FC236}">
+                    <a16:creationId xmlns:a16="http://schemas.microsoft.com/office/drawing/2014/main" id="{276E8E00-B21D-402C-868D-52401A1833B8}"/>
+                  </a:ext>
+                </a:extLst>
+              </p:cNvPr>
+              <p:cNvSpPr txBox="1">
+                <a:spLocks noRot="1" noChangeAspect="1" noMove="1" noResize="1" noEditPoints="1" noAdjustHandles="1" noChangeArrowheads="1" noChangeShapeType="1" noTextEdit="1"/>
+              </p:cNvSpPr>
+              <p:nvPr/>
+            </p:nvSpPr>
+            <p:spPr>
+              <a:xfrm>
+                <a:off x="4844394" y="738369"/>
+                <a:ext cx="513538" cy="369332"/>
+              </a:xfrm>
+              <a:prstGeom prst="rect">
+                <a:avLst/>
+              </a:prstGeom>
+              <a:blipFill>
+                <a:blip r:embed="rId5"/>
+                <a:stretch>
+                  <a:fillRect b="-13115"/>
+                </a:stretch>
+              </a:blipFill>
+            </p:spPr>
+            <p:txBody>
+              <a:bodyPr/>
+              <a:lstStyle/>
+              <a:p>
+                <a:r>
+                  <a:rPr lang="en-US">
+                    <a:noFill/>
+                  </a:rPr>
+                  <a:t> </a:t>
+                </a:r>
+              </a:p>
+            </p:txBody>
+          </p:sp>
+        </mc:Fallback>
+      </mc:AlternateContent>
+      <mc:AlternateContent xmlns:mc="http://schemas.openxmlformats.org/markup-compatibility/2006" xmlns:a14="http://schemas.microsoft.com/office/drawing/2010/main">
+        <mc:Choice Requires="a14">
+          <p:sp>
+            <p:nvSpPr>
+              <p:cNvPr id="16" name="TextBox 15">
+                <a:extLst>
+                  <a:ext uri="{FF2B5EF4-FFF2-40B4-BE49-F238E27FC236}">
+                    <a16:creationId xmlns:a16="http://schemas.microsoft.com/office/drawing/2014/main" id="{9016181D-2DF0-45C7-B0DE-FE2A45AE42CD}"/>
+                  </a:ext>
+                </a:extLst>
+              </p:cNvPr>
+              <p:cNvSpPr txBox="1"/>
+              <p:nvPr/>
+            </p:nvSpPr>
+            <p:spPr>
+              <a:xfrm>
+                <a:off x="4765334" y="2951357"/>
+                <a:ext cx="592598" cy="369332"/>
+              </a:xfrm>
+              <a:prstGeom prst="rect">
+                <a:avLst/>
+              </a:prstGeom>
+              <a:noFill/>
+            </p:spPr>
+            <p:txBody>
+              <a:bodyPr wrap="none" rtlCol="0">
+                <a:spAutoFit/>
+              </a:bodyPr>
+              <a:lstStyle/>
+              <a:p>
+                <a:pPr/>
+                <a14:m>
+                  <m:oMathPara xmlns:m="http://schemas.openxmlformats.org/officeDocument/2006/math">
+                    <m:oMathParaPr>
+                      <m:jc m:val="centerGroup"/>
+                    </m:oMathParaPr>
+                    <m:oMath xmlns:m="http://schemas.openxmlformats.org/officeDocument/2006/math">
+                      <m:r>
+                        <a:rPr lang="en-US" b="0" i="1" smtClean="0">
+                          <a:latin typeface="Cambria Math" panose="02040503050406030204" pitchFamily="18" charset="0"/>
+                        </a:rPr>
+                        <m:t>|</m:t>
+                      </m:r>
+                      <m:r>
+                        <a:rPr lang="en-US" b="0" i="1" smtClean="0">
+                          <a:latin typeface="Cambria Math" panose="02040503050406030204" pitchFamily="18" charset="0"/>
+                        </a:rPr>
+                        <m:t>𝑚</m:t>
+                      </m:r>
+                      <m:r>
+                        <a:rPr lang="en-US" b="0" i="1" smtClean="0">
+                          <a:latin typeface="Cambria Math" panose="02040503050406030204" pitchFamily="18" charset="0"/>
+                        </a:rPr>
+                        <m:t>⟩</m:t>
+                      </m:r>
+                    </m:oMath>
+                  </m:oMathPara>
+                </a14:m>
+                <a:endParaRPr lang="en-US" dirty="0"/>
+              </a:p>
+            </p:txBody>
+          </p:sp>
+        </mc:Choice>
+        <mc:Fallback xmlns="">
+          <p:sp>
+            <p:nvSpPr>
+              <p:cNvPr id="16" name="TextBox 15">
+                <a:extLst>
+                  <a:ext uri="{FF2B5EF4-FFF2-40B4-BE49-F238E27FC236}">
+                    <a16:creationId xmlns:a16="http://schemas.microsoft.com/office/drawing/2014/main" id="{9016181D-2DF0-45C7-B0DE-FE2A45AE42CD}"/>
+                  </a:ext>
+                </a:extLst>
+              </p:cNvPr>
+              <p:cNvSpPr txBox="1">
+                <a:spLocks noRot="1" noChangeAspect="1" noMove="1" noResize="1" noEditPoints="1" noAdjustHandles="1" noChangeArrowheads="1" noChangeShapeType="1" noTextEdit="1"/>
+              </p:cNvSpPr>
+              <p:nvPr/>
+            </p:nvSpPr>
+            <p:spPr>
+              <a:xfrm>
+                <a:off x="4765334" y="2951357"/>
+                <a:ext cx="592598" cy="369332"/>
+              </a:xfrm>
+              <a:prstGeom prst="rect">
+                <a:avLst/>
+              </a:prstGeom>
+              <a:blipFill>
+                <a:blip r:embed="rId6"/>
+                <a:stretch>
+                  <a:fillRect b="-13115"/>
+                </a:stretch>
+              </a:blipFill>
+            </p:spPr>
+            <p:txBody>
+              <a:bodyPr/>
+              <a:lstStyle/>
+              <a:p>
+                <a:r>
+                  <a:rPr lang="en-US">
+                    <a:noFill/>
+                  </a:rPr>
+                  <a:t> </a:t>
+                </a:r>
+              </a:p>
+            </p:txBody>
+          </p:sp>
+        </mc:Fallback>
+      </mc:AlternateContent>
+      <mc:AlternateContent xmlns:mc="http://schemas.openxmlformats.org/markup-compatibility/2006" xmlns:a14="http://schemas.microsoft.com/office/drawing/2010/main">
+        <mc:Choice Requires="a14">
+          <p:sp>
+            <p:nvSpPr>
+              <p:cNvPr id="18" name="TextBox 17">
+                <a:extLst>
+                  <a:ext uri="{FF2B5EF4-FFF2-40B4-BE49-F238E27FC236}">
+                    <a16:creationId xmlns:a16="http://schemas.microsoft.com/office/drawing/2014/main" id="{C0CF7FED-473B-4B0B-9475-36184238AF60}"/>
+                  </a:ext>
+                </a:extLst>
+              </p:cNvPr>
+              <p:cNvSpPr txBox="1"/>
+              <p:nvPr/>
+            </p:nvSpPr>
+            <p:spPr>
+              <a:xfrm>
+                <a:off x="4864209" y="4199336"/>
+                <a:ext cx="539700" cy="369332"/>
+              </a:xfrm>
+              <a:prstGeom prst="rect">
+                <a:avLst/>
+              </a:prstGeom>
+              <a:noFill/>
+            </p:spPr>
+            <p:txBody>
+              <a:bodyPr wrap="none" rtlCol="0">
+                <a:spAutoFit/>
+              </a:bodyPr>
+              <a:lstStyle/>
+              <a:p>
+                <a:pPr/>
+                <a14:m>
+                  <m:oMathPara xmlns:m="http://schemas.openxmlformats.org/officeDocument/2006/math">
+                    <m:oMathParaPr>
+                      <m:jc m:val="centerGroup"/>
+                    </m:oMathParaPr>
+                    <m:oMath xmlns:m="http://schemas.openxmlformats.org/officeDocument/2006/math">
+                      <m:r>
+                        <a:rPr lang="en-US" b="0" i="1" smtClean="0">
+                          <a:latin typeface="Cambria Math" panose="02040503050406030204" pitchFamily="18" charset="0"/>
+                        </a:rPr>
+                        <m:t>|</m:t>
+                      </m:r>
+                      <m:r>
+                        <a:rPr lang="en-US" b="0" i="1" smtClean="0">
+                          <a:latin typeface="Cambria Math" panose="02040503050406030204" pitchFamily="18" charset="0"/>
+                        </a:rPr>
+                        <m:t>𝑔</m:t>
+                      </m:r>
+                      <m:r>
+                        <a:rPr lang="en-US" b="0" i="1" smtClean="0">
+                          <a:latin typeface="Cambria Math" panose="02040503050406030204" pitchFamily="18" charset="0"/>
+                        </a:rPr>
+                        <m:t>⟩</m:t>
+                      </m:r>
+                    </m:oMath>
+                  </m:oMathPara>
+                </a14:m>
+                <a:endParaRPr lang="en-US" dirty="0"/>
+              </a:p>
+            </p:txBody>
+          </p:sp>
+        </mc:Choice>
+        <mc:Fallback xmlns="">
+          <p:sp>
+            <p:nvSpPr>
+              <p:cNvPr id="18" name="TextBox 17">
+                <a:extLst>
+                  <a:ext uri="{FF2B5EF4-FFF2-40B4-BE49-F238E27FC236}">
+                    <a16:creationId xmlns:a16="http://schemas.microsoft.com/office/drawing/2014/main" id="{C0CF7FED-473B-4B0B-9475-36184238AF60}"/>
+                  </a:ext>
+                </a:extLst>
+              </p:cNvPr>
+              <p:cNvSpPr txBox="1">
+                <a:spLocks noRot="1" noChangeAspect="1" noMove="1" noResize="1" noEditPoints="1" noAdjustHandles="1" noChangeArrowheads="1" noChangeShapeType="1" noTextEdit="1"/>
+              </p:cNvSpPr>
+              <p:nvPr/>
+            </p:nvSpPr>
+            <p:spPr>
+              <a:xfrm>
+                <a:off x="4864209" y="4199336"/>
+                <a:ext cx="539700" cy="369332"/>
+              </a:xfrm>
+              <a:prstGeom prst="rect">
+                <a:avLst/>
+              </a:prstGeom>
+              <a:blipFill>
+                <a:blip r:embed="rId7"/>
+                <a:stretch>
+                  <a:fillRect b="-13333"/>
+                </a:stretch>
+              </a:blipFill>
+            </p:spPr>
+            <p:txBody>
+              <a:bodyPr/>
+              <a:lstStyle/>
+              <a:p>
+                <a:r>
+                  <a:rPr lang="en-US">
+                    <a:noFill/>
+                  </a:rPr>
+                  <a:t> </a:t>
+                </a:r>
+              </a:p>
+            </p:txBody>
+          </p:sp>
+        </mc:Fallback>
+      </mc:AlternateContent>
+    </p:spTree>
+    <p:extLst>
+      <p:ext uri="{BB962C8B-B14F-4D97-AF65-F5344CB8AC3E}">
+        <p14:creationId xmlns:p14="http://schemas.microsoft.com/office/powerpoint/2010/main" val="4232801040"/>
+      </p:ext>
+    </p:extLst>
+  </p:cSld>
+  <p:clrMapOvr>
+    <a:masterClrMapping/>
+  </p:clrMapOvr>
+</p:sld>
+</file>
+
+<file path=ppt/slides/slide4.xml><?xml version="1.0" encoding="utf-8"?>
+<p:sld xmlns:a="http://schemas.openxmlformats.org/drawingml/2006/main" xmlns:r="http://schemas.openxmlformats.org/officeDocument/2006/relationships" xmlns:p="http://schemas.openxmlformats.org/presentationml/2006/main">
+  <p:cSld>
+    <p:spTree>
+      <p:nvGrpSpPr>
+        <p:cNvPr id="1" name=""/>
+        <p:cNvGrpSpPr/>
+        <p:nvPr/>
+      </p:nvGrpSpPr>
+      <p:grpSpPr>
+        <a:xfrm>
+          <a:off x="0" y="0"/>
+          <a:ext cx="0" cy="0"/>
+          <a:chOff x="0" y="0"/>
+          <a:chExt cx="0" cy="0"/>
+        </a:xfrm>
+      </p:grpSpPr>
+      <p:cxnSp>
+        <p:nvCxnSpPr>
+          <p:cNvPr id="5" name="Straight Connector 4">
+            <a:extLst>
+              <a:ext uri="{FF2B5EF4-FFF2-40B4-BE49-F238E27FC236}">
+                <a16:creationId xmlns:a16="http://schemas.microsoft.com/office/drawing/2014/main" id="{DBCBADF4-356B-4A1A-B962-10E416D395ED}"/>
+              </a:ext>
+            </a:extLst>
+          </p:cNvPr>
+          <p:cNvCxnSpPr/>
+          <p:nvPr/>
+        </p:nvCxnSpPr>
+        <p:spPr>
+          <a:xfrm>
+            <a:off x="2269314" y="4330606"/>
+            <a:ext cx="1715334" cy="0"/>
+          </a:xfrm>
+          <a:prstGeom prst="line">
+            <a:avLst/>
+          </a:prstGeom>
+          <a:ln w="38100">
+            <a:solidFill>
+              <a:schemeClr val="tx1"/>
+            </a:solidFill>
+          </a:ln>
+        </p:spPr>
+        <p:style>
+          <a:lnRef idx="1">
+            <a:schemeClr val="accent1"/>
+          </a:lnRef>
+          <a:fillRef idx="0">
+            <a:schemeClr val="accent1"/>
+          </a:fillRef>
+          <a:effectRef idx="0">
+            <a:schemeClr val="accent1"/>
+          </a:effectRef>
+          <a:fontRef idx="minor">
+            <a:schemeClr val="tx1"/>
+          </a:fontRef>
+        </p:style>
+      </p:cxnSp>
+      <p:cxnSp>
+        <p:nvCxnSpPr>
+          <p:cNvPr id="6" name="Straight Connector 5">
+            <a:extLst>
+              <a:ext uri="{FF2B5EF4-FFF2-40B4-BE49-F238E27FC236}">
+                <a16:creationId xmlns:a16="http://schemas.microsoft.com/office/drawing/2014/main" id="{EEB5058D-EAFC-455D-AF8C-8DAE2A96BB74}"/>
+              </a:ext>
+            </a:extLst>
+          </p:cNvPr>
+          <p:cNvCxnSpPr/>
+          <p:nvPr/>
+        </p:nvCxnSpPr>
+        <p:spPr>
+          <a:xfrm>
+            <a:off x="2329384" y="2615272"/>
+            <a:ext cx="1715334" cy="0"/>
+          </a:xfrm>
+          <a:prstGeom prst="line">
+            <a:avLst/>
+          </a:prstGeom>
+          <a:ln w="38100">
+            <a:solidFill>
+              <a:schemeClr val="tx1"/>
+            </a:solidFill>
+          </a:ln>
+        </p:spPr>
+        <p:style>
+          <a:lnRef idx="1">
+            <a:schemeClr val="accent1"/>
+          </a:lnRef>
+          <a:fillRef idx="0">
+            <a:schemeClr val="accent1"/>
+          </a:fillRef>
+          <a:effectRef idx="0">
+            <a:schemeClr val="accent1"/>
+          </a:effectRef>
+          <a:fontRef idx="minor">
+            <a:schemeClr val="tx1"/>
+          </a:fontRef>
+        </p:style>
+      </p:cxnSp>
+      <p:cxnSp>
+        <p:nvCxnSpPr>
+          <p:cNvPr id="7" name="Straight Connector 6">
+            <a:extLst>
+              <a:ext uri="{FF2B5EF4-FFF2-40B4-BE49-F238E27FC236}">
+                <a16:creationId xmlns:a16="http://schemas.microsoft.com/office/drawing/2014/main" id="{4616A803-5140-4B56-8E89-FC3EF240CA0F}"/>
+              </a:ext>
+            </a:extLst>
+          </p:cNvPr>
+          <p:cNvCxnSpPr/>
+          <p:nvPr/>
+        </p:nvCxnSpPr>
+        <p:spPr>
+          <a:xfrm>
+            <a:off x="2329384" y="899938"/>
+            <a:ext cx="1715334" cy="0"/>
+          </a:xfrm>
+          <a:prstGeom prst="line">
+            <a:avLst/>
+          </a:prstGeom>
+          <a:ln w="38100">
+            <a:solidFill>
+              <a:schemeClr val="tx1"/>
+            </a:solidFill>
+          </a:ln>
+        </p:spPr>
+        <p:style>
+          <a:lnRef idx="1">
+            <a:schemeClr val="accent1"/>
+          </a:lnRef>
+          <a:fillRef idx="0">
+            <a:schemeClr val="accent1"/>
+          </a:fillRef>
+          <a:effectRef idx="0">
+            <a:schemeClr val="accent1"/>
+          </a:effectRef>
+          <a:fontRef idx="minor">
+            <a:schemeClr val="tx1"/>
+          </a:fontRef>
+        </p:style>
+      </p:cxnSp>
+      <p:cxnSp>
+        <p:nvCxnSpPr>
+          <p:cNvPr id="9" name="Straight Arrow Connector 8">
+            <a:extLst>
+              <a:ext uri="{FF2B5EF4-FFF2-40B4-BE49-F238E27FC236}">
+                <a16:creationId xmlns:a16="http://schemas.microsoft.com/office/drawing/2014/main" id="{785620EF-B780-4954-B96B-323EA95AED6C}"/>
+              </a:ext>
+            </a:extLst>
+          </p:cNvPr>
+          <p:cNvCxnSpPr>
+            <a:cxnSpLocks/>
+          </p:cNvCxnSpPr>
+          <p:nvPr/>
+        </p:nvCxnSpPr>
+        <p:spPr>
+          <a:xfrm>
+            <a:off x="3383948" y="899938"/>
+            <a:ext cx="0" cy="1715334"/>
+          </a:xfrm>
+          <a:prstGeom prst="straightConnector1">
+            <a:avLst/>
+          </a:prstGeom>
+          <a:ln w="38100">
+            <a:solidFill>
+              <a:schemeClr val="tx1"/>
+            </a:solidFill>
+            <a:headEnd type="triangle"/>
+            <a:tailEnd type="triangle"/>
+          </a:ln>
+        </p:spPr>
+        <p:style>
+          <a:lnRef idx="1">
+            <a:schemeClr val="accent1"/>
+          </a:lnRef>
+          <a:fillRef idx="0">
+            <a:schemeClr val="accent1"/>
+          </a:fillRef>
+          <a:effectRef idx="0">
+            <a:schemeClr val="accent1"/>
+          </a:effectRef>
+          <a:fontRef idx="minor">
+            <a:schemeClr val="tx1"/>
+          </a:fontRef>
+        </p:style>
+      </p:cxnSp>
+      <p:cxnSp>
+        <p:nvCxnSpPr>
+          <p:cNvPr id="11" name="Straight Arrow Connector 10">
+            <a:extLst>
+              <a:ext uri="{FF2B5EF4-FFF2-40B4-BE49-F238E27FC236}">
+                <a16:creationId xmlns:a16="http://schemas.microsoft.com/office/drawing/2014/main" id="{2F131EF4-24D8-4442-BDE5-C3661DBDCF93}"/>
+              </a:ext>
+            </a:extLst>
+          </p:cNvPr>
+          <p:cNvCxnSpPr>
+            <a:cxnSpLocks/>
+          </p:cNvCxnSpPr>
+          <p:nvPr/>
+        </p:nvCxnSpPr>
+        <p:spPr>
+          <a:xfrm>
+            <a:off x="3383948" y="2615272"/>
+            <a:ext cx="0" cy="1715334"/>
+          </a:xfrm>
+          <a:prstGeom prst="straightConnector1">
+            <a:avLst/>
+          </a:prstGeom>
+          <a:ln w="38100">
+            <a:solidFill>
+              <a:schemeClr val="tx1"/>
+            </a:solidFill>
+            <a:headEnd type="triangle"/>
+            <a:tailEnd type="triangle"/>
+          </a:ln>
+        </p:spPr>
+        <p:style>
+          <a:lnRef idx="1">
+            <a:schemeClr val="accent1"/>
+          </a:lnRef>
+          <a:fillRef idx="0">
+            <a:schemeClr val="accent1"/>
+          </a:fillRef>
+          <a:effectRef idx="0">
+            <a:schemeClr val="accent1"/>
+          </a:effectRef>
+          <a:fontRef idx="minor">
+            <a:schemeClr val="tx1"/>
+          </a:fontRef>
+        </p:style>
+      </p:cxnSp>
+      <mc:AlternateContent xmlns:mc="http://schemas.openxmlformats.org/markup-compatibility/2006">
+        <mc:Choice xmlns:a14="http://schemas.microsoft.com/office/drawing/2010/main" Requires="a14">
+          <p:sp>
+            <p:nvSpPr>
+              <p:cNvPr id="12" name="TextBox 11">
+                <a:extLst>
+                  <a:ext uri="{FF2B5EF4-FFF2-40B4-BE49-F238E27FC236}">
+                    <a16:creationId xmlns:a16="http://schemas.microsoft.com/office/drawing/2014/main" id="{24CACF25-1ECA-4AAA-B5C5-D3745E13DA7C}"/>
+                  </a:ext>
+                </a:extLst>
+              </p:cNvPr>
+              <p:cNvSpPr txBox="1"/>
+              <p:nvPr/>
+            </p:nvSpPr>
+            <p:spPr>
+              <a:xfrm>
+                <a:off x="3926899" y="1472822"/>
+                <a:ext cx="506292" cy="369332"/>
+              </a:xfrm>
+              <a:prstGeom prst="rect">
+                <a:avLst/>
+              </a:prstGeom>
+              <a:noFill/>
+            </p:spPr>
+            <p:txBody>
+              <a:bodyPr wrap="none" rtlCol="0">
+                <a:spAutoFit/>
+              </a:bodyPr>
+              <a:lstStyle/>
+              <a:p>
+                <a:pPr/>
+                <a14:m>
+                  <m:oMathPara xmlns:m="http://schemas.openxmlformats.org/officeDocument/2006/math">
+                    <m:oMathParaPr>
+                      <m:jc m:val="centerGroup"/>
+                    </m:oMathParaPr>
+                    <m:oMath xmlns:m="http://schemas.openxmlformats.org/officeDocument/2006/math">
+                      <m:sSub>
+                        <m:sSubPr>
+                          <m:ctrlPr>
+                            <a:rPr lang="en-US" b="0" i="1" smtClean="0">
+                              <a:latin typeface="Cambria Math" panose="02040503050406030204" pitchFamily="18" charset="0"/>
+                            </a:rPr>
+                          </m:ctrlPr>
+                        </m:sSubPr>
+                        <m:e>
+                          <m:r>
+                            <a:rPr lang="en-US" b="0" i="1" smtClean="0">
+                              <a:latin typeface="Cambria Math" panose="02040503050406030204" pitchFamily="18" charset="0"/>
+                            </a:rPr>
+                            <m:t>𝜔</m:t>
+                          </m:r>
+                        </m:e>
+                        <m:sub>
+                          <m:r>
+                            <a:rPr lang="en-US" b="0" i="1" smtClean="0">
+                              <a:latin typeface="Cambria Math" panose="02040503050406030204" pitchFamily="18" charset="0"/>
+                            </a:rPr>
+                            <m:t>1</m:t>
+                          </m:r>
+                        </m:sub>
+                      </m:sSub>
+                    </m:oMath>
+                  </m:oMathPara>
+                </a14:m>
+                <a:endParaRPr lang="en-US" dirty="0"/>
+              </a:p>
+            </p:txBody>
+          </p:sp>
+        </mc:Choice>
+        <mc:Fallback>
+          <p:sp>
+            <p:nvSpPr>
+              <p:cNvPr id="12" name="TextBox 11">
+                <a:extLst>
+                  <a:ext uri="{FF2B5EF4-FFF2-40B4-BE49-F238E27FC236}">
+                    <a16:creationId xmlns:a16="http://schemas.microsoft.com/office/drawing/2014/main" id="{24CACF25-1ECA-4AAA-B5C5-D3745E13DA7C}"/>
+                  </a:ext>
+                </a:extLst>
+              </p:cNvPr>
+              <p:cNvSpPr txBox="1">
+                <a:spLocks noRot="1" noChangeAspect="1" noMove="1" noResize="1" noEditPoints="1" noAdjustHandles="1" noChangeArrowheads="1" noChangeShapeType="1" noTextEdit="1"/>
+              </p:cNvSpPr>
+              <p:nvPr/>
+            </p:nvSpPr>
+            <p:spPr>
+              <a:xfrm>
+                <a:off x="3926899" y="1472822"/>
+                <a:ext cx="506292" cy="369332"/>
+              </a:xfrm>
+              <a:prstGeom prst="rect">
+                <a:avLst/>
+              </a:prstGeom>
+              <a:blipFill>
+                <a:blip r:embed="rId2"/>
+                <a:stretch>
+                  <a:fillRect/>
+                </a:stretch>
+              </a:blipFill>
+            </p:spPr>
+            <p:txBody>
+              <a:bodyPr/>
+              <a:lstStyle/>
+              <a:p>
+                <a:r>
+                  <a:rPr lang="en-US">
+                    <a:noFill/>
+                  </a:rPr>
+                  <a:t> </a:t>
+                </a:r>
+              </a:p>
+            </p:txBody>
+          </p:sp>
+        </mc:Fallback>
+      </mc:AlternateContent>
+      <mc:AlternateContent xmlns:mc="http://schemas.openxmlformats.org/markup-compatibility/2006">
+        <mc:Choice xmlns:a14="http://schemas.microsoft.com/office/drawing/2010/main" Requires="a14">
+          <p:sp>
+            <p:nvSpPr>
+              <p:cNvPr id="13" name="TextBox 12">
+                <a:extLst>
+                  <a:ext uri="{FF2B5EF4-FFF2-40B4-BE49-F238E27FC236}">
+                    <a16:creationId xmlns:a16="http://schemas.microsoft.com/office/drawing/2014/main" id="{94E60FAD-4D87-4B19-A081-563E54C7E8C0}"/>
+                  </a:ext>
+                </a:extLst>
+              </p:cNvPr>
+              <p:cNvSpPr txBox="1"/>
+              <p:nvPr/>
+            </p:nvSpPr>
+            <p:spPr>
+              <a:xfrm>
+                <a:off x="3926899" y="3288273"/>
+                <a:ext cx="511615" cy="369332"/>
+              </a:xfrm>
+              <a:prstGeom prst="rect">
+                <a:avLst/>
+              </a:prstGeom>
+              <a:noFill/>
+            </p:spPr>
+            <p:txBody>
+              <a:bodyPr wrap="none" rtlCol="0">
+                <a:spAutoFit/>
+              </a:bodyPr>
+              <a:lstStyle/>
+              <a:p>
+                <a:pPr/>
+                <a14:m>
+                  <m:oMathPara xmlns:m="http://schemas.openxmlformats.org/officeDocument/2006/math">
+                    <m:oMathParaPr>
+                      <m:jc m:val="centerGroup"/>
+                    </m:oMathParaPr>
+                    <m:oMath xmlns:m="http://schemas.openxmlformats.org/officeDocument/2006/math">
+                      <m:sSub>
+                        <m:sSubPr>
+                          <m:ctrlPr>
+                            <a:rPr lang="en-US" b="0" i="1" smtClean="0">
+                              <a:latin typeface="Cambria Math" panose="02040503050406030204" pitchFamily="18" charset="0"/>
+                            </a:rPr>
+                          </m:ctrlPr>
+                        </m:sSubPr>
+                        <m:e>
+                          <m:r>
+                            <a:rPr lang="en-US" b="0" i="1" smtClean="0">
+                              <a:latin typeface="Cambria Math" panose="02040503050406030204" pitchFamily="18" charset="0"/>
+                            </a:rPr>
+                            <m:t>𝜔</m:t>
+                          </m:r>
+                        </m:e>
+                        <m:sub>
+                          <m:r>
+                            <a:rPr lang="en-US" b="0" i="1" smtClean="0">
+                              <a:latin typeface="Cambria Math" panose="02040503050406030204" pitchFamily="18" charset="0"/>
+                            </a:rPr>
+                            <m:t>2</m:t>
+                          </m:r>
+                        </m:sub>
+                      </m:sSub>
+                    </m:oMath>
+                  </m:oMathPara>
+                </a14:m>
+                <a:endParaRPr lang="en-US" dirty="0"/>
+              </a:p>
+            </p:txBody>
+          </p:sp>
+        </mc:Choice>
+        <mc:Fallback>
+          <p:sp>
+            <p:nvSpPr>
+              <p:cNvPr id="13" name="TextBox 12">
+                <a:extLst>
+                  <a:ext uri="{FF2B5EF4-FFF2-40B4-BE49-F238E27FC236}">
+                    <a16:creationId xmlns:a16="http://schemas.microsoft.com/office/drawing/2014/main" id="{94E60FAD-4D87-4B19-A081-563E54C7E8C0}"/>
+                  </a:ext>
+                </a:extLst>
+              </p:cNvPr>
+              <p:cNvSpPr txBox="1">
+                <a:spLocks noRot="1" noChangeAspect="1" noMove="1" noResize="1" noEditPoints="1" noAdjustHandles="1" noChangeArrowheads="1" noChangeShapeType="1" noTextEdit="1"/>
+              </p:cNvSpPr>
+              <p:nvPr/>
+            </p:nvSpPr>
+            <p:spPr>
+              <a:xfrm>
+                <a:off x="3926899" y="3288273"/>
+                <a:ext cx="511615" cy="369332"/>
+              </a:xfrm>
+              <a:prstGeom prst="rect">
+                <a:avLst/>
+              </a:prstGeom>
+              <a:blipFill>
+                <a:blip r:embed="rId3"/>
+                <a:stretch>
+                  <a:fillRect/>
+                </a:stretch>
+              </a:blipFill>
+            </p:spPr>
+            <p:txBody>
+              <a:bodyPr/>
+              <a:lstStyle/>
+              <a:p>
+                <a:r>
+                  <a:rPr lang="en-US">
+                    <a:noFill/>
+                  </a:rPr>
+                  <a:t> </a:t>
+                </a:r>
+              </a:p>
+            </p:txBody>
+          </p:sp>
+        </mc:Fallback>
+      </mc:AlternateContent>
+      <p:cxnSp>
+        <p:nvCxnSpPr>
+          <p:cNvPr id="15" name="Straight Arrow Connector 14">
+            <a:extLst>
+              <a:ext uri="{FF2B5EF4-FFF2-40B4-BE49-F238E27FC236}">
+                <a16:creationId xmlns:a16="http://schemas.microsoft.com/office/drawing/2014/main" id="{12FB0F97-5404-488C-8050-FFAEC2252E4F}"/>
+              </a:ext>
+            </a:extLst>
+          </p:cNvPr>
+          <p:cNvCxnSpPr>
+            <a:cxnSpLocks/>
+          </p:cNvCxnSpPr>
+          <p:nvPr/>
+        </p:nvCxnSpPr>
+        <p:spPr>
+          <a:xfrm>
+            <a:off x="420491" y="1757605"/>
+            <a:ext cx="1501752" cy="0"/>
+          </a:xfrm>
+          <a:prstGeom prst="straightConnector1">
+            <a:avLst/>
+          </a:prstGeom>
+          <a:ln w="38100">
+            <a:solidFill>
+              <a:srgbClr val="7030A0"/>
+            </a:solidFill>
+            <a:tailEnd type="triangle"/>
+          </a:ln>
+        </p:spPr>
+        <p:style>
+          <a:lnRef idx="1">
+            <a:schemeClr val="accent2"/>
+          </a:lnRef>
+          <a:fillRef idx="0">
+            <a:schemeClr val="accent2"/>
+          </a:fillRef>
+          <a:effectRef idx="0">
+            <a:schemeClr val="accent2"/>
+          </a:effectRef>
+          <a:fontRef idx="minor">
+            <a:schemeClr val="tx1"/>
+          </a:fontRef>
+        </p:style>
+      </p:cxnSp>
+      <p:cxnSp>
+        <p:nvCxnSpPr>
+          <p:cNvPr id="17" name="Straight Arrow Connector 16">
+            <a:extLst>
+              <a:ext uri="{FF2B5EF4-FFF2-40B4-BE49-F238E27FC236}">
+                <a16:creationId xmlns:a16="http://schemas.microsoft.com/office/drawing/2014/main" id="{69A48D9C-6725-47BB-9AD2-E10F10C13C88}"/>
+              </a:ext>
+            </a:extLst>
+          </p:cNvPr>
+          <p:cNvCxnSpPr>
+            <a:cxnSpLocks/>
+          </p:cNvCxnSpPr>
+          <p:nvPr/>
+        </p:nvCxnSpPr>
+        <p:spPr>
+          <a:xfrm>
+            <a:off x="420491" y="3605316"/>
+            <a:ext cx="1501752" cy="0"/>
+          </a:xfrm>
+          <a:prstGeom prst="straightConnector1">
+            <a:avLst/>
+          </a:prstGeom>
+          <a:ln w="38100">
+            <a:solidFill>
+              <a:srgbClr val="C00000"/>
+            </a:solidFill>
+            <a:tailEnd type="triangle"/>
+          </a:ln>
+        </p:spPr>
+        <p:style>
+          <a:lnRef idx="1">
+            <a:schemeClr val="accent2"/>
+          </a:lnRef>
+          <a:fillRef idx="0">
+            <a:schemeClr val="accent2"/>
+          </a:fillRef>
+          <a:effectRef idx="0">
+            <a:schemeClr val="accent2"/>
+          </a:effectRef>
+          <a:fontRef idx="minor">
+            <a:schemeClr val="tx1"/>
+          </a:fontRef>
+        </p:style>
+      </p:cxnSp>
+      <p:cxnSp>
+        <p:nvCxnSpPr>
+          <p:cNvPr id="19" name="Straight Connector 18">
+            <a:extLst>
+              <a:ext uri="{FF2B5EF4-FFF2-40B4-BE49-F238E27FC236}">
+                <a16:creationId xmlns:a16="http://schemas.microsoft.com/office/drawing/2014/main" id="{B1F134DD-0371-4E27-9873-338AD2E89DA2}"/>
+              </a:ext>
+            </a:extLst>
+          </p:cNvPr>
+          <p:cNvCxnSpPr/>
+          <p:nvPr/>
+        </p:nvCxnSpPr>
+        <p:spPr>
+          <a:xfrm>
+            <a:off x="320374" y="2990154"/>
+            <a:ext cx="4765559" cy="0"/>
+          </a:xfrm>
+          <a:prstGeom prst="line">
+            <a:avLst/>
+          </a:prstGeom>
+          <a:ln w="25400">
+            <a:solidFill>
+              <a:schemeClr val="accent1"/>
+            </a:solidFill>
+            <a:prstDash val="dash"/>
+          </a:ln>
+        </p:spPr>
+        <p:style>
+          <a:lnRef idx="1">
+            <a:schemeClr val="accent1"/>
+          </a:lnRef>
+          <a:fillRef idx="0">
+            <a:schemeClr val="accent1"/>
+          </a:fillRef>
+          <a:effectRef idx="0">
+            <a:schemeClr val="accent1"/>
+          </a:effectRef>
+          <a:fontRef idx="minor">
+            <a:schemeClr val="tx1"/>
+          </a:fontRef>
+        </p:style>
+      </p:cxnSp>
+      <mc:AlternateContent xmlns:mc="http://schemas.openxmlformats.org/markup-compatibility/2006">
+        <mc:Choice xmlns:a14="http://schemas.microsoft.com/office/drawing/2010/main" Requires="a14">
+          <p:sp>
+            <p:nvSpPr>
+              <p:cNvPr id="14" name="TextBox 13">
+                <a:extLst>
+                  <a:ext uri="{FF2B5EF4-FFF2-40B4-BE49-F238E27FC236}">
+                    <a16:creationId xmlns:a16="http://schemas.microsoft.com/office/drawing/2014/main" id="{E36EB3CE-68F6-4F87-9224-0EFABDDECE8F}"/>
+                  </a:ext>
+                </a:extLst>
+              </p:cNvPr>
+              <p:cNvSpPr txBox="1"/>
+              <p:nvPr/>
+            </p:nvSpPr>
+            <p:spPr>
+              <a:xfrm>
+                <a:off x="5533839" y="169534"/>
+                <a:ext cx="8495859" cy="6472541"/>
+              </a:xfrm>
+              <a:prstGeom prst="rect">
+                <a:avLst/>
+              </a:prstGeom>
+              <a:noFill/>
+            </p:spPr>
+            <p:txBody>
+              <a:bodyPr wrap="square" rtlCol="0">
+                <a:spAutoFit/>
+              </a:bodyPr>
+              <a:lstStyle/>
+              <a:p>
+                <a:pPr marL="457200" indent="-457200">
+                  <a:buFont typeface="Arial" panose="020B0604020202020204" pitchFamily="34" charset="0"/>
+                  <a:buChar char="•"/>
+                </a:pPr>
+                <a:r>
+                  <a:rPr lang="en-US" sz="2800" dirty="0">
+                    <a:latin typeface="Arial" panose="020B0604020202020204" pitchFamily="34" charset="0"/>
+                    <a:cs typeface="Arial" panose="020B0604020202020204" pitchFamily="34" charset="0"/>
+                  </a:rPr>
+                  <a:t>non-resonant</a:t>
+                </a:r>
+              </a:p>
+              <a:p>
+                <a:pPr marL="457200" indent="-457200">
+                  <a:buFont typeface="Arial" panose="020B0604020202020204" pitchFamily="34" charset="0"/>
+                  <a:buChar char="•"/>
+                </a:pPr>
+                <a:r>
+                  <a:rPr lang="en-US" sz="2800" dirty="0" err="1">
+                    <a:latin typeface="Arial" panose="020B0604020202020204" pitchFamily="34" charset="0"/>
+                    <a:cs typeface="Arial" panose="020B0604020202020204" pitchFamily="34" charset="0"/>
+                  </a:rPr>
+                  <a:t>TMSV</a:t>
+                </a:r>
+                <a:endParaRPr lang="en-US" sz="2800" dirty="0">
+                  <a:latin typeface="Arial" panose="020B0604020202020204" pitchFamily="34" charset="0"/>
+                  <a:cs typeface="Arial" panose="020B0604020202020204" pitchFamily="34" charset="0"/>
+                </a:endParaRPr>
+              </a:p>
+              <a:p>
+                <a:pPr marL="457200" indent="-457200">
+                  <a:buFont typeface="Arial" panose="020B0604020202020204" pitchFamily="34" charset="0"/>
+                  <a:buChar char="•"/>
+                </a:pPr>
+                <a:r>
+                  <a:rPr lang="en-US" sz="2800" dirty="0">
+                    <a:latin typeface="Arial" panose="020B0604020202020204" pitchFamily="34" charset="0"/>
+                    <a:cs typeface="Arial" panose="020B0604020202020204" pitchFamily="34" charset="0"/>
+                  </a:rPr>
+                  <a:t>decay is neglected</a:t>
+                </a:r>
+              </a:p>
+              <a:p>
+                <a:pPr marL="457200" indent="-457200">
+                  <a:buFont typeface="Arial" panose="020B0604020202020204" pitchFamily="34" charset="0"/>
+                  <a:buChar char="•"/>
+                </a:pPr>
+                <a14:m>
+                  <m:oMath xmlns:m="http://schemas.openxmlformats.org/officeDocument/2006/math">
+                    <m:r>
+                      <m:rPr>
+                        <m:sty m:val="p"/>
+                      </m:rPr>
+                      <a:rPr lang="en-US" sz="2800" b="0" i="0" smtClean="0">
+                        <a:latin typeface="Cambria Math" panose="02040503050406030204" pitchFamily="18" charset="0"/>
+                        <a:cs typeface="Arial" panose="020B0604020202020204" pitchFamily="34" charset="0"/>
+                      </a:rPr>
+                      <m:t>Δ</m:t>
+                    </m:r>
+                    <m:r>
+                      <a:rPr lang="en-US" sz="2800" b="0" i="1" smtClean="0">
+                        <a:latin typeface="Cambria Math" panose="02040503050406030204" pitchFamily="18" charset="0"/>
+                        <a:cs typeface="Arial" panose="020B0604020202020204" pitchFamily="34" charset="0"/>
+                      </a:rPr>
+                      <m:t>𝑡</m:t>
+                    </m:r>
+                    <m:r>
+                      <a:rPr lang="en-US" sz="2800" b="0" i="1" smtClean="0">
+                        <a:latin typeface="Cambria Math" panose="02040503050406030204" pitchFamily="18" charset="0"/>
+                        <a:cs typeface="Arial" panose="020B0604020202020204" pitchFamily="34" charset="0"/>
+                      </a:rPr>
+                      <m:t>≫1</m:t>
+                    </m:r>
+                  </m:oMath>
+                </a14:m>
+                <a:endParaRPr lang="en-US" sz="2800" dirty="0">
+                  <a:latin typeface="Arial" panose="020B0604020202020204" pitchFamily="34" charset="0"/>
+                  <a:cs typeface="Arial" panose="020B0604020202020204" pitchFamily="34" charset="0"/>
+                </a:endParaRPr>
+              </a:p>
+              <a:p>
+                <a:endParaRPr lang="en-US" sz="2800" dirty="0">
+                  <a:latin typeface="Arial" panose="020B0604020202020204" pitchFamily="34" charset="0"/>
+                  <a:cs typeface="Arial" panose="020B0604020202020204" pitchFamily="34" charset="0"/>
+                </a:endParaRPr>
+              </a:p>
+              <a:p>
+                <a:r>
+                  <a:rPr lang="en-US" sz="2800" dirty="0">
+                    <a:latin typeface="Arial" panose="020B0604020202020204" pitchFamily="34" charset="0"/>
+                    <a:cs typeface="Arial" panose="020B0604020202020204" pitchFamily="34" charset="0"/>
+                  </a:rPr>
+                  <a:t>enhancement factor: </a:t>
+                </a:r>
+              </a:p>
+              <a:p>
+                <a:r>
+                  <a:rPr lang="en-US" sz="2800" b="0" dirty="0">
+                    <a:cs typeface="Arial" panose="020B0604020202020204" pitchFamily="34" charset="0"/>
+                  </a:rPr>
+                  <a:t>for </a:t>
+                </a:r>
+                <a:r>
+                  <a:rPr lang="en-US" sz="2800" b="0" dirty="0" err="1">
+                    <a:cs typeface="Arial" panose="020B0604020202020204" pitchFamily="34" charset="0"/>
+                  </a:rPr>
+                  <a:t>TMSV</a:t>
+                </a:r>
+                <a:r>
+                  <a:rPr lang="en-US" sz="2800" b="0" dirty="0">
+                    <a:cs typeface="Arial" panose="020B0604020202020204" pitchFamily="34" charset="0"/>
+                  </a:rPr>
+                  <a:t>, </a:t>
+                </a:r>
+                <a14:m>
+                  <m:oMath xmlns:m="http://schemas.openxmlformats.org/officeDocument/2006/math">
+                    <m:sSub>
+                      <m:sSubPr>
+                        <m:ctrlPr>
+                          <a:rPr lang="en-US" sz="2800" b="0" i="1" smtClean="0">
+                            <a:latin typeface="Cambria Math" panose="02040503050406030204" pitchFamily="18" charset="0"/>
+                            <a:cs typeface="Arial" panose="020B0604020202020204" pitchFamily="34" charset="0"/>
+                          </a:rPr>
+                        </m:ctrlPr>
+                      </m:sSubPr>
+                      <m:e>
+                        <m:r>
+                          <a:rPr lang="en-US" sz="2800" b="0" i="1" smtClean="0">
+                            <a:latin typeface="Cambria Math" panose="02040503050406030204" pitchFamily="18" charset="0"/>
+                            <a:cs typeface="Arial" panose="020B0604020202020204" pitchFamily="34" charset="0"/>
+                          </a:rPr>
+                          <m:t>𝑃</m:t>
+                        </m:r>
+                      </m:e>
+                      <m:sub>
+                        <m:r>
+                          <a:rPr lang="en-US" sz="2800" b="0" i="1" smtClean="0">
+                            <a:latin typeface="Cambria Math" panose="02040503050406030204" pitchFamily="18" charset="0"/>
+                            <a:cs typeface="Arial" panose="020B0604020202020204" pitchFamily="34" charset="0"/>
+                          </a:rPr>
+                          <m:t>𝑒</m:t>
+                        </m:r>
+                      </m:sub>
+                    </m:sSub>
+                    <m:r>
+                      <a:rPr lang="en-US" sz="2800" b="0" i="1" smtClean="0">
+                        <a:latin typeface="Cambria Math" panose="02040503050406030204" pitchFamily="18" charset="0"/>
+                        <a:cs typeface="Arial" panose="020B0604020202020204" pitchFamily="34" charset="0"/>
+                      </a:rPr>
+                      <m:t>=</m:t>
+                    </m:r>
+                    <m:sSup>
+                      <m:sSupPr>
+                        <m:ctrlPr>
+                          <a:rPr lang="en-US" sz="2800" b="0" i="1" smtClean="0">
+                            <a:latin typeface="Cambria Math" panose="02040503050406030204" pitchFamily="18" charset="0"/>
+                            <a:cs typeface="Arial" panose="020B0604020202020204" pitchFamily="34" charset="0"/>
+                          </a:rPr>
+                        </m:ctrlPr>
+                      </m:sSupPr>
+                      <m:e>
+                        <m:d>
+                          <m:dPr>
+                            <m:ctrlPr>
+                              <a:rPr lang="en-US" sz="2800" b="0" i="1" smtClean="0">
+                                <a:latin typeface="Cambria Math" panose="02040503050406030204" pitchFamily="18" charset="0"/>
+                                <a:cs typeface="Arial" panose="020B0604020202020204" pitchFamily="34" charset="0"/>
+                              </a:rPr>
+                            </m:ctrlPr>
+                          </m:dPr>
+                          <m:e>
+                            <m:f>
+                              <m:fPr>
+                                <m:ctrlPr>
+                                  <a:rPr lang="en-US" sz="2800" b="0" i="1" smtClean="0">
+                                    <a:latin typeface="Cambria Math" panose="02040503050406030204" pitchFamily="18" charset="0"/>
+                                    <a:cs typeface="Arial" panose="020B0604020202020204" pitchFamily="34" charset="0"/>
+                                  </a:rPr>
+                                </m:ctrlPr>
+                              </m:fPr>
+                              <m:num>
+                                <m:r>
+                                  <a:rPr lang="en-US" sz="2800" b="0" i="1" smtClean="0">
+                                    <a:latin typeface="Cambria Math" panose="02040503050406030204" pitchFamily="18" charset="0"/>
+                                    <a:cs typeface="Arial" panose="020B0604020202020204" pitchFamily="34" charset="0"/>
+                                  </a:rPr>
+                                  <m:t>1</m:t>
+                                </m:r>
+                              </m:num>
+                              <m:den>
+                                <m:r>
+                                  <m:rPr>
+                                    <m:sty m:val="p"/>
+                                  </m:rPr>
+                                  <a:rPr lang="en-US" sz="2800" b="0" i="0" smtClean="0">
+                                    <a:latin typeface="Cambria Math" panose="02040503050406030204" pitchFamily="18" charset="0"/>
+                                    <a:cs typeface="Arial" panose="020B0604020202020204" pitchFamily="34" charset="0"/>
+                                  </a:rPr>
+                                  <m:t>Δ</m:t>
+                                </m:r>
+                              </m:den>
+                            </m:f>
+                            <m:r>
+                              <a:rPr lang="en-US" sz="2800" b="0" i="1" smtClean="0">
+                                <a:latin typeface="Cambria Math" panose="02040503050406030204" pitchFamily="18" charset="0"/>
+                                <a:cs typeface="Arial" panose="020B0604020202020204" pitchFamily="34" charset="0"/>
+                              </a:rPr>
+                              <m:t>+</m:t>
+                            </m:r>
+                            <m:f>
+                              <m:fPr>
+                                <m:ctrlPr>
+                                  <a:rPr lang="en-US" sz="2800" b="0" i="1" smtClean="0">
+                                    <a:latin typeface="Cambria Math" panose="02040503050406030204" pitchFamily="18" charset="0"/>
+                                    <a:cs typeface="Arial" panose="020B0604020202020204" pitchFamily="34" charset="0"/>
+                                  </a:rPr>
+                                </m:ctrlPr>
+                              </m:fPr>
+                              <m:num>
+                                <m:r>
+                                  <a:rPr lang="en-US" sz="2800" b="0" i="1" smtClean="0">
+                                    <a:latin typeface="Cambria Math" panose="02040503050406030204" pitchFamily="18" charset="0"/>
+                                    <a:cs typeface="Arial" panose="020B0604020202020204" pitchFamily="34" charset="0"/>
+                                  </a:rPr>
+                                  <m:t>1</m:t>
+                                </m:r>
+                              </m:num>
+                              <m:den>
+                                <m:r>
+                                  <a:rPr lang="en-US" sz="2800" b="0" i="1" smtClean="0">
+                                    <a:latin typeface="Cambria Math" panose="02040503050406030204" pitchFamily="18" charset="0"/>
+                                    <a:cs typeface="Arial" panose="020B0604020202020204" pitchFamily="34" charset="0"/>
+                                  </a:rPr>
+                                  <m:t>𝛿</m:t>
+                                </m:r>
+                                <m:r>
+                                  <a:rPr lang="en-US" sz="2800" b="0" i="1" smtClean="0">
+                                    <a:latin typeface="Cambria Math" panose="02040503050406030204" pitchFamily="18" charset="0"/>
+                                    <a:cs typeface="Arial" panose="020B0604020202020204" pitchFamily="34" charset="0"/>
+                                  </a:rPr>
+                                  <m:t>−</m:t>
+                                </m:r>
+                                <m:r>
+                                  <m:rPr>
+                                    <m:sty m:val="p"/>
+                                  </m:rPr>
+                                  <a:rPr lang="en-US" sz="2800" b="0" i="0" smtClean="0">
+                                    <a:latin typeface="Cambria Math" panose="02040503050406030204" pitchFamily="18" charset="0"/>
+                                    <a:cs typeface="Arial" panose="020B0604020202020204" pitchFamily="34" charset="0"/>
+                                  </a:rPr>
+                                  <m:t>Δ</m:t>
+                                </m:r>
+                              </m:den>
+                            </m:f>
+                          </m:e>
+                        </m:d>
+                      </m:e>
+                      <m:sup>
+                        <m:r>
+                          <a:rPr lang="en-US" sz="2800" b="0" i="1" smtClean="0">
+                            <a:latin typeface="Cambria Math" panose="02040503050406030204" pitchFamily="18" charset="0"/>
+                            <a:cs typeface="Arial" panose="020B0604020202020204" pitchFamily="34" charset="0"/>
+                          </a:rPr>
+                          <m:t>2</m:t>
+                        </m:r>
+                      </m:sup>
+                    </m:sSup>
+                    <m:sSup>
+                      <m:sSupPr>
+                        <m:ctrlPr>
+                          <a:rPr lang="en-US" sz="2800" b="0" i="1" smtClean="0">
+                            <a:latin typeface="Cambria Math" panose="02040503050406030204" pitchFamily="18" charset="0"/>
+                            <a:cs typeface="Arial" panose="020B0604020202020204" pitchFamily="34" charset="0"/>
+                          </a:rPr>
+                        </m:ctrlPr>
+                      </m:sSupPr>
+                      <m:e>
+                        <m:r>
+                          <a:rPr lang="en-US" sz="2800" b="0" i="1" smtClean="0">
+                            <a:latin typeface="Cambria Math" panose="02040503050406030204" pitchFamily="18" charset="0"/>
+                            <a:cs typeface="Arial" panose="020B0604020202020204" pitchFamily="34" charset="0"/>
+                          </a:rPr>
+                          <m:t>𝑡</m:t>
+                        </m:r>
+                      </m:e>
+                      <m:sup>
+                        <m:r>
+                          <a:rPr lang="en-US" sz="2800" b="0" i="1" smtClean="0">
+                            <a:latin typeface="Cambria Math" panose="02040503050406030204" pitchFamily="18" charset="0"/>
+                            <a:cs typeface="Arial" panose="020B0604020202020204" pitchFamily="34" charset="0"/>
+                          </a:rPr>
+                          <m:t>2</m:t>
+                        </m:r>
+                      </m:sup>
+                    </m:sSup>
+                    <m:sSubSup>
+                      <m:sSubSupPr>
+                        <m:ctrlPr>
+                          <a:rPr lang="en-US" sz="2800" b="0" i="1" smtClean="0">
+                            <a:latin typeface="Cambria Math" panose="02040503050406030204" pitchFamily="18" charset="0"/>
+                            <a:cs typeface="Arial" panose="020B0604020202020204" pitchFamily="34" charset="0"/>
+                          </a:rPr>
+                        </m:ctrlPr>
+                      </m:sSubSupPr>
+                      <m:e>
+                        <m:r>
+                          <a:rPr lang="en-US" sz="2800" b="0" i="1" smtClean="0">
+                            <a:latin typeface="Cambria Math" panose="02040503050406030204" pitchFamily="18" charset="0"/>
+                            <a:cs typeface="Arial" panose="020B0604020202020204" pitchFamily="34" charset="0"/>
+                          </a:rPr>
+                          <m:t>𝑔</m:t>
+                        </m:r>
+                      </m:e>
+                      <m:sub>
+                        <m:r>
+                          <a:rPr lang="en-US" sz="2800" b="0" i="1" smtClean="0">
+                            <a:latin typeface="Cambria Math" panose="02040503050406030204" pitchFamily="18" charset="0"/>
+                            <a:cs typeface="Arial" panose="020B0604020202020204" pitchFamily="34" charset="0"/>
+                          </a:rPr>
+                          <m:t>𝑒𝑚</m:t>
+                        </m:r>
+                      </m:sub>
+                      <m:sup>
+                        <m:r>
+                          <a:rPr lang="en-US" sz="2800" b="0" i="1" smtClean="0">
+                            <a:latin typeface="Cambria Math" panose="02040503050406030204" pitchFamily="18" charset="0"/>
+                            <a:cs typeface="Arial" panose="020B0604020202020204" pitchFamily="34" charset="0"/>
+                          </a:rPr>
+                          <m:t>2</m:t>
+                        </m:r>
+                      </m:sup>
+                    </m:sSubSup>
+                    <m:sSubSup>
+                      <m:sSubSupPr>
+                        <m:ctrlPr>
+                          <a:rPr lang="en-US" sz="2800" b="0" i="1" smtClean="0">
+                            <a:latin typeface="Cambria Math" panose="02040503050406030204" pitchFamily="18" charset="0"/>
+                            <a:cs typeface="Arial" panose="020B0604020202020204" pitchFamily="34" charset="0"/>
+                          </a:rPr>
+                        </m:ctrlPr>
+                      </m:sSubSupPr>
+                      <m:e>
+                        <m:r>
+                          <a:rPr lang="en-US" sz="2800" b="0" i="1" smtClean="0">
+                            <a:latin typeface="Cambria Math" panose="02040503050406030204" pitchFamily="18" charset="0"/>
+                            <a:cs typeface="Arial" panose="020B0604020202020204" pitchFamily="34" charset="0"/>
+                          </a:rPr>
+                          <m:t>𝑔</m:t>
+                        </m:r>
+                      </m:e>
+                      <m:sub>
+                        <m:r>
+                          <a:rPr lang="en-US" sz="2800" b="0" i="1" smtClean="0">
+                            <a:latin typeface="Cambria Math" panose="02040503050406030204" pitchFamily="18" charset="0"/>
+                            <a:cs typeface="Arial" panose="020B0604020202020204" pitchFamily="34" charset="0"/>
+                          </a:rPr>
+                          <m:t>𝑚𝑔</m:t>
+                        </m:r>
+                      </m:sub>
+                      <m:sup>
+                        <m:r>
+                          <a:rPr lang="en-US" sz="2800" b="0" i="1" smtClean="0">
+                            <a:latin typeface="Cambria Math" panose="02040503050406030204" pitchFamily="18" charset="0"/>
+                            <a:cs typeface="Arial" panose="020B0604020202020204" pitchFamily="34" charset="0"/>
+                          </a:rPr>
+                          <m:t>2</m:t>
+                        </m:r>
+                      </m:sup>
+                    </m:sSubSup>
+                    <m:r>
+                      <a:rPr lang="en-US" sz="2800" b="0" i="1" smtClean="0">
+                        <a:latin typeface="Cambria Math" panose="02040503050406030204" pitchFamily="18" charset="0"/>
+                        <a:cs typeface="Arial" panose="020B0604020202020204" pitchFamily="34" charset="0"/>
+                      </a:rPr>
+                      <m:t>𝑠</m:t>
+                    </m:r>
+                    <m:sSup>
+                      <m:sSupPr>
+                        <m:ctrlPr>
+                          <a:rPr lang="en-US" sz="2800" b="0" i="1" smtClean="0">
+                            <a:latin typeface="Cambria Math" panose="02040503050406030204" pitchFamily="18" charset="0"/>
+                            <a:cs typeface="Arial" panose="020B0604020202020204" pitchFamily="34" charset="0"/>
+                          </a:rPr>
+                        </m:ctrlPr>
+                      </m:sSupPr>
+                      <m:e>
+                        <m:r>
+                          <a:rPr lang="en-US" sz="2800" b="0" i="1" smtClean="0">
+                            <a:latin typeface="Cambria Math" panose="02040503050406030204" pitchFamily="18" charset="0"/>
+                            <a:cs typeface="Arial" panose="020B0604020202020204" pitchFamily="34" charset="0"/>
+                          </a:rPr>
+                          <m:t>h</m:t>
+                        </m:r>
+                      </m:e>
+                      <m:sup>
+                        <m:r>
+                          <a:rPr lang="en-US" sz="2800" b="0" i="1" smtClean="0">
+                            <a:latin typeface="Cambria Math" panose="02040503050406030204" pitchFamily="18" charset="0"/>
+                            <a:cs typeface="Arial" panose="020B0604020202020204" pitchFamily="34" charset="0"/>
+                          </a:rPr>
+                          <m:t>2</m:t>
+                        </m:r>
+                      </m:sup>
+                    </m:sSup>
+                    <m:r>
+                      <a:rPr lang="en-US" sz="2800" b="0" i="1" smtClean="0">
+                        <a:latin typeface="Cambria Math" panose="02040503050406030204" pitchFamily="18" charset="0"/>
+                        <a:cs typeface="Arial" panose="020B0604020202020204" pitchFamily="34" charset="0"/>
+                      </a:rPr>
+                      <m:t>(</m:t>
+                    </m:r>
+                    <m:r>
+                      <a:rPr lang="en-US" sz="2800" b="0" i="1" smtClean="0">
+                        <a:latin typeface="Cambria Math" panose="02040503050406030204" pitchFamily="18" charset="0"/>
+                        <a:cs typeface="Arial" panose="020B0604020202020204" pitchFamily="34" charset="0"/>
+                      </a:rPr>
+                      <m:t>𝑠</m:t>
+                    </m:r>
+                    <m:sSup>
+                      <m:sSupPr>
+                        <m:ctrlPr>
+                          <a:rPr lang="en-US" sz="2800" b="0" i="1" smtClean="0">
+                            <a:latin typeface="Cambria Math" panose="02040503050406030204" pitchFamily="18" charset="0"/>
+                            <a:cs typeface="Arial" panose="020B0604020202020204" pitchFamily="34" charset="0"/>
+                          </a:rPr>
+                        </m:ctrlPr>
+                      </m:sSupPr>
+                      <m:e>
+                        <m:r>
+                          <a:rPr lang="en-US" sz="2800" b="0" i="1" smtClean="0">
+                            <a:latin typeface="Cambria Math" panose="02040503050406030204" pitchFamily="18" charset="0"/>
+                            <a:cs typeface="Arial" panose="020B0604020202020204" pitchFamily="34" charset="0"/>
+                          </a:rPr>
+                          <m:t>h</m:t>
+                        </m:r>
+                      </m:e>
+                      <m:sup>
+                        <m:r>
+                          <a:rPr lang="en-US" sz="2800" b="0" i="1" smtClean="0">
+                            <a:latin typeface="Cambria Math" panose="02040503050406030204" pitchFamily="18" charset="0"/>
+                            <a:cs typeface="Arial" panose="020B0604020202020204" pitchFamily="34" charset="0"/>
+                          </a:rPr>
+                          <m:t>2</m:t>
+                        </m:r>
+                      </m:sup>
+                    </m:sSup>
+                    <m:r>
+                      <a:rPr lang="en-US" sz="2800" b="0" i="1" smtClean="0">
+                        <a:latin typeface="Cambria Math" panose="02040503050406030204" pitchFamily="18" charset="0"/>
+                        <a:cs typeface="Arial" panose="020B0604020202020204" pitchFamily="34" charset="0"/>
+                      </a:rPr>
+                      <m:t>+</m:t>
+                    </m:r>
+                    <m:r>
+                      <a:rPr lang="en-US" sz="2800" b="0" i="1" smtClean="0">
+                        <a:latin typeface="Cambria Math" panose="02040503050406030204" pitchFamily="18" charset="0"/>
+                        <a:cs typeface="Arial" panose="020B0604020202020204" pitchFamily="34" charset="0"/>
+                      </a:rPr>
+                      <m:t>𝑐</m:t>
+                    </m:r>
+                    <m:sSup>
+                      <m:sSupPr>
+                        <m:ctrlPr>
+                          <a:rPr lang="en-US" sz="2800" b="0" i="1" smtClean="0">
+                            <a:latin typeface="Cambria Math" panose="02040503050406030204" pitchFamily="18" charset="0"/>
+                            <a:cs typeface="Arial" panose="020B0604020202020204" pitchFamily="34" charset="0"/>
+                          </a:rPr>
+                        </m:ctrlPr>
+                      </m:sSupPr>
+                      <m:e>
+                        <m:r>
+                          <a:rPr lang="en-US" sz="2800" b="0" i="1" smtClean="0">
+                            <a:latin typeface="Cambria Math" panose="02040503050406030204" pitchFamily="18" charset="0"/>
+                            <a:cs typeface="Arial" panose="020B0604020202020204" pitchFamily="34" charset="0"/>
+                          </a:rPr>
+                          <m:t>h</m:t>
+                        </m:r>
+                      </m:e>
+                      <m:sup>
+                        <m:r>
+                          <a:rPr lang="en-US" sz="2800" b="0" i="1" smtClean="0">
+                            <a:latin typeface="Cambria Math" panose="02040503050406030204" pitchFamily="18" charset="0"/>
+                            <a:cs typeface="Arial" panose="020B0604020202020204" pitchFamily="34" charset="0"/>
+                          </a:rPr>
+                          <m:t>2</m:t>
+                        </m:r>
+                      </m:sup>
+                    </m:sSup>
+                    <m:r>
+                      <a:rPr lang="en-US" sz="2800" b="0" i="1" smtClean="0">
+                        <a:latin typeface="Cambria Math" panose="02040503050406030204" pitchFamily="18" charset="0"/>
+                        <a:cs typeface="Arial" panose="020B0604020202020204" pitchFamily="34" charset="0"/>
+                      </a:rPr>
+                      <m:t>)</m:t>
+                    </m:r>
+                  </m:oMath>
+                </a14:m>
+                <a:endParaRPr lang="en-US" sz="2800" dirty="0">
+                  <a:latin typeface="Arial" panose="020B0604020202020204" pitchFamily="34" charset="0"/>
+                  <a:cs typeface="Arial" panose="020B0604020202020204" pitchFamily="34" charset="0"/>
+                </a:endParaRPr>
+              </a:p>
+              <a:p>
+                <a:r>
+                  <a:rPr lang="en-US" sz="2800" dirty="0">
+                    <a:latin typeface="Arial" panose="020B0604020202020204" pitchFamily="34" charset="0"/>
+                    <a:cs typeface="Arial" panose="020B0604020202020204" pitchFamily="34" charset="0"/>
+                  </a:rPr>
+                  <a:t>for </a:t>
+                </a:r>
+                <a14:m>
+                  <m:oMath xmlns:m="http://schemas.openxmlformats.org/officeDocument/2006/math">
+                    <m:d>
+                      <m:dPr>
+                        <m:begChr m:val="|"/>
+                        <m:endChr m:val="⟩"/>
+                        <m:ctrlPr>
+                          <a:rPr lang="en-US" sz="2800" b="0" i="1" smtClean="0">
+                            <a:latin typeface="Cambria Math" panose="02040503050406030204" pitchFamily="18" charset="0"/>
+                            <a:cs typeface="Arial" panose="020B0604020202020204" pitchFamily="34" charset="0"/>
+                          </a:rPr>
+                        </m:ctrlPr>
+                      </m:dPr>
+                      <m:e>
+                        <m:r>
+                          <a:rPr lang="en-US" sz="2800" b="0" i="1" smtClean="0">
+                            <a:latin typeface="Cambria Math" panose="02040503050406030204" pitchFamily="18" charset="0"/>
+                            <a:cs typeface="Arial" panose="020B0604020202020204" pitchFamily="34" charset="0"/>
+                          </a:rPr>
+                          <m:t>𝑠</m:t>
+                        </m:r>
+                        <m:sSup>
+                          <m:sSupPr>
+                            <m:ctrlPr>
+                              <a:rPr lang="en-US" sz="2800" b="0" i="1" smtClean="0">
+                                <a:latin typeface="Cambria Math" panose="02040503050406030204" pitchFamily="18" charset="0"/>
+                                <a:cs typeface="Arial" panose="020B0604020202020204" pitchFamily="34" charset="0"/>
+                              </a:rPr>
+                            </m:ctrlPr>
+                          </m:sSupPr>
+                          <m:e>
+                            <m:r>
+                              <a:rPr lang="en-US" sz="2800" b="0" i="1" smtClean="0">
+                                <a:latin typeface="Cambria Math" panose="02040503050406030204" pitchFamily="18" charset="0"/>
+                                <a:cs typeface="Arial" panose="020B0604020202020204" pitchFamily="34" charset="0"/>
+                              </a:rPr>
+                              <m:t>h</m:t>
+                            </m:r>
+                          </m:e>
+                          <m:sup>
+                            <m:r>
+                              <a:rPr lang="en-US" sz="2800" b="0" i="1" smtClean="0">
+                                <a:latin typeface="Cambria Math" panose="02040503050406030204" pitchFamily="18" charset="0"/>
+                                <a:cs typeface="Arial" panose="020B0604020202020204" pitchFamily="34" charset="0"/>
+                              </a:rPr>
+                              <m:t>2</m:t>
+                            </m:r>
+                          </m:sup>
+                        </m:sSup>
+                        <m:r>
+                          <a:rPr lang="en-US" sz="2800" b="0" i="1" smtClean="0">
+                            <a:latin typeface="Cambria Math" panose="02040503050406030204" pitchFamily="18" charset="0"/>
+                            <a:cs typeface="Arial" panose="020B0604020202020204" pitchFamily="34" charset="0"/>
+                          </a:rPr>
+                          <m:t>,</m:t>
+                        </m:r>
+                        <m:r>
+                          <a:rPr lang="en-US" sz="2800" b="0" i="1" smtClean="0">
+                            <a:latin typeface="Cambria Math" panose="02040503050406030204" pitchFamily="18" charset="0"/>
+                            <a:cs typeface="Arial" panose="020B0604020202020204" pitchFamily="34" charset="0"/>
+                          </a:rPr>
+                          <m:t>𝑠</m:t>
+                        </m:r>
+                        <m:sSup>
+                          <m:sSupPr>
+                            <m:ctrlPr>
+                              <a:rPr lang="en-US" sz="2800" b="0" i="1" smtClean="0">
+                                <a:latin typeface="Cambria Math" panose="02040503050406030204" pitchFamily="18" charset="0"/>
+                                <a:cs typeface="Arial" panose="020B0604020202020204" pitchFamily="34" charset="0"/>
+                              </a:rPr>
+                            </m:ctrlPr>
+                          </m:sSupPr>
+                          <m:e>
+                            <m:r>
+                              <a:rPr lang="en-US" sz="2800" b="0" i="1" smtClean="0">
+                                <a:latin typeface="Cambria Math" panose="02040503050406030204" pitchFamily="18" charset="0"/>
+                                <a:cs typeface="Arial" panose="020B0604020202020204" pitchFamily="34" charset="0"/>
+                              </a:rPr>
+                              <m:t>h</m:t>
+                            </m:r>
+                          </m:e>
+                          <m:sup>
+                            <m:r>
+                              <a:rPr lang="en-US" sz="2800" b="0" i="1" smtClean="0">
+                                <a:latin typeface="Cambria Math" panose="02040503050406030204" pitchFamily="18" charset="0"/>
+                                <a:cs typeface="Arial" panose="020B0604020202020204" pitchFamily="34" charset="0"/>
+                              </a:rPr>
+                              <m:t>2</m:t>
+                            </m:r>
+                          </m:sup>
+                        </m:sSup>
+                      </m:e>
+                    </m:d>
+                    <m:r>
+                      <a:rPr lang="en-US" sz="2800" b="0" i="1" smtClean="0">
+                        <a:latin typeface="Cambria Math" panose="02040503050406030204" pitchFamily="18" charset="0"/>
+                        <a:cs typeface="Arial" panose="020B0604020202020204" pitchFamily="34" charset="0"/>
+                      </a:rPr>
+                      <m:t>, </m:t>
+                    </m:r>
+                    <m:sSub>
+                      <m:sSubPr>
+                        <m:ctrlPr>
+                          <a:rPr lang="en-US" sz="2800" b="0" i="1" smtClean="0">
+                            <a:latin typeface="Cambria Math" panose="02040503050406030204" pitchFamily="18" charset="0"/>
+                            <a:cs typeface="Arial" panose="020B0604020202020204" pitchFamily="34" charset="0"/>
+                          </a:rPr>
+                        </m:ctrlPr>
+                      </m:sSubPr>
+                      <m:e>
+                        <m:r>
+                          <a:rPr lang="en-US" sz="2800" b="0" i="1" smtClean="0">
+                            <a:latin typeface="Cambria Math" panose="02040503050406030204" pitchFamily="18" charset="0"/>
+                            <a:cs typeface="Arial" panose="020B0604020202020204" pitchFamily="34" charset="0"/>
+                          </a:rPr>
+                          <m:t>𝑃</m:t>
+                        </m:r>
+                      </m:e>
+                      <m:sub>
+                        <m:r>
+                          <a:rPr lang="en-US" sz="2800" b="0" i="1" smtClean="0">
+                            <a:latin typeface="Cambria Math" panose="02040503050406030204" pitchFamily="18" charset="0"/>
+                            <a:cs typeface="Arial" panose="020B0604020202020204" pitchFamily="34" charset="0"/>
+                          </a:rPr>
+                          <m:t>𝑒</m:t>
+                        </m:r>
+                      </m:sub>
+                    </m:sSub>
+                    <m:r>
+                      <a:rPr lang="en-US" sz="2800" b="0" i="1" smtClean="0">
+                        <a:latin typeface="Cambria Math" panose="02040503050406030204" pitchFamily="18" charset="0"/>
+                        <a:cs typeface="Arial" panose="020B0604020202020204" pitchFamily="34" charset="0"/>
+                      </a:rPr>
+                      <m:t>=</m:t>
+                    </m:r>
+                    <m:sSup>
+                      <m:sSupPr>
+                        <m:ctrlPr>
+                          <a:rPr lang="en-US" sz="2800" i="1">
+                            <a:latin typeface="Cambria Math" panose="02040503050406030204" pitchFamily="18" charset="0"/>
+                            <a:cs typeface="Arial" panose="020B0604020202020204" pitchFamily="34" charset="0"/>
+                          </a:rPr>
+                        </m:ctrlPr>
+                      </m:sSupPr>
+                      <m:e>
+                        <m:d>
+                          <m:dPr>
+                            <m:ctrlPr>
+                              <a:rPr lang="en-US" sz="2800" i="1">
+                                <a:latin typeface="Cambria Math" panose="02040503050406030204" pitchFamily="18" charset="0"/>
+                                <a:cs typeface="Arial" panose="020B0604020202020204" pitchFamily="34" charset="0"/>
+                              </a:rPr>
+                            </m:ctrlPr>
+                          </m:dPr>
+                          <m:e>
+                            <m:f>
+                              <m:fPr>
+                                <m:ctrlPr>
+                                  <a:rPr lang="en-US" sz="2800" i="1">
+                                    <a:latin typeface="Cambria Math" panose="02040503050406030204" pitchFamily="18" charset="0"/>
+                                    <a:cs typeface="Arial" panose="020B0604020202020204" pitchFamily="34" charset="0"/>
+                                  </a:rPr>
+                                </m:ctrlPr>
+                              </m:fPr>
+                              <m:num>
+                                <m:r>
+                                  <a:rPr lang="en-US" sz="2800" i="1">
+                                    <a:latin typeface="Cambria Math" panose="02040503050406030204" pitchFamily="18" charset="0"/>
+                                    <a:cs typeface="Arial" panose="020B0604020202020204" pitchFamily="34" charset="0"/>
+                                  </a:rPr>
+                                  <m:t>1</m:t>
+                                </m:r>
+                              </m:num>
+                              <m:den>
+                                <m:r>
+                                  <m:rPr>
+                                    <m:sty m:val="p"/>
+                                  </m:rPr>
+                                  <a:rPr lang="en-US" sz="2800">
+                                    <a:latin typeface="Cambria Math" panose="02040503050406030204" pitchFamily="18" charset="0"/>
+                                    <a:cs typeface="Arial" panose="020B0604020202020204" pitchFamily="34" charset="0"/>
+                                  </a:rPr>
+                                  <m:t>Δ</m:t>
+                                </m:r>
+                              </m:den>
+                            </m:f>
+                            <m:r>
+                              <a:rPr lang="en-US" sz="2800" i="1">
+                                <a:latin typeface="Cambria Math" panose="02040503050406030204" pitchFamily="18" charset="0"/>
+                                <a:cs typeface="Arial" panose="020B0604020202020204" pitchFamily="34" charset="0"/>
+                              </a:rPr>
+                              <m:t>+</m:t>
+                            </m:r>
+                            <m:f>
+                              <m:fPr>
+                                <m:ctrlPr>
+                                  <a:rPr lang="en-US" sz="2800" i="1">
+                                    <a:latin typeface="Cambria Math" panose="02040503050406030204" pitchFamily="18" charset="0"/>
+                                    <a:cs typeface="Arial" panose="020B0604020202020204" pitchFamily="34" charset="0"/>
+                                  </a:rPr>
+                                </m:ctrlPr>
+                              </m:fPr>
+                              <m:num>
+                                <m:r>
+                                  <a:rPr lang="en-US" sz="2800" i="1">
+                                    <a:latin typeface="Cambria Math" panose="02040503050406030204" pitchFamily="18" charset="0"/>
+                                    <a:cs typeface="Arial" panose="020B0604020202020204" pitchFamily="34" charset="0"/>
+                                  </a:rPr>
+                                  <m:t>1</m:t>
+                                </m:r>
+                              </m:num>
+                              <m:den>
+                                <m:r>
+                                  <a:rPr lang="en-US" sz="2800" i="1">
+                                    <a:latin typeface="Cambria Math" panose="02040503050406030204" pitchFamily="18" charset="0"/>
+                                    <a:cs typeface="Arial" panose="020B0604020202020204" pitchFamily="34" charset="0"/>
+                                  </a:rPr>
+                                  <m:t>𝛿</m:t>
+                                </m:r>
+                                <m:r>
+                                  <a:rPr lang="en-US" sz="2800" i="1">
+                                    <a:latin typeface="Cambria Math" panose="02040503050406030204" pitchFamily="18" charset="0"/>
+                                    <a:cs typeface="Arial" panose="020B0604020202020204" pitchFamily="34" charset="0"/>
+                                  </a:rPr>
+                                  <m:t>−</m:t>
+                                </m:r>
+                                <m:r>
+                                  <m:rPr>
+                                    <m:sty m:val="p"/>
+                                  </m:rPr>
+                                  <a:rPr lang="en-US" sz="2800">
+                                    <a:latin typeface="Cambria Math" panose="02040503050406030204" pitchFamily="18" charset="0"/>
+                                    <a:cs typeface="Arial" panose="020B0604020202020204" pitchFamily="34" charset="0"/>
+                                  </a:rPr>
+                                  <m:t>Δ</m:t>
+                                </m:r>
+                              </m:den>
+                            </m:f>
+                          </m:e>
+                        </m:d>
+                      </m:e>
+                      <m:sup>
+                        <m:r>
+                          <a:rPr lang="en-US" sz="2800" i="1">
+                            <a:latin typeface="Cambria Math" panose="02040503050406030204" pitchFamily="18" charset="0"/>
+                            <a:cs typeface="Arial" panose="020B0604020202020204" pitchFamily="34" charset="0"/>
+                          </a:rPr>
+                          <m:t>2</m:t>
+                        </m:r>
+                      </m:sup>
+                    </m:sSup>
+                    <m:sSup>
+                      <m:sSupPr>
+                        <m:ctrlPr>
+                          <a:rPr lang="en-US" sz="2800" b="0" i="1" smtClean="0">
+                            <a:latin typeface="Cambria Math" panose="02040503050406030204" pitchFamily="18" charset="0"/>
+                            <a:cs typeface="Arial" panose="020B0604020202020204" pitchFamily="34" charset="0"/>
+                          </a:rPr>
+                        </m:ctrlPr>
+                      </m:sSupPr>
+                      <m:e>
+                        <m:r>
+                          <a:rPr lang="en-US" sz="2800" b="0" i="1" smtClean="0">
+                            <a:latin typeface="Cambria Math" panose="02040503050406030204" pitchFamily="18" charset="0"/>
+                            <a:cs typeface="Arial" panose="020B0604020202020204" pitchFamily="34" charset="0"/>
+                          </a:rPr>
+                          <m:t>𝑡</m:t>
+                        </m:r>
+                      </m:e>
+                      <m:sup>
+                        <m:r>
+                          <a:rPr lang="en-US" sz="2800" b="0" i="1" smtClean="0">
+                            <a:latin typeface="Cambria Math" panose="02040503050406030204" pitchFamily="18" charset="0"/>
+                            <a:cs typeface="Arial" panose="020B0604020202020204" pitchFamily="34" charset="0"/>
+                          </a:rPr>
+                          <m:t>2</m:t>
+                        </m:r>
+                      </m:sup>
+                    </m:sSup>
+                    <m:sSubSup>
+                      <m:sSubSupPr>
+                        <m:ctrlPr>
+                          <a:rPr lang="en-US" sz="2800" b="0" i="1" smtClean="0">
+                            <a:latin typeface="Cambria Math" panose="02040503050406030204" pitchFamily="18" charset="0"/>
+                            <a:cs typeface="Arial" panose="020B0604020202020204" pitchFamily="34" charset="0"/>
+                          </a:rPr>
+                        </m:ctrlPr>
+                      </m:sSubSupPr>
+                      <m:e>
+                        <m:r>
+                          <a:rPr lang="en-US" sz="2800" b="0" i="1" smtClean="0">
+                            <a:latin typeface="Cambria Math" panose="02040503050406030204" pitchFamily="18" charset="0"/>
+                            <a:cs typeface="Arial" panose="020B0604020202020204" pitchFamily="34" charset="0"/>
+                          </a:rPr>
+                          <m:t>𝑔</m:t>
+                        </m:r>
+                      </m:e>
+                      <m:sub>
+                        <m:r>
+                          <a:rPr lang="en-US" sz="2800" b="0" i="1" smtClean="0">
+                            <a:latin typeface="Cambria Math" panose="02040503050406030204" pitchFamily="18" charset="0"/>
+                            <a:cs typeface="Arial" panose="020B0604020202020204" pitchFamily="34" charset="0"/>
+                          </a:rPr>
+                          <m:t>𝑒𝑚</m:t>
+                        </m:r>
+                      </m:sub>
+                      <m:sup>
+                        <m:r>
+                          <a:rPr lang="en-US" sz="2800" b="0" i="1" smtClean="0">
+                            <a:latin typeface="Cambria Math" panose="02040503050406030204" pitchFamily="18" charset="0"/>
+                            <a:cs typeface="Arial" panose="020B0604020202020204" pitchFamily="34" charset="0"/>
+                          </a:rPr>
+                          <m:t>2</m:t>
+                        </m:r>
+                      </m:sup>
+                    </m:sSubSup>
+                    <m:sSubSup>
+                      <m:sSubSupPr>
+                        <m:ctrlPr>
+                          <a:rPr lang="en-US" sz="2800" b="0" i="1" smtClean="0">
+                            <a:latin typeface="Cambria Math" panose="02040503050406030204" pitchFamily="18" charset="0"/>
+                            <a:cs typeface="Arial" panose="020B0604020202020204" pitchFamily="34" charset="0"/>
+                          </a:rPr>
+                        </m:ctrlPr>
+                      </m:sSubSupPr>
+                      <m:e>
+                        <m:r>
+                          <a:rPr lang="en-US" sz="2800" b="0" i="1" smtClean="0">
+                            <a:latin typeface="Cambria Math" panose="02040503050406030204" pitchFamily="18" charset="0"/>
+                            <a:cs typeface="Arial" panose="020B0604020202020204" pitchFamily="34" charset="0"/>
+                          </a:rPr>
+                          <m:t>𝑔</m:t>
+                        </m:r>
+                      </m:e>
+                      <m:sub>
+                        <m:r>
+                          <a:rPr lang="en-US" sz="2800" b="0" i="1" smtClean="0">
+                            <a:latin typeface="Cambria Math" panose="02040503050406030204" pitchFamily="18" charset="0"/>
+                            <a:cs typeface="Arial" panose="020B0604020202020204" pitchFamily="34" charset="0"/>
+                          </a:rPr>
+                          <m:t>𝑚𝑔</m:t>
+                        </m:r>
+                      </m:sub>
+                      <m:sup>
+                        <m:r>
+                          <a:rPr lang="en-US" sz="2800" b="0" i="1" smtClean="0">
+                            <a:latin typeface="Cambria Math" panose="02040503050406030204" pitchFamily="18" charset="0"/>
+                            <a:cs typeface="Arial" panose="020B0604020202020204" pitchFamily="34" charset="0"/>
+                          </a:rPr>
+                          <m:t>2</m:t>
+                        </m:r>
+                      </m:sup>
+                    </m:sSubSup>
+                    <m:r>
+                      <a:rPr lang="en-US" sz="2800" b="0" i="1" smtClean="0">
+                        <a:latin typeface="Cambria Math" panose="02040503050406030204" pitchFamily="18" charset="0"/>
+                        <a:cs typeface="Arial" panose="020B0604020202020204" pitchFamily="34" charset="0"/>
+                      </a:rPr>
+                      <m:t>𝑠</m:t>
+                    </m:r>
+                    <m:sSup>
+                      <m:sSupPr>
+                        <m:ctrlPr>
+                          <a:rPr lang="en-US" sz="2800" b="0" i="1" smtClean="0">
+                            <a:latin typeface="Cambria Math" panose="02040503050406030204" pitchFamily="18" charset="0"/>
+                            <a:cs typeface="Arial" panose="020B0604020202020204" pitchFamily="34" charset="0"/>
+                          </a:rPr>
+                        </m:ctrlPr>
+                      </m:sSupPr>
+                      <m:e>
+                        <m:r>
+                          <a:rPr lang="en-US" sz="2800" b="0" i="1" smtClean="0">
+                            <a:latin typeface="Cambria Math" panose="02040503050406030204" pitchFamily="18" charset="0"/>
+                            <a:cs typeface="Arial" panose="020B0604020202020204" pitchFamily="34" charset="0"/>
+                          </a:rPr>
+                          <m:t>h</m:t>
+                        </m:r>
+                      </m:e>
+                      <m:sup>
+                        <m:r>
+                          <a:rPr lang="en-US" sz="2800" b="0" i="1" smtClean="0">
+                            <a:latin typeface="Cambria Math" panose="02040503050406030204" pitchFamily="18" charset="0"/>
+                            <a:cs typeface="Arial" panose="020B0604020202020204" pitchFamily="34" charset="0"/>
+                          </a:rPr>
+                          <m:t>4</m:t>
+                        </m:r>
+                      </m:sup>
+                    </m:sSup>
+                  </m:oMath>
+                </a14:m>
+                <a:endParaRPr lang="en-US" sz="2800" dirty="0">
+                  <a:latin typeface="Arial" panose="020B0604020202020204" pitchFamily="34" charset="0"/>
+                  <a:cs typeface="Arial" panose="020B0604020202020204" pitchFamily="34" charset="0"/>
+                </a:endParaRPr>
+              </a:p>
+              <a:p>
+                <a:r>
+                  <a:rPr lang="en-US" sz="2800" dirty="0">
+                    <a:latin typeface="Arial" panose="020B0604020202020204" pitchFamily="34" charset="0"/>
+                    <a:cs typeface="Arial" panose="020B0604020202020204" pitchFamily="34" charset="0"/>
+                  </a:rPr>
+                  <a:t>enhancement: </a:t>
+                </a:r>
+                <a14:m>
+                  <m:oMath xmlns:m="http://schemas.openxmlformats.org/officeDocument/2006/math">
+                    <m:f>
+                      <m:fPr>
+                        <m:ctrlPr>
+                          <a:rPr lang="en-US" sz="2800" b="0" i="1" smtClean="0">
+                            <a:latin typeface="Cambria Math" panose="02040503050406030204" pitchFamily="18" charset="0"/>
+                            <a:cs typeface="Arial" panose="020B0604020202020204" pitchFamily="34" charset="0"/>
+                          </a:rPr>
+                        </m:ctrlPr>
+                      </m:fPr>
+                      <m:num>
+                        <m:r>
+                          <a:rPr lang="en-US" sz="2800" b="0" i="1" smtClean="0">
+                            <a:latin typeface="Cambria Math" panose="02040503050406030204" pitchFamily="18" charset="0"/>
+                            <a:cs typeface="Arial" panose="020B0604020202020204" pitchFamily="34" charset="0"/>
+                          </a:rPr>
+                          <m:t>𝑠</m:t>
+                        </m:r>
+                        <m:sSup>
+                          <m:sSupPr>
+                            <m:ctrlPr>
+                              <a:rPr lang="en-US" sz="2800" b="0" i="1" smtClean="0">
+                                <a:latin typeface="Cambria Math" panose="02040503050406030204" pitchFamily="18" charset="0"/>
+                                <a:cs typeface="Arial" panose="020B0604020202020204" pitchFamily="34" charset="0"/>
+                              </a:rPr>
+                            </m:ctrlPr>
+                          </m:sSupPr>
+                          <m:e>
+                            <m:r>
+                              <a:rPr lang="en-US" sz="2800" b="0" i="1" smtClean="0">
+                                <a:latin typeface="Cambria Math" panose="02040503050406030204" pitchFamily="18" charset="0"/>
+                                <a:cs typeface="Arial" panose="020B0604020202020204" pitchFamily="34" charset="0"/>
+                              </a:rPr>
+                              <m:t>h</m:t>
+                            </m:r>
+                          </m:e>
+                          <m:sup>
+                            <m:r>
+                              <a:rPr lang="en-US" sz="2800" b="0" i="1" smtClean="0">
+                                <a:latin typeface="Cambria Math" panose="02040503050406030204" pitchFamily="18" charset="0"/>
+                                <a:cs typeface="Arial" panose="020B0604020202020204" pitchFamily="34" charset="0"/>
+                              </a:rPr>
+                              <m:t>2</m:t>
+                            </m:r>
+                          </m:sup>
+                        </m:sSup>
+                        <m:r>
+                          <a:rPr lang="en-US" sz="2800" b="0" i="1" smtClean="0">
+                            <a:latin typeface="Cambria Math" panose="02040503050406030204" pitchFamily="18" charset="0"/>
+                            <a:cs typeface="Arial" panose="020B0604020202020204" pitchFamily="34" charset="0"/>
+                          </a:rPr>
+                          <m:t>+</m:t>
+                        </m:r>
+                        <m:r>
+                          <a:rPr lang="en-US" sz="2800" b="0" i="1" smtClean="0">
+                            <a:latin typeface="Cambria Math" panose="02040503050406030204" pitchFamily="18" charset="0"/>
+                            <a:cs typeface="Arial" panose="020B0604020202020204" pitchFamily="34" charset="0"/>
+                          </a:rPr>
+                          <m:t>𝑐</m:t>
+                        </m:r>
+                        <m:sSup>
+                          <m:sSupPr>
+                            <m:ctrlPr>
+                              <a:rPr lang="en-US" sz="2800" b="0" i="1" smtClean="0">
+                                <a:latin typeface="Cambria Math" panose="02040503050406030204" pitchFamily="18" charset="0"/>
+                                <a:cs typeface="Arial" panose="020B0604020202020204" pitchFamily="34" charset="0"/>
+                              </a:rPr>
+                            </m:ctrlPr>
+                          </m:sSupPr>
+                          <m:e>
+                            <m:r>
+                              <a:rPr lang="en-US" sz="2800" b="0" i="1" smtClean="0">
+                                <a:latin typeface="Cambria Math" panose="02040503050406030204" pitchFamily="18" charset="0"/>
+                                <a:cs typeface="Arial" panose="020B0604020202020204" pitchFamily="34" charset="0"/>
+                              </a:rPr>
+                              <m:t>h</m:t>
+                            </m:r>
+                          </m:e>
+                          <m:sup>
+                            <m:r>
+                              <a:rPr lang="en-US" sz="2800" b="0" i="1" smtClean="0">
+                                <a:latin typeface="Cambria Math" panose="02040503050406030204" pitchFamily="18" charset="0"/>
+                                <a:cs typeface="Arial" panose="020B0604020202020204" pitchFamily="34" charset="0"/>
+                              </a:rPr>
+                              <m:t>2</m:t>
+                            </m:r>
+                          </m:sup>
+                        </m:sSup>
+                      </m:num>
+                      <m:den>
+                        <m:r>
+                          <a:rPr lang="en-US" sz="2800" b="0" i="1" smtClean="0">
+                            <a:latin typeface="Cambria Math" panose="02040503050406030204" pitchFamily="18" charset="0"/>
+                            <a:cs typeface="Arial" panose="020B0604020202020204" pitchFamily="34" charset="0"/>
+                          </a:rPr>
+                          <m:t>𝑠</m:t>
+                        </m:r>
+                        <m:sSup>
+                          <m:sSupPr>
+                            <m:ctrlPr>
+                              <a:rPr lang="en-US" sz="2800" b="0" i="1" smtClean="0">
+                                <a:latin typeface="Cambria Math" panose="02040503050406030204" pitchFamily="18" charset="0"/>
+                                <a:cs typeface="Arial" panose="020B0604020202020204" pitchFamily="34" charset="0"/>
+                              </a:rPr>
+                            </m:ctrlPr>
+                          </m:sSupPr>
+                          <m:e>
+                            <m:r>
+                              <a:rPr lang="en-US" sz="2800" b="0" i="1" smtClean="0">
+                                <a:latin typeface="Cambria Math" panose="02040503050406030204" pitchFamily="18" charset="0"/>
+                                <a:cs typeface="Arial" panose="020B0604020202020204" pitchFamily="34" charset="0"/>
+                              </a:rPr>
+                              <m:t>h</m:t>
+                            </m:r>
+                          </m:e>
+                          <m:sup>
+                            <m:r>
+                              <a:rPr lang="en-US" sz="2800" b="0" i="1" smtClean="0">
+                                <a:latin typeface="Cambria Math" panose="02040503050406030204" pitchFamily="18" charset="0"/>
+                                <a:cs typeface="Arial" panose="020B0604020202020204" pitchFamily="34" charset="0"/>
+                              </a:rPr>
+                              <m:t>2</m:t>
+                            </m:r>
+                          </m:sup>
+                        </m:sSup>
+                      </m:den>
+                    </m:f>
+                  </m:oMath>
+                </a14:m>
+                <a:r>
+                  <a:rPr lang="en-US" sz="2800" dirty="0">
+                    <a:latin typeface="Arial" panose="020B0604020202020204" pitchFamily="34" charset="0"/>
+                    <a:cs typeface="Arial" panose="020B0604020202020204" pitchFamily="34" charset="0"/>
+                  </a:rPr>
+                  <a:t>, </a:t>
+                </a:r>
+              </a:p>
+              <a:p>
+                <a:r>
+                  <a:rPr lang="en-US" sz="2800" dirty="0">
+                    <a:latin typeface="Arial" panose="020B0604020202020204" pitchFamily="34" charset="0"/>
+                    <a:cs typeface="Arial" panose="020B0604020202020204" pitchFamily="34" charset="0"/>
+                  </a:rPr>
+                  <a:t>infinity if </a:t>
+                </a:r>
+                <a14:m>
+                  <m:oMath xmlns:m="http://schemas.openxmlformats.org/officeDocument/2006/math">
+                    <m:r>
+                      <a:rPr lang="en-US" sz="2800" b="0" i="1" smtClean="0">
+                        <a:latin typeface="Cambria Math" panose="02040503050406030204" pitchFamily="18" charset="0"/>
+                        <a:cs typeface="Arial" panose="020B0604020202020204" pitchFamily="34" charset="0"/>
+                      </a:rPr>
+                      <m:t>𝑟</m:t>
+                    </m:r>
+                    <m:r>
+                      <a:rPr lang="en-US" sz="2800" b="0" i="1" smtClean="0">
+                        <a:latin typeface="Cambria Math" panose="02040503050406030204" pitchFamily="18" charset="0"/>
+                        <a:cs typeface="Arial" panose="020B0604020202020204" pitchFamily="34" charset="0"/>
+                      </a:rPr>
+                      <m:t>→</m:t>
+                    </m:r>
+                  </m:oMath>
+                </a14:m>
+                <a:r>
+                  <a:rPr lang="en-US" sz="2800" dirty="0">
+                    <a:latin typeface="Arial" panose="020B0604020202020204" pitchFamily="34" charset="0"/>
+                    <a:cs typeface="Arial" panose="020B0604020202020204" pitchFamily="34" charset="0"/>
+                  </a:rPr>
+                  <a:t>0, 2 if </a:t>
+                </a:r>
+                <a14:m>
+                  <m:oMath xmlns:m="http://schemas.openxmlformats.org/officeDocument/2006/math">
+                    <m:r>
+                      <a:rPr lang="en-US" sz="2800" b="0" i="1" smtClean="0">
+                        <a:latin typeface="Cambria Math" panose="02040503050406030204" pitchFamily="18" charset="0"/>
+                        <a:cs typeface="Arial" panose="020B0604020202020204" pitchFamily="34" charset="0"/>
+                      </a:rPr>
+                      <m:t>𝑟</m:t>
+                    </m:r>
+                    <m:r>
+                      <a:rPr lang="en-US" sz="2800" b="0" i="1" smtClean="0">
+                        <a:latin typeface="Cambria Math" panose="02040503050406030204" pitchFamily="18" charset="0"/>
+                        <a:cs typeface="Arial" panose="020B0604020202020204" pitchFamily="34" charset="0"/>
+                      </a:rPr>
+                      <m:t>→∞</m:t>
+                    </m:r>
+                  </m:oMath>
+                </a14:m>
+                <a:endParaRPr lang="en-US" sz="2800" dirty="0">
+                  <a:latin typeface="Arial" panose="020B0604020202020204" pitchFamily="34" charset="0"/>
+                  <a:cs typeface="Arial" panose="020B0604020202020204" pitchFamily="34" charset="0"/>
+                </a:endParaRPr>
+              </a:p>
+              <a:p>
+                <a:endParaRPr lang="en-US" sz="2800" dirty="0">
+                  <a:latin typeface="Arial" panose="020B0604020202020204" pitchFamily="34" charset="0"/>
+                  <a:cs typeface="Arial" panose="020B0604020202020204" pitchFamily="34" charset="0"/>
+                </a:endParaRPr>
+              </a:p>
+              <a:p>
+                <a:r>
+                  <a:rPr lang="en-US" sz="2800" dirty="0">
+                    <a:latin typeface="Arial" panose="020B0604020202020204" pitchFamily="34" charset="0"/>
+                    <a:cs typeface="Arial" panose="020B0604020202020204" pitchFamily="34" charset="0"/>
+                  </a:rPr>
+                  <a:t>(</a:t>
+                </a:r>
+                <a14:m>
+                  <m:oMath xmlns:m="http://schemas.openxmlformats.org/officeDocument/2006/math">
+                    <m:r>
+                      <a:rPr lang="en-US" sz="2800" b="0" i="1" smtClean="0">
+                        <a:latin typeface="Cambria Math" panose="02040503050406030204" pitchFamily="18" charset="0"/>
+                        <a:cs typeface="Arial" panose="020B0604020202020204" pitchFamily="34" charset="0"/>
+                      </a:rPr>
+                      <m:t>𝑐h</m:t>
+                    </m:r>
+                    <m:r>
+                      <a:rPr lang="en-US" sz="2800" b="0" i="1" smtClean="0">
+                        <a:latin typeface="Cambria Math" panose="02040503050406030204" pitchFamily="18" charset="0"/>
+                        <a:cs typeface="Arial" panose="020B0604020202020204" pitchFamily="34" charset="0"/>
+                      </a:rPr>
+                      <m:t>=</m:t>
+                    </m:r>
+                    <m:func>
+                      <m:funcPr>
+                        <m:ctrlPr>
+                          <a:rPr lang="en-US" sz="2800" b="0" i="1" smtClean="0">
+                            <a:latin typeface="Cambria Math" panose="02040503050406030204" pitchFamily="18" charset="0"/>
+                            <a:cs typeface="Arial" panose="020B0604020202020204" pitchFamily="34" charset="0"/>
+                          </a:rPr>
+                        </m:ctrlPr>
+                      </m:funcPr>
+                      <m:fName>
+                        <m:r>
+                          <m:rPr>
+                            <m:sty m:val="p"/>
+                          </m:rPr>
+                          <a:rPr lang="en-US" sz="2800" b="0" i="0" smtClean="0">
+                            <a:latin typeface="Cambria Math" panose="02040503050406030204" pitchFamily="18" charset="0"/>
+                            <a:cs typeface="Arial" panose="020B0604020202020204" pitchFamily="34" charset="0"/>
+                          </a:rPr>
+                          <m:t>cosh</m:t>
+                        </m:r>
+                      </m:fName>
+                      <m:e>
+                        <m:r>
+                          <a:rPr lang="en-US" sz="2800" b="0" i="1" smtClean="0">
+                            <a:latin typeface="Cambria Math" panose="02040503050406030204" pitchFamily="18" charset="0"/>
+                            <a:cs typeface="Arial" panose="020B0604020202020204" pitchFamily="34" charset="0"/>
+                          </a:rPr>
+                          <m:t>𝑟</m:t>
+                        </m:r>
+                      </m:e>
+                    </m:func>
+                    <m:r>
+                      <a:rPr lang="en-US" sz="2800" b="0" i="1" smtClean="0">
+                        <a:latin typeface="Cambria Math" panose="02040503050406030204" pitchFamily="18" charset="0"/>
+                        <a:cs typeface="Arial" panose="020B0604020202020204" pitchFamily="34" charset="0"/>
+                      </a:rPr>
+                      <m:t>, </m:t>
+                    </m:r>
+                    <m:r>
+                      <a:rPr lang="en-US" sz="2800" b="0" i="1" smtClean="0">
+                        <a:latin typeface="Cambria Math" panose="02040503050406030204" pitchFamily="18" charset="0"/>
+                        <a:cs typeface="Arial" panose="020B0604020202020204" pitchFamily="34" charset="0"/>
+                      </a:rPr>
+                      <m:t>𝑠h</m:t>
+                    </m:r>
+                    <m:r>
+                      <a:rPr lang="en-US" sz="2800" b="0" i="1" smtClean="0">
+                        <a:latin typeface="Cambria Math" panose="02040503050406030204" pitchFamily="18" charset="0"/>
+                        <a:cs typeface="Arial" panose="020B0604020202020204" pitchFamily="34" charset="0"/>
+                      </a:rPr>
+                      <m:t>=</m:t>
+                    </m:r>
+                    <m:func>
+                      <m:funcPr>
+                        <m:ctrlPr>
+                          <a:rPr lang="en-US" sz="2800" b="0" i="1" smtClean="0">
+                            <a:latin typeface="Cambria Math" panose="02040503050406030204" pitchFamily="18" charset="0"/>
+                            <a:cs typeface="Arial" panose="020B0604020202020204" pitchFamily="34" charset="0"/>
+                          </a:rPr>
+                        </m:ctrlPr>
+                      </m:funcPr>
+                      <m:fName>
+                        <m:r>
+                          <m:rPr>
+                            <m:sty m:val="p"/>
+                          </m:rPr>
+                          <a:rPr lang="en-US" sz="2800" b="0" i="0" smtClean="0">
+                            <a:latin typeface="Cambria Math" panose="02040503050406030204" pitchFamily="18" charset="0"/>
+                            <a:cs typeface="Arial" panose="020B0604020202020204" pitchFamily="34" charset="0"/>
+                          </a:rPr>
+                          <m:t>sinh</m:t>
+                        </m:r>
+                      </m:fName>
+                      <m:e>
+                        <m:r>
+                          <a:rPr lang="en-US" sz="2800" b="0" i="1" smtClean="0">
+                            <a:latin typeface="Cambria Math" panose="02040503050406030204" pitchFamily="18" charset="0"/>
+                            <a:cs typeface="Arial" panose="020B0604020202020204" pitchFamily="34" charset="0"/>
+                          </a:rPr>
+                          <m:t>𝑟</m:t>
+                        </m:r>
+                      </m:e>
+                    </m:func>
+                  </m:oMath>
+                </a14:m>
+                <a:r>
+                  <a:rPr lang="en-US" sz="2800" dirty="0">
+                    <a:latin typeface="Arial" panose="020B0604020202020204" pitchFamily="34" charset="0"/>
+                    <a:cs typeface="Arial" panose="020B0604020202020204" pitchFamily="34" charset="0"/>
+                  </a:rPr>
+                  <a:t>, </a:t>
+                </a:r>
+                <a14:m>
+                  <m:oMath xmlns:m="http://schemas.openxmlformats.org/officeDocument/2006/math">
+                    <m:r>
+                      <a:rPr lang="en-US" sz="2800" b="0" i="1" smtClean="0">
+                        <a:latin typeface="Cambria Math" panose="02040503050406030204" pitchFamily="18" charset="0"/>
+                        <a:cs typeface="Arial" panose="020B0604020202020204" pitchFamily="34" charset="0"/>
+                      </a:rPr>
+                      <m:t>𝑠</m:t>
+                    </m:r>
+                    <m:sSup>
+                      <m:sSupPr>
+                        <m:ctrlPr>
+                          <a:rPr lang="en-US" sz="2800" b="0" i="1" smtClean="0">
+                            <a:latin typeface="Cambria Math" panose="02040503050406030204" pitchFamily="18" charset="0"/>
+                            <a:cs typeface="Arial" panose="020B0604020202020204" pitchFamily="34" charset="0"/>
+                          </a:rPr>
+                        </m:ctrlPr>
+                      </m:sSupPr>
+                      <m:e>
+                        <m:r>
+                          <a:rPr lang="en-US" sz="2800" b="0" i="1" smtClean="0">
+                            <a:latin typeface="Cambria Math" panose="02040503050406030204" pitchFamily="18" charset="0"/>
+                            <a:cs typeface="Arial" panose="020B0604020202020204" pitchFamily="34" charset="0"/>
+                          </a:rPr>
+                          <m:t>h</m:t>
+                        </m:r>
+                      </m:e>
+                      <m:sup>
+                        <m:r>
+                          <a:rPr lang="en-US" sz="2800" b="0" i="1" smtClean="0">
+                            <a:latin typeface="Cambria Math" panose="02040503050406030204" pitchFamily="18" charset="0"/>
+                            <a:cs typeface="Arial" panose="020B0604020202020204" pitchFamily="34" charset="0"/>
+                          </a:rPr>
+                          <m:t>2</m:t>
+                        </m:r>
+                      </m:sup>
+                    </m:sSup>
+                    <m:r>
+                      <a:rPr lang="en-US" sz="2800" b="0" i="1" smtClean="0">
+                        <a:latin typeface="Cambria Math" panose="02040503050406030204" pitchFamily="18" charset="0"/>
+                        <a:cs typeface="Arial" panose="020B0604020202020204" pitchFamily="34" charset="0"/>
+                      </a:rPr>
+                      <m:t>=</m:t>
+                    </m:r>
+                    <m:r>
+                      <a:rPr lang="en-US" sz="2800" b="0" i="1" smtClean="0">
+                        <a:latin typeface="Cambria Math" panose="02040503050406030204" pitchFamily="18" charset="0"/>
+                        <a:cs typeface="Arial" panose="020B0604020202020204" pitchFamily="34" charset="0"/>
+                      </a:rPr>
+                      <m:t>𝑁</m:t>
+                    </m:r>
+                  </m:oMath>
+                </a14:m>
+                <a:r>
+                  <a:rPr lang="en-US" sz="2800" dirty="0">
+                    <a:latin typeface="Arial" panose="020B0604020202020204" pitchFamily="34" charset="0"/>
+                    <a:cs typeface="Arial" panose="020B0604020202020204" pitchFamily="34" charset="0"/>
+                  </a:rPr>
+                  <a:t>(average photon number))</a:t>
+                </a:r>
+              </a:p>
+            </p:txBody>
+          </p:sp>
+        </mc:Choice>
+        <mc:Fallback>
+          <p:sp>
+            <p:nvSpPr>
+              <p:cNvPr id="14" name="TextBox 13">
+                <a:extLst>
+                  <a:ext uri="{FF2B5EF4-FFF2-40B4-BE49-F238E27FC236}">
+                    <a16:creationId xmlns:a16="http://schemas.microsoft.com/office/drawing/2014/main" id="{E36EB3CE-68F6-4F87-9224-0EFABDDECE8F}"/>
+                  </a:ext>
+                </a:extLst>
+              </p:cNvPr>
+              <p:cNvSpPr txBox="1">
+                <a:spLocks noRot="1" noChangeAspect="1" noMove="1" noResize="1" noEditPoints="1" noAdjustHandles="1" noChangeArrowheads="1" noChangeShapeType="1" noTextEdit="1"/>
+              </p:cNvSpPr>
+              <p:nvPr/>
+            </p:nvSpPr>
+            <p:spPr>
+              <a:xfrm>
+                <a:off x="5533839" y="169534"/>
+                <a:ext cx="8495859" cy="6472541"/>
+              </a:xfrm>
+              <a:prstGeom prst="rect">
+                <a:avLst/>
+              </a:prstGeom>
+              <a:blipFill>
+                <a:blip r:embed="rId4"/>
+                <a:stretch>
+                  <a:fillRect l="-1508" t="-1036" b="-2542"/>
+                </a:stretch>
+              </a:blipFill>
+            </p:spPr>
+            <p:txBody>
+              <a:bodyPr/>
+              <a:lstStyle/>
+              <a:p>
+                <a:r>
+                  <a:rPr lang="en-US">
+                    <a:noFill/>
+                  </a:rPr>
+                  <a:t> </a:t>
+                </a:r>
+              </a:p>
+            </p:txBody>
+          </p:sp>
+        </mc:Fallback>
+      </mc:AlternateContent>
+      <mc:AlternateContent xmlns:mc="http://schemas.openxmlformats.org/markup-compatibility/2006">
+        <mc:Choice xmlns:a14="http://schemas.microsoft.com/office/drawing/2010/main" Requires="a14">
+          <p:sp>
+            <p:nvSpPr>
+              <p:cNvPr id="16" name="TextBox 15">
+                <a:extLst>
+                  <a:ext uri="{FF2B5EF4-FFF2-40B4-BE49-F238E27FC236}">
+                    <a16:creationId xmlns:a16="http://schemas.microsoft.com/office/drawing/2014/main" id="{F17BEC80-AA96-4F10-8FF0-8A6458EF4D17}"/>
+                  </a:ext>
+                </a:extLst>
+              </p:cNvPr>
+              <p:cNvSpPr txBox="1"/>
+              <p:nvPr/>
+            </p:nvSpPr>
+            <p:spPr>
+              <a:xfrm>
+                <a:off x="2095092" y="3420650"/>
+                <a:ext cx="925189" cy="369332"/>
+              </a:xfrm>
+              <a:prstGeom prst="rect">
+                <a:avLst/>
+              </a:prstGeom>
+              <a:noFill/>
+            </p:spPr>
+            <p:txBody>
+              <a:bodyPr wrap="none" rtlCol="0">
+                <a:spAutoFit/>
+              </a:bodyPr>
+              <a:lstStyle/>
+              <a:p>
+                <a:pPr/>
+                <a14:m>
+                  <m:oMathPara xmlns:m="http://schemas.openxmlformats.org/officeDocument/2006/math">
+                    <m:oMathParaPr>
+                      <m:jc m:val="centerGroup"/>
+                    </m:oMathParaPr>
+                    <m:oMath xmlns:m="http://schemas.openxmlformats.org/officeDocument/2006/math">
+                      <m:sSub>
+                        <m:sSubPr>
+                          <m:ctrlPr>
+                            <a:rPr lang="en-US" b="0" i="1" smtClean="0">
+                              <a:latin typeface="Cambria Math" panose="02040503050406030204" pitchFamily="18" charset="0"/>
+                            </a:rPr>
+                          </m:ctrlPr>
+                        </m:sSubPr>
+                        <m:e>
+                          <m:r>
+                            <a:rPr lang="en-US" b="0" i="1" smtClean="0">
+                              <a:latin typeface="Cambria Math" panose="02040503050406030204" pitchFamily="18" charset="0"/>
+                            </a:rPr>
+                            <m:t>𝜔</m:t>
+                          </m:r>
+                        </m:e>
+                        <m:sub>
+                          <m:r>
+                            <a:rPr lang="en-US" b="0" i="1" smtClean="0">
+                              <a:latin typeface="Cambria Math" panose="02040503050406030204" pitchFamily="18" charset="0"/>
+                            </a:rPr>
+                            <m:t>2</m:t>
+                          </m:r>
+                        </m:sub>
+                      </m:sSub>
+                      <m:r>
+                        <a:rPr lang="en-US" b="0" i="1" smtClean="0">
+                          <a:latin typeface="Cambria Math" panose="02040503050406030204" pitchFamily="18" charset="0"/>
+                        </a:rPr>
+                        <m:t>+</m:t>
+                      </m:r>
+                      <m:r>
+                        <m:rPr>
+                          <m:sty m:val="p"/>
+                        </m:rPr>
+                        <a:rPr lang="en-US" b="0" i="0" smtClean="0">
+                          <a:latin typeface="Cambria Math" panose="02040503050406030204" pitchFamily="18" charset="0"/>
+                        </a:rPr>
+                        <m:t>Δ</m:t>
+                      </m:r>
+                    </m:oMath>
+                  </m:oMathPara>
+                </a14:m>
+                <a:endParaRPr lang="en-US" dirty="0"/>
+              </a:p>
+            </p:txBody>
+          </p:sp>
+        </mc:Choice>
+        <mc:Fallback>
+          <p:sp>
+            <p:nvSpPr>
+              <p:cNvPr id="16" name="TextBox 15">
+                <a:extLst>
+                  <a:ext uri="{FF2B5EF4-FFF2-40B4-BE49-F238E27FC236}">
+                    <a16:creationId xmlns:a16="http://schemas.microsoft.com/office/drawing/2014/main" id="{F17BEC80-AA96-4F10-8FF0-8A6458EF4D17}"/>
+                  </a:ext>
+                </a:extLst>
+              </p:cNvPr>
+              <p:cNvSpPr txBox="1">
+                <a:spLocks noRot="1" noChangeAspect="1" noMove="1" noResize="1" noEditPoints="1" noAdjustHandles="1" noChangeArrowheads="1" noChangeShapeType="1" noTextEdit="1"/>
+              </p:cNvSpPr>
+              <p:nvPr/>
+            </p:nvSpPr>
+            <p:spPr>
+              <a:xfrm>
+                <a:off x="2095092" y="3420650"/>
+                <a:ext cx="925189" cy="369332"/>
+              </a:xfrm>
+              <a:prstGeom prst="rect">
+                <a:avLst/>
+              </a:prstGeom>
+              <a:blipFill>
+                <a:blip r:embed="rId5"/>
+                <a:stretch>
+                  <a:fillRect/>
+                </a:stretch>
+              </a:blipFill>
+            </p:spPr>
+            <p:txBody>
+              <a:bodyPr/>
+              <a:lstStyle/>
+              <a:p>
+                <a:r>
+                  <a:rPr lang="en-US">
+                    <a:noFill/>
+                  </a:rPr>
+                  <a:t> </a:t>
+                </a:r>
+              </a:p>
+            </p:txBody>
+          </p:sp>
+        </mc:Fallback>
+      </mc:AlternateContent>
+      <mc:AlternateContent xmlns:mc="http://schemas.openxmlformats.org/markup-compatibility/2006">
+        <mc:Choice xmlns:a14="http://schemas.microsoft.com/office/drawing/2010/main" Requires="a14">
+          <p:sp>
+            <p:nvSpPr>
+              <p:cNvPr id="18" name="TextBox 17">
+                <a:extLst>
+                  <a:ext uri="{FF2B5EF4-FFF2-40B4-BE49-F238E27FC236}">
+                    <a16:creationId xmlns:a16="http://schemas.microsoft.com/office/drawing/2014/main" id="{49037623-9824-4A57-88AB-1CCF8CAA1FA5}"/>
+                  </a:ext>
+                </a:extLst>
+              </p:cNvPr>
+              <p:cNvSpPr txBox="1"/>
+              <p:nvPr/>
+            </p:nvSpPr>
+            <p:spPr>
+              <a:xfrm>
+                <a:off x="2097228" y="1572939"/>
+                <a:ext cx="919867" cy="369332"/>
+              </a:xfrm>
+              <a:prstGeom prst="rect">
+                <a:avLst/>
+              </a:prstGeom>
+              <a:noFill/>
+            </p:spPr>
+            <p:txBody>
+              <a:bodyPr wrap="none" rtlCol="0">
+                <a:spAutoFit/>
+              </a:bodyPr>
+              <a:lstStyle/>
+              <a:p>
+                <a:pPr/>
+                <a14:m>
+                  <m:oMathPara xmlns:m="http://schemas.openxmlformats.org/officeDocument/2006/math">
+                    <m:oMathParaPr>
+                      <m:jc m:val="centerGroup"/>
+                    </m:oMathParaPr>
+                    <m:oMath xmlns:m="http://schemas.openxmlformats.org/officeDocument/2006/math">
+                      <m:sSub>
+                        <m:sSubPr>
+                          <m:ctrlPr>
+                            <a:rPr lang="en-US" b="0" i="1" smtClean="0">
+                              <a:latin typeface="Cambria Math" panose="02040503050406030204" pitchFamily="18" charset="0"/>
+                            </a:rPr>
+                          </m:ctrlPr>
+                        </m:sSubPr>
+                        <m:e>
+                          <m:r>
+                            <a:rPr lang="en-US" b="0" i="1" smtClean="0">
+                              <a:latin typeface="Cambria Math" panose="02040503050406030204" pitchFamily="18" charset="0"/>
+                            </a:rPr>
+                            <m:t>𝜔</m:t>
+                          </m:r>
+                        </m:e>
+                        <m:sub>
+                          <m:r>
+                            <a:rPr lang="en-US" b="0" i="1" smtClean="0">
+                              <a:latin typeface="Cambria Math" panose="02040503050406030204" pitchFamily="18" charset="0"/>
+                            </a:rPr>
+                            <m:t>1</m:t>
+                          </m:r>
+                        </m:sub>
+                      </m:sSub>
+                      <m:r>
+                        <a:rPr lang="en-US" b="0" i="1" smtClean="0">
+                          <a:latin typeface="Cambria Math" panose="02040503050406030204" pitchFamily="18" charset="0"/>
+                        </a:rPr>
+                        <m:t>−</m:t>
+                      </m:r>
+                      <m:r>
+                        <m:rPr>
+                          <m:sty m:val="p"/>
+                        </m:rPr>
+                        <a:rPr lang="en-US" b="0" i="0" smtClean="0">
+                          <a:latin typeface="Cambria Math" panose="02040503050406030204" pitchFamily="18" charset="0"/>
+                        </a:rPr>
+                        <m:t>Δ</m:t>
+                      </m:r>
+                    </m:oMath>
+                  </m:oMathPara>
+                </a14:m>
+                <a:endParaRPr lang="en-US" dirty="0"/>
+              </a:p>
+            </p:txBody>
+          </p:sp>
+        </mc:Choice>
+        <mc:Fallback>
+          <p:sp>
+            <p:nvSpPr>
+              <p:cNvPr id="18" name="TextBox 17">
+                <a:extLst>
+                  <a:ext uri="{FF2B5EF4-FFF2-40B4-BE49-F238E27FC236}">
+                    <a16:creationId xmlns:a16="http://schemas.microsoft.com/office/drawing/2014/main" id="{49037623-9824-4A57-88AB-1CCF8CAA1FA5}"/>
+                  </a:ext>
+                </a:extLst>
+              </p:cNvPr>
+              <p:cNvSpPr txBox="1">
+                <a:spLocks noRot="1" noChangeAspect="1" noMove="1" noResize="1" noEditPoints="1" noAdjustHandles="1" noChangeArrowheads="1" noChangeShapeType="1" noTextEdit="1"/>
+              </p:cNvSpPr>
+              <p:nvPr/>
+            </p:nvSpPr>
+            <p:spPr>
+              <a:xfrm>
+                <a:off x="2097228" y="1572939"/>
+                <a:ext cx="919867" cy="369332"/>
+              </a:xfrm>
+              <a:prstGeom prst="rect">
+                <a:avLst/>
+              </a:prstGeom>
+              <a:blipFill>
+                <a:blip r:embed="rId6"/>
+                <a:stretch>
+                  <a:fillRect/>
+                </a:stretch>
+              </a:blipFill>
+            </p:spPr>
+            <p:txBody>
+              <a:bodyPr/>
+              <a:lstStyle/>
+              <a:p>
+                <a:r>
+                  <a:rPr lang="en-US">
+                    <a:noFill/>
+                  </a:rPr>
+                  <a:t> </a:t>
+                </a:r>
+              </a:p>
+            </p:txBody>
+          </p:sp>
+        </mc:Fallback>
+      </mc:AlternateContent>
+      <mc:AlternateContent xmlns:mc="http://schemas.openxmlformats.org/markup-compatibility/2006">
+        <mc:Choice xmlns:a14="http://schemas.microsoft.com/office/drawing/2010/main" Requires="a14">
+          <p:sp>
+            <p:nvSpPr>
+              <p:cNvPr id="20" name="TextBox 19">
+                <a:extLst>
+                  <a:ext uri="{FF2B5EF4-FFF2-40B4-BE49-F238E27FC236}">
+                    <a16:creationId xmlns:a16="http://schemas.microsoft.com/office/drawing/2014/main" id="{EB59CDB4-C2FD-48E0-A044-BEEBFA793297}"/>
+                  </a:ext>
+                </a:extLst>
+              </p:cNvPr>
+              <p:cNvSpPr txBox="1"/>
+              <p:nvPr/>
+            </p:nvSpPr>
+            <p:spPr>
+              <a:xfrm>
+                <a:off x="4310438" y="684973"/>
+                <a:ext cx="513538" cy="369332"/>
+              </a:xfrm>
+              <a:prstGeom prst="rect">
+                <a:avLst/>
+              </a:prstGeom>
+              <a:noFill/>
+            </p:spPr>
+            <p:txBody>
+              <a:bodyPr wrap="none" rtlCol="0">
+                <a:spAutoFit/>
+              </a:bodyPr>
+              <a:lstStyle/>
+              <a:p>
+                <a:pPr/>
+                <a14:m>
+                  <m:oMathPara xmlns:m="http://schemas.openxmlformats.org/officeDocument/2006/math">
+                    <m:oMathParaPr>
+                      <m:jc m:val="centerGroup"/>
+                    </m:oMathParaPr>
+                    <m:oMath xmlns:m="http://schemas.openxmlformats.org/officeDocument/2006/math">
+                      <m:r>
+                        <a:rPr lang="en-US" b="0" i="1" smtClean="0">
+                          <a:latin typeface="Cambria Math" panose="02040503050406030204" pitchFamily="18" charset="0"/>
+                        </a:rPr>
+                        <m:t>|</m:t>
+                      </m:r>
+                      <m:r>
+                        <a:rPr lang="en-US" b="0" i="1" smtClean="0">
+                          <a:latin typeface="Cambria Math" panose="02040503050406030204" pitchFamily="18" charset="0"/>
+                        </a:rPr>
+                        <m:t>𝑒</m:t>
+                      </m:r>
+                      <m:r>
+                        <a:rPr lang="en-US" b="0" i="1" smtClean="0">
+                          <a:latin typeface="Cambria Math" panose="02040503050406030204" pitchFamily="18" charset="0"/>
+                        </a:rPr>
+                        <m:t>⟩</m:t>
+                      </m:r>
+                    </m:oMath>
+                  </m:oMathPara>
+                </a14:m>
+                <a:endParaRPr lang="en-US" dirty="0"/>
+              </a:p>
+            </p:txBody>
+          </p:sp>
+        </mc:Choice>
+        <mc:Fallback>
+          <p:sp>
+            <p:nvSpPr>
+              <p:cNvPr id="20" name="TextBox 19">
+                <a:extLst>
+                  <a:ext uri="{FF2B5EF4-FFF2-40B4-BE49-F238E27FC236}">
+                    <a16:creationId xmlns:a16="http://schemas.microsoft.com/office/drawing/2014/main" id="{EB59CDB4-C2FD-48E0-A044-BEEBFA793297}"/>
+                  </a:ext>
+                </a:extLst>
+              </p:cNvPr>
+              <p:cNvSpPr txBox="1">
+                <a:spLocks noRot="1" noChangeAspect="1" noMove="1" noResize="1" noEditPoints="1" noAdjustHandles="1" noChangeArrowheads="1" noChangeShapeType="1" noTextEdit="1"/>
+              </p:cNvSpPr>
+              <p:nvPr/>
+            </p:nvSpPr>
+            <p:spPr>
+              <a:xfrm>
+                <a:off x="4310438" y="684973"/>
+                <a:ext cx="513538" cy="369332"/>
+              </a:xfrm>
+              <a:prstGeom prst="rect">
+                <a:avLst/>
+              </a:prstGeom>
+              <a:blipFill>
+                <a:blip r:embed="rId7"/>
+                <a:stretch>
+                  <a:fillRect b="-13115"/>
+                </a:stretch>
+              </a:blipFill>
+            </p:spPr>
+            <p:txBody>
+              <a:bodyPr/>
+              <a:lstStyle/>
+              <a:p>
+                <a:r>
+                  <a:rPr lang="en-US">
+                    <a:noFill/>
+                  </a:rPr>
+                  <a:t> </a:t>
+                </a:r>
+              </a:p>
+            </p:txBody>
+          </p:sp>
+        </mc:Fallback>
+      </mc:AlternateContent>
+      <mc:AlternateContent xmlns:mc="http://schemas.openxmlformats.org/markup-compatibility/2006">
+        <mc:Choice xmlns:a14="http://schemas.microsoft.com/office/drawing/2010/main" Requires="a14">
+          <p:sp>
+            <p:nvSpPr>
+              <p:cNvPr id="22" name="TextBox 21">
+                <a:extLst>
+                  <a:ext uri="{FF2B5EF4-FFF2-40B4-BE49-F238E27FC236}">
+                    <a16:creationId xmlns:a16="http://schemas.microsoft.com/office/drawing/2014/main" id="{A16A1021-B4A2-4B55-A79E-6D8699434A59}"/>
+                  </a:ext>
+                </a:extLst>
+              </p:cNvPr>
+              <p:cNvSpPr txBox="1"/>
+              <p:nvPr/>
+            </p:nvSpPr>
+            <p:spPr>
+              <a:xfrm>
+                <a:off x="4251193" y="2327713"/>
+                <a:ext cx="592598" cy="369332"/>
+              </a:xfrm>
+              <a:prstGeom prst="rect">
+                <a:avLst/>
+              </a:prstGeom>
+              <a:noFill/>
+            </p:spPr>
+            <p:txBody>
+              <a:bodyPr wrap="none" rtlCol="0">
+                <a:spAutoFit/>
+              </a:bodyPr>
+              <a:lstStyle/>
+              <a:p>
+                <a:pPr/>
+                <a14:m>
+                  <m:oMathPara xmlns:m="http://schemas.openxmlformats.org/officeDocument/2006/math">
+                    <m:oMathParaPr>
+                      <m:jc m:val="centerGroup"/>
+                    </m:oMathParaPr>
+                    <m:oMath xmlns:m="http://schemas.openxmlformats.org/officeDocument/2006/math">
+                      <m:r>
+                        <a:rPr lang="en-US" b="0" i="1" smtClean="0">
+                          <a:latin typeface="Cambria Math" panose="02040503050406030204" pitchFamily="18" charset="0"/>
+                        </a:rPr>
+                        <m:t>|</m:t>
+                      </m:r>
+                      <m:r>
+                        <a:rPr lang="en-US" b="0" i="1" smtClean="0">
+                          <a:latin typeface="Cambria Math" panose="02040503050406030204" pitchFamily="18" charset="0"/>
+                        </a:rPr>
+                        <m:t>𝑚</m:t>
+                      </m:r>
+                      <m:r>
+                        <a:rPr lang="en-US" b="0" i="1" smtClean="0">
+                          <a:latin typeface="Cambria Math" panose="02040503050406030204" pitchFamily="18" charset="0"/>
+                        </a:rPr>
+                        <m:t>⟩</m:t>
+                      </m:r>
+                    </m:oMath>
+                  </m:oMathPara>
+                </a14:m>
+                <a:endParaRPr lang="en-US" dirty="0"/>
+              </a:p>
+            </p:txBody>
+          </p:sp>
+        </mc:Choice>
+        <mc:Fallback>
+          <p:sp>
+            <p:nvSpPr>
+              <p:cNvPr id="22" name="TextBox 21">
+                <a:extLst>
+                  <a:ext uri="{FF2B5EF4-FFF2-40B4-BE49-F238E27FC236}">
+                    <a16:creationId xmlns:a16="http://schemas.microsoft.com/office/drawing/2014/main" id="{A16A1021-B4A2-4B55-A79E-6D8699434A59}"/>
+                  </a:ext>
+                </a:extLst>
+              </p:cNvPr>
+              <p:cNvSpPr txBox="1">
+                <a:spLocks noRot="1" noChangeAspect="1" noMove="1" noResize="1" noEditPoints="1" noAdjustHandles="1" noChangeArrowheads="1" noChangeShapeType="1" noTextEdit="1"/>
+              </p:cNvSpPr>
+              <p:nvPr/>
+            </p:nvSpPr>
+            <p:spPr>
+              <a:xfrm>
+                <a:off x="4251193" y="2327713"/>
+                <a:ext cx="592598" cy="369332"/>
+              </a:xfrm>
+              <a:prstGeom prst="rect">
+                <a:avLst/>
+              </a:prstGeom>
+              <a:blipFill>
+                <a:blip r:embed="rId8"/>
+                <a:stretch>
+                  <a:fillRect b="-13333"/>
+                </a:stretch>
+              </a:blipFill>
+            </p:spPr>
+            <p:txBody>
+              <a:bodyPr/>
+              <a:lstStyle/>
+              <a:p>
+                <a:r>
+                  <a:rPr lang="en-US">
+                    <a:noFill/>
+                  </a:rPr>
+                  <a:t> </a:t>
+                </a:r>
+              </a:p>
+            </p:txBody>
+          </p:sp>
+        </mc:Fallback>
+      </mc:AlternateContent>
+      <mc:AlternateContent xmlns:mc="http://schemas.openxmlformats.org/markup-compatibility/2006">
+        <mc:Choice xmlns:a14="http://schemas.microsoft.com/office/drawing/2010/main" Requires="a14">
+          <p:sp>
+            <p:nvSpPr>
+              <p:cNvPr id="23" name="TextBox 22">
+                <a:extLst>
+                  <a:ext uri="{FF2B5EF4-FFF2-40B4-BE49-F238E27FC236}">
+                    <a16:creationId xmlns:a16="http://schemas.microsoft.com/office/drawing/2014/main" id="{95BEC25F-2F1E-4FB0-96A0-2C1555BDE757}"/>
+                  </a:ext>
+                </a:extLst>
+              </p:cNvPr>
+              <p:cNvSpPr txBox="1"/>
+              <p:nvPr/>
+            </p:nvSpPr>
+            <p:spPr>
+              <a:xfrm>
+                <a:off x="4330253" y="4145940"/>
+                <a:ext cx="539700" cy="369332"/>
+              </a:xfrm>
+              <a:prstGeom prst="rect">
+                <a:avLst/>
+              </a:prstGeom>
+              <a:noFill/>
+            </p:spPr>
+            <p:txBody>
+              <a:bodyPr wrap="none" rtlCol="0">
+                <a:spAutoFit/>
+              </a:bodyPr>
+              <a:lstStyle/>
+              <a:p>
+                <a:pPr/>
+                <a14:m>
+                  <m:oMathPara xmlns:m="http://schemas.openxmlformats.org/officeDocument/2006/math">
+                    <m:oMathParaPr>
+                      <m:jc m:val="centerGroup"/>
+                    </m:oMathParaPr>
+                    <m:oMath xmlns:m="http://schemas.openxmlformats.org/officeDocument/2006/math">
+                      <m:r>
+                        <a:rPr lang="en-US" b="0" i="1" smtClean="0">
+                          <a:latin typeface="Cambria Math" panose="02040503050406030204" pitchFamily="18" charset="0"/>
+                        </a:rPr>
+                        <m:t>|</m:t>
+                      </m:r>
+                      <m:r>
+                        <a:rPr lang="en-US" b="0" i="1" smtClean="0">
+                          <a:latin typeface="Cambria Math" panose="02040503050406030204" pitchFamily="18" charset="0"/>
+                        </a:rPr>
+                        <m:t>𝑔</m:t>
+                      </m:r>
+                      <m:r>
+                        <a:rPr lang="en-US" b="0" i="1" smtClean="0">
+                          <a:latin typeface="Cambria Math" panose="02040503050406030204" pitchFamily="18" charset="0"/>
+                        </a:rPr>
+                        <m:t>⟩</m:t>
+                      </m:r>
+                    </m:oMath>
+                  </m:oMathPara>
+                </a14:m>
+                <a:endParaRPr lang="en-US" dirty="0"/>
+              </a:p>
+            </p:txBody>
+          </p:sp>
+        </mc:Choice>
+        <mc:Fallback>
+          <p:sp>
+            <p:nvSpPr>
+              <p:cNvPr id="23" name="TextBox 22">
+                <a:extLst>
+                  <a:ext uri="{FF2B5EF4-FFF2-40B4-BE49-F238E27FC236}">
+                    <a16:creationId xmlns:a16="http://schemas.microsoft.com/office/drawing/2014/main" id="{95BEC25F-2F1E-4FB0-96A0-2C1555BDE757}"/>
+                  </a:ext>
+                </a:extLst>
+              </p:cNvPr>
+              <p:cNvSpPr txBox="1">
+                <a:spLocks noRot="1" noChangeAspect="1" noMove="1" noResize="1" noEditPoints="1" noAdjustHandles="1" noChangeArrowheads="1" noChangeShapeType="1" noTextEdit="1"/>
+              </p:cNvSpPr>
+              <p:nvPr/>
+            </p:nvSpPr>
+            <p:spPr>
+              <a:xfrm>
+                <a:off x="4330253" y="4145940"/>
+                <a:ext cx="539700" cy="369332"/>
+              </a:xfrm>
+              <a:prstGeom prst="rect">
+                <a:avLst/>
+              </a:prstGeom>
+              <a:blipFill>
+                <a:blip r:embed="rId9"/>
+                <a:stretch>
+                  <a:fillRect b="-13115"/>
+                </a:stretch>
+              </a:blipFill>
+            </p:spPr>
+            <p:txBody>
+              <a:bodyPr/>
+              <a:lstStyle/>
+              <a:p>
+                <a:r>
+                  <a:rPr lang="en-US">
+                    <a:noFill/>
+                  </a:rPr>
+                  <a:t> </a:t>
+                </a:r>
+              </a:p>
+            </p:txBody>
+          </p:sp>
+        </mc:Fallback>
+      </mc:AlternateContent>
+      <mc:AlternateContent xmlns:mc="http://schemas.openxmlformats.org/markup-compatibility/2006">
+        <mc:Choice xmlns:a14="http://schemas.microsoft.com/office/drawing/2010/main" Requires="a14">
+          <p:sp>
+            <p:nvSpPr>
+              <p:cNvPr id="2" name="TextBox 1">
+                <a:extLst>
+                  <a:ext uri="{FF2B5EF4-FFF2-40B4-BE49-F238E27FC236}">
+                    <a16:creationId xmlns:a16="http://schemas.microsoft.com/office/drawing/2014/main" id="{0044C902-55F3-4BBB-8D9C-549E2685D613}"/>
+                  </a:ext>
+                </a:extLst>
+              </p:cNvPr>
+              <p:cNvSpPr txBox="1"/>
+              <p:nvPr/>
+            </p:nvSpPr>
+            <p:spPr>
+              <a:xfrm>
+                <a:off x="587352" y="5099281"/>
+                <a:ext cx="1489895" cy="369332"/>
+              </a:xfrm>
+              <a:prstGeom prst="rect">
+                <a:avLst/>
+              </a:prstGeom>
+              <a:noFill/>
+            </p:spPr>
+            <p:txBody>
+              <a:bodyPr wrap="none" rtlCol="0">
+                <a:spAutoFit/>
+              </a:bodyPr>
+              <a:lstStyle/>
+              <a:p>
+                <a14:m>
+                  <m:oMathPara xmlns:m="http://schemas.openxmlformats.org/officeDocument/2006/math">
+                    <m:oMathParaPr>
+                      <m:jc m:val="centerGroup"/>
+                    </m:oMathParaPr>
+                    <m:oMath xmlns:m="http://schemas.openxmlformats.org/officeDocument/2006/math">
+                      <m:r>
+                        <a:rPr lang="en-US" b="0" i="1" smtClean="0">
+                          <a:latin typeface="Cambria Math" panose="02040503050406030204" pitchFamily="18" charset="0"/>
+                        </a:rPr>
+                        <m:t>𝛿</m:t>
+                      </m:r>
+                      <m:r>
+                        <a:rPr lang="en-US" b="0" i="1" smtClean="0">
+                          <a:latin typeface="Cambria Math" panose="02040503050406030204" pitchFamily="18" charset="0"/>
+                        </a:rPr>
+                        <m:t>=</m:t>
+                      </m:r>
+                      <m:sSub>
+                        <m:sSubPr>
+                          <m:ctrlPr>
+                            <a:rPr lang="en-US" b="0" i="1" smtClean="0">
+                              <a:latin typeface="Cambria Math" panose="02040503050406030204" pitchFamily="18" charset="0"/>
+                            </a:rPr>
+                          </m:ctrlPr>
+                        </m:sSubPr>
+                        <m:e>
+                          <m:r>
+                            <a:rPr lang="en-US" b="0" i="1" smtClean="0">
+                              <a:latin typeface="Cambria Math" panose="02040503050406030204" pitchFamily="18" charset="0"/>
+                            </a:rPr>
+                            <m:t>𝜔</m:t>
+                          </m:r>
+                        </m:e>
+                        <m:sub>
+                          <m:r>
+                            <a:rPr lang="en-US" b="0" i="1" smtClean="0">
+                              <a:latin typeface="Cambria Math" panose="02040503050406030204" pitchFamily="18" charset="0"/>
+                            </a:rPr>
+                            <m:t>1</m:t>
+                          </m:r>
+                        </m:sub>
+                      </m:sSub>
+                      <m:r>
+                        <a:rPr lang="en-US" b="0" i="1" smtClean="0">
+                          <a:latin typeface="Cambria Math" panose="02040503050406030204" pitchFamily="18" charset="0"/>
+                        </a:rPr>
+                        <m:t>−</m:t>
+                      </m:r>
+                      <m:sSub>
+                        <m:sSubPr>
+                          <m:ctrlPr>
+                            <a:rPr lang="en-US" b="0" i="1" smtClean="0">
+                              <a:latin typeface="Cambria Math" panose="02040503050406030204" pitchFamily="18" charset="0"/>
+                            </a:rPr>
+                          </m:ctrlPr>
+                        </m:sSubPr>
+                        <m:e>
+                          <m:r>
+                            <a:rPr lang="en-US" b="0" i="1" smtClean="0">
+                              <a:latin typeface="Cambria Math" panose="02040503050406030204" pitchFamily="18" charset="0"/>
+                            </a:rPr>
+                            <m:t>𝜔</m:t>
+                          </m:r>
+                        </m:e>
+                        <m:sub>
+                          <m:r>
+                            <a:rPr lang="en-US" b="0" i="1" smtClean="0">
+                              <a:latin typeface="Cambria Math" panose="02040503050406030204" pitchFamily="18" charset="0"/>
+                            </a:rPr>
+                            <m:t>2</m:t>
+                          </m:r>
+                        </m:sub>
+                      </m:sSub>
+                    </m:oMath>
+                  </m:oMathPara>
+                </a14:m>
+                <a:endParaRPr lang="en-US" dirty="0"/>
+              </a:p>
+            </p:txBody>
+          </p:sp>
+        </mc:Choice>
+        <mc:Fallback>
+          <p:sp>
+            <p:nvSpPr>
+              <p:cNvPr id="2" name="TextBox 1">
+                <a:extLst>
+                  <a:ext uri="{FF2B5EF4-FFF2-40B4-BE49-F238E27FC236}">
+                    <a16:creationId xmlns:a16="http://schemas.microsoft.com/office/drawing/2014/main" id="{0044C902-55F3-4BBB-8D9C-549E2685D613}"/>
+                  </a:ext>
+                </a:extLst>
+              </p:cNvPr>
+              <p:cNvSpPr txBox="1">
+                <a:spLocks noRot="1" noChangeAspect="1" noMove="1" noResize="1" noEditPoints="1" noAdjustHandles="1" noChangeArrowheads="1" noChangeShapeType="1" noTextEdit="1"/>
+              </p:cNvSpPr>
+              <p:nvPr/>
+            </p:nvSpPr>
+            <p:spPr>
+              <a:xfrm>
+                <a:off x="587352" y="5099281"/>
+                <a:ext cx="1489895" cy="369332"/>
+              </a:xfrm>
+              <a:prstGeom prst="rect">
+                <a:avLst/>
+              </a:prstGeom>
+              <a:blipFill>
+                <a:blip r:embed="rId10"/>
+                <a:stretch>
+                  <a:fillRect/>
+                </a:stretch>
+              </a:blipFill>
+            </p:spPr>
+            <p:txBody>
+              <a:bodyPr/>
+              <a:lstStyle/>
+              <a:p>
+                <a:r>
+                  <a:rPr lang="en-US">
+                    <a:noFill/>
+                  </a:rPr>
+                  <a:t> </a:t>
+                </a:r>
+              </a:p>
+            </p:txBody>
+          </p:sp>
+        </mc:Fallback>
+      </mc:AlternateContent>
+    </p:spTree>
+    <p:extLst>
+      <p:ext uri="{BB962C8B-B14F-4D97-AF65-F5344CB8AC3E}">
+        <p14:creationId xmlns:p14="http://schemas.microsoft.com/office/powerpoint/2010/main" val="2091307836"/>
       </p:ext>
     </p:extLst>
   </p:cSld>
